--- a/server/presentations/04_N1QL Details.pptx
+++ b/server/presentations/04_N1QL Details.pptx
@@ -5,38 +5,39 @@
     <p:sldMasterId id="2147483648" r:id="rId1"/>
   </p:sldMasterIdLst>
   <p:notesMasterIdLst>
-    <p:notesMasterId r:id="rId28"/>
+    <p:notesMasterId r:id="rId29"/>
   </p:notesMasterIdLst>
   <p:handoutMasterIdLst>
-    <p:handoutMasterId r:id="rId29"/>
+    <p:handoutMasterId r:id="rId30"/>
   </p:handoutMasterIdLst>
   <p:sldIdLst>
     <p:sldId id="256" r:id="rId2"/>
     <p:sldId id="283" r:id="rId3"/>
     <p:sldId id="293" r:id="rId4"/>
-    <p:sldId id="290" r:id="rId5"/>
-    <p:sldId id="291" r:id="rId6"/>
-    <p:sldId id="292" r:id="rId7"/>
-    <p:sldId id="285" r:id="rId8"/>
-    <p:sldId id="284" r:id="rId9"/>
-    <p:sldId id="288" r:id="rId10"/>
-    <p:sldId id="287" r:id="rId11"/>
-    <p:sldId id="286" r:id="rId12"/>
-    <p:sldId id="289" r:id="rId13"/>
-    <p:sldId id="294" r:id="rId14"/>
-    <p:sldId id="279" r:id="rId15"/>
-    <p:sldId id="280" r:id="rId16"/>
-    <p:sldId id="281" r:id="rId17"/>
-    <p:sldId id="264" r:id="rId18"/>
-    <p:sldId id="270" r:id="rId19"/>
-    <p:sldId id="276" r:id="rId20"/>
-    <p:sldId id="277" r:id="rId21"/>
-    <p:sldId id="272" r:id="rId22"/>
-    <p:sldId id="275" r:id="rId23"/>
-    <p:sldId id="273" r:id="rId24"/>
-    <p:sldId id="274" r:id="rId25"/>
-    <p:sldId id="267" r:id="rId26"/>
-    <p:sldId id="269" r:id="rId27"/>
+    <p:sldId id="295" r:id="rId5"/>
+    <p:sldId id="290" r:id="rId6"/>
+    <p:sldId id="291" r:id="rId7"/>
+    <p:sldId id="292" r:id="rId8"/>
+    <p:sldId id="285" r:id="rId9"/>
+    <p:sldId id="284" r:id="rId10"/>
+    <p:sldId id="288" r:id="rId11"/>
+    <p:sldId id="287" r:id="rId12"/>
+    <p:sldId id="286" r:id="rId13"/>
+    <p:sldId id="289" r:id="rId14"/>
+    <p:sldId id="294" r:id="rId15"/>
+    <p:sldId id="279" r:id="rId16"/>
+    <p:sldId id="280" r:id="rId17"/>
+    <p:sldId id="281" r:id="rId18"/>
+    <p:sldId id="264" r:id="rId19"/>
+    <p:sldId id="270" r:id="rId20"/>
+    <p:sldId id="276" r:id="rId21"/>
+    <p:sldId id="277" r:id="rId22"/>
+    <p:sldId id="272" r:id="rId23"/>
+    <p:sldId id="275" r:id="rId24"/>
+    <p:sldId id="273" r:id="rId25"/>
+    <p:sldId id="274" r:id="rId26"/>
+    <p:sldId id="267" r:id="rId27"/>
+    <p:sldId id="269" r:id="rId28"/>
   </p:sldIdLst>
   <p:sldSz cx="9144000" cy="5143500" type="screen16x9"/>
   <p:notesSz cx="6858000" cy="9144000"/>
@@ -594,11 +595,11 @@
           <c:showBubbleSize val="0"/>
         </c:dLbls>
         <c:gapWidth val="150"/>
-        <c:axId val="-2073233464"/>
-        <c:axId val="-2073230264"/>
+        <c:axId val="-2096436856"/>
+        <c:axId val="-2096433528"/>
       </c:barChart>
       <c:catAx>
-        <c:axId val="-2073233464"/>
+        <c:axId val="-2096436856"/>
         <c:scaling>
           <c:orientation val="minMax"/>
         </c:scaling>
@@ -624,7 +625,7 @@
             <a:endParaRPr lang="de-DE"/>
           </a:p>
         </c:txPr>
-        <c:crossAx val="-2073230264"/>
+        <c:crossAx val="-2096433528"/>
         <c:crosses val="autoZero"/>
         <c:auto val="1"/>
         <c:lblAlgn val="ctr"/>
@@ -632,7 +633,7 @@
         <c:noMultiLvlLbl val="0"/>
       </c:catAx>
       <c:valAx>
-        <c:axId val="-2073230264"/>
+        <c:axId val="-2096433528"/>
         <c:scaling>
           <c:orientation val="minMax"/>
         </c:scaling>
@@ -674,7 +675,7 @@
             <a:endParaRPr lang="de-DE"/>
           </a:p>
         </c:txPr>
-        <c:crossAx val="-2073233464"/>
+        <c:crossAx val="-2096436856"/>
         <c:crosses val="autoZero"/>
         <c:crossBetween val="between"/>
       </c:valAx>
@@ -916,11 +917,11 @@
           <c:showBubbleSize val="0"/>
         </c:dLbls>
         <c:gapWidth val="150"/>
-        <c:axId val="-2048249704"/>
-        <c:axId val="-2050793368"/>
+        <c:axId val="-2094070248"/>
+        <c:axId val="-2094066920"/>
       </c:barChart>
       <c:catAx>
-        <c:axId val="-2048249704"/>
+        <c:axId val="-2094070248"/>
         <c:scaling>
           <c:orientation val="minMax"/>
         </c:scaling>
@@ -946,7 +947,7 @@
             <a:endParaRPr lang="de-DE"/>
           </a:p>
         </c:txPr>
-        <c:crossAx val="-2050793368"/>
+        <c:crossAx val="-2094066920"/>
         <c:crosses val="autoZero"/>
         <c:auto val="1"/>
         <c:lblAlgn val="ctr"/>
@@ -954,7 +955,7 @@
         <c:noMultiLvlLbl val="0"/>
       </c:catAx>
       <c:valAx>
-        <c:axId val="-2050793368"/>
+        <c:axId val="-2094066920"/>
         <c:scaling>
           <c:orientation val="minMax"/>
         </c:scaling>
@@ -996,7 +997,7 @@
             <a:endParaRPr lang="de-DE"/>
           </a:p>
         </c:txPr>
-        <c:crossAx val="-2048249704"/>
+        <c:crossAx val="-2094070248"/>
         <c:crosses val="autoZero"/>
         <c:crossBetween val="between"/>
       </c:valAx>
@@ -1246,11 +1247,11 @@
         </c:dLbls>
         <c:marker val="1"/>
         <c:smooth val="0"/>
-        <c:axId val="-2048314920"/>
-        <c:axId val="-2048317720"/>
+        <c:axId val="-2094025192"/>
+        <c:axId val="-2094668168"/>
       </c:lineChart>
       <c:catAx>
-        <c:axId val="-2048314920"/>
+        <c:axId val="-2094025192"/>
         <c:scaling>
           <c:orientation val="minMax"/>
         </c:scaling>
@@ -1276,7 +1277,7 @@
             <a:endParaRPr lang="de-DE"/>
           </a:p>
         </c:txPr>
-        <c:crossAx val="-2048317720"/>
+        <c:crossAx val="-2094668168"/>
         <c:crosses val="autoZero"/>
         <c:auto val="1"/>
         <c:lblAlgn val="ctr"/>
@@ -1284,7 +1285,7 @@
         <c:noMultiLvlLbl val="0"/>
       </c:catAx>
       <c:valAx>
-        <c:axId val="-2048317720"/>
+        <c:axId val="-2094668168"/>
         <c:scaling>
           <c:orientation val="minMax"/>
         </c:scaling>
@@ -1324,7 +1325,7 @@
             <a:endParaRPr lang="de-DE"/>
           </a:p>
         </c:txPr>
-        <c:crossAx val="-2048314920"/>
+        <c:crossAx val="-2094025192"/>
         <c:crosses val="autoZero"/>
         <c:crossBetween val="between"/>
       </c:valAx>
@@ -2007,7 +2008,7 @@
                 <a:latin typeface="Calibri"/>
               </a:rPr>
               <a:pPr/>
-              <a:t>9</a:t>
+              <a:t>10</a:t>
             </a:fld>
             <a:endParaRPr lang="en-US">
               <a:solidFill>
@@ -2096,7 +2097,7 @@
           <a:p>
             <a:fld id="{615C908D-C35B-B346-A739-79C621D2BD36}" type="slidenum">
               <a:rPr lang="en-US" smtClean="0"/>
-              <a:t>10</a:t>
+              <a:t>11</a:t>
             </a:fld>
             <a:endParaRPr lang="en-US"/>
           </a:p>
@@ -4948,6 +4949,3863 @@
       </p:grpSpPr>
       <p:sp>
         <p:nvSpPr>
+          <p:cNvPr id="27668" name="Oval 20"/>
+          <p:cNvSpPr>
+            <a:spLocks/>
+          </p:cNvSpPr>
+          <p:nvPr/>
+        </p:nvSpPr>
+        <p:spPr bwMode="auto">
+          <a:xfrm>
+            <a:off x="5791184" y="2371548"/>
+            <a:ext cx="331788" cy="245269"/>
+          </a:xfrm>
+          <a:prstGeom prst="ellipse">
+            <a:avLst/>
+          </a:prstGeom>
+          <a:solidFill>
+            <a:srgbClr val="00A7F2"/>
+          </a:solidFill>
+          <a:ln w="28575" cap="flat">
+            <a:solidFill>
+              <a:srgbClr val="0070A2"/>
+            </a:solidFill>
+            <a:prstDash val="solid"/>
+            <a:round/>
+            <a:headEnd type="none" w="med" len="med"/>
+            <a:tailEnd type="none" w="med" len="med"/>
+          </a:ln>
+          <a:effectLst>
+            <a:outerShdw blurRad="38100" dist="23000" dir="5400000" algn="ctr" rotWithShape="0">
+              <a:schemeClr val="bg2">
+                <a:alpha val="34999"/>
+              </a:schemeClr>
+            </a:outerShdw>
+          </a:effectLst>
+        </p:spPr>
+        <p:txBody>
+          <a:bodyPr lIns="0" tIns="0" rIns="0" bIns="0" anchor="ctr"/>
+          <a:lstStyle/>
+          <a:p>
+            <a:pPr algn="ctr"/>
+            <a:r>
+              <a:rPr lang="en-US" dirty="0">
+                <a:solidFill>
+                  <a:srgbClr val="FFFFFF"/>
+                </a:solidFill>
+                <a:latin typeface="Calibri"/>
+              </a:rPr>
+              <a:t>3</a:t>
+            </a:r>
+          </a:p>
+        </p:txBody>
+      </p:sp>
+      <p:sp>
+        <p:nvSpPr>
+          <p:cNvPr id="27666" name="Oval 18"/>
+          <p:cNvSpPr>
+            <a:spLocks/>
+          </p:cNvSpPr>
+          <p:nvPr/>
+        </p:nvSpPr>
+        <p:spPr bwMode="auto">
+          <a:xfrm>
+            <a:off x="3886188" y="2367976"/>
+            <a:ext cx="327025" cy="245269"/>
+          </a:xfrm>
+          <a:prstGeom prst="ellipse">
+            <a:avLst/>
+          </a:prstGeom>
+          <a:solidFill>
+            <a:srgbClr val="00A7F2"/>
+          </a:solidFill>
+          <a:ln w="28575" cap="flat">
+            <a:solidFill>
+              <a:srgbClr val="0070A2"/>
+            </a:solidFill>
+            <a:prstDash val="solid"/>
+            <a:round/>
+            <a:headEnd type="none" w="med" len="med"/>
+            <a:tailEnd type="none" w="med" len="med"/>
+          </a:ln>
+          <a:effectLst>
+            <a:outerShdw blurRad="38100" dist="23000" dir="5400000" algn="ctr" rotWithShape="0">
+              <a:schemeClr val="bg2">
+                <a:alpha val="34999"/>
+              </a:schemeClr>
+            </a:outerShdw>
+          </a:effectLst>
+        </p:spPr>
+        <p:txBody>
+          <a:bodyPr lIns="0" tIns="0" rIns="0" bIns="0" anchor="ctr"/>
+          <a:lstStyle/>
+          <a:p>
+            <a:pPr algn="ctr"/>
+            <a:r>
+              <a:rPr lang="en-US" dirty="0">
+                <a:solidFill>
+                  <a:srgbClr val="FFFFFF"/>
+                </a:solidFill>
+                <a:latin typeface="Calibri"/>
+              </a:rPr>
+              <a:t>3</a:t>
+            </a:r>
+          </a:p>
+        </p:txBody>
+      </p:sp>
+      <p:sp>
+        <p:nvSpPr>
+          <p:cNvPr id="27676" name="Oval 28"/>
+          <p:cNvSpPr>
+            <a:spLocks/>
+          </p:cNvSpPr>
+          <p:nvPr/>
+        </p:nvSpPr>
+        <p:spPr bwMode="auto">
+          <a:xfrm>
+            <a:off x="5105387" y="2402504"/>
+            <a:ext cx="327025" cy="244079"/>
+          </a:xfrm>
+          <a:prstGeom prst="ellipse">
+            <a:avLst/>
+          </a:prstGeom>
+          <a:solidFill>
+            <a:srgbClr val="00A7F2"/>
+          </a:solidFill>
+          <a:ln w="28575" cap="flat">
+            <a:solidFill>
+              <a:srgbClr val="0070A2"/>
+            </a:solidFill>
+            <a:prstDash val="solid"/>
+            <a:round/>
+            <a:headEnd type="none" w="med" len="med"/>
+            <a:tailEnd type="none" w="med" len="med"/>
+          </a:ln>
+          <a:effectLst>
+            <a:outerShdw blurRad="38100" dist="23000" dir="5400000" algn="ctr" rotWithShape="0">
+              <a:schemeClr val="bg2">
+                <a:alpha val="34999"/>
+              </a:schemeClr>
+            </a:outerShdw>
+          </a:effectLst>
+        </p:spPr>
+        <p:txBody>
+          <a:bodyPr lIns="0" tIns="0" rIns="0" bIns="0" anchor="ctr"/>
+          <a:lstStyle/>
+          <a:p>
+            <a:pPr algn="ctr"/>
+            <a:r>
+              <a:rPr lang="en-US" dirty="0">
+                <a:solidFill>
+                  <a:srgbClr val="FFFFFF"/>
+                </a:solidFill>
+                <a:latin typeface="Calibri"/>
+              </a:rPr>
+              <a:t>2</a:t>
+            </a:r>
+          </a:p>
+        </p:txBody>
+      </p:sp>
+      <p:sp>
+        <p:nvSpPr>
+          <p:cNvPr id="27652" name="Rectangle 4"/>
+          <p:cNvSpPr>
+            <a:spLocks noGrp="1" noChangeArrowheads="1"/>
+          </p:cNvSpPr>
+          <p:nvPr>
+            <p:ph type="title"/>
+          </p:nvPr>
+        </p:nvSpPr>
+        <p:spPr>
+          <a:ln/>
+        </p:spPr>
+        <p:txBody>
+          <a:bodyPr/>
+          <a:lstStyle/>
+          <a:p>
+            <a:r>
+              <a:rPr lang="en-US" dirty="0" smtClean="0">
+                <a:ea typeface="Lucida Grande" charset="0"/>
+                <a:cs typeface="Lucida Grande" charset="0"/>
+                <a:sym typeface="Lucida Grande" charset="0"/>
+              </a:rPr>
+              <a:t>View processing after write</a:t>
+            </a:r>
+            <a:endParaRPr lang="en-US" dirty="0">
+              <a:sym typeface="Lucida Grande" charset="0"/>
+            </a:endParaRPr>
+          </a:p>
+        </p:txBody>
+      </p:sp>
+      <p:sp>
+        <p:nvSpPr>
+          <p:cNvPr id="3" name="Slide Number Placeholder 2"/>
+          <p:cNvSpPr>
+            <a:spLocks noGrp="1"/>
+          </p:cNvSpPr>
+          <p:nvPr>
+            <p:ph type="sldNum" sz="quarter" idx="4294967295"/>
+          </p:nvPr>
+        </p:nvSpPr>
+        <p:spPr>
+          <a:xfrm>
+            <a:off x="8229600" y="4767263"/>
+            <a:ext cx="740664" cy="273844"/>
+          </a:xfrm>
+          <a:prstGeom prst="rect">
+            <a:avLst/>
+          </a:prstGeom>
+        </p:spPr>
+        <p:txBody>
+          <a:bodyPr/>
+          <a:lstStyle/>
+          <a:p>
+            <a:fld id="{2066355A-084C-D24E-9AD2-7E4FC41EA627}" type="slidenum">
+              <a:rPr lang="en-US" smtClean="0"/>
+              <a:pPr/>
+              <a:t>10</a:t>
+            </a:fld>
+            <a:endParaRPr lang="en-US" dirty="0"/>
+          </a:p>
+        </p:txBody>
+      </p:sp>
+      <p:pic>
+        <p:nvPicPr>
+          <p:cNvPr id="27654" name="Picture 6"/>
+          <p:cNvPicPr>
+            <a:picLocks noChangeAspect="1" noChangeArrowheads="1"/>
+          </p:cNvPicPr>
+          <p:nvPr/>
+        </p:nvPicPr>
+        <p:blipFill>
+          <a:blip r:embed="rId3" cstate="print">
+            <a:extLst>
+              <a:ext uri="{28A0092B-C50C-407E-A947-70E740481C1C}">
+                <a14:useLocalDpi xmlns:a14="http://schemas.microsoft.com/office/drawing/2010/main" val="0"/>
+              </a:ext>
+            </a:extLst>
+          </a:blip>
+          <a:srcRect l="2344" t="28528" r="74524" b="54262"/>
+          <a:stretch>
+            <a:fillRect/>
+          </a:stretch>
+        </p:blipFill>
+        <p:spPr bwMode="auto">
+          <a:xfrm>
+            <a:off x="3312692" y="881851"/>
+            <a:ext cx="2197269" cy="917324"/>
+          </a:xfrm>
+          <a:prstGeom prst="rect">
+            <a:avLst/>
+          </a:prstGeom>
+          <a:noFill/>
+          <a:ln>
+            <a:noFill/>
+          </a:ln>
+          <a:extLst>
+            <a:ext uri="{909E8E84-426E-40dd-AFC4-6F175D3DCCD1}">
+              <a14:hiddenFill xmlns:a14="http://schemas.microsoft.com/office/drawing/2010/main">
+                <a:solidFill>
+                  <a:srgbClr val="FFFFFF"/>
+                </a:solidFill>
+              </a14:hiddenFill>
+            </a:ext>
+            <a:ext uri="{91240B29-F687-4f45-9708-019B960494DF}">
+              <a14:hiddenLine xmlns:a14="http://schemas.microsoft.com/office/drawing/2010/main" w="9525" cap="flat">
+                <a:solidFill>
+                  <a:schemeClr val="tx1"/>
+                </a:solidFill>
+                <a:miter lim="800000"/>
+                <a:headEnd/>
+                <a:tailEnd/>
+              </a14:hiddenLine>
+            </a:ext>
+          </a:extLst>
+        </p:spPr>
+      </p:pic>
+      <p:sp>
+        <p:nvSpPr>
+          <p:cNvPr id="27657" name="Rectangle 9"/>
+          <p:cNvSpPr>
+            <a:spLocks/>
+          </p:cNvSpPr>
+          <p:nvPr/>
+        </p:nvSpPr>
+        <p:spPr bwMode="auto">
+          <a:xfrm>
+            <a:off x="1899610" y="2147695"/>
+            <a:ext cx="5139018" cy="2665535"/>
+          </a:xfrm>
+          <a:prstGeom prst="rect">
+            <a:avLst/>
+          </a:prstGeom>
+          <a:solidFill>
+            <a:schemeClr val="bg1">
+              <a:lumMod val="75000"/>
+            </a:schemeClr>
+          </a:solidFill>
+          <a:ln>
+            <a:headEnd type="none" w="med" len="med"/>
+            <a:tailEnd type="none" w="med" len="med"/>
+          </a:ln>
+          <a:extLst/>
+        </p:spPr>
+        <p:style>
+          <a:lnRef idx="0">
+            <a:schemeClr val="accent1"/>
+          </a:lnRef>
+          <a:fillRef idx="3">
+            <a:schemeClr val="accent1"/>
+          </a:fillRef>
+          <a:effectRef idx="3">
+            <a:schemeClr val="accent1"/>
+          </a:effectRef>
+          <a:fontRef idx="minor">
+            <a:schemeClr val="lt1"/>
+          </a:fontRef>
+        </p:style>
+        <p:txBody>
+          <a:bodyPr lIns="91435" tIns="45718" rIns="91435" bIns="45718" rtlCol="0" anchor="t"/>
+          <a:lstStyle/>
+          <a:p>
+            <a:pPr algn="ctr"/>
+            <a:endParaRPr lang="en-US" sz="1000" b="1" cap="all">
+              <a:solidFill>
+                <a:srgbClr val="FFFFFF"/>
+              </a:solidFill>
+            </a:endParaRPr>
+          </a:p>
+        </p:txBody>
+      </p:sp>
+      <p:sp>
+        <p:nvSpPr>
+          <p:cNvPr id="27670" name="Line 22"/>
+          <p:cNvSpPr>
+            <a:spLocks noChangeShapeType="1"/>
+          </p:cNvSpPr>
+          <p:nvPr/>
+        </p:nvSpPr>
+        <p:spPr bwMode="auto">
+          <a:xfrm rot="10800000">
+            <a:off x="4770050" y="1602813"/>
+            <a:ext cx="0" cy="750903"/>
+          </a:xfrm>
+          <a:prstGeom prst="line">
+            <a:avLst/>
+          </a:prstGeom>
+          <a:noFill/>
+          <a:ln w="28575" cap="flat">
+            <a:solidFill>
+              <a:srgbClr val="FF0000"/>
+            </a:solidFill>
+            <a:prstDash val="solid"/>
+            <a:round/>
+            <a:headEnd type="none" w="med" len="med"/>
+            <a:tailEnd type="arrow" w="sm" len="sm"/>
+          </a:ln>
+          <a:extLst>
+            <a:ext uri="{909E8E84-426E-40dd-AFC4-6F175D3DCCD1}">
+              <a14:hiddenFill xmlns:a14="http://schemas.microsoft.com/office/drawing/2010/main">
+                <a:solidFill>
+                  <a:srgbClr val="FFFFFF"/>
+                </a:solidFill>
+              </a14:hiddenFill>
+            </a:ext>
+          </a:extLst>
+        </p:spPr>
+        <p:txBody>
+          <a:bodyPr lIns="0" tIns="0" rIns="0" bIns="0"/>
+          <a:lstStyle/>
+          <a:p>
+            <a:endParaRPr lang="en-US">
+              <a:solidFill>
+                <a:prstClr val="black"/>
+              </a:solidFill>
+              <a:latin typeface="Calibri"/>
+            </a:endParaRPr>
+          </a:p>
+        </p:txBody>
+      </p:sp>
+      <p:sp>
+        <p:nvSpPr>
+          <p:cNvPr id="27671" name="Line 23"/>
+          <p:cNvSpPr>
+            <a:spLocks noChangeShapeType="1"/>
+          </p:cNvSpPr>
+          <p:nvPr/>
+        </p:nvSpPr>
+        <p:spPr bwMode="auto">
+          <a:xfrm flipH="1">
+            <a:off x="4540493" y="1608935"/>
+            <a:ext cx="0" cy="762613"/>
+          </a:xfrm>
+          <a:prstGeom prst="line">
+            <a:avLst/>
+          </a:prstGeom>
+          <a:noFill/>
+          <a:ln w="28575" cap="flat">
+            <a:solidFill>
+              <a:srgbClr val="FF0000"/>
+            </a:solidFill>
+            <a:prstDash val="solid"/>
+            <a:round/>
+            <a:headEnd type="none" w="med" len="med"/>
+            <a:tailEnd type="arrow" w="sm" len="sm"/>
+          </a:ln>
+          <a:extLst>
+            <a:ext uri="{909E8E84-426E-40dd-AFC4-6F175D3DCCD1}">
+              <a14:hiddenFill xmlns:a14="http://schemas.microsoft.com/office/drawing/2010/main">
+                <a:solidFill>
+                  <a:srgbClr val="FFFFFF"/>
+                </a:solidFill>
+              </a14:hiddenFill>
+            </a:ext>
+          </a:extLst>
+        </p:spPr>
+        <p:txBody>
+          <a:bodyPr lIns="0" tIns="0" rIns="0" bIns="0"/>
+          <a:lstStyle/>
+          <a:p>
+            <a:endParaRPr lang="en-US">
+              <a:solidFill>
+                <a:prstClr val="black"/>
+              </a:solidFill>
+              <a:latin typeface="Calibri"/>
+            </a:endParaRPr>
+          </a:p>
+        </p:txBody>
+      </p:sp>
+      <p:sp>
+        <p:nvSpPr>
+          <p:cNvPr id="27693" name="Rectangle 45"/>
+          <p:cNvSpPr>
+            <a:spLocks/>
+          </p:cNvSpPr>
+          <p:nvPr/>
+        </p:nvSpPr>
+        <p:spPr bwMode="auto">
+          <a:xfrm>
+            <a:off x="3515053" y="2479106"/>
+            <a:ext cx="1994906" cy="740769"/>
+          </a:xfrm>
+          <a:prstGeom prst="rect">
+            <a:avLst/>
+          </a:prstGeom>
+          <a:solidFill>
+            <a:schemeClr val="accent2"/>
+          </a:solidFill>
+          <a:ln>
+            <a:noFill/>
+            <a:headEnd type="none" w="med" len="med"/>
+            <a:tailEnd type="none" w="med" len="med"/>
+          </a:ln>
+          <a:extLst/>
+        </p:spPr>
+        <p:style>
+          <a:lnRef idx="1">
+            <a:schemeClr val="accent1"/>
+          </a:lnRef>
+          <a:fillRef idx="3">
+            <a:schemeClr val="accent1"/>
+          </a:fillRef>
+          <a:effectRef idx="2">
+            <a:schemeClr val="accent1"/>
+          </a:effectRef>
+          <a:fontRef idx="minor">
+            <a:schemeClr val="lt1"/>
+          </a:fontRef>
+        </p:style>
+        <p:txBody>
+          <a:bodyPr lIns="0" tIns="0" rIns="0" bIns="0"/>
+          <a:lstStyle/>
+          <a:p>
+            <a:endParaRPr lang="en-US">
+              <a:solidFill>
+                <a:prstClr val="black"/>
+              </a:solidFill>
+              <a:latin typeface="Calibri"/>
+            </a:endParaRPr>
+          </a:p>
+        </p:txBody>
+      </p:sp>
+      <p:sp>
+        <p:nvSpPr>
+          <p:cNvPr id="27694" name="Rectangle 46"/>
+          <p:cNvSpPr>
+            <a:spLocks/>
+          </p:cNvSpPr>
+          <p:nvPr/>
+        </p:nvSpPr>
+        <p:spPr bwMode="auto">
+          <a:xfrm>
+            <a:off x="3786951" y="2480008"/>
+            <a:ext cx="1413945" cy="323161"/>
+          </a:xfrm>
+          <a:prstGeom prst="rect">
+            <a:avLst/>
+          </a:prstGeom>
+          <a:noFill/>
+          <a:ln>
+            <a:noFill/>
+          </a:ln>
+          <a:extLst>
+            <a:ext uri="{909E8E84-426E-40dd-AFC4-6F175D3DCCD1}">
+              <a14:hiddenFill xmlns:a14="http://schemas.microsoft.com/office/drawing/2010/main">
+                <a:solidFill>
+                  <a:srgbClr val="FFFFFF"/>
+                </a:solidFill>
+              </a14:hiddenFill>
+            </a:ext>
+            <a:ext uri="{91240B29-F687-4f45-9708-019B960494DF}">
+              <a14:hiddenLine xmlns:a14="http://schemas.microsoft.com/office/drawing/2010/main" w="12700" cap="rnd">
+                <a:solidFill>
+                  <a:schemeClr val="tx1"/>
+                </a:solidFill>
+                <a:round/>
+                <a:headEnd type="none" w="med" len="med"/>
+                <a:tailEnd type="none" w="med" len="med"/>
+              </a14:hiddenLine>
+            </a:ext>
+          </a:extLst>
+        </p:spPr>
+        <p:txBody>
+          <a:bodyPr wrap="none" lIns="38098" tIns="38098" rIns="38098" bIns="38098">
+            <a:spAutoFit/>
+          </a:bodyPr>
+          <a:lstStyle/>
+          <a:p>
+            <a:r>
+              <a:rPr lang="en-US" sz="1600" dirty="0" smtClean="0">
+                <a:solidFill>
+                  <a:schemeClr val="bg1"/>
+                </a:solidFill>
+                <a:latin typeface="Calibri" charset="0"/>
+                <a:cs typeface="Calibri" charset="0"/>
+                <a:sym typeface="Calibri" charset="0"/>
+              </a:rPr>
+              <a:t>Managed Cache</a:t>
+            </a:r>
+            <a:endParaRPr lang="en-US" sz="1600" dirty="0">
+              <a:solidFill>
+                <a:schemeClr val="bg1"/>
+              </a:solidFill>
+              <a:latin typeface="Calibri" charset="0"/>
+              <a:cs typeface="Calibri" charset="0"/>
+              <a:sym typeface="Calibri" charset="0"/>
+            </a:endParaRPr>
+          </a:p>
+        </p:txBody>
+      </p:sp>
+      <p:sp>
+        <p:nvSpPr>
+          <p:cNvPr id="27696" name="Rectangle 48"/>
+          <p:cNvSpPr>
+            <a:spLocks/>
+          </p:cNvSpPr>
+          <p:nvPr/>
+        </p:nvSpPr>
+        <p:spPr bwMode="auto">
+          <a:xfrm rot="-5400000">
+            <a:off x="5616778" y="3384800"/>
+            <a:ext cx="1244406" cy="292384"/>
+          </a:xfrm>
+          <a:prstGeom prst="rect">
+            <a:avLst/>
+          </a:prstGeom>
+          <a:solidFill>
+            <a:srgbClr val="7F7F7F"/>
+          </a:solidFill>
+          <a:ln>
+            <a:noFill/>
+          </a:ln>
+          <a:effectLst/>
+          <a:extLst/>
+        </p:spPr>
+        <p:txBody>
+          <a:bodyPr wrap="square" lIns="38098" tIns="38098" rIns="38098" bIns="38098">
+            <a:spAutoFit/>
+          </a:bodyPr>
+          <a:lstStyle/>
+          <a:p>
+            <a:pPr algn="ctr"/>
+            <a:r>
+              <a:rPr lang="en-US" sz="1400" dirty="0">
+                <a:solidFill>
+                  <a:srgbClr val="1E1C1C"/>
+                </a:solidFill>
+                <a:latin typeface="Calibri" charset="0"/>
+                <a:cs typeface="Calibri" charset="0"/>
+                <a:sym typeface="Calibri" charset="0"/>
+              </a:rPr>
+              <a:t>Disk Queue</a:t>
+            </a:r>
+          </a:p>
+        </p:txBody>
+      </p:sp>
+      <p:grpSp>
+        <p:nvGrpSpPr>
+          <p:cNvPr id="2" name="Group 1"/>
+          <p:cNvGrpSpPr/>
+          <p:nvPr/>
+        </p:nvGrpSpPr>
+        <p:grpSpPr>
+          <a:xfrm>
+            <a:off x="2926551" y="3328809"/>
+            <a:ext cx="2469365" cy="1124309"/>
+            <a:chOff x="2926549" y="4438410"/>
+            <a:chExt cx="2469365" cy="1499079"/>
+          </a:xfrm>
+          <a:solidFill>
+            <a:schemeClr val="accent1"/>
+          </a:solidFill>
+        </p:grpSpPr>
+        <p:sp>
+          <p:nvSpPr>
+            <p:cNvPr id="27704" name="AutoShape 56"/>
+            <p:cNvSpPr>
+              <a:spLocks/>
+            </p:cNvSpPr>
+            <p:nvPr/>
+          </p:nvSpPr>
+          <p:spPr bwMode="auto">
+            <a:xfrm>
+              <a:off x="2926549" y="4446348"/>
+              <a:ext cx="2469365" cy="1491141"/>
+            </a:xfrm>
+            <a:custGeom>
+              <a:avLst/>
+              <a:gdLst/>
+              <a:ahLst/>
+              <a:cxnLst/>
+              <a:rect l="0" t="0" r="r" b="b"/>
+              <a:pathLst>
+                <a:path w="21600" h="21600">
+                  <a:moveTo>
+                    <a:pt x="0" y="2160"/>
+                  </a:moveTo>
+                  <a:cubicBezTo>
+                    <a:pt x="0" y="967"/>
+                    <a:pt x="4835" y="0"/>
+                    <a:pt x="10800" y="0"/>
+                  </a:cubicBezTo>
+                  <a:cubicBezTo>
+                    <a:pt x="16765" y="0"/>
+                    <a:pt x="21600" y="967"/>
+                    <a:pt x="21600" y="2160"/>
+                  </a:cubicBezTo>
+                  <a:lnTo>
+                    <a:pt x="21600" y="19440"/>
+                  </a:lnTo>
+                  <a:cubicBezTo>
+                    <a:pt x="21600" y="20633"/>
+                    <a:pt x="16765" y="21600"/>
+                    <a:pt x="10800" y="21600"/>
+                  </a:cubicBezTo>
+                  <a:cubicBezTo>
+                    <a:pt x="4835" y="21600"/>
+                    <a:pt x="0" y="20633"/>
+                    <a:pt x="0" y="19440"/>
+                  </a:cubicBezTo>
+                  <a:close/>
+                  <a:moveTo>
+                    <a:pt x="0" y="2160"/>
+                  </a:moveTo>
+                </a:path>
+              </a:pathLst>
+            </a:custGeom>
+            <a:grpFill/>
+            <a:ln>
+              <a:noFill/>
+            </a:ln>
+            <a:effectLst>
+              <a:outerShdw blurRad="50800" dist="38100" dir="2700000" algn="tl" rotWithShape="0">
+                <a:schemeClr val="bg2">
+                  <a:alpha val="40000"/>
+                </a:schemeClr>
+              </a:outerShdw>
+            </a:effectLst>
+            <a:extLst/>
+          </p:spPr>
+          <p:txBody>
+            <a:bodyPr lIns="0" tIns="0" rIns="0" bIns="0"/>
+            <a:lstStyle/>
+            <a:p>
+              <a:endParaRPr lang="en-US">
+                <a:solidFill>
+                  <a:prstClr val="black"/>
+                </a:solidFill>
+                <a:latin typeface="Calibri"/>
+              </a:endParaRPr>
+            </a:p>
+          </p:txBody>
+        </p:sp>
+        <p:sp>
+          <p:nvSpPr>
+            <p:cNvPr id="27706" name="AutoShape 58"/>
+            <p:cNvSpPr>
+              <a:spLocks/>
+            </p:cNvSpPr>
+            <p:nvPr/>
+          </p:nvSpPr>
+          <p:spPr bwMode="auto">
+            <a:xfrm>
+              <a:off x="2926549" y="4438410"/>
+              <a:ext cx="2469365" cy="1491141"/>
+            </a:xfrm>
+            <a:custGeom>
+              <a:avLst/>
+              <a:gdLst/>
+              <a:ahLst/>
+              <a:cxnLst/>
+              <a:rect l="0" t="0" r="r" b="b"/>
+              <a:pathLst>
+                <a:path w="21600" h="21600">
+                  <a:moveTo>
+                    <a:pt x="21600" y="2160"/>
+                  </a:moveTo>
+                  <a:cubicBezTo>
+                    <a:pt x="21600" y="3353"/>
+                    <a:pt x="16765" y="4320"/>
+                    <a:pt x="10800" y="4320"/>
+                  </a:cubicBezTo>
+                  <a:cubicBezTo>
+                    <a:pt x="4835" y="4320"/>
+                    <a:pt x="0" y="3353"/>
+                    <a:pt x="0" y="2160"/>
+                  </a:cubicBezTo>
+                  <a:cubicBezTo>
+                    <a:pt x="0" y="967"/>
+                    <a:pt x="4835" y="0"/>
+                    <a:pt x="10800" y="0"/>
+                  </a:cubicBezTo>
+                  <a:cubicBezTo>
+                    <a:pt x="16765" y="0"/>
+                    <a:pt x="21600" y="967"/>
+                    <a:pt x="21600" y="2160"/>
+                  </a:cubicBezTo>
+                  <a:lnTo>
+                    <a:pt x="21600" y="19440"/>
+                  </a:lnTo>
+                  <a:cubicBezTo>
+                    <a:pt x="21600" y="20633"/>
+                    <a:pt x="16765" y="21600"/>
+                    <a:pt x="10800" y="21600"/>
+                  </a:cubicBezTo>
+                  <a:cubicBezTo>
+                    <a:pt x="4835" y="21600"/>
+                    <a:pt x="0" y="20633"/>
+                    <a:pt x="0" y="19440"/>
+                  </a:cubicBezTo>
+                  <a:lnTo>
+                    <a:pt x="0" y="2160"/>
+                  </a:lnTo>
+                </a:path>
+              </a:pathLst>
+            </a:custGeom>
+            <a:grpFill/>
+            <a:ln w="19050">
+              <a:solidFill>
+                <a:schemeClr val="accent1"/>
+              </a:solidFill>
+              <a:headEnd type="none" w="med" len="med"/>
+              <a:tailEnd type="none" w="med" len="med"/>
+            </a:ln>
+            <a:extLst/>
+          </p:spPr>
+          <p:style>
+            <a:lnRef idx="2">
+              <a:schemeClr val="accent1"/>
+            </a:lnRef>
+            <a:fillRef idx="0">
+              <a:schemeClr val="accent1"/>
+            </a:fillRef>
+            <a:effectRef idx="1">
+              <a:schemeClr val="accent1"/>
+            </a:effectRef>
+            <a:fontRef idx="minor">
+              <a:schemeClr val="tx1"/>
+            </a:fontRef>
+          </p:style>
+          <p:txBody>
+            <a:bodyPr lIns="0" tIns="0" rIns="0" bIns="0"/>
+            <a:lstStyle/>
+            <a:p>
+              <a:endParaRPr lang="en-US">
+                <a:solidFill>
+                  <a:prstClr val="black"/>
+                </a:solidFill>
+                <a:latin typeface="Calibri"/>
+              </a:endParaRPr>
+            </a:p>
+          </p:txBody>
+        </p:sp>
+        <p:sp>
+          <p:nvSpPr>
+            <p:cNvPr id="27707" name="Rectangle 59"/>
+            <p:cNvSpPr>
+              <a:spLocks/>
+            </p:cNvSpPr>
+            <p:nvPr/>
+          </p:nvSpPr>
+          <p:spPr bwMode="auto">
+            <a:xfrm>
+              <a:off x="3004804" y="4677133"/>
+              <a:ext cx="1199903" cy="369332"/>
+            </a:xfrm>
+            <a:prstGeom prst="rect">
+              <a:avLst/>
+            </a:prstGeom>
+            <a:grpFill/>
+            <a:ln>
+              <a:noFill/>
+            </a:ln>
+            <a:extLst>
+              <a:ext uri="{91240B29-F687-4f45-9708-019B960494DF}">
+                <a14:hiddenLine xmlns:a14="http://schemas.microsoft.com/office/drawing/2010/main" w="12700" cap="flat">
+                  <a:solidFill>
+                    <a:schemeClr val="tx1"/>
+                  </a:solidFill>
+                  <a:miter lim="800000"/>
+                  <a:headEnd type="none" w="med" len="med"/>
+                  <a:tailEnd type="none" w="med" len="med"/>
+                </a14:hiddenLine>
+              </a:ext>
+            </a:extLst>
+          </p:spPr>
+          <p:txBody>
+            <a:bodyPr wrap="square" lIns="0" tIns="0" rIns="0" bIns="0" anchor="ctr">
+              <a:spAutoFit/>
+            </a:bodyPr>
+            <a:lstStyle/>
+            <a:p>
+              <a:r>
+                <a:rPr lang="en-US" dirty="0">
+                  <a:solidFill>
+                    <a:srgbClr val="FFFFFF"/>
+                  </a:solidFill>
+                  <a:ea typeface="Lucida Grande" charset="0"/>
+                  <a:cs typeface="Lucida Grande" charset="0"/>
+                  <a:sym typeface="Lucida Grande" charset="0"/>
+                </a:rPr>
+                <a:t>Disk</a:t>
+              </a:r>
+            </a:p>
+          </p:txBody>
+        </p:sp>
+      </p:grpSp>
+      <p:sp>
+        <p:nvSpPr>
+          <p:cNvPr id="27713" name="Line 65"/>
+          <p:cNvSpPr>
+            <a:spLocks noChangeShapeType="1"/>
+          </p:cNvSpPr>
+          <p:nvPr/>
+        </p:nvSpPr>
+        <p:spPr bwMode="auto">
+          <a:xfrm rot="10800000">
+            <a:off x="5421298" y="4164271"/>
+            <a:ext cx="668276" cy="0"/>
+          </a:xfrm>
+          <a:prstGeom prst="line">
+            <a:avLst/>
+          </a:prstGeom>
+          <a:noFill/>
+          <a:ln w="28575" cap="flat">
+            <a:solidFill>
+              <a:srgbClr val="FF0000"/>
+            </a:solidFill>
+            <a:prstDash val="solid"/>
+            <a:round/>
+            <a:headEnd type="triangle" w="med" len="med"/>
+            <a:tailEnd type="triangle" w="med" len="med"/>
+          </a:ln>
+          <a:extLst>
+            <a:ext uri="{909E8E84-426E-40dd-AFC4-6F175D3DCCD1}">
+              <a14:hiddenFill xmlns:a14="http://schemas.microsoft.com/office/drawing/2010/main">
+                <a:solidFill>
+                  <a:srgbClr val="FFFFFF"/>
+                </a:solidFill>
+              </a14:hiddenFill>
+            </a:ext>
+          </a:extLst>
+        </p:spPr>
+        <p:txBody>
+          <a:bodyPr lIns="0" tIns="0" rIns="0" bIns="0"/>
+          <a:lstStyle/>
+          <a:p>
+            <a:endParaRPr lang="en-US">
+              <a:solidFill>
+                <a:prstClr val="black"/>
+              </a:solidFill>
+              <a:latin typeface="Calibri"/>
+            </a:endParaRPr>
+          </a:p>
+        </p:txBody>
+      </p:sp>
+      <p:sp>
+        <p:nvSpPr>
+          <p:cNvPr id="27714" name="Line 66"/>
+          <p:cNvSpPr>
+            <a:spLocks noChangeShapeType="1"/>
+          </p:cNvSpPr>
+          <p:nvPr/>
+        </p:nvSpPr>
+        <p:spPr bwMode="auto">
+          <a:xfrm rot="10800000" flipV="1">
+            <a:off x="5432410" y="2927219"/>
+            <a:ext cx="696420" cy="5627"/>
+          </a:xfrm>
+          <a:prstGeom prst="line">
+            <a:avLst/>
+          </a:prstGeom>
+          <a:noFill/>
+          <a:ln w="28575" cap="flat">
+            <a:solidFill>
+              <a:srgbClr val="FF0000"/>
+            </a:solidFill>
+            <a:prstDash val="solid"/>
+            <a:round/>
+            <a:headEnd type="triangle" w="med" len="med"/>
+            <a:tailEnd type="triangle" w="med" len="med"/>
+          </a:ln>
+          <a:extLst>
+            <a:ext uri="{909E8E84-426E-40dd-AFC4-6F175D3DCCD1}">
+              <a14:hiddenFill xmlns:a14="http://schemas.microsoft.com/office/drawing/2010/main">
+                <a:solidFill>
+                  <a:srgbClr val="FFFFFF"/>
+                </a:solidFill>
+              </a14:hiddenFill>
+            </a:ext>
+          </a:extLst>
+        </p:spPr>
+        <p:txBody>
+          <a:bodyPr lIns="0" tIns="0" rIns="0" bIns="0"/>
+          <a:lstStyle/>
+          <a:p>
+            <a:endParaRPr lang="en-US">
+              <a:solidFill>
+                <a:prstClr val="black"/>
+              </a:solidFill>
+              <a:latin typeface="Calibri"/>
+            </a:endParaRPr>
+          </a:p>
+        </p:txBody>
+      </p:sp>
+      <p:sp>
+        <p:nvSpPr>
+          <p:cNvPr id="67" name="Rectangle 48"/>
+          <p:cNvSpPr>
+            <a:spLocks/>
+          </p:cNvSpPr>
+          <p:nvPr/>
+        </p:nvSpPr>
+        <p:spPr bwMode="auto">
+          <a:xfrm>
+            <a:off x="2151478" y="2315714"/>
+            <a:ext cx="1049337" cy="507827"/>
+          </a:xfrm>
+          <a:prstGeom prst="rect">
+            <a:avLst/>
+          </a:prstGeom>
+          <a:solidFill>
+            <a:srgbClr val="7F7F7F"/>
+          </a:solidFill>
+          <a:ln>
+            <a:noFill/>
+          </a:ln>
+          <a:effectLst/>
+          <a:extLst/>
+        </p:spPr>
+        <p:txBody>
+          <a:bodyPr wrap="square" lIns="38098" tIns="38098" rIns="38098" bIns="38098">
+            <a:spAutoFit/>
+          </a:bodyPr>
+          <a:lstStyle/>
+          <a:p>
+            <a:pPr algn="ctr"/>
+            <a:r>
+              <a:rPr lang="en-US" sz="1400" dirty="0">
+                <a:solidFill>
+                  <a:srgbClr val="1E1C1C"/>
+                </a:solidFill>
+                <a:latin typeface="Calibri" charset="0"/>
+                <a:cs typeface="Calibri" charset="0"/>
+                <a:sym typeface="Calibri" charset="0"/>
+              </a:rPr>
+              <a:t>Replication Queue</a:t>
+            </a:r>
+          </a:p>
+        </p:txBody>
+      </p:sp>
+      <p:sp>
+        <p:nvSpPr>
+          <p:cNvPr id="68" name="Line 14"/>
+          <p:cNvSpPr>
+            <a:spLocks noChangeShapeType="1"/>
+          </p:cNvSpPr>
+          <p:nvPr/>
+        </p:nvSpPr>
+        <p:spPr bwMode="auto">
+          <a:xfrm rot="10800000">
+            <a:off x="738725" y="2556544"/>
+            <a:ext cx="1458566" cy="10215"/>
+          </a:xfrm>
+          <a:prstGeom prst="line">
+            <a:avLst/>
+          </a:prstGeom>
+          <a:noFill/>
+          <a:ln w="28575" cap="flat">
+            <a:solidFill>
+              <a:srgbClr val="FF0000"/>
+            </a:solidFill>
+            <a:prstDash val="solid"/>
+            <a:round/>
+            <a:headEnd type="oval" w="med" len="med"/>
+            <a:tailEnd type="arrow" w="sm" len="sm"/>
+          </a:ln>
+          <a:extLst>
+            <a:ext uri="{909E8E84-426E-40dd-AFC4-6F175D3DCCD1}">
+              <a14:hiddenFill xmlns:a14="http://schemas.microsoft.com/office/drawing/2010/main">
+                <a:solidFill>
+                  <a:srgbClr val="FFFFFF"/>
+                </a:solidFill>
+              </a14:hiddenFill>
+            </a:ext>
+          </a:extLst>
+        </p:spPr>
+        <p:txBody>
+          <a:bodyPr lIns="0" tIns="0" rIns="0" bIns="0"/>
+          <a:lstStyle/>
+          <a:p>
+            <a:endParaRPr lang="en-US">
+              <a:solidFill>
+                <a:prstClr val="black"/>
+              </a:solidFill>
+              <a:latin typeface="Calibri"/>
+            </a:endParaRPr>
+          </a:p>
+        </p:txBody>
+      </p:sp>
+      <p:sp>
+        <p:nvSpPr>
+          <p:cNvPr id="27662" name="Line 14"/>
+          <p:cNvSpPr>
+            <a:spLocks noChangeShapeType="1"/>
+          </p:cNvSpPr>
+          <p:nvPr/>
+        </p:nvSpPr>
+        <p:spPr bwMode="auto">
+          <a:xfrm rot="10800000">
+            <a:off x="3143922" y="2527510"/>
+            <a:ext cx="478509" cy="1"/>
+          </a:xfrm>
+          <a:prstGeom prst="line">
+            <a:avLst/>
+          </a:prstGeom>
+          <a:noFill/>
+          <a:ln w="28575" cap="flat">
+            <a:solidFill>
+              <a:srgbClr val="FF0000"/>
+            </a:solidFill>
+            <a:prstDash val="solid"/>
+            <a:round/>
+            <a:headEnd type="oval" w="med" len="med"/>
+            <a:tailEnd type="arrow" w="sm" len="sm"/>
+          </a:ln>
+          <a:extLst>
+            <a:ext uri="{909E8E84-426E-40dd-AFC4-6F175D3DCCD1}">
+              <a14:hiddenFill xmlns:a14="http://schemas.microsoft.com/office/drawing/2010/main">
+                <a:solidFill>
+                  <a:srgbClr val="FFFFFF"/>
+                </a:solidFill>
+              </a14:hiddenFill>
+            </a:ext>
+          </a:extLst>
+        </p:spPr>
+        <p:txBody>
+          <a:bodyPr lIns="0" tIns="0" rIns="0" bIns="0"/>
+          <a:lstStyle/>
+          <a:p>
+            <a:endParaRPr lang="en-US">
+              <a:solidFill>
+                <a:prstClr val="black"/>
+              </a:solidFill>
+              <a:latin typeface="Calibri"/>
+            </a:endParaRPr>
+          </a:p>
+        </p:txBody>
+      </p:sp>
+      <p:sp>
+        <p:nvSpPr>
+          <p:cNvPr id="69" name="Rectangle 46"/>
+          <p:cNvSpPr>
+            <a:spLocks/>
+          </p:cNvSpPr>
+          <p:nvPr/>
+        </p:nvSpPr>
+        <p:spPr bwMode="auto">
+          <a:xfrm>
+            <a:off x="2372401" y="1282572"/>
+            <a:ext cx="1103363" cy="323161"/>
+          </a:xfrm>
+          <a:prstGeom prst="rect">
+            <a:avLst/>
+          </a:prstGeom>
+          <a:noFill/>
+          <a:ln>
+            <a:noFill/>
+          </a:ln>
+          <a:extLst>
+            <a:ext uri="{909E8E84-426E-40dd-AFC4-6F175D3DCCD1}">
+              <a14:hiddenFill xmlns:a14="http://schemas.microsoft.com/office/drawing/2010/main">
+                <a:solidFill>
+                  <a:srgbClr val="FFFFFF"/>
+                </a:solidFill>
+              </a14:hiddenFill>
+            </a:ext>
+            <a:ext uri="{91240B29-F687-4f45-9708-019B960494DF}">
+              <a14:hiddenLine xmlns:a14="http://schemas.microsoft.com/office/drawing/2010/main" w="12700" cap="rnd">
+                <a:solidFill>
+                  <a:schemeClr val="tx1"/>
+                </a:solidFill>
+                <a:round/>
+                <a:headEnd type="none" w="med" len="med"/>
+                <a:tailEnd type="none" w="med" len="med"/>
+              </a14:hiddenLine>
+            </a:ext>
+          </a:extLst>
+        </p:spPr>
+        <p:txBody>
+          <a:bodyPr wrap="none" lIns="38098" tIns="38098" rIns="38098" bIns="38098">
+            <a:spAutoFit/>
+          </a:bodyPr>
+          <a:lstStyle/>
+          <a:p>
+            <a:r>
+              <a:rPr lang="en-US" sz="1600" dirty="0" smtClean="0">
+                <a:solidFill>
+                  <a:schemeClr val="tx1">
+                    <a:lumMod val="50000"/>
+                  </a:schemeClr>
+                </a:solidFill>
+                <a:latin typeface="Arial"/>
+                <a:cs typeface="Arial"/>
+                <a:sym typeface="Calibri" charset="0"/>
+              </a:rPr>
+              <a:t>App Server</a:t>
+            </a:r>
+            <a:endParaRPr lang="en-US" sz="1600" dirty="0">
+              <a:solidFill>
+                <a:schemeClr val="tx1">
+                  <a:lumMod val="50000"/>
+                </a:schemeClr>
+              </a:solidFill>
+              <a:latin typeface="Arial"/>
+              <a:cs typeface="Arial"/>
+              <a:sym typeface="Calibri" charset="0"/>
+            </a:endParaRPr>
+          </a:p>
+        </p:txBody>
+      </p:sp>
+      <p:sp>
+        <p:nvSpPr>
+          <p:cNvPr id="72" name="TextBox 71"/>
+          <p:cNvSpPr txBox="1"/>
+          <p:nvPr/>
+        </p:nvSpPr>
+        <p:spPr>
+          <a:xfrm>
+            <a:off x="1905000" y="1822080"/>
+            <a:ext cx="2431565" cy="338550"/>
+          </a:xfrm>
+          <a:prstGeom prst="rect">
+            <a:avLst/>
+          </a:prstGeom>
+          <a:noFill/>
+        </p:spPr>
+        <p:txBody>
+          <a:bodyPr wrap="none" lIns="91435" tIns="45718" rIns="91435" bIns="45718" rtlCol="0">
+            <a:spAutoFit/>
+          </a:bodyPr>
+          <a:lstStyle/>
+          <a:p>
+            <a:r>
+              <a:rPr lang="en-US" sz="1600" dirty="0" smtClean="0"/>
+              <a:t>Couchbase Server Node</a:t>
+            </a:r>
+            <a:endParaRPr lang="en-US" sz="1600" dirty="0"/>
+          </a:p>
+        </p:txBody>
+      </p:sp>
+      <p:grpSp>
+        <p:nvGrpSpPr>
+          <p:cNvPr id="48" name="Group 47"/>
+          <p:cNvGrpSpPr/>
+          <p:nvPr/>
+        </p:nvGrpSpPr>
+        <p:grpSpPr>
+          <a:xfrm>
+            <a:off x="4298042" y="2793512"/>
+            <a:ext cx="445679" cy="312785"/>
+            <a:chOff x="1390347" y="3931216"/>
+            <a:chExt cx="445679" cy="417047"/>
+          </a:xfrm>
+        </p:grpSpPr>
+        <p:grpSp>
+          <p:nvGrpSpPr>
+            <p:cNvPr id="49" name="Group 48"/>
+            <p:cNvGrpSpPr/>
+            <p:nvPr/>
+          </p:nvGrpSpPr>
+          <p:grpSpPr>
+            <a:xfrm rot="16200000">
+              <a:off x="1436276" y="3885289"/>
+              <a:ext cx="353823" cy="445677"/>
+              <a:chOff x="6103934" y="2111384"/>
+              <a:chExt cx="1363662" cy="1717674"/>
+            </a:xfrm>
+          </p:grpSpPr>
+          <p:sp>
+            <p:nvSpPr>
+              <p:cNvPr id="51" name="Freeform 13"/>
+              <p:cNvSpPr>
+                <a:spLocks/>
+              </p:cNvSpPr>
+              <p:nvPr/>
+            </p:nvSpPr>
+            <p:spPr bwMode="auto">
+              <a:xfrm>
+                <a:off x="6156325" y="2163763"/>
+                <a:ext cx="1270000" cy="1612900"/>
+              </a:xfrm>
+              <a:custGeom>
+                <a:avLst/>
+                <a:gdLst>
+                  <a:gd name="T0" fmla="*/ 800 w 800"/>
+                  <a:gd name="T1" fmla="*/ 1016 h 1016"/>
+                  <a:gd name="T2" fmla="*/ 0 w 800"/>
+                  <a:gd name="T3" fmla="*/ 1016 h 1016"/>
+                  <a:gd name="T4" fmla="*/ 0 w 800"/>
+                  <a:gd name="T5" fmla="*/ 0 h 1016"/>
+                  <a:gd name="T6" fmla="*/ 640 w 800"/>
+                  <a:gd name="T7" fmla="*/ 0 h 1016"/>
+                  <a:gd name="T8" fmla="*/ 800 w 800"/>
+                  <a:gd name="T9" fmla="*/ 156 h 1016"/>
+                  <a:gd name="T10" fmla="*/ 800 w 800"/>
+                  <a:gd name="T11" fmla="*/ 1016 h 1016"/>
+                </a:gdLst>
+                <a:ahLst/>
+                <a:cxnLst>
+                  <a:cxn ang="0">
+                    <a:pos x="T0" y="T1"/>
+                  </a:cxn>
+                  <a:cxn ang="0">
+                    <a:pos x="T2" y="T3"/>
+                  </a:cxn>
+                  <a:cxn ang="0">
+                    <a:pos x="T4" y="T5"/>
+                  </a:cxn>
+                  <a:cxn ang="0">
+                    <a:pos x="T6" y="T7"/>
+                  </a:cxn>
+                  <a:cxn ang="0">
+                    <a:pos x="T8" y="T9"/>
+                  </a:cxn>
+                  <a:cxn ang="0">
+                    <a:pos x="T10" y="T11"/>
+                  </a:cxn>
+                </a:cxnLst>
+                <a:rect l="0" t="0" r="r" b="b"/>
+                <a:pathLst>
+                  <a:path w="800" h="1016">
+                    <a:moveTo>
+                      <a:pt x="800" y="1016"/>
+                    </a:moveTo>
+                    <a:lnTo>
+                      <a:pt x="0" y="1016"/>
+                    </a:lnTo>
+                    <a:lnTo>
+                      <a:pt x="0" y="0"/>
+                    </a:lnTo>
+                    <a:lnTo>
+                      <a:pt x="640" y="0"/>
+                    </a:lnTo>
+                    <a:lnTo>
+                      <a:pt x="800" y="156"/>
+                    </a:lnTo>
+                    <a:lnTo>
+                      <a:pt x="800" y="1016"/>
+                    </a:lnTo>
+                    <a:close/>
+                  </a:path>
+                </a:pathLst>
+              </a:custGeom>
+              <a:solidFill>
+                <a:srgbClr val="FFFFFF"/>
+              </a:solidFill>
+              <a:ln w="9525">
+                <a:solidFill>
+                  <a:srgbClr val="000000"/>
+                </a:solidFill>
+                <a:round/>
+                <a:headEnd/>
+                <a:tailEnd/>
+              </a:ln>
+              <a:extLst/>
+            </p:spPr>
+            <p:txBody>
+              <a:bodyPr vert="horz" wrap="square" lIns="91440" tIns="45720" rIns="91440" bIns="45720" numCol="1" anchor="t" anchorCtr="0" compatLnSpc="1">
+                <a:prstTxWarp prst="textNoShape">
+                  <a:avLst/>
+                </a:prstTxWarp>
+              </a:bodyPr>
+              <a:lstStyle/>
+              <a:p>
+                <a:endParaRPr lang="en-US"/>
+              </a:p>
+            </p:txBody>
+          </p:sp>
+          <p:sp>
+            <p:nvSpPr>
+              <p:cNvPr id="52" name="Freeform 14"/>
+              <p:cNvSpPr>
+                <a:spLocks noEditPoints="1"/>
+              </p:cNvSpPr>
+              <p:nvPr/>
+            </p:nvSpPr>
+            <p:spPr bwMode="auto">
+              <a:xfrm>
+                <a:off x="6103934" y="2111384"/>
+                <a:ext cx="1363662" cy="1717674"/>
+              </a:xfrm>
+              <a:custGeom>
+                <a:avLst/>
+                <a:gdLst>
+                  <a:gd name="T0" fmla="*/ 284 w 364"/>
+                  <a:gd name="T1" fmla="*/ 0 h 458"/>
+                  <a:gd name="T2" fmla="*/ 0 w 364"/>
+                  <a:gd name="T3" fmla="*/ 0 h 458"/>
+                  <a:gd name="T4" fmla="*/ 0 w 364"/>
+                  <a:gd name="T5" fmla="*/ 444 h 458"/>
+                  <a:gd name="T6" fmla="*/ 14 w 364"/>
+                  <a:gd name="T7" fmla="*/ 458 h 458"/>
+                  <a:gd name="T8" fmla="*/ 349 w 364"/>
+                  <a:gd name="T9" fmla="*/ 458 h 458"/>
+                  <a:gd name="T10" fmla="*/ 364 w 364"/>
+                  <a:gd name="T11" fmla="*/ 444 h 458"/>
+                  <a:gd name="T12" fmla="*/ 364 w 364"/>
+                  <a:gd name="T13" fmla="*/ 78 h 458"/>
+                  <a:gd name="T14" fmla="*/ 284 w 364"/>
+                  <a:gd name="T15" fmla="*/ 0 h 458"/>
+                  <a:gd name="T16" fmla="*/ 349 w 364"/>
+                  <a:gd name="T17" fmla="*/ 444 h 458"/>
+                  <a:gd name="T18" fmla="*/ 14 w 364"/>
+                  <a:gd name="T19" fmla="*/ 444 h 458"/>
+                  <a:gd name="T20" fmla="*/ 14 w 364"/>
+                  <a:gd name="T21" fmla="*/ 14 h 458"/>
+                  <a:gd name="T22" fmla="*/ 276 w 364"/>
+                  <a:gd name="T23" fmla="*/ 14 h 458"/>
+                  <a:gd name="T24" fmla="*/ 276 w 364"/>
+                  <a:gd name="T25" fmla="*/ 85 h 458"/>
+                  <a:gd name="T26" fmla="*/ 349 w 364"/>
+                  <a:gd name="T27" fmla="*/ 85 h 458"/>
+                  <a:gd name="T28" fmla="*/ 349 w 364"/>
+                  <a:gd name="T29" fmla="*/ 444 h 458"/>
+                </a:gdLst>
+                <a:ahLst/>
+                <a:cxnLst>
+                  <a:cxn ang="0">
+                    <a:pos x="T0" y="T1"/>
+                  </a:cxn>
+                  <a:cxn ang="0">
+                    <a:pos x="T2" y="T3"/>
+                  </a:cxn>
+                  <a:cxn ang="0">
+                    <a:pos x="T4" y="T5"/>
+                  </a:cxn>
+                  <a:cxn ang="0">
+                    <a:pos x="T6" y="T7"/>
+                  </a:cxn>
+                  <a:cxn ang="0">
+                    <a:pos x="T8" y="T9"/>
+                  </a:cxn>
+                  <a:cxn ang="0">
+                    <a:pos x="T10" y="T11"/>
+                  </a:cxn>
+                  <a:cxn ang="0">
+                    <a:pos x="T12" y="T13"/>
+                  </a:cxn>
+                  <a:cxn ang="0">
+                    <a:pos x="T14" y="T15"/>
+                  </a:cxn>
+                  <a:cxn ang="0">
+                    <a:pos x="T16" y="T17"/>
+                  </a:cxn>
+                  <a:cxn ang="0">
+                    <a:pos x="T18" y="T19"/>
+                  </a:cxn>
+                  <a:cxn ang="0">
+                    <a:pos x="T20" y="T21"/>
+                  </a:cxn>
+                  <a:cxn ang="0">
+                    <a:pos x="T22" y="T23"/>
+                  </a:cxn>
+                  <a:cxn ang="0">
+                    <a:pos x="T24" y="T25"/>
+                  </a:cxn>
+                  <a:cxn ang="0">
+                    <a:pos x="T26" y="T27"/>
+                  </a:cxn>
+                  <a:cxn ang="0">
+                    <a:pos x="T28" y="T29"/>
+                  </a:cxn>
+                </a:cxnLst>
+                <a:rect l="0" t="0" r="r" b="b"/>
+                <a:pathLst>
+                  <a:path w="364" h="458">
+                    <a:moveTo>
+                      <a:pt x="284" y="0"/>
+                    </a:moveTo>
+                    <a:cubicBezTo>
+                      <a:pt x="0" y="0"/>
+                      <a:pt x="0" y="0"/>
+                      <a:pt x="0" y="0"/>
+                    </a:cubicBezTo>
+                    <a:cubicBezTo>
+                      <a:pt x="0" y="444"/>
+                      <a:pt x="0" y="444"/>
+                      <a:pt x="0" y="444"/>
+                    </a:cubicBezTo>
+                    <a:cubicBezTo>
+                      <a:pt x="0" y="452"/>
+                      <a:pt x="6" y="458"/>
+                      <a:pt x="14" y="458"/>
+                    </a:cubicBezTo>
+                    <a:cubicBezTo>
+                      <a:pt x="349" y="458"/>
+                      <a:pt x="349" y="458"/>
+                      <a:pt x="349" y="458"/>
+                    </a:cubicBezTo>
+                    <a:cubicBezTo>
+                      <a:pt x="357" y="458"/>
+                      <a:pt x="364" y="452"/>
+                      <a:pt x="364" y="444"/>
+                    </a:cubicBezTo>
+                    <a:cubicBezTo>
+                      <a:pt x="364" y="78"/>
+                      <a:pt x="364" y="78"/>
+                      <a:pt x="364" y="78"/>
+                    </a:cubicBezTo>
+                    <a:lnTo>
+                      <a:pt x="284" y="0"/>
+                    </a:lnTo>
+                    <a:close/>
+                    <a:moveTo>
+                      <a:pt x="349" y="444"/>
+                    </a:moveTo>
+                    <a:cubicBezTo>
+                      <a:pt x="14" y="444"/>
+                      <a:pt x="14" y="444"/>
+                      <a:pt x="14" y="444"/>
+                    </a:cubicBezTo>
+                    <a:cubicBezTo>
+                      <a:pt x="14" y="14"/>
+                      <a:pt x="14" y="14"/>
+                      <a:pt x="14" y="14"/>
+                    </a:cubicBezTo>
+                    <a:cubicBezTo>
+                      <a:pt x="276" y="14"/>
+                      <a:pt x="276" y="14"/>
+                      <a:pt x="276" y="14"/>
+                    </a:cubicBezTo>
+                    <a:cubicBezTo>
+                      <a:pt x="276" y="85"/>
+                      <a:pt x="276" y="85"/>
+                      <a:pt x="276" y="85"/>
+                    </a:cubicBezTo>
+                    <a:cubicBezTo>
+                      <a:pt x="349" y="85"/>
+                      <a:pt x="349" y="85"/>
+                      <a:pt x="349" y="85"/>
+                    </a:cubicBezTo>
+                    <a:lnTo>
+                      <a:pt x="349" y="444"/>
+                    </a:lnTo>
+                    <a:close/>
+                  </a:path>
+                </a:pathLst>
+              </a:custGeom>
+              <a:solidFill>
+                <a:schemeClr val="accent1"/>
+              </a:solidFill>
+              <a:ln>
+                <a:solidFill>
+                  <a:schemeClr val="accent3"/>
+                </a:solidFill>
+              </a:ln>
+            </p:spPr>
+            <p:txBody>
+              <a:bodyPr vert="horz" wrap="square" lIns="91440" tIns="45720" rIns="91440" bIns="45720" numCol="1" anchor="t" anchorCtr="0" compatLnSpc="1">
+                <a:prstTxWarp prst="textNoShape">
+                  <a:avLst/>
+                </a:prstTxWarp>
+              </a:bodyPr>
+              <a:lstStyle/>
+              <a:p>
+                <a:endParaRPr lang="en-US"/>
+              </a:p>
+            </p:txBody>
+          </p:sp>
+        </p:grpSp>
+        <p:sp>
+          <p:nvSpPr>
+            <p:cNvPr id="50" name="TextBox 49"/>
+            <p:cNvSpPr txBox="1"/>
+            <p:nvPr/>
+          </p:nvSpPr>
+          <p:spPr>
+            <a:xfrm>
+              <a:off x="1390347" y="3999449"/>
+              <a:ext cx="432084" cy="348814"/>
+            </a:xfrm>
+            <a:prstGeom prst="rect">
+              <a:avLst/>
+            </a:prstGeom>
+            <a:noFill/>
+            <a:ln>
+              <a:noFill/>
+            </a:ln>
+          </p:spPr>
+          <p:txBody>
+            <a:bodyPr wrap="square" lIns="0" rIns="0" rtlCol="0">
+              <a:spAutoFit/>
+            </a:bodyPr>
+            <a:lstStyle/>
+            <a:p>
+              <a:pPr algn="ctr"/>
+              <a:r>
+                <a:rPr lang="en-US" sz="1100" b="1" dirty="0">
+                  <a:solidFill>
+                    <a:srgbClr val="6B9B20"/>
+                  </a:solidFill>
+                </a:rPr>
+                <a:t>Doc 1</a:t>
+              </a:r>
+            </a:p>
+          </p:txBody>
+        </p:sp>
+      </p:grpSp>
+      <p:grpSp>
+        <p:nvGrpSpPr>
+          <p:cNvPr id="33" name="Group 32"/>
+          <p:cNvGrpSpPr/>
+          <p:nvPr/>
+        </p:nvGrpSpPr>
+        <p:grpSpPr>
+          <a:xfrm>
+            <a:off x="4309049" y="1139693"/>
+            <a:ext cx="445677" cy="312787"/>
+            <a:chOff x="1390346" y="3931213"/>
+            <a:chExt cx="445677" cy="417050"/>
+          </a:xfrm>
+        </p:grpSpPr>
+        <p:grpSp>
+          <p:nvGrpSpPr>
+            <p:cNvPr id="34" name="Group 33"/>
+            <p:cNvGrpSpPr/>
+            <p:nvPr/>
+          </p:nvGrpSpPr>
+          <p:grpSpPr>
+            <a:xfrm rot="16200000">
+              <a:off x="1436273" y="3885286"/>
+              <a:ext cx="353823" cy="445677"/>
+              <a:chOff x="6103938" y="2111375"/>
+              <a:chExt cx="1363662" cy="1717675"/>
+            </a:xfrm>
+          </p:grpSpPr>
+          <p:sp>
+            <p:nvSpPr>
+              <p:cNvPr id="36" name="Freeform 13"/>
+              <p:cNvSpPr>
+                <a:spLocks/>
+              </p:cNvSpPr>
+              <p:nvPr/>
+            </p:nvSpPr>
+            <p:spPr bwMode="auto">
+              <a:xfrm>
+                <a:off x="6156325" y="2163763"/>
+                <a:ext cx="1270000" cy="1612900"/>
+              </a:xfrm>
+              <a:custGeom>
+                <a:avLst/>
+                <a:gdLst>
+                  <a:gd name="T0" fmla="*/ 800 w 800"/>
+                  <a:gd name="T1" fmla="*/ 1016 h 1016"/>
+                  <a:gd name="T2" fmla="*/ 0 w 800"/>
+                  <a:gd name="T3" fmla="*/ 1016 h 1016"/>
+                  <a:gd name="T4" fmla="*/ 0 w 800"/>
+                  <a:gd name="T5" fmla="*/ 0 h 1016"/>
+                  <a:gd name="T6" fmla="*/ 640 w 800"/>
+                  <a:gd name="T7" fmla="*/ 0 h 1016"/>
+                  <a:gd name="T8" fmla="*/ 800 w 800"/>
+                  <a:gd name="T9" fmla="*/ 156 h 1016"/>
+                  <a:gd name="T10" fmla="*/ 800 w 800"/>
+                  <a:gd name="T11" fmla="*/ 1016 h 1016"/>
+                </a:gdLst>
+                <a:ahLst/>
+                <a:cxnLst>
+                  <a:cxn ang="0">
+                    <a:pos x="T0" y="T1"/>
+                  </a:cxn>
+                  <a:cxn ang="0">
+                    <a:pos x="T2" y="T3"/>
+                  </a:cxn>
+                  <a:cxn ang="0">
+                    <a:pos x="T4" y="T5"/>
+                  </a:cxn>
+                  <a:cxn ang="0">
+                    <a:pos x="T6" y="T7"/>
+                  </a:cxn>
+                  <a:cxn ang="0">
+                    <a:pos x="T8" y="T9"/>
+                  </a:cxn>
+                  <a:cxn ang="0">
+                    <a:pos x="T10" y="T11"/>
+                  </a:cxn>
+                </a:cxnLst>
+                <a:rect l="0" t="0" r="r" b="b"/>
+                <a:pathLst>
+                  <a:path w="800" h="1016">
+                    <a:moveTo>
+                      <a:pt x="800" y="1016"/>
+                    </a:moveTo>
+                    <a:lnTo>
+                      <a:pt x="0" y="1016"/>
+                    </a:lnTo>
+                    <a:lnTo>
+                      <a:pt x="0" y="0"/>
+                    </a:lnTo>
+                    <a:lnTo>
+                      <a:pt x="640" y="0"/>
+                    </a:lnTo>
+                    <a:lnTo>
+                      <a:pt x="800" y="156"/>
+                    </a:lnTo>
+                    <a:lnTo>
+                      <a:pt x="800" y="1016"/>
+                    </a:lnTo>
+                    <a:close/>
+                  </a:path>
+                </a:pathLst>
+              </a:custGeom>
+              <a:solidFill>
+                <a:srgbClr val="FFFFFF"/>
+              </a:solidFill>
+              <a:ln w="9525">
+                <a:solidFill>
+                  <a:srgbClr val="000000"/>
+                </a:solidFill>
+                <a:round/>
+                <a:headEnd/>
+                <a:tailEnd/>
+              </a:ln>
+              <a:extLst/>
+            </p:spPr>
+            <p:txBody>
+              <a:bodyPr vert="horz" wrap="square" lIns="91440" tIns="45720" rIns="91440" bIns="45720" numCol="1" anchor="t" anchorCtr="0" compatLnSpc="1">
+                <a:prstTxWarp prst="textNoShape">
+                  <a:avLst/>
+                </a:prstTxWarp>
+              </a:bodyPr>
+              <a:lstStyle/>
+              <a:p>
+                <a:endParaRPr lang="en-US"/>
+              </a:p>
+            </p:txBody>
+          </p:sp>
+          <p:sp>
+            <p:nvSpPr>
+              <p:cNvPr id="37" name="Freeform 14"/>
+              <p:cNvSpPr>
+                <a:spLocks noEditPoints="1"/>
+              </p:cNvSpPr>
+              <p:nvPr/>
+            </p:nvSpPr>
+            <p:spPr bwMode="auto">
+              <a:xfrm>
+                <a:off x="6103938" y="2111375"/>
+                <a:ext cx="1363662" cy="1717675"/>
+              </a:xfrm>
+              <a:custGeom>
+                <a:avLst/>
+                <a:gdLst>
+                  <a:gd name="T0" fmla="*/ 284 w 364"/>
+                  <a:gd name="T1" fmla="*/ 0 h 458"/>
+                  <a:gd name="T2" fmla="*/ 0 w 364"/>
+                  <a:gd name="T3" fmla="*/ 0 h 458"/>
+                  <a:gd name="T4" fmla="*/ 0 w 364"/>
+                  <a:gd name="T5" fmla="*/ 444 h 458"/>
+                  <a:gd name="T6" fmla="*/ 14 w 364"/>
+                  <a:gd name="T7" fmla="*/ 458 h 458"/>
+                  <a:gd name="T8" fmla="*/ 349 w 364"/>
+                  <a:gd name="T9" fmla="*/ 458 h 458"/>
+                  <a:gd name="T10" fmla="*/ 364 w 364"/>
+                  <a:gd name="T11" fmla="*/ 444 h 458"/>
+                  <a:gd name="T12" fmla="*/ 364 w 364"/>
+                  <a:gd name="T13" fmla="*/ 78 h 458"/>
+                  <a:gd name="T14" fmla="*/ 284 w 364"/>
+                  <a:gd name="T15" fmla="*/ 0 h 458"/>
+                  <a:gd name="T16" fmla="*/ 349 w 364"/>
+                  <a:gd name="T17" fmla="*/ 444 h 458"/>
+                  <a:gd name="T18" fmla="*/ 14 w 364"/>
+                  <a:gd name="T19" fmla="*/ 444 h 458"/>
+                  <a:gd name="T20" fmla="*/ 14 w 364"/>
+                  <a:gd name="T21" fmla="*/ 14 h 458"/>
+                  <a:gd name="T22" fmla="*/ 276 w 364"/>
+                  <a:gd name="T23" fmla="*/ 14 h 458"/>
+                  <a:gd name="T24" fmla="*/ 276 w 364"/>
+                  <a:gd name="T25" fmla="*/ 85 h 458"/>
+                  <a:gd name="T26" fmla="*/ 349 w 364"/>
+                  <a:gd name="T27" fmla="*/ 85 h 458"/>
+                  <a:gd name="T28" fmla="*/ 349 w 364"/>
+                  <a:gd name="T29" fmla="*/ 444 h 458"/>
+                </a:gdLst>
+                <a:ahLst/>
+                <a:cxnLst>
+                  <a:cxn ang="0">
+                    <a:pos x="T0" y="T1"/>
+                  </a:cxn>
+                  <a:cxn ang="0">
+                    <a:pos x="T2" y="T3"/>
+                  </a:cxn>
+                  <a:cxn ang="0">
+                    <a:pos x="T4" y="T5"/>
+                  </a:cxn>
+                  <a:cxn ang="0">
+                    <a:pos x="T6" y="T7"/>
+                  </a:cxn>
+                  <a:cxn ang="0">
+                    <a:pos x="T8" y="T9"/>
+                  </a:cxn>
+                  <a:cxn ang="0">
+                    <a:pos x="T10" y="T11"/>
+                  </a:cxn>
+                  <a:cxn ang="0">
+                    <a:pos x="T12" y="T13"/>
+                  </a:cxn>
+                  <a:cxn ang="0">
+                    <a:pos x="T14" y="T15"/>
+                  </a:cxn>
+                  <a:cxn ang="0">
+                    <a:pos x="T16" y="T17"/>
+                  </a:cxn>
+                  <a:cxn ang="0">
+                    <a:pos x="T18" y="T19"/>
+                  </a:cxn>
+                  <a:cxn ang="0">
+                    <a:pos x="T20" y="T21"/>
+                  </a:cxn>
+                  <a:cxn ang="0">
+                    <a:pos x="T22" y="T23"/>
+                  </a:cxn>
+                  <a:cxn ang="0">
+                    <a:pos x="T24" y="T25"/>
+                  </a:cxn>
+                  <a:cxn ang="0">
+                    <a:pos x="T26" y="T27"/>
+                  </a:cxn>
+                  <a:cxn ang="0">
+                    <a:pos x="T28" y="T29"/>
+                  </a:cxn>
+                </a:cxnLst>
+                <a:rect l="0" t="0" r="r" b="b"/>
+                <a:pathLst>
+                  <a:path w="364" h="458">
+                    <a:moveTo>
+                      <a:pt x="284" y="0"/>
+                    </a:moveTo>
+                    <a:cubicBezTo>
+                      <a:pt x="0" y="0"/>
+                      <a:pt x="0" y="0"/>
+                      <a:pt x="0" y="0"/>
+                    </a:cubicBezTo>
+                    <a:cubicBezTo>
+                      <a:pt x="0" y="444"/>
+                      <a:pt x="0" y="444"/>
+                      <a:pt x="0" y="444"/>
+                    </a:cubicBezTo>
+                    <a:cubicBezTo>
+                      <a:pt x="0" y="452"/>
+                      <a:pt x="6" y="458"/>
+                      <a:pt x="14" y="458"/>
+                    </a:cubicBezTo>
+                    <a:cubicBezTo>
+                      <a:pt x="349" y="458"/>
+                      <a:pt x="349" y="458"/>
+                      <a:pt x="349" y="458"/>
+                    </a:cubicBezTo>
+                    <a:cubicBezTo>
+                      <a:pt x="357" y="458"/>
+                      <a:pt x="364" y="452"/>
+                      <a:pt x="364" y="444"/>
+                    </a:cubicBezTo>
+                    <a:cubicBezTo>
+                      <a:pt x="364" y="78"/>
+                      <a:pt x="364" y="78"/>
+                      <a:pt x="364" y="78"/>
+                    </a:cubicBezTo>
+                    <a:lnTo>
+                      <a:pt x="284" y="0"/>
+                    </a:lnTo>
+                    <a:close/>
+                    <a:moveTo>
+                      <a:pt x="349" y="444"/>
+                    </a:moveTo>
+                    <a:cubicBezTo>
+                      <a:pt x="14" y="444"/>
+                      <a:pt x="14" y="444"/>
+                      <a:pt x="14" y="444"/>
+                    </a:cubicBezTo>
+                    <a:cubicBezTo>
+                      <a:pt x="14" y="14"/>
+                      <a:pt x="14" y="14"/>
+                      <a:pt x="14" y="14"/>
+                    </a:cubicBezTo>
+                    <a:cubicBezTo>
+                      <a:pt x="276" y="14"/>
+                      <a:pt x="276" y="14"/>
+                      <a:pt x="276" y="14"/>
+                    </a:cubicBezTo>
+                    <a:cubicBezTo>
+                      <a:pt x="276" y="85"/>
+                      <a:pt x="276" y="85"/>
+                      <a:pt x="276" y="85"/>
+                    </a:cubicBezTo>
+                    <a:cubicBezTo>
+                      <a:pt x="349" y="85"/>
+                      <a:pt x="349" y="85"/>
+                      <a:pt x="349" y="85"/>
+                    </a:cubicBezTo>
+                    <a:lnTo>
+                      <a:pt x="349" y="444"/>
+                    </a:lnTo>
+                    <a:close/>
+                  </a:path>
+                </a:pathLst>
+              </a:custGeom>
+              <a:solidFill>
+                <a:schemeClr val="accent1"/>
+              </a:solidFill>
+              <a:ln>
+                <a:solidFill>
+                  <a:srgbClr val="6B9B20"/>
+                </a:solidFill>
+              </a:ln>
+            </p:spPr>
+            <p:txBody>
+              <a:bodyPr vert="horz" wrap="square" lIns="91440" tIns="45720" rIns="91440" bIns="45720" numCol="1" anchor="t" anchorCtr="0" compatLnSpc="1">
+                <a:prstTxWarp prst="textNoShape">
+                  <a:avLst/>
+                </a:prstTxWarp>
+              </a:bodyPr>
+              <a:lstStyle/>
+              <a:p>
+                <a:endParaRPr lang="en-US"/>
+              </a:p>
+            </p:txBody>
+          </p:sp>
+        </p:grpSp>
+        <p:sp>
+          <p:nvSpPr>
+            <p:cNvPr id="35" name="TextBox 34"/>
+            <p:cNvSpPr txBox="1"/>
+            <p:nvPr/>
+          </p:nvSpPr>
+          <p:spPr>
+            <a:xfrm>
+              <a:off x="1390347" y="3999449"/>
+              <a:ext cx="432084" cy="348814"/>
+            </a:xfrm>
+            <a:prstGeom prst="rect">
+              <a:avLst/>
+            </a:prstGeom>
+            <a:noFill/>
+            <a:ln>
+              <a:noFill/>
+            </a:ln>
+          </p:spPr>
+          <p:txBody>
+            <a:bodyPr wrap="square" lIns="0" rIns="0" rtlCol="0">
+              <a:spAutoFit/>
+            </a:bodyPr>
+            <a:lstStyle/>
+            <a:p>
+              <a:pPr algn="ctr"/>
+              <a:r>
+                <a:rPr lang="en-US" sz="1100" b="1" dirty="0">
+                  <a:solidFill>
+                    <a:srgbClr val="6B9B20"/>
+                  </a:solidFill>
+                </a:rPr>
+                <a:t>Doc 1</a:t>
+              </a:r>
+            </a:p>
+          </p:txBody>
+        </p:sp>
+      </p:grpSp>
+      <p:sp>
+        <p:nvSpPr>
+          <p:cNvPr id="42" name="TextBox 41"/>
+          <p:cNvSpPr txBox="1"/>
+          <p:nvPr/>
+        </p:nvSpPr>
+        <p:spPr>
+          <a:xfrm>
+            <a:off x="838202" y="2269045"/>
+            <a:ext cx="1125794" cy="276995"/>
+          </a:xfrm>
+          <a:prstGeom prst="rect">
+            <a:avLst/>
+          </a:prstGeom>
+          <a:noFill/>
+          <a:ln>
+            <a:noFill/>
+          </a:ln>
+        </p:spPr>
+        <p:txBody>
+          <a:bodyPr wrap="none" lIns="91435" tIns="45718" rIns="91435" bIns="45718" rtlCol="0">
+            <a:spAutoFit/>
+          </a:bodyPr>
+          <a:lstStyle/>
+          <a:p>
+            <a:r>
+              <a:rPr lang="en-US" sz="1200" dirty="0"/>
+              <a:t>To other node</a:t>
+            </a:r>
+          </a:p>
+        </p:txBody>
+      </p:sp>
+      <p:sp>
+        <p:nvSpPr>
+          <p:cNvPr id="60" name="Rectangle 48"/>
+          <p:cNvSpPr>
+            <a:spLocks/>
+          </p:cNvSpPr>
+          <p:nvPr/>
+        </p:nvSpPr>
+        <p:spPr bwMode="auto">
+          <a:xfrm>
+            <a:off x="1971253" y="2864504"/>
+            <a:ext cx="1295400" cy="292376"/>
+          </a:xfrm>
+          <a:prstGeom prst="rect">
+            <a:avLst/>
+          </a:prstGeom>
+          <a:solidFill>
+            <a:srgbClr val="7F7F7F"/>
+          </a:solidFill>
+          <a:ln>
+            <a:noFill/>
+          </a:ln>
+          <a:effectLst/>
+          <a:extLst/>
+        </p:spPr>
+        <p:txBody>
+          <a:bodyPr lIns="38094" tIns="38094" rIns="38094" bIns="38094">
+            <a:spAutoFit/>
+          </a:bodyPr>
+          <a:lstStyle/>
+          <a:p>
+            <a:pPr defTabSz="914259">
+              <a:defRPr/>
+            </a:pPr>
+            <a:r>
+              <a:rPr lang="en-US" sz="1400" dirty="0">
+                <a:solidFill>
+                  <a:srgbClr val="1E1C1C"/>
+                </a:solidFill>
+                <a:latin typeface="Calibri" charset="0"/>
+                <a:cs typeface="Calibri" charset="0"/>
+                <a:sym typeface="Calibri" charset="0"/>
+              </a:rPr>
+              <a:t>View engine </a:t>
+            </a:r>
+          </a:p>
+        </p:txBody>
+      </p:sp>
+      <p:cxnSp>
+        <p:nvCxnSpPr>
+          <p:cNvPr id="61" name="Elbow Connector 60"/>
+          <p:cNvCxnSpPr>
+            <a:endCxn id="63" idx="3"/>
+          </p:cNvCxnSpPr>
+          <p:nvPr/>
+        </p:nvCxnSpPr>
+        <p:spPr>
+          <a:xfrm rot="16200000" flipH="1">
+            <a:off x="2439548" y="3357629"/>
+            <a:ext cx="1101340" cy="571728"/>
+          </a:xfrm>
+          <a:prstGeom prst="bentConnector3">
+            <a:avLst>
+              <a:gd name="adj1" fmla="val 115567"/>
+            </a:avLst>
+          </a:prstGeom>
+          <a:ln w="28575" cmpd="sng">
+            <a:solidFill>
+              <a:srgbClr val="FF0000"/>
+            </a:solidFill>
+            <a:prstDash val="solid"/>
+            <a:headEnd type="oval" w="med" len="med"/>
+            <a:tailEnd type="triangle"/>
+          </a:ln>
+        </p:spPr>
+        <p:style>
+          <a:lnRef idx="1">
+            <a:schemeClr val="accent1"/>
+          </a:lnRef>
+          <a:fillRef idx="0">
+            <a:schemeClr val="accent1"/>
+          </a:fillRef>
+          <a:effectRef idx="0">
+            <a:schemeClr val="accent1"/>
+          </a:effectRef>
+          <a:fontRef idx="minor">
+            <a:schemeClr val="tx1"/>
+          </a:fontRef>
+        </p:style>
+      </p:cxnSp>
+      <p:grpSp>
+        <p:nvGrpSpPr>
+          <p:cNvPr id="62" name="Group 61"/>
+          <p:cNvGrpSpPr>
+            <a:grpSpLocks/>
+          </p:cNvGrpSpPr>
+          <p:nvPr/>
+        </p:nvGrpSpPr>
+        <p:grpSpPr bwMode="auto">
+          <a:xfrm>
+            <a:off x="3008191" y="3857626"/>
+            <a:ext cx="535781" cy="336538"/>
+            <a:chOff x="1371600" y="3429000"/>
+            <a:chExt cx="762000" cy="609600"/>
+          </a:xfrm>
+        </p:grpSpPr>
+        <p:sp>
+          <p:nvSpPr>
+            <p:cNvPr id="63" name="Isosceles Triangle 62"/>
+            <p:cNvSpPr/>
+            <p:nvPr/>
+          </p:nvSpPr>
+          <p:spPr>
+            <a:xfrm>
+              <a:off x="1371600" y="3429000"/>
+              <a:ext cx="762000" cy="609600"/>
+            </a:xfrm>
+            <a:prstGeom prst="triangle">
+              <a:avLst/>
+            </a:prstGeom>
+            <a:solidFill>
+              <a:schemeClr val="bg1">
+                <a:lumMod val="65000"/>
+              </a:schemeClr>
+            </a:solidFill>
+            <a:ln>
+              <a:noFill/>
+            </a:ln>
+          </p:spPr>
+          <p:style>
+            <a:lnRef idx="1">
+              <a:schemeClr val="dk1"/>
+            </a:lnRef>
+            <a:fillRef idx="2">
+              <a:schemeClr val="dk1"/>
+            </a:fillRef>
+            <a:effectRef idx="1">
+              <a:schemeClr val="dk1"/>
+            </a:effectRef>
+            <a:fontRef idx="minor">
+              <a:schemeClr val="dk1"/>
+            </a:fontRef>
+          </p:style>
+          <p:txBody>
+            <a:bodyPr anchor="ctr"/>
+            <a:lstStyle/>
+            <a:p>
+              <a:pPr defTabSz="914259">
+                <a:defRPr/>
+              </a:pPr>
+              <a:endParaRPr lang="en-US" sz="1600" dirty="0">
+                <a:solidFill>
+                  <a:prstClr val="black"/>
+                </a:solidFill>
+                <a:latin typeface="Calibri"/>
+              </a:endParaRPr>
+            </a:p>
+          </p:txBody>
+        </p:sp>
+        <p:grpSp>
+          <p:nvGrpSpPr>
+            <p:cNvPr id="64" name="Group 268"/>
+            <p:cNvGrpSpPr>
+              <a:grpSpLocks/>
+            </p:cNvGrpSpPr>
+            <p:nvPr/>
+          </p:nvGrpSpPr>
+          <p:grpSpPr bwMode="auto">
+            <a:xfrm>
+              <a:off x="1552625" y="3601013"/>
+              <a:ext cx="413317" cy="373063"/>
+              <a:chOff x="1524000" y="1600200"/>
+              <a:chExt cx="1676400" cy="1219200"/>
+            </a:xfrm>
+          </p:grpSpPr>
+          <p:sp>
+            <p:nvSpPr>
+              <p:cNvPr id="65" name="Rounded Rectangle 64"/>
+              <p:cNvSpPr/>
+              <p:nvPr/>
+            </p:nvSpPr>
+            <p:spPr>
+              <a:xfrm>
+                <a:off x="2135486" y="1598052"/>
+                <a:ext cx="379894" cy="307258"/>
+              </a:xfrm>
+              <a:prstGeom prst="roundRect">
+                <a:avLst/>
+              </a:prstGeom>
+              <a:ln/>
+            </p:spPr>
+            <p:style>
+              <a:lnRef idx="1">
+                <a:schemeClr val="accent5"/>
+              </a:lnRef>
+              <a:fillRef idx="2">
+                <a:schemeClr val="accent5"/>
+              </a:fillRef>
+              <a:effectRef idx="1">
+                <a:schemeClr val="accent5"/>
+              </a:effectRef>
+              <a:fontRef idx="minor">
+                <a:schemeClr val="dk1"/>
+              </a:fontRef>
+            </p:style>
+            <p:txBody>
+              <a:bodyPr anchor="ctr"/>
+              <a:lstStyle/>
+              <a:p>
+                <a:pPr defTabSz="914259">
+                  <a:defRPr/>
+                </a:pPr>
+                <a:endParaRPr lang="en-US" sz="1600" dirty="0">
+                  <a:solidFill>
+                    <a:prstClr val="black"/>
+                  </a:solidFill>
+                  <a:latin typeface="Calibri"/>
+                </a:endParaRPr>
+              </a:p>
+            </p:txBody>
+          </p:sp>
+          <p:sp>
+            <p:nvSpPr>
+              <p:cNvPr id="66" name="Rounded Rectangle 65"/>
+              <p:cNvSpPr/>
+              <p:nvPr/>
+            </p:nvSpPr>
+            <p:spPr>
+              <a:xfrm>
+                <a:off x="1678330" y="2053984"/>
+                <a:ext cx="379890" cy="307258"/>
+              </a:xfrm>
+              <a:prstGeom prst="roundRect">
+                <a:avLst/>
+              </a:prstGeom>
+              <a:ln/>
+            </p:spPr>
+            <p:style>
+              <a:lnRef idx="1">
+                <a:schemeClr val="accent5"/>
+              </a:lnRef>
+              <a:fillRef idx="2">
+                <a:schemeClr val="accent5"/>
+              </a:fillRef>
+              <a:effectRef idx="1">
+                <a:schemeClr val="accent5"/>
+              </a:effectRef>
+              <a:fontRef idx="minor">
+                <a:schemeClr val="dk1"/>
+              </a:fontRef>
+            </p:style>
+            <p:txBody>
+              <a:bodyPr anchor="ctr"/>
+              <a:lstStyle/>
+              <a:p>
+                <a:pPr defTabSz="914259">
+                  <a:defRPr/>
+                </a:pPr>
+                <a:endParaRPr lang="en-US" sz="1600" dirty="0">
+                  <a:solidFill>
+                    <a:prstClr val="black"/>
+                  </a:solidFill>
+                  <a:latin typeface="Calibri"/>
+                </a:endParaRPr>
+              </a:p>
+            </p:txBody>
+          </p:sp>
+          <p:sp>
+            <p:nvSpPr>
+              <p:cNvPr id="70" name="Rounded Rectangle 69"/>
+              <p:cNvSpPr/>
+              <p:nvPr/>
+            </p:nvSpPr>
+            <p:spPr>
+              <a:xfrm>
+                <a:off x="2515380" y="2053984"/>
+                <a:ext cx="379890" cy="307258"/>
+              </a:xfrm>
+              <a:prstGeom prst="roundRect">
+                <a:avLst/>
+              </a:prstGeom>
+              <a:ln/>
+            </p:spPr>
+            <p:style>
+              <a:lnRef idx="1">
+                <a:schemeClr val="accent5"/>
+              </a:lnRef>
+              <a:fillRef idx="2">
+                <a:schemeClr val="accent5"/>
+              </a:fillRef>
+              <a:effectRef idx="1">
+                <a:schemeClr val="accent5"/>
+              </a:effectRef>
+              <a:fontRef idx="minor">
+                <a:schemeClr val="dk1"/>
+              </a:fontRef>
+            </p:style>
+            <p:txBody>
+              <a:bodyPr anchor="ctr"/>
+              <a:lstStyle/>
+              <a:p>
+                <a:pPr defTabSz="914259">
+                  <a:defRPr/>
+                </a:pPr>
+                <a:endParaRPr lang="en-US" sz="1600" dirty="0">
+                  <a:solidFill>
+                    <a:prstClr val="black"/>
+                  </a:solidFill>
+                  <a:latin typeface="Calibri"/>
+                </a:endParaRPr>
+              </a:p>
+            </p:txBody>
+          </p:sp>
+          <p:sp>
+            <p:nvSpPr>
+              <p:cNvPr id="71" name="Rounded Rectangle 70"/>
+              <p:cNvSpPr/>
+              <p:nvPr/>
+            </p:nvSpPr>
+            <p:spPr>
+              <a:xfrm>
+                <a:off x="2206315" y="2514870"/>
+                <a:ext cx="379890" cy="302304"/>
+              </a:xfrm>
+              <a:prstGeom prst="roundRect">
+                <a:avLst/>
+              </a:prstGeom>
+              <a:ln/>
+            </p:spPr>
+            <p:style>
+              <a:lnRef idx="1">
+                <a:schemeClr val="accent5"/>
+              </a:lnRef>
+              <a:fillRef idx="2">
+                <a:schemeClr val="accent5"/>
+              </a:fillRef>
+              <a:effectRef idx="1">
+                <a:schemeClr val="accent5"/>
+              </a:effectRef>
+              <a:fontRef idx="minor">
+                <a:schemeClr val="dk1"/>
+              </a:fontRef>
+            </p:style>
+            <p:txBody>
+              <a:bodyPr anchor="ctr"/>
+              <a:lstStyle/>
+              <a:p>
+                <a:pPr defTabSz="914259">
+                  <a:defRPr/>
+                </a:pPr>
+                <a:endParaRPr lang="en-US" sz="1600" dirty="0">
+                  <a:solidFill>
+                    <a:prstClr val="black"/>
+                  </a:solidFill>
+                  <a:latin typeface="Calibri"/>
+                </a:endParaRPr>
+              </a:p>
+            </p:txBody>
+          </p:sp>
+          <p:sp>
+            <p:nvSpPr>
+              <p:cNvPr id="73" name="Rounded Rectangle 72"/>
+              <p:cNvSpPr/>
+              <p:nvPr/>
+            </p:nvSpPr>
+            <p:spPr>
+              <a:xfrm>
+                <a:off x="2818003" y="2514870"/>
+                <a:ext cx="379894" cy="302304"/>
+              </a:xfrm>
+              <a:prstGeom prst="roundRect">
+                <a:avLst/>
+              </a:prstGeom>
+              <a:ln/>
+            </p:spPr>
+            <p:style>
+              <a:lnRef idx="1">
+                <a:schemeClr val="accent5"/>
+              </a:lnRef>
+              <a:fillRef idx="2">
+                <a:schemeClr val="accent5"/>
+              </a:fillRef>
+              <a:effectRef idx="1">
+                <a:schemeClr val="accent5"/>
+              </a:effectRef>
+              <a:fontRef idx="minor">
+                <a:schemeClr val="dk1"/>
+              </a:fontRef>
+            </p:style>
+            <p:txBody>
+              <a:bodyPr anchor="ctr"/>
+              <a:lstStyle/>
+              <a:p>
+                <a:pPr defTabSz="914259">
+                  <a:defRPr/>
+                </a:pPr>
+                <a:endParaRPr lang="en-US" sz="1600" dirty="0">
+                  <a:solidFill>
+                    <a:prstClr val="black"/>
+                  </a:solidFill>
+                  <a:latin typeface="Calibri"/>
+                </a:endParaRPr>
+              </a:p>
+            </p:txBody>
+          </p:sp>
+          <p:sp>
+            <p:nvSpPr>
+              <p:cNvPr id="74" name="Rounded Rectangle 73"/>
+              <p:cNvSpPr/>
+              <p:nvPr/>
+            </p:nvSpPr>
+            <p:spPr>
+              <a:xfrm>
+                <a:off x="1523797" y="2514870"/>
+                <a:ext cx="379890" cy="302304"/>
+              </a:xfrm>
+              <a:prstGeom prst="roundRect">
+                <a:avLst/>
+              </a:prstGeom>
+              <a:ln/>
+            </p:spPr>
+            <p:style>
+              <a:lnRef idx="1">
+                <a:schemeClr val="accent5"/>
+              </a:lnRef>
+              <a:fillRef idx="2">
+                <a:schemeClr val="accent5"/>
+              </a:fillRef>
+              <a:effectRef idx="1">
+                <a:schemeClr val="accent5"/>
+              </a:effectRef>
+              <a:fontRef idx="minor">
+                <a:schemeClr val="dk1"/>
+              </a:fontRef>
+            </p:style>
+            <p:txBody>
+              <a:bodyPr anchor="ctr"/>
+              <a:lstStyle/>
+              <a:p>
+                <a:pPr defTabSz="914259">
+                  <a:defRPr/>
+                </a:pPr>
+                <a:endParaRPr lang="en-US" sz="1600" dirty="0">
+                  <a:solidFill>
+                    <a:prstClr val="black"/>
+                  </a:solidFill>
+                  <a:latin typeface="Calibri"/>
+                </a:endParaRPr>
+              </a:p>
+            </p:txBody>
+          </p:sp>
+          <p:cxnSp>
+            <p:nvCxnSpPr>
+              <p:cNvPr id="75" name="Straight Connector 74"/>
+              <p:cNvCxnSpPr>
+                <a:stCxn id="65" idx="2"/>
+                <a:endCxn id="66" idx="0"/>
+              </p:cNvCxnSpPr>
+              <p:nvPr/>
+            </p:nvCxnSpPr>
+            <p:spPr>
+              <a:xfrm flipH="1">
+                <a:off x="1865054" y="1905311"/>
+                <a:ext cx="457160" cy="148673"/>
+              </a:xfrm>
+              <a:prstGeom prst="line">
+                <a:avLst/>
+              </a:prstGeom>
+              <a:ln w="38100">
+                <a:solidFill>
+                  <a:srgbClr val="7F7F7F"/>
+                </a:solidFill>
+                <a:prstDash val="solid"/>
+                <a:headEnd type="none" w="med" len="med"/>
+                <a:tailEnd type="none"/>
+              </a:ln>
+            </p:spPr>
+            <p:style>
+              <a:lnRef idx="1">
+                <a:schemeClr val="accent1"/>
+              </a:lnRef>
+              <a:fillRef idx="0">
+                <a:schemeClr val="accent1"/>
+              </a:fillRef>
+              <a:effectRef idx="0">
+                <a:schemeClr val="accent1"/>
+              </a:effectRef>
+              <a:fontRef idx="minor">
+                <a:schemeClr val="tx1"/>
+              </a:fontRef>
+            </p:style>
+          </p:cxnSp>
+          <p:cxnSp>
+            <p:nvCxnSpPr>
+              <p:cNvPr id="76" name="Straight Connector 75"/>
+              <p:cNvCxnSpPr>
+                <a:stCxn id="65" idx="2"/>
+                <a:endCxn id="70" idx="0"/>
+              </p:cNvCxnSpPr>
+              <p:nvPr/>
+            </p:nvCxnSpPr>
+            <p:spPr>
+              <a:xfrm>
+                <a:off x="2322214" y="1905311"/>
+                <a:ext cx="379890" cy="148673"/>
+              </a:xfrm>
+              <a:prstGeom prst="line">
+                <a:avLst/>
+              </a:prstGeom>
+              <a:ln w="38100">
+                <a:solidFill>
+                  <a:srgbClr val="7F7F7F"/>
+                </a:solidFill>
+                <a:prstDash val="solid"/>
+                <a:headEnd type="none" w="med" len="med"/>
+                <a:tailEnd type="none"/>
+              </a:ln>
+            </p:spPr>
+            <p:style>
+              <a:lnRef idx="1">
+                <a:schemeClr val="accent1"/>
+              </a:lnRef>
+              <a:fillRef idx="0">
+                <a:schemeClr val="accent1"/>
+              </a:fillRef>
+              <a:effectRef idx="0">
+                <a:schemeClr val="accent1"/>
+              </a:effectRef>
+              <a:fontRef idx="minor">
+                <a:schemeClr val="tx1"/>
+              </a:fontRef>
+            </p:style>
+          </p:cxnSp>
+          <p:cxnSp>
+            <p:nvCxnSpPr>
+              <p:cNvPr id="77" name="Straight Connector 76"/>
+              <p:cNvCxnSpPr>
+                <a:stCxn id="66" idx="2"/>
+                <a:endCxn id="74" idx="0"/>
+              </p:cNvCxnSpPr>
+              <p:nvPr/>
+            </p:nvCxnSpPr>
+            <p:spPr>
+              <a:xfrm flipH="1">
+                <a:off x="1716963" y="2361242"/>
+                <a:ext cx="148091" cy="153628"/>
+              </a:xfrm>
+              <a:prstGeom prst="line">
+                <a:avLst/>
+              </a:prstGeom>
+              <a:ln w="38100">
+                <a:solidFill>
+                  <a:srgbClr val="7F7F7F"/>
+                </a:solidFill>
+                <a:prstDash val="solid"/>
+                <a:headEnd type="none" w="med" len="med"/>
+                <a:tailEnd type="none"/>
+              </a:ln>
+            </p:spPr>
+            <p:style>
+              <a:lnRef idx="1">
+                <a:schemeClr val="accent1"/>
+              </a:lnRef>
+              <a:fillRef idx="0">
+                <a:schemeClr val="accent1"/>
+              </a:fillRef>
+              <a:effectRef idx="0">
+                <a:schemeClr val="accent1"/>
+              </a:effectRef>
+              <a:fontRef idx="minor">
+                <a:schemeClr val="tx1"/>
+              </a:fontRef>
+            </p:style>
+          </p:cxnSp>
+          <p:cxnSp>
+            <p:nvCxnSpPr>
+              <p:cNvPr id="78" name="Straight Connector 77"/>
+              <p:cNvCxnSpPr>
+                <a:stCxn id="70" idx="2"/>
+                <a:endCxn id="71" idx="0"/>
+              </p:cNvCxnSpPr>
+              <p:nvPr/>
+            </p:nvCxnSpPr>
+            <p:spPr>
+              <a:xfrm flipH="1">
+                <a:off x="2399480" y="2361242"/>
+                <a:ext cx="302624" cy="153628"/>
+              </a:xfrm>
+              <a:prstGeom prst="line">
+                <a:avLst/>
+              </a:prstGeom>
+              <a:ln w="38100">
+                <a:solidFill>
+                  <a:srgbClr val="7F7F7F"/>
+                </a:solidFill>
+                <a:prstDash val="solid"/>
+                <a:headEnd type="none" w="med" len="med"/>
+                <a:tailEnd type="none"/>
+              </a:ln>
+            </p:spPr>
+            <p:style>
+              <a:lnRef idx="1">
+                <a:schemeClr val="accent1"/>
+              </a:lnRef>
+              <a:fillRef idx="0">
+                <a:schemeClr val="accent1"/>
+              </a:fillRef>
+              <a:effectRef idx="0">
+                <a:schemeClr val="accent1"/>
+              </a:effectRef>
+              <a:fontRef idx="minor">
+                <a:schemeClr val="tx1"/>
+              </a:fontRef>
+            </p:style>
+          </p:cxnSp>
+          <p:cxnSp>
+            <p:nvCxnSpPr>
+              <p:cNvPr id="79" name="Straight Connector 78"/>
+              <p:cNvCxnSpPr>
+                <a:stCxn id="70" idx="2"/>
+                <a:endCxn id="73" idx="0"/>
+              </p:cNvCxnSpPr>
+              <p:nvPr/>
+            </p:nvCxnSpPr>
+            <p:spPr>
+              <a:xfrm>
+                <a:off x="2702104" y="2361242"/>
+                <a:ext cx="309065" cy="153628"/>
+              </a:xfrm>
+              <a:prstGeom prst="line">
+                <a:avLst/>
+              </a:prstGeom>
+              <a:ln w="38100">
+                <a:solidFill>
+                  <a:srgbClr val="7F7F7F"/>
+                </a:solidFill>
+                <a:prstDash val="solid"/>
+                <a:headEnd type="none" w="med" len="med"/>
+                <a:tailEnd type="none"/>
+              </a:ln>
+            </p:spPr>
+            <p:style>
+              <a:lnRef idx="1">
+                <a:schemeClr val="accent1"/>
+              </a:lnRef>
+              <a:fillRef idx="0">
+                <a:schemeClr val="accent1"/>
+              </a:fillRef>
+              <a:effectRef idx="0">
+                <a:schemeClr val="accent1"/>
+              </a:effectRef>
+              <a:fontRef idx="minor">
+                <a:schemeClr val="tx1"/>
+              </a:fontRef>
+            </p:style>
+          </p:cxnSp>
+        </p:grpSp>
+      </p:grpSp>
+      <p:sp>
+        <p:nvSpPr>
+          <p:cNvPr id="81" name="Line 14"/>
+          <p:cNvSpPr>
+            <a:spLocks noChangeShapeType="1"/>
+          </p:cNvSpPr>
+          <p:nvPr/>
+        </p:nvSpPr>
+        <p:spPr bwMode="auto">
+          <a:xfrm rot="10800000">
+            <a:off x="3143922" y="2990144"/>
+            <a:ext cx="478509" cy="1"/>
+          </a:xfrm>
+          <a:prstGeom prst="line">
+            <a:avLst/>
+          </a:prstGeom>
+          <a:noFill/>
+          <a:ln w="28575" cap="flat">
+            <a:solidFill>
+              <a:srgbClr val="FF0000"/>
+            </a:solidFill>
+            <a:prstDash val="solid"/>
+            <a:round/>
+            <a:headEnd type="oval" w="med" len="med"/>
+            <a:tailEnd type="arrow" w="sm" len="sm"/>
+          </a:ln>
+          <a:extLst>
+            <a:ext uri="{909E8E84-426E-40dd-AFC4-6F175D3DCCD1}">
+              <a14:hiddenFill xmlns:a14="http://schemas.microsoft.com/office/drawing/2010/main">
+                <a:solidFill>
+                  <a:srgbClr val="FFFFFF"/>
+                </a:solidFill>
+              </a14:hiddenFill>
+            </a:ext>
+          </a:extLst>
+        </p:spPr>
+        <p:txBody>
+          <a:bodyPr lIns="0" tIns="0" rIns="0" bIns="0"/>
+          <a:lstStyle/>
+          <a:p>
+            <a:endParaRPr lang="en-US">
+              <a:solidFill>
+                <a:prstClr val="black"/>
+              </a:solidFill>
+              <a:latin typeface="Calibri"/>
+            </a:endParaRPr>
+          </a:p>
+        </p:txBody>
+      </p:sp>
+      <p:grpSp>
+        <p:nvGrpSpPr>
+          <p:cNvPr id="101" name="Group 100"/>
+          <p:cNvGrpSpPr/>
+          <p:nvPr/>
+        </p:nvGrpSpPr>
+        <p:grpSpPr>
+          <a:xfrm>
+            <a:off x="4320497" y="2792469"/>
+            <a:ext cx="445679" cy="304046"/>
+            <a:chOff x="1390347" y="3931216"/>
+            <a:chExt cx="445679" cy="405395"/>
+          </a:xfrm>
+        </p:grpSpPr>
+        <p:grpSp>
+          <p:nvGrpSpPr>
+            <p:cNvPr id="102" name="Group 101"/>
+            <p:cNvGrpSpPr/>
+            <p:nvPr/>
+          </p:nvGrpSpPr>
+          <p:grpSpPr>
+            <a:xfrm rot="16200000">
+              <a:off x="1436276" y="3885289"/>
+              <a:ext cx="353823" cy="445677"/>
+              <a:chOff x="6103934" y="2111384"/>
+              <a:chExt cx="1363662" cy="1717674"/>
+            </a:xfrm>
+          </p:grpSpPr>
+          <p:sp>
+            <p:nvSpPr>
+              <p:cNvPr id="104" name="Freeform 13"/>
+              <p:cNvSpPr>
+                <a:spLocks/>
+              </p:cNvSpPr>
+              <p:nvPr/>
+            </p:nvSpPr>
+            <p:spPr bwMode="auto">
+              <a:xfrm>
+                <a:off x="6156325" y="2163763"/>
+                <a:ext cx="1270000" cy="1612900"/>
+              </a:xfrm>
+              <a:custGeom>
+                <a:avLst/>
+                <a:gdLst>
+                  <a:gd name="T0" fmla="*/ 800 w 800"/>
+                  <a:gd name="T1" fmla="*/ 1016 h 1016"/>
+                  <a:gd name="T2" fmla="*/ 0 w 800"/>
+                  <a:gd name="T3" fmla="*/ 1016 h 1016"/>
+                  <a:gd name="T4" fmla="*/ 0 w 800"/>
+                  <a:gd name="T5" fmla="*/ 0 h 1016"/>
+                  <a:gd name="T6" fmla="*/ 640 w 800"/>
+                  <a:gd name="T7" fmla="*/ 0 h 1016"/>
+                  <a:gd name="T8" fmla="*/ 800 w 800"/>
+                  <a:gd name="T9" fmla="*/ 156 h 1016"/>
+                  <a:gd name="T10" fmla="*/ 800 w 800"/>
+                  <a:gd name="T11" fmla="*/ 1016 h 1016"/>
+                </a:gdLst>
+                <a:ahLst/>
+                <a:cxnLst>
+                  <a:cxn ang="0">
+                    <a:pos x="T0" y="T1"/>
+                  </a:cxn>
+                  <a:cxn ang="0">
+                    <a:pos x="T2" y="T3"/>
+                  </a:cxn>
+                  <a:cxn ang="0">
+                    <a:pos x="T4" y="T5"/>
+                  </a:cxn>
+                  <a:cxn ang="0">
+                    <a:pos x="T6" y="T7"/>
+                  </a:cxn>
+                  <a:cxn ang="0">
+                    <a:pos x="T8" y="T9"/>
+                  </a:cxn>
+                  <a:cxn ang="0">
+                    <a:pos x="T10" y="T11"/>
+                  </a:cxn>
+                </a:cxnLst>
+                <a:rect l="0" t="0" r="r" b="b"/>
+                <a:pathLst>
+                  <a:path w="800" h="1016">
+                    <a:moveTo>
+                      <a:pt x="800" y="1016"/>
+                    </a:moveTo>
+                    <a:lnTo>
+                      <a:pt x="0" y="1016"/>
+                    </a:lnTo>
+                    <a:lnTo>
+                      <a:pt x="0" y="0"/>
+                    </a:lnTo>
+                    <a:lnTo>
+                      <a:pt x="640" y="0"/>
+                    </a:lnTo>
+                    <a:lnTo>
+                      <a:pt x="800" y="156"/>
+                    </a:lnTo>
+                    <a:lnTo>
+                      <a:pt x="800" y="1016"/>
+                    </a:lnTo>
+                    <a:close/>
+                  </a:path>
+                </a:pathLst>
+              </a:custGeom>
+              <a:solidFill>
+                <a:srgbClr val="FFFFFF"/>
+              </a:solidFill>
+              <a:ln w="9525">
+                <a:solidFill>
+                  <a:srgbClr val="000000"/>
+                </a:solidFill>
+                <a:round/>
+                <a:headEnd/>
+                <a:tailEnd/>
+              </a:ln>
+              <a:extLst/>
+            </p:spPr>
+            <p:txBody>
+              <a:bodyPr vert="horz" wrap="square" lIns="91440" tIns="45720" rIns="91440" bIns="45720" numCol="1" anchor="t" anchorCtr="0" compatLnSpc="1">
+                <a:prstTxWarp prst="textNoShape">
+                  <a:avLst/>
+                </a:prstTxWarp>
+              </a:bodyPr>
+              <a:lstStyle/>
+              <a:p>
+                <a:endParaRPr lang="en-US"/>
+              </a:p>
+            </p:txBody>
+          </p:sp>
+          <p:sp>
+            <p:nvSpPr>
+              <p:cNvPr id="105" name="Freeform 14"/>
+              <p:cNvSpPr>
+                <a:spLocks noEditPoints="1"/>
+              </p:cNvSpPr>
+              <p:nvPr/>
+            </p:nvSpPr>
+            <p:spPr bwMode="auto">
+              <a:xfrm>
+                <a:off x="6103934" y="2111384"/>
+                <a:ext cx="1363662" cy="1717674"/>
+              </a:xfrm>
+              <a:custGeom>
+                <a:avLst/>
+                <a:gdLst>
+                  <a:gd name="T0" fmla="*/ 284 w 364"/>
+                  <a:gd name="T1" fmla="*/ 0 h 458"/>
+                  <a:gd name="T2" fmla="*/ 0 w 364"/>
+                  <a:gd name="T3" fmla="*/ 0 h 458"/>
+                  <a:gd name="T4" fmla="*/ 0 w 364"/>
+                  <a:gd name="T5" fmla="*/ 444 h 458"/>
+                  <a:gd name="T6" fmla="*/ 14 w 364"/>
+                  <a:gd name="T7" fmla="*/ 458 h 458"/>
+                  <a:gd name="T8" fmla="*/ 349 w 364"/>
+                  <a:gd name="T9" fmla="*/ 458 h 458"/>
+                  <a:gd name="T10" fmla="*/ 364 w 364"/>
+                  <a:gd name="T11" fmla="*/ 444 h 458"/>
+                  <a:gd name="T12" fmla="*/ 364 w 364"/>
+                  <a:gd name="T13" fmla="*/ 78 h 458"/>
+                  <a:gd name="T14" fmla="*/ 284 w 364"/>
+                  <a:gd name="T15" fmla="*/ 0 h 458"/>
+                  <a:gd name="T16" fmla="*/ 349 w 364"/>
+                  <a:gd name="T17" fmla="*/ 444 h 458"/>
+                  <a:gd name="T18" fmla="*/ 14 w 364"/>
+                  <a:gd name="T19" fmla="*/ 444 h 458"/>
+                  <a:gd name="T20" fmla="*/ 14 w 364"/>
+                  <a:gd name="T21" fmla="*/ 14 h 458"/>
+                  <a:gd name="T22" fmla="*/ 276 w 364"/>
+                  <a:gd name="T23" fmla="*/ 14 h 458"/>
+                  <a:gd name="T24" fmla="*/ 276 w 364"/>
+                  <a:gd name="T25" fmla="*/ 85 h 458"/>
+                  <a:gd name="T26" fmla="*/ 349 w 364"/>
+                  <a:gd name="T27" fmla="*/ 85 h 458"/>
+                  <a:gd name="T28" fmla="*/ 349 w 364"/>
+                  <a:gd name="T29" fmla="*/ 444 h 458"/>
+                </a:gdLst>
+                <a:ahLst/>
+                <a:cxnLst>
+                  <a:cxn ang="0">
+                    <a:pos x="T0" y="T1"/>
+                  </a:cxn>
+                  <a:cxn ang="0">
+                    <a:pos x="T2" y="T3"/>
+                  </a:cxn>
+                  <a:cxn ang="0">
+                    <a:pos x="T4" y="T5"/>
+                  </a:cxn>
+                  <a:cxn ang="0">
+                    <a:pos x="T6" y="T7"/>
+                  </a:cxn>
+                  <a:cxn ang="0">
+                    <a:pos x="T8" y="T9"/>
+                  </a:cxn>
+                  <a:cxn ang="0">
+                    <a:pos x="T10" y="T11"/>
+                  </a:cxn>
+                  <a:cxn ang="0">
+                    <a:pos x="T12" y="T13"/>
+                  </a:cxn>
+                  <a:cxn ang="0">
+                    <a:pos x="T14" y="T15"/>
+                  </a:cxn>
+                  <a:cxn ang="0">
+                    <a:pos x="T16" y="T17"/>
+                  </a:cxn>
+                  <a:cxn ang="0">
+                    <a:pos x="T18" y="T19"/>
+                  </a:cxn>
+                  <a:cxn ang="0">
+                    <a:pos x="T20" y="T21"/>
+                  </a:cxn>
+                  <a:cxn ang="0">
+                    <a:pos x="T22" y="T23"/>
+                  </a:cxn>
+                  <a:cxn ang="0">
+                    <a:pos x="T24" y="T25"/>
+                  </a:cxn>
+                  <a:cxn ang="0">
+                    <a:pos x="T26" y="T27"/>
+                  </a:cxn>
+                  <a:cxn ang="0">
+                    <a:pos x="T28" y="T29"/>
+                  </a:cxn>
+                </a:cxnLst>
+                <a:rect l="0" t="0" r="r" b="b"/>
+                <a:pathLst>
+                  <a:path w="364" h="458">
+                    <a:moveTo>
+                      <a:pt x="284" y="0"/>
+                    </a:moveTo>
+                    <a:cubicBezTo>
+                      <a:pt x="0" y="0"/>
+                      <a:pt x="0" y="0"/>
+                      <a:pt x="0" y="0"/>
+                    </a:cubicBezTo>
+                    <a:cubicBezTo>
+                      <a:pt x="0" y="444"/>
+                      <a:pt x="0" y="444"/>
+                      <a:pt x="0" y="444"/>
+                    </a:cubicBezTo>
+                    <a:cubicBezTo>
+                      <a:pt x="0" y="452"/>
+                      <a:pt x="6" y="458"/>
+                      <a:pt x="14" y="458"/>
+                    </a:cubicBezTo>
+                    <a:cubicBezTo>
+                      <a:pt x="349" y="458"/>
+                      <a:pt x="349" y="458"/>
+                      <a:pt x="349" y="458"/>
+                    </a:cubicBezTo>
+                    <a:cubicBezTo>
+                      <a:pt x="357" y="458"/>
+                      <a:pt x="364" y="452"/>
+                      <a:pt x="364" y="444"/>
+                    </a:cubicBezTo>
+                    <a:cubicBezTo>
+                      <a:pt x="364" y="78"/>
+                      <a:pt x="364" y="78"/>
+                      <a:pt x="364" y="78"/>
+                    </a:cubicBezTo>
+                    <a:lnTo>
+                      <a:pt x="284" y="0"/>
+                    </a:lnTo>
+                    <a:close/>
+                    <a:moveTo>
+                      <a:pt x="349" y="444"/>
+                    </a:moveTo>
+                    <a:cubicBezTo>
+                      <a:pt x="14" y="444"/>
+                      <a:pt x="14" y="444"/>
+                      <a:pt x="14" y="444"/>
+                    </a:cubicBezTo>
+                    <a:cubicBezTo>
+                      <a:pt x="14" y="14"/>
+                      <a:pt x="14" y="14"/>
+                      <a:pt x="14" y="14"/>
+                    </a:cubicBezTo>
+                    <a:cubicBezTo>
+                      <a:pt x="276" y="14"/>
+                      <a:pt x="276" y="14"/>
+                      <a:pt x="276" y="14"/>
+                    </a:cubicBezTo>
+                    <a:cubicBezTo>
+                      <a:pt x="276" y="85"/>
+                      <a:pt x="276" y="85"/>
+                      <a:pt x="276" y="85"/>
+                    </a:cubicBezTo>
+                    <a:cubicBezTo>
+                      <a:pt x="349" y="85"/>
+                      <a:pt x="349" y="85"/>
+                      <a:pt x="349" y="85"/>
+                    </a:cubicBezTo>
+                    <a:lnTo>
+                      <a:pt x="349" y="444"/>
+                    </a:lnTo>
+                    <a:close/>
+                  </a:path>
+                </a:pathLst>
+              </a:custGeom>
+              <a:solidFill>
+                <a:schemeClr val="accent1"/>
+              </a:solidFill>
+              <a:ln>
+                <a:solidFill>
+                  <a:schemeClr val="accent3"/>
+                </a:solidFill>
+              </a:ln>
+            </p:spPr>
+            <p:txBody>
+              <a:bodyPr vert="horz" wrap="square" lIns="91440" tIns="45720" rIns="91440" bIns="45720" numCol="1" anchor="t" anchorCtr="0" compatLnSpc="1">
+                <a:prstTxWarp prst="textNoShape">
+                  <a:avLst/>
+                </a:prstTxWarp>
+              </a:bodyPr>
+              <a:lstStyle/>
+              <a:p>
+                <a:endParaRPr lang="en-US"/>
+              </a:p>
+            </p:txBody>
+          </p:sp>
+        </p:grpSp>
+        <p:sp>
+          <p:nvSpPr>
+            <p:cNvPr id="103" name="TextBox 102"/>
+            <p:cNvSpPr txBox="1"/>
+            <p:nvPr/>
+          </p:nvSpPr>
+          <p:spPr>
+            <a:xfrm>
+              <a:off x="1390347" y="3987797"/>
+              <a:ext cx="432084" cy="348814"/>
+            </a:xfrm>
+            <a:prstGeom prst="rect">
+              <a:avLst/>
+            </a:prstGeom>
+            <a:noFill/>
+            <a:ln>
+              <a:noFill/>
+            </a:ln>
+          </p:spPr>
+          <p:txBody>
+            <a:bodyPr wrap="square" lIns="0" rIns="0" rtlCol="0">
+              <a:spAutoFit/>
+            </a:bodyPr>
+            <a:lstStyle/>
+            <a:p>
+              <a:pPr algn="ctr"/>
+              <a:r>
+                <a:rPr lang="en-US" sz="1100" b="1" dirty="0" smtClean="0">
+                  <a:solidFill>
+                    <a:srgbClr val="6B9B20"/>
+                  </a:solidFill>
+                </a:rPr>
+                <a:t>Doc </a:t>
+              </a:r>
+              <a:r>
+                <a:rPr lang="en-US" sz="1100" b="1" dirty="0">
+                  <a:solidFill>
+                    <a:srgbClr val="6B9B20"/>
+                  </a:solidFill>
+                </a:rPr>
+                <a:t>1</a:t>
+              </a:r>
+            </a:p>
+          </p:txBody>
+        </p:sp>
+      </p:grpSp>
+      <p:grpSp>
+        <p:nvGrpSpPr>
+          <p:cNvPr id="43" name="Group 42"/>
+          <p:cNvGrpSpPr/>
+          <p:nvPr/>
+        </p:nvGrpSpPr>
+        <p:grpSpPr>
+          <a:xfrm>
+            <a:off x="4314954" y="2786852"/>
+            <a:ext cx="445677" cy="271230"/>
+            <a:chOff x="1390346" y="3931213"/>
+            <a:chExt cx="445677" cy="361641"/>
+          </a:xfrm>
+        </p:grpSpPr>
+        <p:grpSp>
+          <p:nvGrpSpPr>
+            <p:cNvPr id="44" name="Group 43"/>
+            <p:cNvGrpSpPr/>
+            <p:nvPr/>
+          </p:nvGrpSpPr>
+          <p:grpSpPr>
+            <a:xfrm rot="16200000">
+              <a:off x="1436273" y="3885286"/>
+              <a:ext cx="353823" cy="445677"/>
+              <a:chOff x="6103938" y="2111375"/>
+              <a:chExt cx="1363662" cy="1717675"/>
+            </a:xfrm>
+          </p:grpSpPr>
+          <p:sp>
+            <p:nvSpPr>
+              <p:cNvPr id="46" name="Freeform 13"/>
+              <p:cNvSpPr>
+                <a:spLocks/>
+              </p:cNvSpPr>
+              <p:nvPr/>
+            </p:nvSpPr>
+            <p:spPr bwMode="auto">
+              <a:xfrm>
+                <a:off x="6156325" y="2163763"/>
+                <a:ext cx="1270000" cy="1612900"/>
+              </a:xfrm>
+              <a:custGeom>
+                <a:avLst/>
+                <a:gdLst>
+                  <a:gd name="T0" fmla="*/ 800 w 800"/>
+                  <a:gd name="T1" fmla="*/ 1016 h 1016"/>
+                  <a:gd name="T2" fmla="*/ 0 w 800"/>
+                  <a:gd name="T3" fmla="*/ 1016 h 1016"/>
+                  <a:gd name="T4" fmla="*/ 0 w 800"/>
+                  <a:gd name="T5" fmla="*/ 0 h 1016"/>
+                  <a:gd name="T6" fmla="*/ 640 w 800"/>
+                  <a:gd name="T7" fmla="*/ 0 h 1016"/>
+                  <a:gd name="T8" fmla="*/ 800 w 800"/>
+                  <a:gd name="T9" fmla="*/ 156 h 1016"/>
+                  <a:gd name="T10" fmla="*/ 800 w 800"/>
+                  <a:gd name="T11" fmla="*/ 1016 h 1016"/>
+                </a:gdLst>
+                <a:ahLst/>
+                <a:cxnLst>
+                  <a:cxn ang="0">
+                    <a:pos x="T0" y="T1"/>
+                  </a:cxn>
+                  <a:cxn ang="0">
+                    <a:pos x="T2" y="T3"/>
+                  </a:cxn>
+                  <a:cxn ang="0">
+                    <a:pos x="T4" y="T5"/>
+                  </a:cxn>
+                  <a:cxn ang="0">
+                    <a:pos x="T6" y="T7"/>
+                  </a:cxn>
+                  <a:cxn ang="0">
+                    <a:pos x="T8" y="T9"/>
+                  </a:cxn>
+                  <a:cxn ang="0">
+                    <a:pos x="T10" y="T11"/>
+                  </a:cxn>
+                </a:cxnLst>
+                <a:rect l="0" t="0" r="r" b="b"/>
+                <a:pathLst>
+                  <a:path w="800" h="1016">
+                    <a:moveTo>
+                      <a:pt x="800" y="1016"/>
+                    </a:moveTo>
+                    <a:lnTo>
+                      <a:pt x="0" y="1016"/>
+                    </a:lnTo>
+                    <a:lnTo>
+                      <a:pt x="0" y="0"/>
+                    </a:lnTo>
+                    <a:lnTo>
+                      <a:pt x="640" y="0"/>
+                    </a:lnTo>
+                    <a:lnTo>
+                      <a:pt x="800" y="156"/>
+                    </a:lnTo>
+                    <a:lnTo>
+                      <a:pt x="800" y="1016"/>
+                    </a:lnTo>
+                    <a:close/>
+                  </a:path>
+                </a:pathLst>
+              </a:custGeom>
+              <a:solidFill>
+                <a:srgbClr val="FFFFFF"/>
+              </a:solidFill>
+              <a:ln w="9525">
+                <a:solidFill>
+                  <a:srgbClr val="000000"/>
+                </a:solidFill>
+                <a:round/>
+                <a:headEnd/>
+                <a:tailEnd/>
+              </a:ln>
+              <a:extLst/>
+            </p:spPr>
+            <p:txBody>
+              <a:bodyPr vert="horz" wrap="square" lIns="91440" tIns="45720" rIns="91440" bIns="45720" numCol="1" anchor="t" anchorCtr="0" compatLnSpc="1">
+                <a:prstTxWarp prst="textNoShape">
+                  <a:avLst/>
+                </a:prstTxWarp>
+              </a:bodyPr>
+              <a:lstStyle/>
+              <a:p>
+                <a:endParaRPr lang="en-US"/>
+              </a:p>
+            </p:txBody>
+          </p:sp>
+          <p:sp>
+            <p:nvSpPr>
+              <p:cNvPr id="47" name="Freeform 14"/>
+              <p:cNvSpPr>
+                <a:spLocks noEditPoints="1"/>
+              </p:cNvSpPr>
+              <p:nvPr/>
+            </p:nvSpPr>
+            <p:spPr bwMode="auto">
+              <a:xfrm>
+                <a:off x="6103938" y="2111375"/>
+                <a:ext cx="1363662" cy="1717675"/>
+              </a:xfrm>
+              <a:custGeom>
+                <a:avLst/>
+                <a:gdLst>
+                  <a:gd name="T0" fmla="*/ 284 w 364"/>
+                  <a:gd name="T1" fmla="*/ 0 h 458"/>
+                  <a:gd name="T2" fmla="*/ 0 w 364"/>
+                  <a:gd name="T3" fmla="*/ 0 h 458"/>
+                  <a:gd name="T4" fmla="*/ 0 w 364"/>
+                  <a:gd name="T5" fmla="*/ 444 h 458"/>
+                  <a:gd name="T6" fmla="*/ 14 w 364"/>
+                  <a:gd name="T7" fmla="*/ 458 h 458"/>
+                  <a:gd name="T8" fmla="*/ 349 w 364"/>
+                  <a:gd name="T9" fmla="*/ 458 h 458"/>
+                  <a:gd name="T10" fmla="*/ 364 w 364"/>
+                  <a:gd name="T11" fmla="*/ 444 h 458"/>
+                  <a:gd name="T12" fmla="*/ 364 w 364"/>
+                  <a:gd name="T13" fmla="*/ 78 h 458"/>
+                  <a:gd name="T14" fmla="*/ 284 w 364"/>
+                  <a:gd name="T15" fmla="*/ 0 h 458"/>
+                  <a:gd name="T16" fmla="*/ 349 w 364"/>
+                  <a:gd name="T17" fmla="*/ 444 h 458"/>
+                  <a:gd name="T18" fmla="*/ 14 w 364"/>
+                  <a:gd name="T19" fmla="*/ 444 h 458"/>
+                  <a:gd name="T20" fmla="*/ 14 w 364"/>
+                  <a:gd name="T21" fmla="*/ 14 h 458"/>
+                  <a:gd name="T22" fmla="*/ 276 w 364"/>
+                  <a:gd name="T23" fmla="*/ 14 h 458"/>
+                  <a:gd name="T24" fmla="*/ 276 w 364"/>
+                  <a:gd name="T25" fmla="*/ 85 h 458"/>
+                  <a:gd name="T26" fmla="*/ 349 w 364"/>
+                  <a:gd name="T27" fmla="*/ 85 h 458"/>
+                  <a:gd name="T28" fmla="*/ 349 w 364"/>
+                  <a:gd name="T29" fmla="*/ 444 h 458"/>
+                </a:gdLst>
+                <a:ahLst/>
+                <a:cxnLst>
+                  <a:cxn ang="0">
+                    <a:pos x="T0" y="T1"/>
+                  </a:cxn>
+                  <a:cxn ang="0">
+                    <a:pos x="T2" y="T3"/>
+                  </a:cxn>
+                  <a:cxn ang="0">
+                    <a:pos x="T4" y="T5"/>
+                  </a:cxn>
+                  <a:cxn ang="0">
+                    <a:pos x="T6" y="T7"/>
+                  </a:cxn>
+                  <a:cxn ang="0">
+                    <a:pos x="T8" y="T9"/>
+                  </a:cxn>
+                  <a:cxn ang="0">
+                    <a:pos x="T10" y="T11"/>
+                  </a:cxn>
+                  <a:cxn ang="0">
+                    <a:pos x="T12" y="T13"/>
+                  </a:cxn>
+                  <a:cxn ang="0">
+                    <a:pos x="T14" y="T15"/>
+                  </a:cxn>
+                  <a:cxn ang="0">
+                    <a:pos x="T16" y="T17"/>
+                  </a:cxn>
+                  <a:cxn ang="0">
+                    <a:pos x="T18" y="T19"/>
+                  </a:cxn>
+                  <a:cxn ang="0">
+                    <a:pos x="T20" y="T21"/>
+                  </a:cxn>
+                  <a:cxn ang="0">
+                    <a:pos x="T22" y="T23"/>
+                  </a:cxn>
+                  <a:cxn ang="0">
+                    <a:pos x="T24" y="T25"/>
+                  </a:cxn>
+                  <a:cxn ang="0">
+                    <a:pos x="T26" y="T27"/>
+                  </a:cxn>
+                  <a:cxn ang="0">
+                    <a:pos x="T28" y="T29"/>
+                  </a:cxn>
+                </a:cxnLst>
+                <a:rect l="0" t="0" r="r" b="b"/>
+                <a:pathLst>
+                  <a:path w="364" h="458">
+                    <a:moveTo>
+                      <a:pt x="284" y="0"/>
+                    </a:moveTo>
+                    <a:cubicBezTo>
+                      <a:pt x="0" y="0"/>
+                      <a:pt x="0" y="0"/>
+                      <a:pt x="0" y="0"/>
+                    </a:cubicBezTo>
+                    <a:cubicBezTo>
+                      <a:pt x="0" y="444"/>
+                      <a:pt x="0" y="444"/>
+                      <a:pt x="0" y="444"/>
+                    </a:cubicBezTo>
+                    <a:cubicBezTo>
+                      <a:pt x="0" y="452"/>
+                      <a:pt x="6" y="458"/>
+                      <a:pt x="14" y="458"/>
+                    </a:cubicBezTo>
+                    <a:cubicBezTo>
+                      <a:pt x="349" y="458"/>
+                      <a:pt x="349" y="458"/>
+                      <a:pt x="349" y="458"/>
+                    </a:cubicBezTo>
+                    <a:cubicBezTo>
+                      <a:pt x="357" y="458"/>
+                      <a:pt x="364" y="452"/>
+                      <a:pt x="364" y="444"/>
+                    </a:cubicBezTo>
+                    <a:cubicBezTo>
+                      <a:pt x="364" y="78"/>
+                      <a:pt x="364" y="78"/>
+                      <a:pt x="364" y="78"/>
+                    </a:cubicBezTo>
+                    <a:lnTo>
+                      <a:pt x="284" y="0"/>
+                    </a:lnTo>
+                    <a:close/>
+                    <a:moveTo>
+                      <a:pt x="349" y="444"/>
+                    </a:moveTo>
+                    <a:cubicBezTo>
+                      <a:pt x="14" y="444"/>
+                      <a:pt x="14" y="444"/>
+                      <a:pt x="14" y="444"/>
+                    </a:cubicBezTo>
+                    <a:cubicBezTo>
+                      <a:pt x="14" y="14"/>
+                      <a:pt x="14" y="14"/>
+                      <a:pt x="14" y="14"/>
+                    </a:cubicBezTo>
+                    <a:cubicBezTo>
+                      <a:pt x="276" y="14"/>
+                      <a:pt x="276" y="14"/>
+                      <a:pt x="276" y="14"/>
+                    </a:cubicBezTo>
+                    <a:cubicBezTo>
+                      <a:pt x="276" y="85"/>
+                      <a:pt x="276" y="85"/>
+                      <a:pt x="276" y="85"/>
+                    </a:cubicBezTo>
+                    <a:cubicBezTo>
+                      <a:pt x="349" y="85"/>
+                      <a:pt x="349" y="85"/>
+                      <a:pt x="349" y="85"/>
+                    </a:cubicBezTo>
+                    <a:lnTo>
+                      <a:pt x="349" y="444"/>
+                    </a:lnTo>
+                    <a:close/>
+                  </a:path>
+                </a:pathLst>
+              </a:custGeom>
+              <a:solidFill>
+                <a:schemeClr val="accent1"/>
+              </a:solidFill>
+              <a:ln>
+                <a:solidFill>
+                  <a:schemeClr val="accent3"/>
+                </a:solidFill>
+              </a:ln>
+            </p:spPr>
+            <p:txBody>
+              <a:bodyPr vert="horz" wrap="square" lIns="91440" tIns="45720" rIns="91440" bIns="45720" numCol="1" anchor="t" anchorCtr="0" compatLnSpc="1">
+                <a:prstTxWarp prst="textNoShape">
+                  <a:avLst/>
+                </a:prstTxWarp>
+              </a:bodyPr>
+              <a:lstStyle/>
+              <a:p>
+                <a:endParaRPr lang="en-US"/>
+              </a:p>
+            </p:txBody>
+          </p:sp>
+        </p:grpSp>
+        <p:sp>
+          <p:nvSpPr>
+            <p:cNvPr id="45" name="TextBox 44"/>
+            <p:cNvSpPr txBox="1"/>
+            <p:nvPr/>
+          </p:nvSpPr>
+          <p:spPr>
+            <a:xfrm>
+              <a:off x="1390347" y="3944040"/>
+              <a:ext cx="432084" cy="348814"/>
+            </a:xfrm>
+            <a:prstGeom prst="rect">
+              <a:avLst/>
+            </a:prstGeom>
+            <a:noFill/>
+            <a:ln>
+              <a:noFill/>
+            </a:ln>
+          </p:spPr>
+          <p:txBody>
+            <a:bodyPr wrap="square" lIns="0" rIns="0" rtlCol="0">
+              <a:spAutoFit/>
+            </a:bodyPr>
+            <a:lstStyle/>
+            <a:p>
+              <a:pPr algn="ctr"/>
+              <a:r>
+                <a:rPr lang="en-US" sz="1100" b="1" dirty="0">
+                  <a:solidFill>
+                    <a:srgbClr val="6B9B20"/>
+                  </a:solidFill>
+                </a:rPr>
+                <a:t>Doc 1</a:t>
+              </a:r>
+            </a:p>
+          </p:txBody>
+        </p:sp>
+      </p:grpSp>
+    </p:spTree>
+    <p:extLst>
+      <p:ext uri="{BB962C8B-B14F-4D97-AF65-F5344CB8AC3E}">
+        <p14:creationId xmlns:p14="http://schemas.microsoft.com/office/powerpoint/2010/main" val="262625734"/>
+      </p:ext>
+    </p:extLst>
+  </p:cSld>
+  <p:clrMapOvr>
+    <a:masterClrMapping/>
+  </p:clrMapOvr>
+  <mc:AlternateContent xmlns:mc="http://schemas.openxmlformats.org/markup-compatibility/2006" xmlns:p14="http://schemas.microsoft.com/office/powerpoint/2010/main">
+    <mc:Choice Requires="p14">
+      <p:transition spd="slow" p14:dur="2000"/>
+    </mc:Choice>
+    <mc:Fallback xmlns="">
+      <p:transition xmlns:p14="http://schemas.microsoft.com/office/powerpoint/2010/main" spd="slow"/>
+    </mc:Fallback>
+  </mc:AlternateContent>
+  <p:timing>
+    <p:tnLst>
+      <p:par>
+        <p:cTn xmlns:p14="http://schemas.microsoft.com/office/powerpoint/2010/main" id="1" dur="indefinite" restart="never" nodeType="tmRoot">
+          <p:childTnLst>
+            <p:seq concurrent="1" nextAc="seek">
+              <p:cTn id="2" dur="indefinite" nodeType="mainSeq">
+                <p:childTnLst>
+                  <p:par>
+                    <p:cTn id="3" fill="hold">
+                      <p:stCondLst>
+                        <p:cond delay="indefinite"/>
+                      </p:stCondLst>
+                      <p:childTnLst>
+                        <p:par>
+                          <p:cTn id="4" fill="hold">
+                            <p:stCondLst>
+                              <p:cond delay="0"/>
+                            </p:stCondLst>
+                            <p:childTnLst>
+                              <p:par>
+                                <p:cTn id="5" presetID="42" presetClass="path" presetSubtype="0" accel="50000" decel="50000" fill="hold" nodeType="clickEffect">
+                                  <p:stCondLst>
+                                    <p:cond delay="0"/>
+                                  </p:stCondLst>
+                                  <p:childTnLst>
+                                    <p:animMotion origin="layout" path="M 4.44444E-6 4.44444E-6 L 4.44444E-6 0.31805 " pathEditMode="relative" rAng="0" ptsTypes="AA">
+                                      <p:cBhvr>
+                                        <p:cTn id="6" dur="2000" fill="hold"/>
+                                        <p:tgtEl>
+                                          <p:spTgt spid="33"/>
+                                        </p:tgtEl>
+                                        <p:attrNameLst>
+                                          <p:attrName>ppt_x</p:attrName>
+                                          <p:attrName>ppt_y</p:attrName>
+                                        </p:attrNameLst>
+                                      </p:cBhvr>
+                                      <p:rCtr x="0" y="15903"/>
+                                    </p:animMotion>
+                                  </p:childTnLst>
+                                </p:cTn>
+                              </p:par>
+                            </p:childTnLst>
+                          </p:cTn>
+                        </p:par>
+                        <p:par>
+                          <p:cTn id="7" fill="hold">
+                            <p:stCondLst>
+                              <p:cond delay="2000"/>
+                            </p:stCondLst>
+                            <p:childTnLst>
+                              <p:par>
+                                <p:cTn id="8" presetID="1" presetClass="entr" presetSubtype="0" fill="hold" nodeType="afterEffect">
+                                  <p:stCondLst>
+                                    <p:cond delay="0"/>
+                                  </p:stCondLst>
+                                  <p:childTnLst>
+                                    <p:set>
+                                      <p:cBhvr>
+                                        <p:cTn id="9" dur="1" fill="hold">
+                                          <p:stCondLst>
+                                            <p:cond delay="0"/>
+                                          </p:stCondLst>
+                                        </p:cTn>
+                                        <p:tgtEl>
+                                          <p:spTgt spid="43"/>
+                                        </p:tgtEl>
+                                        <p:attrNameLst>
+                                          <p:attrName>style.visibility</p:attrName>
+                                        </p:attrNameLst>
+                                      </p:cBhvr>
+                                      <p:to>
+                                        <p:strVal val="visible"/>
+                                      </p:to>
+                                    </p:set>
+                                  </p:childTnLst>
+                                </p:cTn>
+                              </p:par>
+                              <p:par>
+                                <p:cTn id="10" presetID="1" presetClass="entr" presetSubtype="0" fill="hold" nodeType="withEffect">
+                                  <p:stCondLst>
+                                    <p:cond delay="0"/>
+                                  </p:stCondLst>
+                                  <p:childTnLst>
+                                    <p:set>
+                                      <p:cBhvr>
+                                        <p:cTn id="11" dur="1" fill="hold">
+                                          <p:stCondLst>
+                                            <p:cond delay="0"/>
+                                          </p:stCondLst>
+                                        </p:cTn>
+                                        <p:tgtEl>
+                                          <p:spTgt spid="48"/>
+                                        </p:tgtEl>
+                                        <p:attrNameLst>
+                                          <p:attrName>style.visibility</p:attrName>
+                                        </p:attrNameLst>
+                                      </p:cBhvr>
+                                      <p:to>
+                                        <p:strVal val="visible"/>
+                                      </p:to>
+                                    </p:set>
+                                  </p:childTnLst>
+                                </p:cTn>
+                              </p:par>
+                              <p:par>
+                                <p:cTn id="12" presetID="1" presetClass="entr" presetSubtype="0" fill="hold" nodeType="withEffect">
+                                  <p:stCondLst>
+                                    <p:cond delay="0"/>
+                                  </p:stCondLst>
+                                  <p:childTnLst>
+                                    <p:set>
+                                      <p:cBhvr>
+                                        <p:cTn id="13" dur="1" fill="hold">
+                                          <p:stCondLst>
+                                            <p:cond delay="0"/>
+                                          </p:stCondLst>
+                                        </p:cTn>
+                                        <p:tgtEl>
+                                          <p:spTgt spid="101"/>
+                                        </p:tgtEl>
+                                        <p:attrNameLst>
+                                          <p:attrName>style.visibility</p:attrName>
+                                        </p:attrNameLst>
+                                      </p:cBhvr>
+                                      <p:to>
+                                        <p:strVal val="visible"/>
+                                      </p:to>
+                                    </p:set>
+                                  </p:childTnLst>
+                                </p:cTn>
+                              </p:par>
+                            </p:childTnLst>
+                          </p:cTn>
+                        </p:par>
+                      </p:childTnLst>
+                    </p:cTn>
+                  </p:par>
+                  <p:par>
+                    <p:cTn id="14" fill="hold">
+                      <p:stCondLst>
+                        <p:cond delay="indefinite"/>
+                      </p:stCondLst>
+                      <p:childTnLst>
+                        <p:par>
+                          <p:cTn id="15" fill="hold">
+                            <p:stCondLst>
+                              <p:cond delay="0"/>
+                            </p:stCondLst>
+                            <p:childTnLst>
+                              <p:par>
+                                <p:cTn id="16" presetID="0" presetClass="path" presetSubtype="0" accel="50000" decel="50000" fill="hold" nodeType="clickEffect">
+                                  <p:stCondLst>
+                                    <p:cond delay="0"/>
+                                  </p:stCondLst>
+                                  <p:childTnLst>
+                                    <p:animMotion origin="layout" path="M -2.14794E-6 1.34059E-6 L -0.21809 0.01574 " pathEditMode="relative" rAng="0" ptsTypes="AA">
+                                      <p:cBhvr>
+                                        <p:cTn id="17" dur="2000" fill="hold"/>
+                                        <p:tgtEl>
+                                          <p:spTgt spid="101"/>
+                                        </p:tgtEl>
+                                        <p:attrNameLst>
+                                          <p:attrName>ppt_x</p:attrName>
+                                          <p:attrName>ppt_y</p:attrName>
+                                        </p:attrNameLst>
+                                      </p:cBhvr>
+                                      <p:rCtr x="-10905" y="787"/>
+                                    </p:animMotion>
+                                  </p:childTnLst>
+                                </p:cTn>
+                              </p:par>
+                              <p:par>
+                                <p:cTn id="18" presetID="42" presetClass="path" presetSubtype="0" accel="50000" decel="50000" fill="hold" nodeType="withEffect">
+                                  <p:stCondLst>
+                                    <p:cond delay="0"/>
+                                  </p:stCondLst>
+                                  <p:childTnLst>
+                                    <p:animMotion origin="layout" path="M 0.00035 -0.00023 L 0.18785 -0.00023 " pathEditMode="relative" rAng="0" ptsTypes="AA">
+                                      <p:cBhvr>
+                                        <p:cTn id="19" dur="2000" fill="hold"/>
+                                        <p:tgtEl>
+                                          <p:spTgt spid="48"/>
+                                        </p:tgtEl>
+                                        <p:attrNameLst>
+                                          <p:attrName>ppt_x</p:attrName>
+                                          <p:attrName>ppt_y</p:attrName>
+                                        </p:attrNameLst>
+                                      </p:cBhvr>
+                                      <p:rCtr x="9375" y="0"/>
+                                    </p:animMotion>
+                                  </p:childTnLst>
+                                </p:cTn>
+                              </p:par>
+                              <p:par>
+                                <p:cTn id="20" presetID="42" presetClass="path" presetSubtype="0" accel="50000" decel="50000" fill="hold" nodeType="withEffect">
+                                  <p:stCondLst>
+                                    <p:cond delay="0"/>
+                                  </p:stCondLst>
+                                  <p:childTnLst>
+                                    <p:animMotion origin="layout" path="M -2.14794E-6 1.34059E-6 L -0.14707 -0.07641 " pathEditMode="relative" rAng="0" ptsTypes="AA">
+                                      <p:cBhvr>
+                                        <p:cTn id="21" dur="2000" fill="hold"/>
+                                        <p:tgtEl>
+                                          <p:spTgt spid="43"/>
+                                        </p:tgtEl>
+                                        <p:attrNameLst>
+                                          <p:attrName>ppt_x</p:attrName>
+                                          <p:attrName>ppt_y</p:attrName>
+                                        </p:attrNameLst>
+                                      </p:cBhvr>
+                                      <p:rCtr x="-7362" y="-3820"/>
+                                    </p:animMotion>
+                                  </p:childTnLst>
+                                </p:cTn>
+                              </p:par>
+                            </p:childTnLst>
+                          </p:cTn>
+                        </p:par>
+                      </p:childTnLst>
+                    </p:cTn>
+                  </p:par>
+                  <p:par>
+                    <p:cTn id="22" fill="hold">
+                      <p:stCondLst>
+                        <p:cond delay="indefinite"/>
+                      </p:stCondLst>
+                      <p:childTnLst>
+                        <p:par>
+                          <p:cTn id="23" fill="hold">
+                            <p:stCondLst>
+                              <p:cond delay="0"/>
+                            </p:stCondLst>
+                            <p:childTnLst>
+                              <p:par>
+                                <p:cTn id="24" presetID="42" presetClass="path" presetSubtype="0" accel="50000" decel="50000" fill="hold" nodeType="clickEffect">
+                                  <p:stCondLst>
+                                    <p:cond delay="0"/>
+                                  </p:stCondLst>
+                                  <p:childTnLst>
+                                    <p:animMotion origin="layout" path="M -0.14705 -0.07639 L -0.52222 -0.07777 " pathEditMode="relative" rAng="0" ptsTypes="AA">
+                                      <p:cBhvr>
+                                        <p:cTn id="25" dur="1000" fill="hold"/>
+                                        <p:tgtEl>
+                                          <p:spTgt spid="43"/>
+                                        </p:tgtEl>
+                                        <p:attrNameLst>
+                                          <p:attrName>ppt_x</p:attrName>
+                                          <p:attrName>ppt_y</p:attrName>
+                                        </p:attrNameLst>
+                                      </p:cBhvr>
+                                      <p:rCtr x="-18767" y="-69"/>
+                                    </p:animMotion>
+                                  </p:childTnLst>
+                                </p:cTn>
+                              </p:par>
+                            </p:childTnLst>
+                          </p:cTn>
+                        </p:par>
+                      </p:childTnLst>
+                    </p:cTn>
+                  </p:par>
+                  <p:par>
+                    <p:cTn id="26" fill="hold">
+                      <p:stCondLst>
+                        <p:cond delay="indefinite"/>
+                      </p:stCondLst>
+                      <p:childTnLst>
+                        <p:par>
+                          <p:cTn id="27" fill="hold">
+                            <p:stCondLst>
+                              <p:cond delay="0"/>
+                            </p:stCondLst>
+                            <p:childTnLst>
+                              <p:par>
+                                <p:cTn id="28" presetID="42" presetClass="path" presetSubtype="0" accel="50000" decel="50000" fill="hold" nodeType="clickEffect">
+                                  <p:stCondLst>
+                                    <p:cond delay="0"/>
+                                  </p:stCondLst>
+                                  <p:childTnLst>
+                                    <p:animMotion origin="layout" path="M -0.21806 0.01574 L -0.21806 0.25509 " pathEditMode="relative" rAng="0" ptsTypes="AA">
+                                      <p:cBhvr>
+                                        <p:cTn id="29" dur="2000" fill="hold"/>
+                                        <p:tgtEl>
+                                          <p:spTgt spid="101"/>
+                                        </p:tgtEl>
+                                        <p:attrNameLst>
+                                          <p:attrName>ppt_x</p:attrName>
+                                          <p:attrName>ppt_y</p:attrName>
+                                        </p:attrNameLst>
+                                      </p:cBhvr>
+                                      <p:rCtr x="0" y="11968"/>
+                                    </p:animMotion>
+                                  </p:childTnLst>
+                                </p:cTn>
+                              </p:par>
+                              <p:par>
+                                <p:cTn id="30" presetID="42" presetClass="path" presetSubtype="0" accel="50000" decel="50000" fill="hold" nodeType="withEffect">
+                                  <p:stCondLst>
+                                    <p:cond delay="0"/>
+                                  </p:stCondLst>
+                                  <p:childTnLst>
+                                    <p:animMotion origin="layout" path="M 0.18785 -0.00023 L 0.18576 0.23889 " pathEditMode="relative" rAng="0" ptsTypes="AA">
+                                      <p:cBhvr>
+                                        <p:cTn id="31" dur="2000" fill="hold"/>
+                                        <p:tgtEl>
+                                          <p:spTgt spid="48"/>
+                                        </p:tgtEl>
+                                        <p:attrNameLst>
+                                          <p:attrName>ppt_x</p:attrName>
+                                          <p:attrName>ppt_y</p:attrName>
+                                        </p:attrNameLst>
+                                      </p:cBhvr>
+                                      <p:rCtr x="-104" y="11944"/>
+                                    </p:animMotion>
+                                  </p:childTnLst>
+                                </p:cTn>
+                              </p:par>
+                            </p:childTnLst>
+                          </p:cTn>
+                        </p:par>
+                        <p:par>
+                          <p:cTn id="32" fill="hold">
+                            <p:stCondLst>
+                              <p:cond delay="2000"/>
+                            </p:stCondLst>
+                            <p:childTnLst>
+                              <p:par>
+                                <p:cTn id="33" presetID="0" presetClass="path" presetSubtype="0" accel="50000" decel="50000" fill="hold" nodeType="afterEffect">
+                                  <p:stCondLst>
+                                    <p:cond delay="0"/>
+                                  </p:stCondLst>
+                                  <p:childTnLst>
+                                    <p:animMotion origin="layout" path="M -0.22087 0.26465 L -0.14065 0.26326 " pathEditMode="relative" rAng="0" ptsTypes="AA">
+                                      <p:cBhvr>
+                                        <p:cTn id="34" dur="2000" fill="hold"/>
+                                        <p:tgtEl>
+                                          <p:spTgt spid="101"/>
+                                        </p:tgtEl>
+                                        <p:attrNameLst>
+                                          <p:attrName>ppt_x</p:attrName>
+                                          <p:attrName>ppt_y</p:attrName>
+                                        </p:attrNameLst>
+                                      </p:cBhvr>
+                                      <p:rCtr x="4011" y="-69"/>
+                                    </p:animMotion>
+                                  </p:childTnLst>
+                                  <p:subTnLst>
+                                    <p:set>
+                                      <p:cBhvr override="childStyle">
+                                        <p:cTn dur="1" fill="hold" display="0" masterRel="nextClick" afterEffect="1"/>
+                                        <p:tgtEl>
+                                          <p:spTgt spid="101"/>
+                                        </p:tgtEl>
+                                        <p:attrNameLst>
+                                          <p:attrName>style.visibility</p:attrName>
+                                        </p:attrNameLst>
+                                      </p:cBhvr>
+                                      <p:to>
+                                        <p:strVal val="hidden"/>
+                                      </p:to>
+                                    </p:set>
+                                  </p:subTnLst>
+                                </p:cTn>
+                              </p:par>
+                              <p:par>
+                                <p:cTn id="35" presetID="42" presetClass="path" presetSubtype="0" accel="50000" decel="50000" fill="hold" nodeType="withEffect">
+                                  <p:stCondLst>
+                                    <p:cond delay="0"/>
+                                  </p:stCondLst>
+                                  <p:childTnLst>
+                                    <p:animMotion origin="layout" path="M 0.18802 0.24051 L 0.00434 0.24028 " pathEditMode="relative" rAng="0" ptsTypes="AA">
+                                      <p:cBhvr>
+                                        <p:cTn id="36" dur="2000" fill="hold"/>
+                                        <p:tgtEl>
+                                          <p:spTgt spid="48"/>
+                                        </p:tgtEl>
+                                        <p:attrNameLst>
+                                          <p:attrName>ppt_x</p:attrName>
+                                          <p:attrName>ppt_y</p:attrName>
+                                        </p:attrNameLst>
+                                      </p:cBhvr>
+                                      <p:rCtr x="-9184" y="-23"/>
+                                    </p:animMotion>
+                                  </p:childTnLst>
+                                </p:cTn>
+                              </p:par>
+                            </p:childTnLst>
+                          </p:cTn>
+                        </p:par>
+                        <p:par>
+                          <p:cTn id="37" fill="hold">
+                            <p:stCondLst>
+                              <p:cond delay="4000"/>
+                            </p:stCondLst>
+                            <p:childTnLst>
+                              <p:par>
+                                <p:cTn id="38" presetID="26" presetClass="emph" presetSubtype="0" fill="hold" nodeType="afterEffect">
+                                  <p:stCondLst>
+                                    <p:cond delay="0"/>
+                                  </p:stCondLst>
+                                  <p:childTnLst>
+                                    <p:animEffect transition="out" filter="fade">
+                                      <p:cBhvr>
+                                        <p:cTn id="39" dur="2000" tmFilter="0, 0; .2, .5; .8, .5; 1, 0"/>
+                                        <p:tgtEl>
+                                          <p:spTgt spid="62"/>
+                                        </p:tgtEl>
+                                      </p:cBhvr>
+                                    </p:animEffect>
+                                    <p:animScale>
+                                      <p:cBhvr>
+                                        <p:cTn id="40" dur="1000" autoRev="1" fill="hold"/>
+                                        <p:tgtEl>
+                                          <p:spTgt spid="62"/>
+                                        </p:tgtEl>
+                                      </p:cBhvr>
+                                      <p:by x="105000" y="105000"/>
+                                    </p:animScale>
+                                  </p:childTnLst>
+                                </p:cTn>
+                              </p:par>
+                            </p:childTnLst>
+                          </p:cTn>
+                        </p:par>
+                      </p:childTnLst>
+                    </p:cTn>
+                  </p:par>
+                </p:childTnLst>
+              </p:cTn>
+              <p:prevCondLst>
+                <p:cond evt="onPrev" delay="0">
+                  <p:tgtEl>
+                    <p:sldTgt/>
+                  </p:tgtEl>
+                </p:cond>
+              </p:prevCondLst>
+              <p:nextCondLst>
+                <p:cond evt="onNext" delay="0">
+                  <p:tgtEl>
+                    <p:sldTgt/>
+                  </p:tgtEl>
+                </p:cond>
+              </p:nextCondLst>
+            </p:seq>
+          </p:childTnLst>
+        </p:cTn>
+      </p:par>
+    </p:tnLst>
+  </p:timing>
+</p:sld>
+</file>
+
+<file path=ppt/slides/slide11.xml><?xml version="1.0" encoding="utf-8"?>
+<p:sld xmlns:a="http://schemas.openxmlformats.org/drawingml/2006/main" xmlns:r="http://schemas.openxmlformats.org/officeDocument/2006/relationships" xmlns:p="http://schemas.openxmlformats.org/presentationml/2006/main">
+  <p:cSld>
+    <p:spTree>
+      <p:nvGrpSpPr>
+        <p:cNvPr id="1" name=""/>
+        <p:cNvGrpSpPr/>
+        <p:nvPr/>
+      </p:nvGrpSpPr>
+      <p:grpSpPr>
+        <a:xfrm>
+          <a:off x="0" y="0"/>
+          <a:ext cx="0" cy="0"/>
+          <a:chOff x="0" y="0"/>
+          <a:chExt cx="0" cy="0"/>
+        </a:xfrm>
+      </p:grpSpPr>
+      <p:sp>
+        <p:nvSpPr>
           <p:cNvPr id="208" name="Rectangle 207"/>
           <p:cNvSpPr/>
           <p:nvPr/>
@@ -6856,7 +10714,7 @@
 </p:sld>
 </file>
 
-<file path=ppt/slides/slide11.xml><?xml version="1.0" encoding="utf-8"?>
+<file path=ppt/slides/slide12.xml><?xml version="1.0" encoding="utf-8"?>
 <p:sld xmlns:a="http://schemas.openxmlformats.org/drawingml/2006/main" xmlns:r="http://schemas.openxmlformats.org/officeDocument/2006/relationships" xmlns:p="http://schemas.openxmlformats.org/presentationml/2006/main">
   <p:cSld>
     <p:spTree>
@@ -7565,85 +11423,6 @@
 </p:sld>
 </file>
 
-<file path=ppt/slides/slide12.xml><?xml version="1.0" encoding="utf-8"?>
-<p:sld xmlns:a="http://schemas.openxmlformats.org/drawingml/2006/main" xmlns:r="http://schemas.openxmlformats.org/officeDocument/2006/relationships" xmlns:p="http://schemas.openxmlformats.org/presentationml/2006/main">
-  <p:cSld>
-    <p:spTree>
-      <p:nvGrpSpPr>
-        <p:cNvPr id="1" name=""/>
-        <p:cNvGrpSpPr/>
-        <p:nvPr/>
-      </p:nvGrpSpPr>
-      <p:grpSpPr>
-        <a:xfrm>
-          <a:off x="0" y="0"/>
-          <a:ext cx="0" cy="0"/>
-          <a:chOff x="0" y="0"/>
-          <a:chExt cx="0" cy="0"/>
-        </a:xfrm>
-      </p:grpSpPr>
-      <p:sp>
-        <p:nvSpPr>
-          <p:cNvPr id="2" name="Title 1"/>
-          <p:cNvSpPr>
-            <a:spLocks noGrp="1"/>
-          </p:cNvSpPr>
-          <p:nvPr>
-            <p:ph type="ctrTitle"/>
-          </p:nvPr>
-        </p:nvSpPr>
-        <p:spPr/>
-        <p:txBody>
-          <a:bodyPr/>
-          <a:lstStyle/>
-          <a:p>
-            <a:r>
-              <a:rPr lang="en-US" dirty="0" smtClean="0"/>
-              <a:t>Questions?</a:t>
-            </a:r>
-            <a:endParaRPr lang="en-US" dirty="0"/>
-          </a:p>
-        </p:txBody>
-      </p:sp>
-      <p:sp>
-        <p:nvSpPr>
-          <p:cNvPr id="3" name="Subtitle 2"/>
-          <p:cNvSpPr>
-            <a:spLocks noGrp="1"/>
-          </p:cNvSpPr>
-          <p:nvPr>
-            <p:ph type="subTitle" idx="1"/>
-          </p:nvPr>
-        </p:nvSpPr>
-        <p:spPr/>
-        <p:txBody>
-          <a:bodyPr/>
-          <a:lstStyle/>
-          <a:p>
-            <a:endParaRPr lang="en-US" dirty="0"/>
-          </a:p>
-        </p:txBody>
-      </p:sp>
-    </p:spTree>
-    <p:extLst>
-      <p:ext uri="{BB962C8B-B14F-4D97-AF65-F5344CB8AC3E}">
-        <p14:creationId xmlns:p14="http://schemas.microsoft.com/office/powerpoint/2010/main" val="904379520"/>
-      </p:ext>
-    </p:extLst>
-  </p:cSld>
-  <p:clrMapOvr>
-    <a:masterClrMapping/>
-  </p:clrMapOvr>
-  <p:timing>
-    <p:tnLst>
-      <p:par>
-        <p:cTn xmlns:p14="http://schemas.microsoft.com/office/powerpoint/2010/main" id="1" dur="indefinite" restart="never" nodeType="tmRoot"/>
-      </p:par>
-    </p:tnLst>
-  </p:timing>
-</p:sld>
-</file>
-
 <file path=ppt/slides/slide13.xml><?xml version="1.0" encoding="utf-8"?>
 <p:sld xmlns:a="http://schemas.openxmlformats.org/drawingml/2006/main" xmlns:r="http://schemas.openxmlformats.org/officeDocument/2006/relationships" xmlns:p="http://schemas.openxmlformats.org/presentationml/2006/main">
   <p:cSld>
@@ -7678,8 +11457,27 @@
           <a:p>
             <a:r>
               <a:rPr lang="en-US" dirty="0" smtClean="0"/>
-              <a:t>Thank you.</a:t>
-            </a:r>
+              <a:t>Questions?</a:t>
+            </a:r>
+            <a:endParaRPr lang="en-US" dirty="0"/>
+          </a:p>
+        </p:txBody>
+      </p:sp>
+      <p:sp>
+        <p:nvSpPr>
+          <p:cNvPr id="3" name="Subtitle 2"/>
+          <p:cNvSpPr>
+            <a:spLocks noGrp="1"/>
+          </p:cNvSpPr>
+          <p:nvPr>
+            <p:ph type="subTitle" idx="1"/>
+          </p:nvPr>
+        </p:nvSpPr>
+        <p:spPr/>
+        <p:txBody>
+          <a:bodyPr/>
+          <a:lstStyle/>
+          <a:p>
             <a:endParaRPr lang="en-US" dirty="0"/>
           </a:p>
         </p:txBody>
@@ -7687,7 +11485,7 @@
     </p:spTree>
     <p:extLst>
       <p:ext uri="{BB962C8B-B14F-4D97-AF65-F5344CB8AC3E}">
-        <p14:creationId xmlns:p14="http://schemas.microsoft.com/office/powerpoint/2010/main" val="2598212430"/>
+        <p14:creationId xmlns:p14="http://schemas.microsoft.com/office/powerpoint/2010/main" val="904379520"/>
       </p:ext>
     </p:extLst>
   </p:cSld>
@@ -7705,7 +11503,7 @@
 </file>
 
 <file path=ppt/slides/slide14.xml><?xml version="1.0" encoding="utf-8"?>
-<p:sld xmlns:a="http://schemas.openxmlformats.org/drawingml/2006/main" xmlns:r="http://schemas.openxmlformats.org/officeDocument/2006/relationships" xmlns:p="http://schemas.openxmlformats.org/presentationml/2006/main" show="0">
+<p:sld xmlns:a="http://schemas.openxmlformats.org/drawingml/2006/main" xmlns:r="http://schemas.openxmlformats.org/officeDocument/2006/relationships" xmlns:p="http://schemas.openxmlformats.org/presentationml/2006/main">
   <p:cSld>
     <p:spTree>
       <p:nvGrpSpPr>
@@ -7728,7 +11526,7 @@
             <a:spLocks noGrp="1"/>
           </p:cNvSpPr>
           <p:nvPr>
-            <p:ph type="title"/>
+            <p:ph type="ctrTitle"/>
           </p:nvPr>
         </p:nvSpPr>
         <p:spPr/>
@@ -7738,58 +11536,7 @@
           <a:p>
             <a:r>
               <a:rPr lang="en-US" dirty="0" smtClean="0"/>
-              <a:t>Title and Bullets</a:t>
-            </a:r>
-            <a:endParaRPr lang="en-US" dirty="0"/>
-          </a:p>
-        </p:txBody>
-      </p:sp>
-      <p:sp>
-        <p:nvSpPr>
-          <p:cNvPr id="3" name="Content Placeholder 2"/>
-          <p:cNvSpPr>
-            <a:spLocks noGrp="1"/>
-          </p:cNvSpPr>
-          <p:nvPr>
-            <p:ph idx="1"/>
-          </p:nvPr>
-        </p:nvSpPr>
-        <p:spPr/>
-        <p:txBody>
-          <a:bodyPr/>
-          <a:lstStyle/>
-          <a:p>
-            <a:r>
-              <a:rPr lang="en-US" dirty="0" smtClean="0"/>
-              <a:t>First Level Bullet</a:t>
-            </a:r>
-          </a:p>
-          <a:p>
-            <a:pPr lvl="1"/>
-            <a:r>
-              <a:rPr lang="en-US" dirty="0" smtClean="0"/>
-              <a:t>Second Level Bullet</a:t>
-            </a:r>
-          </a:p>
-          <a:p>
-            <a:pPr lvl="2"/>
-            <a:r>
-              <a:rPr lang="en-US" dirty="0" smtClean="0"/>
-              <a:t>Third Level Bullet</a:t>
-            </a:r>
-          </a:p>
-          <a:p>
-            <a:pPr lvl="3"/>
-            <a:r>
-              <a:rPr lang="en-US" dirty="0" smtClean="0"/>
-              <a:t>Fourth Level Bullet</a:t>
-            </a:r>
-          </a:p>
-          <a:p>
-            <a:pPr lvl="4"/>
-            <a:r>
-              <a:rPr lang="en-US" dirty="0" smtClean="0"/>
-              <a:t>Fifth Level Bullet</a:t>
+              <a:t>Thank you.</a:t>
             </a:r>
             <a:endParaRPr lang="en-US" dirty="0"/>
           </a:p>
@@ -7798,21 +11545,13 @@
     </p:spTree>
     <p:extLst>
       <p:ext uri="{BB962C8B-B14F-4D97-AF65-F5344CB8AC3E}">
-        <p14:creationId xmlns:p14="http://schemas.microsoft.com/office/powerpoint/2010/main" val="1910273132"/>
+        <p14:creationId xmlns:p14="http://schemas.microsoft.com/office/powerpoint/2010/main" val="2598212430"/>
       </p:ext>
     </p:extLst>
   </p:cSld>
   <p:clrMapOvr>
     <a:masterClrMapping/>
   </p:clrMapOvr>
-  <mc:AlternateContent xmlns:mc="http://schemas.openxmlformats.org/markup-compatibility/2006">
-    <mc:Choice xmlns:p14="http://schemas.microsoft.com/office/powerpoint/2010/main" Requires="p14">
-      <p:transition spd="slow" p14:dur="2000"/>
-    </mc:Choice>
-    <mc:Fallback>
-      <p:transition xmlns:p14="http://schemas.microsoft.com/office/powerpoint/2010/main" spd="slow"/>
-    </mc:Fallback>
-  </mc:AlternateContent>
   <p:timing>
     <p:tnLst>
       <p:par>
@@ -7857,7 +11596,7 @@
           <a:p>
             <a:r>
               <a:rPr lang="en-US" dirty="0" smtClean="0"/>
-              <a:t>Title and Text</a:t>
+              <a:t>Title and Bullets</a:t>
             </a:r>
             <a:endParaRPr lang="en-US" dirty="0"/>
           </a:p>
@@ -7879,167 +11618,37 @@
           <a:lstStyle/>
           <a:p>
             <a:r>
-              <a:rPr lang="en-US" dirty="0" err="1"/>
-              <a:t>Lorem</a:t>
-            </a:r>
-            <a:r>
-              <a:rPr lang="en-US" dirty="0"/>
-              <a:t> </a:t>
-            </a:r>
-            <a:r>
-              <a:rPr lang="en-US" dirty="0" err="1"/>
-              <a:t>ipsum</a:t>
-            </a:r>
-            <a:r>
-              <a:rPr lang="en-US" dirty="0"/>
-              <a:t> dolor sit </a:t>
-            </a:r>
-            <a:r>
-              <a:rPr lang="en-US" dirty="0" err="1"/>
-              <a:t>amet</a:t>
-            </a:r>
-            <a:r>
-              <a:rPr lang="en-US" dirty="0"/>
-              <a:t>, </a:t>
-            </a:r>
-            <a:r>
-              <a:rPr lang="en-US" dirty="0" err="1"/>
-              <a:t>consectetur</a:t>
-            </a:r>
-            <a:r>
-              <a:rPr lang="en-US" dirty="0"/>
-              <a:t> </a:t>
-            </a:r>
-            <a:r>
-              <a:rPr lang="en-US" dirty="0" err="1"/>
-              <a:t>adipiscing</a:t>
-            </a:r>
-            <a:r>
-              <a:rPr lang="en-US" dirty="0"/>
-              <a:t> </a:t>
-            </a:r>
-            <a:r>
-              <a:rPr lang="en-US" dirty="0" err="1"/>
-              <a:t>elit</a:t>
-            </a:r>
-            <a:r>
-              <a:rPr lang="en-US" dirty="0"/>
-              <a:t>. </a:t>
-            </a:r>
-            <a:r>
-              <a:rPr lang="en-US" dirty="0" err="1"/>
-              <a:t>Donec</a:t>
-            </a:r>
-            <a:r>
-              <a:rPr lang="en-US" dirty="0"/>
-              <a:t> </a:t>
-            </a:r>
-            <a:r>
-              <a:rPr lang="en-US" dirty="0" err="1"/>
-              <a:t>risus</a:t>
-            </a:r>
-            <a:r>
-              <a:rPr lang="en-US" dirty="0"/>
-              <a:t> </a:t>
-            </a:r>
-            <a:r>
-              <a:rPr lang="en-US" dirty="0" err="1"/>
-              <a:t>purus</a:t>
-            </a:r>
-            <a:r>
-              <a:rPr lang="en-US" dirty="0"/>
-              <a:t>, tempus in </a:t>
-            </a:r>
-            <a:r>
-              <a:rPr lang="en-US" dirty="0" err="1"/>
-              <a:t>quis</a:t>
-            </a:r>
-            <a:r>
-              <a:rPr lang="en-US" dirty="0"/>
-              <a:t>, </a:t>
-            </a:r>
-            <a:r>
-              <a:rPr lang="en-US" dirty="0" err="1"/>
-              <a:t>ultricies</a:t>
-            </a:r>
-            <a:r>
-              <a:rPr lang="en-US" dirty="0"/>
-              <a:t> </a:t>
-            </a:r>
-            <a:r>
-              <a:rPr lang="en-US" dirty="0" err="1"/>
-              <a:t>eu</a:t>
-            </a:r>
-            <a:r>
-              <a:rPr lang="en-US" dirty="0"/>
-              <a:t> diam. </a:t>
-            </a:r>
-            <a:r>
-              <a:rPr lang="en-US" dirty="0" err="1"/>
-              <a:t>Donec</a:t>
-            </a:r>
-            <a:r>
-              <a:rPr lang="en-US" dirty="0"/>
-              <a:t> </a:t>
-            </a:r>
-            <a:r>
-              <a:rPr lang="en-US" dirty="0" err="1"/>
-              <a:t>convallis</a:t>
-            </a:r>
-            <a:r>
-              <a:rPr lang="en-US" dirty="0"/>
-              <a:t> </a:t>
-            </a:r>
-            <a:r>
-              <a:rPr lang="en-US" dirty="0" err="1"/>
-              <a:t>enim</a:t>
-            </a:r>
-            <a:r>
-              <a:rPr lang="en-US" dirty="0"/>
-              <a:t> in mi </a:t>
-            </a:r>
-            <a:r>
-              <a:rPr lang="en-US" dirty="0" err="1"/>
-              <a:t>lacinia</a:t>
-            </a:r>
-            <a:r>
-              <a:rPr lang="en-US" dirty="0"/>
-              <a:t>, id </a:t>
-            </a:r>
-            <a:r>
-              <a:rPr lang="en-US" dirty="0" err="1"/>
-              <a:t>viverra</a:t>
-            </a:r>
-            <a:r>
-              <a:rPr lang="en-US" dirty="0"/>
-              <a:t> </a:t>
-            </a:r>
-            <a:r>
-              <a:rPr lang="en-US" dirty="0" err="1"/>
-              <a:t>neque</a:t>
-            </a:r>
-            <a:r>
-              <a:rPr lang="en-US" dirty="0"/>
-              <a:t> </a:t>
-            </a:r>
-            <a:r>
-              <a:rPr lang="en-US" dirty="0" err="1"/>
-              <a:t>pretium</a:t>
-            </a:r>
-            <a:r>
-              <a:rPr lang="en-US" dirty="0"/>
-              <a:t>. </a:t>
-            </a:r>
-            <a:r>
-              <a:rPr lang="en-US" dirty="0" err="1"/>
-              <a:t>Phasellus</a:t>
-            </a:r>
-            <a:r>
-              <a:rPr lang="en-US" dirty="0"/>
-              <a:t> et.</a:t>
-            </a:r>
-          </a:p>
-          <a:p>
+              <a:rPr lang="en-US" dirty="0" smtClean="0"/>
+              <a:t>First Level Bullet</a:t>
+            </a:r>
+          </a:p>
+          <a:p>
+            <a:pPr lvl="1"/>
+            <a:r>
+              <a:rPr lang="en-US" dirty="0" smtClean="0"/>
+              <a:t>Second Level Bullet</a:t>
+            </a:r>
+          </a:p>
+          <a:p>
+            <a:pPr lvl="2"/>
+            <a:r>
+              <a:rPr lang="en-US" dirty="0" smtClean="0"/>
+              <a:t>Third Level Bullet</a:t>
+            </a:r>
+          </a:p>
+          <a:p>
+            <a:pPr lvl="3"/>
+            <a:r>
+              <a:rPr lang="en-US" dirty="0" smtClean="0"/>
+              <a:t>Fourth Level Bullet</a:t>
+            </a:r>
+          </a:p>
+          <a:p>
+            <a:pPr lvl="4"/>
+            <a:r>
+              <a:rPr lang="en-US" dirty="0" smtClean="0"/>
+              <a:t>Fifth Level Bullet</a:t>
+            </a:r>
             <a:endParaRPr lang="en-US" dirty="0"/>
           </a:p>
         </p:txBody>
@@ -8047,7 +11656,7 @@
     </p:spTree>
     <p:extLst>
       <p:ext uri="{BB962C8B-B14F-4D97-AF65-F5344CB8AC3E}">
-        <p14:creationId xmlns:p14="http://schemas.microsoft.com/office/powerpoint/2010/main" val="2354427935"/>
+        <p14:creationId xmlns:p14="http://schemas.microsoft.com/office/powerpoint/2010/main" val="1910273132"/>
       </p:ext>
     </p:extLst>
   </p:cSld>
@@ -8091,7 +11700,7 @@
       </p:grpSpPr>
       <p:sp>
         <p:nvSpPr>
-          <p:cNvPr id="5" name="Title 4"/>
+          <p:cNvPr id="2" name="Title 1"/>
           <p:cNvSpPr>
             <a:spLocks noGrp="1"/>
           </p:cNvSpPr>
@@ -8106,8 +11715,189 @@
           <a:p>
             <a:r>
               <a:rPr lang="en-US" dirty="0" smtClean="0"/>
-              <a:t>Title Only</a:t>
-            </a:r>
+              <a:t>Title and Text</a:t>
+            </a:r>
+            <a:endParaRPr lang="en-US" dirty="0"/>
+          </a:p>
+        </p:txBody>
+      </p:sp>
+      <p:sp>
+        <p:nvSpPr>
+          <p:cNvPr id="3" name="Content Placeholder 2"/>
+          <p:cNvSpPr>
+            <a:spLocks noGrp="1"/>
+          </p:cNvSpPr>
+          <p:nvPr>
+            <p:ph idx="1"/>
+          </p:nvPr>
+        </p:nvSpPr>
+        <p:spPr/>
+        <p:txBody>
+          <a:bodyPr/>
+          <a:lstStyle/>
+          <a:p>
+            <a:r>
+              <a:rPr lang="en-US" dirty="0" err="1"/>
+              <a:t>Lorem</a:t>
+            </a:r>
+            <a:r>
+              <a:rPr lang="en-US" dirty="0"/>
+              <a:t> </a:t>
+            </a:r>
+            <a:r>
+              <a:rPr lang="en-US" dirty="0" err="1"/>
+              <a:t>ipsum</a:t>
+            </a:r>
+            <a:r>
+              <a:rPr lang="en-US" dirty="0"/>
+              <a:t> dolor sit </a:t>
+            </a:r>
+            <a:r>
+              <a:rPr lang="en-US" dirty="0" err="1"/>
+              <a:t>amet</a:t>
+            </a:r>
+            <a:r>
+              <a:rPr lang="en-US" dirty="0"/>
+              <a:t>, </a:t>
+            </a:r>
+            <a:r>
+              <a:rPr lang="en-US" dirty="0" err="1"/>
+              <a:t>consectetur</a:t>
+            </a:r>
+            <a:r>
+              <a:rPr lang="en-US" dirty="0"/>
+              <a:t> </a:t>
+            </a:r>
+            <a:r>
+              <a:rPr lang="en-US" dirty="0" err="1"/>
+              <a:t>adipiscing</a:t>
+            </a:r>
+            <a:r>
+              <a:rPr lang="en-US" dirty="0"/>
+              <a:t> </a:t>
+            </a:r>
+            <a:r>
+              <a:rPr lang="en-US" dirty="0" err="1"/>
+              <a:t>elit</a:t>
+            </a:r>
+            <a:r>
+              <a:rPr lang="en-US" dirty="0"/>
+              <a:t>. </a:t>
+            </a:r>
+            <a:r>
+              <a:rPr lang="en-US" dirty="0" err="1"/>
+              <a:t>Donec</a:t>
+            </a:r>
+            <a:r>
+              <a:rPr lang="en-US" dirty="0"/>
+              <a:t> </a:t>
+            </a:r>
+            <a:r>
+              <a:rPr lang="en-US" dirty="0" err="1"/>
+              <a:t>risus</a:t>
+            </a:r>
+            <a:r>
+              <a:rPr lang="en-US" dirty="0"/>
+              <a:t> </a:t>
+            </a:r>
+            <a:r>
+              <a:rPr lang="en-US" dirty="0" err="1"/>
+              <a:t>purus</a:t>
+            </a:r>
+            <a:r>
+              <a:rPr lang="en-US" dirty="0"/>
+              <a:t>, tempus in </a:t>
+            </a:r>
+            <a:r>
+              <a:rPr lang="en-US" dirty="0" err="1"/>
+              <a:t>quis</a:t>
+            </a:r>
+            <a:r>
+              <a:rPr lang="en-US" dirty="0"/>
+              <a:t>, </a:t>
+            </a:r>
+            <a:r>
+              <a:rPr lang="en-US" dirty="0" err="1"/>
+              <a:t>ultricies</a:t>
+            </a:r>
+            <a:r>
+              <a:rPr lang="en-US" dirty="0"/>
+              <a:t> </a:t>
+            </a:r>
+            <a:r>
+              <a:rPr lang="en-US" dirty="0" err="1"/>
+              <a:t>eu</a:t>
+            </a:r>
+            <a:r>
+              <a:rPr lang="en-US" dirty="0"/>
+              <a:t> diam. </a:t>
+            </a:r>
+            <a:r>
+              <a:rPr lang="en-US" dirty="0" err="1"/>
+              <a:t>Donec</a:t>
+            </a:r>
+            <a:r>
+              <a:rPr lang="en-US" dirty="0"/>
+              <a:t> </a:t>
+            </a:r>
+            <a:r>
+              <a:rPr lang="en-US" dirty="0" err="1"/>
+              <a:t>convallis</a:t>
+            </a:r>
+            <a:r>
+              <a:rPr lang="en-US" dirty="0"/>
+              <a:t> </a:t>
+            </a:r>
+            <a:r>
+              <a:rPr lang="en-US" dirty="0" err="1"/>
+              <a:t>enim</a:t>
+            </a:r>
+            <a:r>
+              <a:rPr lang="en-US" dirty="0"/>
+              <a:t> in mi </a:t>
+            </a:r>
+            <a:r>
+              <a:rPr lang="en-US" dirty="0" err="1"/>
+              <a:t>lacinia</a:t>
+            </a:r>
+            <a:r>
+              <a:rPr lang="en-US" dirty="0"/>
+              <a:t>, id </a:t>
+            </a:r>
+            <a:r>
+              <a:rPr lang="en-US" dirty="0" err="1"/>
+              <a:t>viverra</a:t>
+            </a:r>
+            <a:r>
+              <a:rPr lang="en-US" dirty="0"/>
+              <a:t> </a:t>
+            </a:r>
+            <a:r>
+              <a:rPr lang="en-US" dirty="0" err="1"/>
+              <a:t>neque</a:t>
+            </a:r>
+            <a:r>
+              <a:rPr lang="en-US" dirty="0"/>
+              <a:t> </a:t>
+            </a:r>
+            <a:r>
+              <a:rPr lang="en-US" dirty="0" err="1"/>
+              <a:t>pretium</a:t>
+            </a:r>
+            <a:r>
+              <a:rPr lang="en-US" dirty="0"/>
+              <a:t>. </a:t>
+            </a:r>
+            <a:r>
+              <a:rPr lang="en-US" dirty="0" err="1"/>
+              <a:t>Phasellus</a:t>
+            </a:r>
+            <a:r>
+              <a:rPr lang="en-US" dirty="0"/>
+              <a:t> et.</a:t>
+            </a:r>
+          </a:p>
+          <a:p>
             <a:endParaRPr lang="en-US" dirty="0"/>
           </a:p>
         </p:txBody>
@@ -8115,7 +11905,7 @@
     </p:spTree>
     <p:extLst>
       <p:ext uri="{BB962C8B-B14F-4D97-AF65-F5344CB8AC3E}">
-        <p14:creationId xmlns:p14="http://schemas.microsoft.com/office/powerpoint/2010/main" val="1439852271"/>
+        <p14:creationId xmlns:p14="http://schemas.microsoft.com/office/powerpoint/2010/main" val="2354427935"/>
       </p:ext>
     </p:extLst>
   </p:cSld>
@@ -8159,6 +11949,74 @@
       </p:grpSpPr>
       <p:sp>
         <p:nvSpPr>
+          <p:cNvPr id="5" name="Title 4"/>
+          <p:cNvSpPr>
+            <a:spLocks noGrp="1"/>
+          </p:cNvSpPr>
+          <p:nvPr>
+            <p:ph type="title"/>
+          </p:nvPr>
+        </p:nvSpPr>
+        <p:spPr/>
+        <p:txBody>
+          <a:bodyPr/>
+          <a:lstStyle/>
+          <a:p>
+            <a:r>
+              <a:rPr lang="en-US" dirty="0" smtClean="0"/>
+              <a:t>Title Only</a:t>
+            </a:r>
+            <a:endParaRPr lang="en-US" dirty="0"/>
+          </a:p>
+        </p:txBody>
+      </p:sp>
+    </p:spTree>
+    <p:extLst>
+      <p:ext uri="{BB962C8B-B14F-4D97-AF65-F5344CB8AC3E}">
+        <p14:creationId xmlns:p14="http://schemas.microsoft.com/office/powerpoint/2010/main" val="1439852271"/>
+      </p:ext>
+    </p:extLst>
+  </p:cSld>
+  <p:clrMapOvr>
+    <a:masterClrMapping/>
+  </p:clrMapOvr>
+  <mc:AlternateContent xmlns:mc="http://schemas.openxmlformats.org/markup-compatibility/2006">
+    <mc:Choice xmlns:p14="http://schemas.microsoft.com/office/powerpoint/2010/main" Requires="p14">
+      <p:transition spd="slow" p14:dur="2000"/>
+    </mc:Choice>
+    <mc:Fallback>
+      <p:transition xmlns:p14="http://schemas.microsoft.com/office/powerpoint/2010/main" spd="slow"/>
+    </mc:Fallback>
+  </mc:AlternateContent>
+  <p:timing>
+    <p:tnLst>
+      <p:par>
+        <p:cTn xmlns:p14="http://schemas.microsoft.com/office/powerpoint/2010/main" id="1" dur="indefinite" restart="never" nodeType="tmRoot"/>
+      </p:par>
+    </p:tnLst>
+  </p:timing>
+</p:sld>
+</file>
+
+<file path=ppt/slides/slide18.xml><?xml version="1.0" encoding="utf-8"?>
+<p:sld xmlns:a="http://schemas.openxmlformats.org/drawingml/2006/main" xmlns:r="http://schemas.openxmlformats.org/officeDocument/2006/relationships" xmlns:p="http://schemas.openxmlformats.org/presentationml/2006/main" show="0">
+  <p:cSld>
+    <p:spTree>
+      <p:nvGrpSpPr>
+        <p:cNvPr id="1" name=""/>
+        <p:cNvGrpSpPr/>
+        <p:nvPr/>
+      </p:nvGrpSpPr>
+      <p:grpSpPr>
+        <a:xfrm>
+          <a:off x="0" y="0"/>
+          <a:ext cx="0" cy="0"/>
+          <a:chOff x="0" y="0"/>
+          <a:chExt cx="0" cy="0"/>
+        </a:xfrm>
+      </p:grpSpPr>
+      <p:sp>
+        <p:nvSpPr>
           <p:cNvPr id="2" name="Title 1"/>
           <p:cNvSpPr>
             <a:spLocks noGrp="1"/>
@@ -8231,7 +12089,7 @@
 </p:sld>
 </file>
 
-<file path=ppt/slides/slide18.xml><?xml version="1.0" encoding="utf-8"?>
+<file path=ppt/slides/slide19.xml><?xml version="1.0" encoding="utf-8"?>
 <p:sld xmlns:a="http://schemas.openxmlformats.org/drawingml/2006/main" xmlns:r="http://schemas.openxmlformats.org/officeDocument/2006/relationships" xmlns:p="http://schemas.openxmlformats.org/presentationml/2006/main" show="0">
   <p:cSld>
     <p:spTree>
@@ -9853,7 +13711,67 @@
 </p:sld>
 </file>
 
-<file path=ppt/slides/slide19.xml><?xml version="1.0" encoding="utf-8"?>
+<file path=ppt/slides/slide2.xml><?xml version="1.0" encoding="utf-8"?>
+<p:sld xmlns:a="http://schemas.openxmlformats.org/drawingml/2006/main" xmlns:r="http://schemas.openxmlformats.org/officeDocument/2006/relationships" xmlns:p="http://schemas.openxmlformats.org/presentationml/2006/main">
+  <p:cSld>
+    <p:spTree>
+      <p:nvGrpSpPr>
+        <p:cNvPr id="1" name=""/>
+        <p:cNvGrpSpPr/>
+        <p:nvPr/>
+      </p:nvGrpSpPr>
+      <p:grpSpPr>
+        <a:xfrm>
+          <a:off x="0" y="0"/>
+          <a:ext cx="0" cy="0"/>
+          <a:chOff x="0" y="0"/>
+          <a:chExt cx="0" cy="0"/>
+        </a:xfrm>
+      </p:grpSpPr>
+      <p:sp>
+        <p:nvSpPr>
+          <p:cNvPr id="2" name="Title 1"/>
+          <p:cNvSpPr>
+            <a:spLocks noGrp="1"/>
+          </p:cNvSpPr>
+          <p:nvPr>
+            <p:ph type="ctrTitle"/>
+          </p:nvPr>
+        </p:nvSpPr>
+        <p:spPr/>
+        <p:txBody>
+          <a:bodyPr/>
+          <a:lstStyle/>
+          <a:p>
+            <a:r>
+              <a:rPr lang="en-US" dirty="0" smtClean="0"/>
+              <a:t>Index Management</a:t>
+            </a:r>
+            <a:endParaRPr lang="en-US" dirty="0"/>
+          </a:p>
+        </p:txBody>
+      </p:sp>
+    </p:spTree>
+    <p:extLst>
+      <p:ext uri="{BB962C8B-B14F-4D97-AF65-F5344CB8AC3E}">
+        <p14:creationId xmlns:p14="http://schemas.microsoft.com/office/powerpoint/2010/main" val="735871736"/>
+      </p:ext>
+    </p:extLst>
+  </p:cSld>
+  <p:clrMapOvr>
+    <a:masterClrMapping/>
+  </p:clrMapOvr>
+  <p:timing>
+    <p:tnLst>
+      <p:par>
+        <p:cTn xmlns:p14="http://schemas.microsoft.com/office/powerpoint/2010/main" id="1" dur="indefinite" restart="never" nodeType="tmRoot"/>
+      </p:par>
+    </p:tnLst>
+  </p:timing>
+</p:sld>
+</file>
+
+<file path=ppt/slides/slide20.xml><?xml version="1.0" encoding="utf-8"?>
 <p:sld xmlns:a="http://schemas.openxmlformats.org/drawingml/2006/main" xmlns:r="http://schemas.openxmlformats.org/officeDocument/2006/relationships" xmlns:p="http://schemas.openxmlformats.org/presentationml/2006/main" show="0">
   <p:cSld>
     <p:spTree>
@@ -10605,67 +14523,7 @@
 </p:sld>
 </file>
 
-<file path=ppt/slides/slide2.xml><?xml version="1.0" encoding="utf-8"?>
-<p:sld xmlns:a="http://schemas.openxmlformats.org/drawingml/2006/main" xmlns:r="http://schemas.openxmlformats.org/officeDocument/2006/relationships" xmlns:p="http://schemas.openxmlformats.org/presentationml/2006/main">
-  <p:cSld>
-    <p:spTree>
-      <p:nvGrpSpPr>
-        <p:cNvPr id="1" name=""/>
-        <p:cNvGrpSpPr/>
-        <p:nvPr/>
-      </p:nvGrpSpPr>
-      <p:grpSpPr>
-        <a:xfrm>
-          <a:off x="0" y="0"/>
-          <a:ext cx="0" cy="0"/>
-          <a:chOff x="0" y="0"/>
-          <a:chExt cx="0" cy="0"/>
-        </a:xfrm>
-      </p:grpSpPr>
-      <p:sp>
-        <p:nvSpPr>
-          <p:cNvPr id="2" name="Title 1"/>
-          <p:cNvSpPr>
-            <a:spLocks noGrp="1"/>
-          </p:cNvSpPr>
-          <p:nvPr>
-            <p:ph type="ctrTitle"/>
-          </p:nvPr>
-        </p:nvSpPr>
-        <p:spPr/>
-        <p:txBody>
-          <a:bodyPr/>
-          <a:lstStyle/>
-          <a:p>
-            <a:r>
-              <a:rPr lang="en-US" dirty="0" smtClean="0"/>
-              <a:t>Index Management</a:t>
-            </a:r>
-            <a:endParaRPr lang="en-US" dirty="0"/>
-          </a:p>
-        </p:txBody>
-      </p:sp>
-    </p:spTree>
-    <p:extLst>
-      <p:ext uri="{BB962C8B-B14F-4D97-AF65-F5344CB8AC3E}">
-        <p14:creationId xmlns:p14="http://schemas.microsoft.com/office/powerpoint/2010/main" val="735871736"/>
-      </p:ext>
-    </p:extLst>
-  </p:cSld>
-  <p:clrMapOvr>
-    <a:masterClrMapping/>
-  </p:clrMapOvr>
-  <p:timing>
-    <p:tnLst>
-      <p:par>
-        <p:cTn xmlns:p14="http://schemas.microsoft.com/office/powerpoint/2010/main" id="1" dur="indefinite" restart="never" nodeType="tmRoot"/>
-      </p:par>
-    </p:tnLst>
-  </p:timing>
-</p:sld>
-</file>
-
-<file path=ppt/slides/slide20.xml><?xml version="1.0" encoding="utf-8"?>
+<file path=ppt/slides/slide21.xml><?xml version="1.0" encoding="utf-8"?>
 <p:sld xmlns:a="http://schemas.openxmlformats.org/drawingml/2006/main" xmlns:r="http://schemas.openxmlformats.org/officeDocument/2006/relationships" xmlns:p="http://schemas.openxmlformats.org/presentationml/2006/main" show="0">
   <p:cSld>
     <p:spTree>
@@ -11417,7 +15275,7 @@
 </p:sld>
 </file>
 
-<file path=ppt/slides/slide21.xml><?xml version="1.0" encoding="utf-8"?>
+<file path=ppt/slides/slide22.xml><?xml version="1.0" encoding="utf-8"?>
 <p:sld xmlns:a="http://schemas.openxmlformats.org/drawingml/2006/main" xmlns:r="http://schemas.openxmlformats.org/officeDocument/2006/relationships" xmlns:p="http://schemas.openxmlformats.org/presentationml/2006/main" show="0">
   <p:cSld>
     <p:spTree>
@@ -11583,7 +15441,7 @@
 </p:sld>
 </file>
 
-<file path=ppt/slides/slide22.xml><?xml version="1.0" encoding="utf-8"?>
+<file path=ppt/slides/slide23.xml><?xml version="1.0" encoding="utf-8"?>
 <p:sld xmlns:a="http://schemas.openxmlformats.org/drawingml/2006/main" xmlns:r="http://schemas.openxmlformats.org/officeDocument/2006/relationships" xmlns:p="http://schemas.openxmlformats.org/presentationml/2006/main" show="0">
   <p:cSld>
     <p:spTree>
@@ -11749,7 +15607,7 @@
 </p:sld>
 </file>
 
-<file path=ppt/slides/slide23.xml><?xml version="1.0" encoding="utf-8"?>
+<file path=ppt/slides/slide24.xml><?xml version="1.0" encoding="utf-8"?>
 <p:sld xmlns:a="http://schemas.openxmlformats.org/drawingml/2006/main" xmlns:r="http://schemas.openxmlformats.org/officeDocument/2006/relationships" xmlns:p="http://schemas.openxmlformats.org/presentationml/2006/main" show="0">
   <p:cSld>
     <p:spTree>
@@ -11915,7 +15773,7 @@
 </p:sld>
 </file>
 
-<file path=ppt/slides/slide24.xml><?xml version="1.0" encoding="utf-8"?>
+<file path=ppt/slides/slide25.xml><?xml version="1.0" encoding="utf-8"?>
 <p:sld xmlns:a="http://schemas.openxmlformats.org/drawingml/2006/main" xmlns:r="http://schemas.openxmlformats.org/officeDocument/2006/relationships" xmlns:p="http://schemas.openxmlformats.org/presentationml/2006/main" show="0">
   <p:cSld>
     <p:spTree>
@@ -12609,7 +16467,7 @@
 </p:sld>
 </file>
 
-<file path=ppt/slides/slide25.xml><?xml version="1.0" encoding="utf-8"?>
+<file path=ppt/slides/slide26.xml><?xml version="1.0" encoding="utf-8"?>
 <p:sld xmlns:a="http://schemas.openxmlformats.org/drawingml/2006/main" xmlns:r="http://schemas.openxmlformats.org/officeDocument/2006/relationships" xmlns:p="http://schemas.openxmlformats.org/presentationml/2006/main" show="0">
   <p:cSld>
     <p:spTree>
@@ -12677,7 +16535,7 @@
 </p:sld>
 </file>
 
-<file path=ppt/slides/slide26.xml><?xml version="1.0" encoding="utf-8"?>
+<file path=ppt/slides/slide27.xml><?xml version="1.0" encoding="utf-8"?>
 <p:sld xmlns:a="http://schemas.openxmlformats.org/drawingml/2006/main" xmlns:r="http://schemas.openxmlformats.org/officeDocument/2006/relationships" xmlns:p="http://schemas.openxmlformats.org/presentationml/2006/main" show="0">
   <p:cSld>
     <p:spTree>
@@ -12756,7 +16614,7 @@
           <a:p>
             <a:r>
               <a:rPr lang="en-US" dirty="0" smtClean="0"/>
-              <a:t>Indexing</a:t>
+              <a:t>Indexes</a:t>
             </a:r>
             <a:endParaRPr lang="en-US" dirty="0"/>
           </a:p>
@@ -12788,12 +16646,8 @@
               </a:lnSpc>
             </a:pPr>
             <a:r>
-              <a:rPr lang="en-US" dirty="0"/>
-              <a:t>CREATE / DROP </a:t>
-            </a:r>
-            <a:r>
               <a:rPr lang="en-US" dirty="0" smtClean="0"/>
-              <a:t>INDEX</a:t>
+              <a:t>Provides the foundation for N1QL Queries</a:t>
             </a:r>
           </a:p>
           <a:p>
@@ -12804,6 +16658,18 @@
             </a:pPr>
             <a:r>
               <a:rPr lang="en-US" dirty="0" smtClean="0"/>
+              <a:t>Optimize the data lookup path for the query engine</a:t>
+            </a:r>
+            <a:endParaRPr lang="en-US" dirty="0" smtClean="0"/>
+          </a:p>
+          <a:p>
+            <a:pPr>
+              <a:lnSpc>
+                <a:spcPct val="140000"/>
+              </a:lnSpc>
+            </a:pPr>
+            <a:r>
+              <a:rPr lang="en-US" dirty="0" smtClean="0"/>
               <a:t>Two types of indexes</a:t>
             </a:r>
           </a:p>
@@ -12826,7 +16692,15 @@
             </a:pPr>
             <a:r>
               <a:rPr lang="en-US" dirty="0" smtClean="0"/>
-              <a:t>GSI indexes (new secondary indexes)</a:t>
+              <a:t>GSI indexes (new </a:t>
+            </a:r>
+            <a:r>
+              <a:rPr lang="en-US" dirty="0" smtClean="0"/>
+              <a:t>global secondary </a:t>
+            </a:r>
+            <a:r>
+              <a:rPr lang="en-US" dirty="0" smtClean="0"/>
+              <a:t>indexes)</a:t>
             </a:r>
           </a:p>
         </p:txBody>
@@ -12904,15 +16778,33 @@
                                   </p:childTnLst>
                                 </p:cTn>
                               </p:par>
+                            </p:childTnLst>
+                          </p:cTn>
+                        </p:par>
+                      </p:childTnLst>
+                    </p:cTn>
+                  </p:par>
+                  <p:par>
+                    <p:cTn id="8" fill="hold">
+                      <p:stCondLst>
+                        <p:cond delay="indefinite"/>
+                      </p:stCondLst>
+                      <p:childTnLst>
+                        <p:par>
+                          <p:cTn id="9" fill="hold">
+                            <p:stCondLst>
+                              <p:cond delay="0"/>
+                            </p:stCondLst>
+                            <p:childTnLst>
                               <p:par>
-                                <p:cTn id="8" presetID="10" presetClass="entr" presetSubtype="0" fill="hold" grpId="0" nodeType="withEffect">
+                                <p:cTn id="10" presetID="10" presetClass="entr" presetSubtype="0" fill="hold" grpId="0" nodeType="clickEffect">
                                   <p:stCondLst>
                                     <p:cond delay="0"/>
                                   </p:stCondLst>
                                   <p:childTnLst>
                                     <p:set>
                                       <p:cBhvr>
-                                        <p:cTn id="9" dur="1" fill="hold">
+                                        <p:cTn id="11" dur="1" fill="hold">
                                           <p:stCondLst>
                                             <p:cond delay="0"/>
                                           </p:stCondLst>
@@ -12934,7 +16826,7 @@
                                     </p:set>
                                     <p:animEffect transition="in" filter="fade">
                                       <p:cBhvr>
-                                        <p:cTn id="10" dur="500"/>
+                                        <p:cTn id="12" dur="500"/>
                                         <p:tgtEl>
                                           <p:spTgt spid="3">
                                             <p:txEl>
@@ -12948,14 +16840,14 @@
                                 </p:cTn>
                               </p:par>
                               <p:par>
-                                <p:cTn id="11" presetID="10" presetClass="entr" presetSubtype="0" fill="hold" grpId="0" nodeType="withEffect">
+                                <p:cTn id="13" presetID="10" presetClass="entr" presetSubtype="0" fill="hold" grpId="0" nodeType="withEffect">
                                   <p:stCondLst>
                                     <p:cond delay="0"/>
                                   </p:stCondLst>
                                   <p:childTnLst>
                                     <p:set>
                                       <p:cBhvr>
-                                        <p:cTn id="12" dur="1" fill="hold">
+                                        <p:cTn id="14" dur="1" fill="hold">
                                           <p:stCondLst>
                                             <p:cond delay="0"/>
                                           </p:stCondLst>
@@ -12977,7 +16869,7 @@
                                     </p:set>
                                     <p:animEffect transition="in" filter="fade">
                                       <p:cBhvr>
-                                        <p:cTn id="13" dur="500"/>
+                                        <p:cTn id="15" dur="500"/>
                                         <p:tgtEl>
                                           <p:spTgt spid="3">
                                             <p:txEl>
@@ -12991,14 +16883,14 @@
                                 </p:cTn>
                               </p:par>
                               <p:par>
-                                <p:cTn id="14" presetID="10" presetClass="entr" presetSubtype="0" fill="hold" grpId="0" nodeType="withEffect">
+                                <p:cTn id="16" presetID="10" presetClass="entr" presetSubtype="0" fill="hold" grpId="0" nodeType="withEffect">
                                   <p:stCondLst>
                                     <p:cond delay="0"/>
                                   </p:stCondLst>
                                   <p:childTnLst>
                                     <p:set>
                                       <p:cBhvr>
-                                        <p:cTn id="15" dur="1" fill="hold">
+                                        <p:cTn id="17" dur="1" fill="hold">
                                           <p:stCondLst>
                                             <p:cond delay="0"/>
                                           </p:stCondLst>
@@ -13020,11 +16912,54 @@
                                     </p:set>
                                     <p:animEffect transition="in" filter="fade">
                                       <p:cBhvr>
-                                        <p:cTn id="16" dur="500"/>
+                                        <p:cTn id="18" dur="500"/>
                                         <p:tgtEl>
                                           <p:spTgt spid="3">
                                             <p:txEl>
                                               <p:pRg st="3" end="3"/>
+                                            </p:txEl>
+                                          </p:spTgt>
+                                        </p:tgtEl>
+                                      </p:cBhvr>
+                                    </p:animEffect>
+                                  </p:childTnLst>
+                                </p:cTn>
+                              </p:par>
+                              <p:par>
+                                <p:cTn id="19" presetID="10" presetClass="entr" presetSubtype="0" fill="hold" grpId="0" nodeType="withEffect">
+                                  <p:stCondLst>
+                                    <p:cond delay="0"/>
+                                  </p:stCondLst>
+                                  <p:childTnLst>
+                                    <p:set>
+                                      <p:cBhvr>
+                                        <p:cTn id="20" dur="1" fill="hold">
+                                          <p:stCondLst>
+                                            <p:cond delay="0"/>
+                                          </p:stCondLst>
+                                        </p:cTn>
+                                        <p:tgtEl>
+                                          <p:spTgt spid="3">
+                                            <p:txEl>
+                                              <p:pRg st="4" end="4"/>
+                                            </p:txEl>
+                                          </p:spTgt>
+                                        </p:tgtEl>
+                                        <p:attrNameLst>
+                                          <p:attrName>style.visibility</p:attrName>
+                                        </p:attrNameLst>
+                                      </p:cBhvr>
+                                      <p:to>
+                                        <p:strVal val="visible"/>
+                                      </p:to>
+                                    </p:set>
+                                    <p:animEffect transition="in" filter="fade">
+                                      <p:cBhvr>
+                                        <p:cTn id="21" dur="500"/>
+                                        <p:tgtEl>
+                                          <p:spTgt spid="3">
+                                            <p:txEl>
+                                              <p:pRg st="4" end="4"/>
                                             </p:txEl>
                                           </p:spTgt>
                                         </p:tgtEl>
@@ -13091,7 +17026,7 @@
             <a:spLocks noGrp="1"/>
           </p:cNvSpPr>
           <p:nvPr>
-            <p:ph type="ctrTitle"/>
+            <p:ph type="title"/>
           </p:nvPr>
         </p:nvSpPr>
         <p:spPr/>
@@ -13101,16 +17036,163 @@
           <a:p>
             <a:r>
               <a:rPr lang="en-US" dirty="0" smtClean="0"/>
-              <a:t>SDK Interaction - Java</a:t>
+              <a:t>Indexes</a:t>
             </a:r>
             <a:endParaRPr lang="en-US" dirty="0"/>
+          </a:p>
+        </p:txBody>
+      </p:sp>
+      <p:sp>
+        <p:nvSpPr>
+          <p:cNvPr id="3" name="Content Placeholder 2"/>
+          <p:cNvSpPr>
+            <a:spLocks noGrp="1"/>
+          </p:cNvSpPr>
+          <p:nvPr>
+            <p:ph idx="1"/>
+          </p:nvPr>
+        </p:nvSpPr>
+        <p:spPr>
+          <a:xfrm>
+            <a:off x="457200" y="955193"/>
+            <a:ext cx="8007739" cy="3493655"/>
+          </a:xfrm>
+        </p:spPr>
+        <p:txBody>
+          <a:bodyPr/>
+          <a:lstStyle/>
+          <a:p>
+            <a:pPr>
+              <a:lnSpc>
+                <a:spcPct val="140000"/>
+              </a:lnSpc>
+            </a:pPr>
+            <a:r>
+              <a:rPr lang="en-US" dirty="0" smtClean="0"/>
+              <a:t>Can be created and dropped</a:t>
+            </a:r>
+          </a:p>
+          <a:p>
+            <a:pPr>
+              <a:lnSpc>
+                <a:spcPct val="140000"/>
+              </a:lnSpc>
+            </a:pPr>
+            <a:r>
+              <a:rPr lang="en-US" dirty="0" smtClean="0"/>
+              <a:t>Names are unique on a per-bucket basis</a:t>
+            </a:r>
+          </a:p>
+          <a:p>
+            <a:pPr>
+              <a:lnSpc>
+                <a:spcPct val="140000"/>
+              </a:lnSpc>
+            </a:pPr>
+            <a:r>
+              <a:rPr lang="en-US" dirty="0" smtClean="0"/>
+              <a:t>Special case: primary index</a:t>
+            </a:r>
+            <a:endParaRPr lang="en-US" dirty="0" smtClean="0"/>
+          </a:p>
+        </p:txBody>
+      </p:sp>
+      <p:sp>
+        <p:nvSpPr>
+          <p:cNvPr id="4" name="Textfeld 3"/>
+          <p:cNvSpPr txBox="1"/>
+          <p:nvPr/>
+        </p:nvSpPr>
+        <p:spPr>
+          <a:xfrm>
+            <a:off x="466344" y="3186288"/>
+            <a:ext cx="7755319" cy="1477328"/>
+          </a:xfrm>
+          <a:prstGeom prst="rect">
+            <a:avLst/>
+          </a:prstGeom>
+          <a:noFill/>
+        </p:spPr>
+        <p:txBody>
+          <a:bodyPr wrap="square" rtlCol="0">
+            <a:spAutoFit/>
+          </a:bodyPr>
+          <a:lstStyle/>
+          <a:p>
+            <a:r>
+              <a:rPr lang="de-DE" dirty="0" smtClean="0"/>
+              <a:t>CREATE PRIMARY INDEX ON &lt;</a:t>
+            </a:r>
+            <a:r>
+              <a:rPr lang="de-DE" dirty="0" err="1" smtClean="0"/>
+              <a:t>bucket</a:t>
+            </a:r>
+            <a:r>
+              <a:rPr lang="de-DE" dirty="0" smtClean="0"/>
+              <a:t>&gt;</a:t>
+            </a:r>
+          </a:p>
+          <a:p>
+            <a:endParaRPr lang="de-DE" dirty="0"/>
+          </a:p>
+          <a:p>
+            <a:r>
+              <a:rPr lang="de-DE" dirty="0" smtClean="0"/>
+              <a:t>CREATE INDEX &lt;index-name&gt; ON &lt;</a:t>
+            </a:r>
+            <a:r>
+              <a:rPr lang="de-DE" dirty="0" err="1" smtClean="0"/>
+              <a:t>bucket</a:t>
+            </a:r>
+            <a:r>
+              <a:rPr lang="de-DE" dirty="0" smtClean="0"/>
+              <a:t>&gt; (</a:t>
+            </a:r>
+            <a:r>
+              <a:rPr lang="de-DE" dirty="0" err="1" smtClean="0"/>
+              <a:t>expressions</a:t>
+            </a:r>
+            <a:r>
+              <a:rPr lang="de-DE" dirty="0" smtClean="0"/>
+              <a:t>) [</a:t>
+            </a:r>
+            <a:r>
+              <a:rPr lang="de-DE" dirty="0" err="1" smtClean="0"/>
+              <a:t>where</a:t>
+            </a:r>
+            <a:r>
+              <a:rPr lang="de-DE" dirty="0" smtClean="0"/>
+              <a:t>] [</a:t>
+            </a:r>
+            <a:r>
+              <a:rPr lang="de-DE" dirty="0" err="1" smtClean="0"/>
+              <a:t>using</a:t>
+            </a:r>
+            <a:r>
+              <a:rPr lang="de-DE" dirty="0" smtClean="0"/>
+              <a:t>]</a:t>
+            </a:r>
+          </a:p>
+          <a:p>
+            <a:endParaRPr lang="de-DE" dirty="0"/>
+          </a:p>
+          <a:p>
+            <a:r>
+              <a:rPr lang="de-DE" dirty="0" smtClean="0"/>
+              <a:t>SELECT * FROM </a:t>
+            </a:r>
+            <a:r>
+              <a:rPr lang="de-DE" dirty="0" err="1" smtClean="0"/>
+              <a:t>system:indexes</a:t>
+            </a:r>
+            <a:endParaRPr lang="de-DE" dirty="0"/>
           </a:p>
         </p:txBody>
       </p:sp>
     </p:spTree>
     <p:extLst>
       <p:ext uri="{BB962C8B-B14F-4D97-AF65-F5344CB8AC3E}">
-        <p14:creationId xmlns:p14="http://schemas.microsoft.com/office/powerpoint/2010/main" val="3683186877"/>
+        <p14:creationId xmlns:p14="http://schemas.microsoft.com/office/powerpoint/2010/main" val="376546271"/>
       </p:ext>
     </p:extLst>
   </p:cSld>
@@ -13120,9 +17202,218 @@
   <p:timing>
     <p:tnLst>
       <p:par>
-        <p:cTn xmlns:p14="http://schemas.microsoft.com/office/powerpoint/2010/main" id="1" dur="indefinite" restart="never" nodeType="tmRoot"/>
+        <p:cTn xmlns:p14="http://schemas.microsoft.com/office/powerpoint/2010/main" id="1" dur="indefinite" restart="never" nodeType="tmRoot">
+          <p:childTnLst>
+            <p:seq concurrent="1" nextAc="seek">
+              <p:cTn id="2" dur="indefinite" nodeType="mainSeq">
+                <p:childTnLst>
+                  <p:par>
+                    <p:cTn id="3" fill="hold">
+                      <p:stCondLst>
+                        <p:cond delay="indefinite"/>
+                      </p:stCondLst>
+                      <p:childTnLst>
+                        <p:par>
+                          <p:cTn id="4" fill="hold">
+                            <p:stCondLst>
+                              <p:cond delay="0"/>
+                            </p:stCondLst>
+                            <p:childTnLst>
+                              <p:par>
+                                <p:cTn id="5" presetID="10" presetClass="entr" presetSubtype="0" fill="hold" grpId="0" nodeType="clickEffect">
+                                  <p:stCondLst>
+                                    <p:cond delay="0"/>
+                                  </p:stCondLst>
+                                  <p:childTnLst>
+                                    <p:set>
+                                      <p:cBhvr>
+                                        <p:cTn id="6" dur="1" fill="hold">
+                                          <p:stCondLst>
+                                            <p:cond delay="0"/>
+                                          </p:stCondLst>
+                                        </p:cTn>
+                                        <p:tgtEl>
+                                          <p:spTgt spid="3">
+                                            <p:txEl>
+                                              <p:pRg st="0" end="0"/>
+                                            </p:txEl>
+                                          </p:spTgt>
+                                        </p:tgtEl>
+                                        <p:attrNameLst>
+                                          <p:attrName>style.visibility</p:attrName>
+                                        </p:attrNameLst>
+                                      </p:cBhvr>
+                                      <p:to>
+                                        <p:strVal val="visible"/>
+                                      </p:to>
+                                    </p:set>
+                                    <p:animEffect transition="in" filter="fade">
+                                      <p:cBhvr>
+                                        <p:cTn id="7" dur="500"/>
+                                        <p:tgtEl>
+                                          <p:spTgt spid="3">
+                                            <p:txEl>
+                                              <p:pRg st="0" end="0"/>
+                                            </p:txEl>
+                                          </p:spTgt>
+                                        </p:tgtEl>
+                                      </p:cBhvr>
+                                    </p:animEffect>
+                                  </p:childTnLst>
+                                </p:cTn>
+                              </p:par>
+                            </p:childTnLst>
+                          </p:cTn>
+                        </p:par>
+                      </p:childTnLst>
+                    </p:cTn>
+                  </p:par>
+                  <p:par>
+                    <p:cTn id="8" fill="hold">
+                      <p:stCondLst>
+                        <p:cond delay="indefinite"/>
+                      </p:stCondLst>
+                      <p:childTnLst>
+                        <p:par>
+                          <p:cTn id="9" fill="hold">
+                            <p:stCondLst>
+                              <p:cond delay="0"/>
+                            </p:stCondLst>
+                            <p:childTnLst>
+                              <p:par>
+                                <p:cTn id="10" presetID="10" presetClass="entr" presetSubtype="0" fill="hold" grpId="0" nodeType="clickEffect">
+                                  <p:stCondLst>
+                                    <p:cond delay="0"/>
+                                  </p:stCondLst>
+                                  <p:childTnLst>
+                                    <p:set>
+                                      <p:cBhvr>
+                                        <p:cTn id="11" dur="1" fill="hold">
+                                          <p:stCondLst>
+                                            <p:cond delay="0"/>
+                                          </p:stCondLst>
+                                        </p:cTn>
+                                        <p:tgtEl>
+                                          <p:spTgt spid="3">
+                                            <p:txEl>
+                                              <p:pRg st="1" end="1"/>
+                                            </p:txEl>
+                                          </p:spTgt>
+                                        </p:tgtEl>
+                                        <p:attrNameLst>
+                                          <p:attrName>style.visibility</p:attrName>
+                                        </p:attrNameLst>
+                                      </p:cBhvr>
+                                      <p:to>
+                                        <p:strVal val="visible"/>
+                                      </p:to>
+                                    </p:set>
+                                    <p:animEffect transition="in" filter="fade">
+                                      <p:cBhvr>
+                                        <p:cTn id="12" dur="500"/>
+                                        <p:tgtEl>
+                                          <p:spTgt spid="3">
+                                            <p:txEl>
+                                              <p:pRg st="1" end="1"/>
+                                            </p:txEl>
+                                          </p:spTgt>
+                                        </p:tgtEl>
+                                      </p:cBhvr>
+                                    </p:animEffect>
+                                  </p:childTnLst>
+                                </p:cTn>
+                              </p:par>
+                            </p:childTnLst>
+                          </p:cTn>
+                        </p:par>
+                      </p:childTnLst>
+                    </p:cTn>
+                  </p:par>
+                  <p:par>
+                    <p:cTn id="13" fill="hold">
+                      <p:stCondLst>
+                        <p:cond delay="indefinite"/>
+                      </p:stCondLst>
+                      <p:childTnLst>
+                        <p:par>
+                          <p:cTn id="14" fill="hold">
+                            <p:stCondLst>
+                              <p:cond delay="0"/>
+                            </p:stCondLst>
+                            <p:childTnLst>
+                              <p:par>
+                                <p:cTn id="15" presetID="10" presetClass="entr" presetSubtype="0" fill="hold" grpId="0" nodeType="clickEffect">
+                                  <p:stCondLst>
+                                    <p:cond delay="0"/>
+                                  </p:stCondLst>
+                                  <p:childTnLst>
+                                    <p:set>
+                                      <p:cBhvr>
+                                        <p:cTn id="16" dur="1" fill="hold">
+                                          <p:stCondLst>
+                                            <p:cond delay="0"/>
+                                          </p:stCondLst>
+                                        </p:cTn>
+                                        <p:tgtEl>
+                                          <p:spTgt spid="3">
+                                            <p:txEl>
+                                              <p:pRg st="2" end="2"/>
+                                            </p:txEl>
+                                          </p:spTgt>
+                                        </p:tgtEl>
+                                        <p:attrNameLst>
+                                          <p:attrName>style.visibility</p:attrName>
+                                        </p:attrNameLst>
+                                      </p:cBhvr>
+                                      <p:to>
+                                        <p:strVal val="visible"/>
+                                      </p:to>
+                                    </p:set>
+                                    <p:animEffect transition="in" filter="fade">
+                                      <p:cBhvr>
+                                        <p:cTn id="17" dur="500"/>
+                                        <p:tgtEl>
+                                          <p:spTgt spid="3">
+                                            <p:txEl>
+                                              <p:pRg st="2" end="2"/>
+                                            </p:txEl>
+                                          </p:spTgt>
+                                        </p:tgtEl>
+                                      </p:cBhvr>
+                                    </p:animEffect>
+                                  </p:childTnLst>
+                                </p:cTn>
+                              </p:par>
+                            </p:childTnLst>
+                          </p:cTn>
+                        </p:par>
+                      </p:childTnLst>
+                    </p:cTn>
+                  </p:par>
+                </p:childTnLst>
+              </p:cTn>
+              <p:prevCondLst>
+                <p:cond evt="onPrev" delay="0">
+                  <p:tgtEl>
+                    <p:sldTgt/>
+                  </p:tgtEl>
+                </p:cond>
+              </p:prevCondLst>
+              <p:nextCondLst>
+                <p:cond evt="onNext" delay="0">
+                  <p:tgtEl>
+                    <p:sldTgt/>
+                  </p:tgtEl>
+                </p:cond>
+              </p:nextCondLst>
+            </p:seq>
+          </p:childTnLst>
+        </p:cTn>
       </p:par>
     </p:tnLst>
+    <p:bldLst>
+      <p:bldP spid="3" grpId="0" build="p"/>
+    </p:bldLst>
   </p:timing>
 </p:sld>
 </file>
@@ -13161,7 +17452,7 @@
           <a:p>
             <a:r>
               <a:rPr lang="en-US" dirty="0" smtClean="0"/>
-              <a:t>SDK Interaction - .NET</a:t>
+              <a:t>SDK Interaction - Java</a:t>
             </a:r>
             <a:endParaRPr lang="en-US" dirty="0"/>
           </a:p>
@@ -13170,7 +17461,7 @@
     </p:spTree>
     <p:extLst>
       <p:ext uri="{BB962C8B-B14F-4D97-AF65-F5344CB8AC3E}">
-        <p14:creationId xmlns:p14="http://schemas.microsoft.com/office/powerpoint/2010/main" val="882545490"/>
+        <p14:creationId xmlns:p14="http://schemas.microsoft.com/office/powerpoint/2010/main" val="3683186877"/>
       </p:ext>
     </p:extLst>
   </p:cSld>
@@ -13221,11 +17512,7 @@
           <a:p>
             <a:r>
               <a:rPr lang="en-US" dirty="0" smtClean="0"/>
-              <a:t>SDK Interaction - </a:t>
-            </a:r>
-            <a:r>
-              <a:rPr lang="en-US" dirty="0" err="1" smtClean="0"/>
-              <a:t>NodeJS</a:t>
+              <a:t>SDK Interaction - .NET</a:t>
             </a:r>
             <a:endParaRPr lang="en-US" dirty="0"/>
           </a:p>
@@ -13234,7 +17521,7 @@
     </p:spTree>
     <p:extLst>
       <p:ext uri="{BB962C8B-B14F-4D97-AF65-F5344CB8AC3E}">
-        <p14:creationId xmlns:p14="http://schemas.microsoft.com/office/powerpoint/2010/main" val="3686523847"/>
+        <p14:creationId xmlns:p14="http://schemas.microsoft.com/office/powerpoint/2010/main" val="882545490"/>
       </p:ext>
     </p:extLst>
   </p:cSld>
@@ -13285,7 +17572,11 @@
           <a:p>
             <a:r>
               <a:rPr lang="en-US" dirty="0" smtClean="0"/>
-              <a:t>View vs. Indexes</a:t>
+              <a:t>SDK Interaction - </a:t>
+            </a:r>
+            <a:r>
+              <a:rPr lang="en-US" dirty="0" err="1" smtClean="0"/>
+              <a:t>NodeJS</a:t>
             </a:r>
             <a:endParaRPr lang="en-US" dirty="0"/>
           </a:p>
@@ -13294,7 +17585,7 @@
     </p:spTree>
     <p:extLst>
       <p:ext uri="{BB962C8B-B14F-4D97-AF65-F5344CB8AC3E}">
-        <p14:creationId xmlns:p14="http://schemas.microsoft.com/office/powerpoint/2010/main" val="1029701812"/>
+        <p14:creationId xmlns:p14="http://schemas.microsoft.com/office/powerpoint/2010/main" val="3686523847"/>
       </p:ext>
     </p:extLst>
   </p:cSld>
@@ -13335,6 +17626,66 @@
             <a:spLocks noGrp="1"/>
           </p:cNvSpPr>
           <p:nvPr>
+            <p:ph type="ctrTitle"/>
+          </p:nvPr>
+        </p:nvSpPr>
+        <p:spPr/>
+        <p:txBody>
+          <a:bodyPr/>
+          <a:lstStyle/>
+          <a:p>
+            <a:r>
+              <a:rPr lang="en-US" dirty="0" smtClean="0"/>
+              <a:t>View vs. Indexes</a:t>
+            </a:r>
+            <a:endParaRPr lang="en-US" dirty="0"/>
+          </a:p>
+        </p:txBody>
+      </p:sp>
+    </p:spTree>
+    <p:extLst>
+      <p:ext uri="{BB962C8B-B14F-4D97-AF65-F5344CB8AC3E}">
+        <p14:creationId xmlns:p14="http://schemas.microsoft.com/office/powerpoint/2010/main" val="1029701812"/>
+      </p:ext>
+    </p:extLst>
+  </p:cSld>
+  <p:clrMapOvr>
+    <a:masterClrMapping/>
+  </p:clrMapOvr>
+  <p:timing>
+    <p:tnLst>
+      <p:par>
+        <p:cTn xmlns:p14="http://schemas.microsoft.com/office/powerpoint/2010/main" id="1" dur="indefinite" restart="never" nodeType="tmRoot"/>
+      </p:par>
+    </p:tnLst>
+  </p:timing>
+</p:sld>
+</file>
+
+<file path=ppt/slides/slide9.xml><?xml version="1.0" encoding="utf-8"?>
+<p:sld xmlns:a="http://schemas.openxmlformats.org/drawingml/2006/main" xmlns:r="http://schemas.openxmlformats.org/officeDocument/2006/relationships" xmlns:p="http://schemas.openxmlformats.org/presentationml/2006/main">
+  <p:cSld>
+    <p:spTree>
+      <p:nvGrpSpPr>
+        <p:cNvPr id="1" name=""/>
+        <p:cNvGrpSpPr/>
+        <p:nvPr/>
+      </p:nvGrpSpPr>
+      <p:grpSpPr>
+        <a:xfrm>
+          <a:off x="0" y="0"/>
+          <a:ext cx="0" cy="0"/>
+          <a:chOff x="0" y="0"/>
+          <a:chExt cx="0" cy="0"/>
+        </a:xfrm>
+      </p:grpSpPr>
+      <p:sp>
+        <p:nvSpPr>
+          <p:cNvPr id="2" name="Title 1"/>
+          <p:cNvSpPr>
+            <a:spLocks noGrp="1"/>
+          </p:cNvSpPr>
+          <p:nvPr>
             <p:ph type="title"/>
           </p:nvPr>
         </p:nvSpPr>
@@ -13345,15 +17696,7 @@
           <a:p>
             <a:r>
               <a:rPr lang="en-US" dirty="0" smtClean="0"/>
-              <a:t>Views </a:t>
-            </a:r>
-            <a:r>
-              <a:rPr lang="en-US" dirty="0" smtClean="0"/>
-              <a:t>vs. </a:t>
-            </a:r>
-            <a:r>
-              <a:rPr lang="en-US" dirty="0" smtClean="0"/>
-              <a:t>Indexes</a:t>
+              <a:t>Views vs. Indexes</a:t>
             </a:r>
             <a:endParaRPr lang="en-US" dirty="0"/>
           </a:p>
@@ -13376,15 +17719,7 @@
           <a:p>
             <a:r>
               <a:rPr lang="en-US" b="1" dirty="0" smtClean="0"/>
-              <a:t>Global Secondary Indexes </a:t>
-            </a:r>
-            <a:r>
-              <a:rPr lang="en-US" b="1" dirty="0" smtClean="0"/>
-              <a:t>vs. </a:t>
-            </a:r>
-            <a:r>
-              <a:rPr lang="en-US" b="1" dirty="0" smtClean="0"/>
-              <a:t>Views</a:t>
+              <a:t>Global Secondary Indexes vs. Views</a:t>
             </a:r>
           </a:p>
           <a:p>
@@ -13736,3863 +18071,6 @@
     <p:tnLst>
       <p:par>
         <p:cTn xmlns:p14="http://schemas.microsoft.com/office/powerpoint/2010/main" id="1" dur="indefinite" restart="never" nodeType="tmRoot"/>
-      </p:par>
-    </p:tnLst>
-  </p:timing>
-</p:sld>
-</file>
-
-<file path=ppt/slides/slide9.xml><?xml version="1.0" encoding="utf-8"?>
-<p:sld xmlns:a="http://schemas.openxmlformats.org/drawingml/2006/main" xmlns:r="http://schemas.openxmlformats.org/officeDocument/2006/relationships" xmlns:p="http://schemas.openxmlformats.org/presentationml/2006/main">
-  <p:cSld>
-    <p:spTree>
-      <p:nvGrpSpPr>
-        <p:cNvPr id="1" name=""/>
-        <p:cNvGrpSpPr/>
-        <p:nvPr/>
-      </p:nvGrpSpPr>
-      <p:grpSpPr>
-        <a:xfrm>
-          <a:off x="0" y="0"/>
-          <a:ext cx="0" cy="0"/>
-          <a:chOff x="0" y="0"/>
-          <a:chExt cx="0" cy="0"/>
-        </a:xfrm>
-      </p:grpSpPr>
-      <p:sp>
-        <p:nvSpPr>
-          <p:cNvPr id="27668" name="Oval 20"/>
-          <p:cNvSpPr>
-            <a:spLocks/>
-          </p:cNvSpPr>
-          <p:nvPr/>
-        </p:nvSpPr>
-        <p:spPr bwMode="auto">
-          <a:xfrm>
-            <a:off x="5791184" y="2371548"/>
-            <a:ext cx="331788" cy="245269"/>
-          </a:xfrm>
-          <a:prstGeom prst="ellipse">
-            <a:avLst/>
-          </a:prstGeom>
-          <a:solidFill>
-            <a:srgbClr val="00A7F2"/>
-          </a:solidFill>
-          <a:ln w="28575" cap="flat">
-            <a:solidFill>
-              <a:srgbClr val="0070A2"/>
-            </a:solidFill>
-            <a:prstDash val="solid"/>
-            <a:round/>
-            <a:headEnd type="none" w="med" len="med"/>
-            <a:tailEnd type="none" w="med" len="med"/>
-          </a:ln>
-          <a:effectLst>
-            <a:outerShdw blurRad="38100" dist="23000" dir="5400000" algn="ctr" rotWithShape="0">
-              <a:schemeClr val="bg2">
-                <a:alpha val="34999"/>
-              </a:schemeClr>
-            </a:outerShdw>
-          </a:effectLst>
-        </p:spPr>
-        <p:txBody>
-          <a:bodyPr lIns="0" tIns="0" rIns="0" bIns="0" anchor="ctr"/>
-          <a:lstStyle/>
-          <a:p>
-            <a:pPr algn="ctr"/>
-            <a:r>
-              <a:rPr lang="en-US" dirty="0">
-                <a:solidFill>
-                  <a:srgbClr val="FFFFFF"/>
-                </a:solidFill>
-                <a:latin typeface="Calibri"/>
-              </a:rPr>
-              <a:t>3</a:t>
-            </a:r>
-          </a:p>
-        </p:txBody>
-      </p:sp>
-      <p:sp>
-        <p:nvSpPr>
-          <p:cNvPr id="27666" name="Oval 18"/>
-          <p:cNvSpPr>
-            <a:spLocks/>
-          </p:cNvSpPr>
-          <p:nvPr/>
-        </p:nvSpPr>
-        <p:spPr bwMode="auto">
-          <a:xfrm>
-            <a:off x="3886188" y="2367976"/>
-            <a:ext cx="327025" cy="245269"/>
-          </a:xfrm>
-          <a:prstGeom prst="ellipse">
-            <a:avLst/>
-          </a:prstGeom>
-          <a:solidFill>
-            <a:srgbClr val="00A7F2"/>
-          </a:solidFill>
-          <a:ln w="28575" cap="flat">
-            <a:solidFill>
-              <a:srgbClr val="0070A2"/>
-            </a:solidFill>
-            <a:prstDash val="solid"/>
-            <a:round/>
-            <a:headEnd type="none" w="med" len="med"/>
-            <a:tailEnd type="none" w="med" len="med"/>
-          </a:ln>
-          <a:effectLst>
-            <a:outerShdw blurRad="38100" dist="23000" dir="5400000" algn="ctr" rotWithShape="0">
-              <a:schemeClr val="bg2">
-                <a:alpha val="34999"/>
-              </a:schemeClr>
-            </a:outerShdw>
-          </a:effectLst>
-        </p:spPr>
-        <p:txBody>
-          <a:bodyPr lIns="0" tIns="0" rIns="0" bIns="0" anchor="ctr"/>
-          <a:lstStyle/>
-          <a:p>
-            <a:pPr algn="ctr"/>
-            <a:r>
-              <a:rPr lang="en-US" dirty="0">
-                <a:solidFill>
-                  <a:srgbClr val="FFFFFF"/>
-                </a:solidFill>
-                <a:latin typeface="Calibri"/>
-              </a:rPr>
-              <a:t>3</a:t>
-            </a:r>
-          </a:p>
-        </p:txBody>
-      </p:sp>
-      <p:sp>
-        <p:nvSpPr>
-          <p:cNvPr id="27676" name="Oval 28"/>
-          <p:cNvSpPr>
-            <a:spLocks/>
-          </p:cNvSpPr>
-          <p:nvPr/>
-        </p:nvSpPr>
-        <p:spPr bwMode="auto">
-          <a:xfrm>
-            <a:off x="5105387" y="2402504"/>
-            <a:ext cx="327025" cy="244079"/>
-          </a:xfrm>
-          <a:prstGeom prst="ellipse">
-            <a:avLst/>
-          </a:prstGeom>
-          <a:solidFill>
-            <a:srgbClr val="00A7F2"/>
-          </a:solidFill>
-          <a:ln w="28575" cap="flat">
-            <a:solidFill>
-              <a:srgbClr val="0070A2"/>
-            </a:solidFill>
-            <a:prstDash val="solid"/>
-            <a:round/>
-            <a:headEnd type="none" w="med" len="med"/>
-            <a:tailEnd type="none" w="med" len="med"/>
-          </a:ln>
-          <a:effectLst>
-            <a:outerShdw blurRad="38100" dist="23000" dir="5400000" algn="ctr" rotWithShape="0">
-              <a:schemeClr val="bg2">
-                <a:alpha val="34999"/>
-              </a:schemeClr>
-            </a:outerShdw>
-          </a:effectLst>
-        </p:spPr>
-        <p:txBody>
-          <a:bodyPr lIns="0" tIns="0" rIns="0" bIns="0" anchor="ctr"/>
-          <a:lstStyle/>
-          <a:p>
-            <a:pPr algn="ctr"/>
-            <a:r>
-              <a:rPr lang="en-US" dirty="0">
-                <a:solidFill>
-                  <a:srgbClr val="FFFFFF"/>
-                </a:solidFill>
-                <a:latin typeface="Calibri"/>
-              </a:rPr>
-              <a:t>2</a:t>
-            </a:r>
-          </a:p>
-        </p:txBody>
-      </p:sp>
-      <p:sp>
-        <p:nvSpPr>
-          <p:cNvPr id="27652" name="Rectangle 4"/>
-          <p:cNvSpPr>
-            <a:spLocks noGrp="1" noChangeArrowheads="1"/>
-          </p:cNvSpPr>
-          <p:nvPr>
-            <p:ph type="title"/>
-          </p:nvPr>
-        </p:nvSpPr>
-        <p:spPr>
-          <a:ln/>
-        </p:spPr>
-        <p:txBody>
-          <a:bodyPr/>
-          <a:lstStyle/>
-          <a:p>
-            <a:r>
-              <a:rPr lang="en-US" dirty="0" smtClean="0">
-                <a:ea typeface="Lucida Grande" charset="0"/>
-                <a:cs typeface="Lucida Grande" charset="0"/>
-                <a:sym typeface="Lucida Grande" charset="0"/>
-              </a:rPr>
-              <a:t>View processing after write</a:t>
-            </a:r>
-            <a:endParaRPr lang="en-US" dirty="0">
-              <a:sym typeface="Lucida Grande" charset="0"/>
-            </a:endParaRPr>
-          </a:p>
-        </p:txBody>
-      </p:sp>
-      <p:sp>
-        <p:nvSpPr>
-          <p:cNvPr id="3" name="Slide Number Placeholder 2"/>
-          <p:cNvSpPr>
-            <a:spLocks noGrp="1"/>
-          </p:cNvSpPr>
-          <p:nvPr>
-            <p:ph type="sldNum" sz="quarter" idx="4294967295"/>
-          </p:nvPr>
-        </p:nvSpPr>
-        <p:spPr>
-          <a:xfrm>
-            <a:off x="8229600" y="4767263"/>
-            <a:ext cx="740664" cy="273844"/>
-          </a:xfrm>
-          <a:prstGeom prst="rect">
-            <a:avLst/>
-          </a:prstGeom>
-        </p:spPr>
-        <p:txBody>
-          <a:bodyPr/>
-          <a:lstStyle/>
-          <a:p>
-            <a:fld id="{2066355A-084C-D24E-9AD2-7E4FC41EA627}" type="slidenum">
-              <a:rPr lang="en-US" smtClean="0"/>
-              <a:pPr/>
-              <a:t>9</a:t>
-            </a:fld>
-            <a:endParaRPr lang="en-US" dirty="0"/>
-          </a:p>
-        </p:txBody>
-      </p:sp>
-      <p:pic>
-        <p:nvPicPr>
-          <p:cNvPr id="27654" name="Picture 6"/>
-          <p:cNvPicPr>
-            <a:picLocks noChangeAspect="1" noChangeArrowheads="1"/>
-          </p:cNvPicPr>
-          <p:nvPr/>
-        </p:nvPicPr>
-        <p:blipFill>
-          <a:blip r:embed="rId3" cstate="print">
-            <a:extLst>
-              <a:ext uri="{28A0092B-C50C-407E-A947-70E740481C1C}">
-                <a14:useLocalDpi xmlns:a14="http://schemas.microsoft.com/office/drawing/2010/main" val="0"/>
-              </a:ext>
-            </a:extLst>
-          </a:blip>
-          <a:srcRect l="2344" t="28528" r="74524" b="54262"/>
-          <a:stretch>
-            <a:fillRect/>
-          </a:stretch>
-        </p:blipFill>
-        <p:spPr bwMode="auto">
-          <a:xfrm>
-            <a:off x="3312692" y="881851"/>
-            <a:ext cx="2197269" cy="917324"/>
-          </a:xfrm>
-          <a:prstGeom prst="rect">
-            <a:avLst/>
-          </a:prstGeom>
-          <a:noFill/>
-          <a:ln>
-            <a:noFill/>
-          </a:ln>
-          <a:extLst>
-            <a:ext uri="{909E8E84-426E-40dd-AFC4-6F175D3DCCD1}">
-              <a14:hiddenFill xmlns:a14="http://schemas.microsoft.com/office/drawing/2010/main">
-                <a:solidFill>
-                  <a:srgbClr val="FFFFFF"/>
-                </a:solidFill>
-              </a14:hiddenFill>
-            </a:ext>
-            <a:ext uri="{91240B29-F687-4f45-9708-019B960494DF}">
-              <a14:hiddenLine xmlns:a14="http://schemas.microsoft.com/office/drawing/2010/main" w="9525" cap="flat">
-                <a:solidFill>
-                  <a:schemeClr val="tx1"/>
-                </a:solidFill>
-                <a:miter lim="800000"/>
-                <a:headEnd/>
-                <a:tailEnd/>
-              </a14:hiddenLine>
-            </a:ext>
-          </a:extLst>
-        </p:spPr>
-      </p:pic>
-      <p:sp>
-        <p:nvSpPr>
-          <p:cNvPr id="27657" name="Rectangle 9"/>
-          <p:cNvSpPr>
-            <a:spLocks/>
-          </p:cNvSpPr>
-          <p:nvPr/>
-        </p:nvSpPr>
-        <p:spPr bwMode="auto">
-          <a:xfrm>
-            <a:off x="1899610" y="2147695"/>
-            <a:ext cx="5139018" cy="2665535"/>
-          </a:xfrm>
-          <a:prstGeom prst="rect">
-            <a:avLst/>
-          </a:prstGeom>
-          <a:solidFill>
-            <a:schemeClr val="bg1">
-              <a:lumMod val="75000"/>
-            </a:schemeClr>
-          </a:solidFill>
-          <a:ln>
-            <a:headEnd type="none" w="med" len="med"/>
-            <a:tailEnd type="none" w="med" len="med"/>
-          </a:ln>
-          <a:extLst/>
-        </p:spPr>
-        <p:style>
-          <a:lnRef idx="0">
-            <a:schemeClr val="accent1"/>
-          </a:lnRef>
-          <a:fillRef idx="3">
-            <a:schemeClr val="accent1"/>
-          </a:fillRef>
-          <a:effectRef idx="3">
-            <a:schemeClr val="accent1"/>
-          </a:effectRef>
-          <a:fontRef idx="minor">
-            <a:schemeClr val="lt1"/>
-          </a:fontRef>
-        </p:style>
-        <p:txBody>
-          <a:bodyPr lIns="91435" tIns="45718" rIns="91435" bIns="45718" rtlCol="0" anchor="t"/>
-          <a:lstStyle/>
-          <a:p>
-            <a:pPr algn="ctr"/>
-            <a:endParaRPr lang="en-US" sz="1000" b="1" cap="all">
-              <a:solidFill>
-                <a:srgbClr val="FFFFFF"/>
-              </a:solidFill>
-            </a:endParaRPr>
-          </a:p>
-        </p:txBody>
-      </p:sp>
-      <p:sp>
-        <p:nvSpPr>
-          <p:cNvPr id="27670" name="Line 22"/>
-          <p:cNvSpPr>
-            <a:spLocks noChangeShapeType="1"/>
-          </p:cNvSpPr>
-          <p:nvPr/>
-        </p:nvSpPr>
-        <p:spPr bwMode="auto">
-          <a:xfrm rot="10800000">
-            <a:off x="4770050" y="1602813"/>
-            <a:ext cx="0" cy="750903"/>
-          </a:xfrm>
-          <a:prstGeom prst="line">
-            <a:avLst/>
-          </a:prstGeom>
-          <a:noFill/>
-          <a:ln w="28575" cap="flat">
-            <a:solidFill>
-              <a:srgbClr val="FF0000"/>
-            </a:solidFill>
-            <a:prstDash val="solid"/>
-            <a:round/>
-            <a:headEnd type="none" w="med" len="med"/>
-            <a:tailEnd type="arrow" w="sm" len="sm"/>
-          </a:ln>
-          <a:extLst>
-            <a:ext uri="{909E8E84-426E-40dd-AFC4-6F175D3DCCD1}">
-              <a14:hiddenFill xmlns:a14="http://schemas.microsoft.com/office/drawing/2010/main">
-                <a:solidFill>
-                  <a:srgbClr val="FFFFFF"/>
-                </a:solidFill>
-              </a14:hiddenFill>
-            </a:ext>
-          </a:extLst>
-        </p:spPr>
-        <p:txBody>
-          <a:bodyPr lIns="0" tIns="0" rIns="0" bIns="0"/>
-          <a:lstStyle/>
-          <a:p>
-            <a:endParaRPr lang="en-US">
-              <a:solidFill>
-                <a:prstClr val="black"/>
-              </a:solidFill>
-              <a:latin typeface="Calibri"/>
-            </a:endParaRPr>
-          </a:p>
-        </p:txBody>
-      </p:sp>
-      <p:sp>
-        <p:nvSpPr>
-          <p:cNvPr id="27671" name="Line 23"/>
-          <p:cNvSpPr>
-            <a:spLocks noChangeShapeType="1"/>
-          </p:cNvSpPr>
-          <p:nvPr/>
-        </p:nvSpPr>
-        <p:spPr bwMode="auto">
-          <a:xfrm flipH="1">
-            <a:off x="4540493" y="1608935"/>
-            <a:ext cx="0" cy="762613"/>
-          </a:xfrm>
-          <a:prstGeom prst="line">
-            <a:avLst/>
-          </a:prstGeom>
-          <a:noFill/>
-          <a:ln w="28575" cap="flat">
-            <a:solidFill>
-              <a:srgbClr val="FF0000"/>
-            </a:solidFill>
-            <a:prstDash val="solid"/>
-            <a:round/>
-            <a:headEnd type="none" w="med" len="med"/>
-            <a:tailEnd type="arrow" w="sm" len="sm"/>
-          </a:ln>
-          <a:extLst>
-            <a:ext uri="{909E8E84-426E-40dd-AFC4-6F175D3DCCD1}">
-              <a14:hiddenFill xmlns:a14="http://schemas.microsoft.com/office/drawing/2010/main">
-                <a:solidFill>
-                  <a:srgbClr val="FFFFFF"/>
-                </a:solidFill>
-              </a14:hiddenFill>
-            </a:ext>
-          </a:extLst>
-        </p:spPr>
-        <p:txBody>
-          <a:bodyPr lIns="0" tIns="0" rIns="0" bIns="0"/>
-          <a:lstStyle/>
-          <a:p>
-            <a:endParaRPr lang="en-US">
-              <a:solidFill>
-                <a:prstClr val="black"/>
-              </a:solidFill>
-              <a:latin typeface="Calibri"/>
-            </a:endParaRPr>
-          </a:p>
-        </p:txBody>
-      </p:sp>
-      <p:sp>
-        <p:nvSpPr>
-          <p:cNvPr id="27693" name="Rectangle 45"/>
-          <p:cNvSpPr>
-            <a:spLocks/>
-          </p:cNvSpPr>
-          <p:nvPr/>
-        </p:nvSpPr>
-        <p:spPr bwMode="auto">
-          <a:xfrm>
-            <a:off x="3515053" y="2479106"/>
-            <a:ext cx="1994906" cy="740769"/>
-          </a:xfrm>
-          <a:prstGeom prst="rect">
-            <a:avLst/>
-          </a:prstGeom>
-          <a:solidFill>
-            <a:schemeClr val="accent2"/>
-          </a:solidFill>
-          <a:ln>
-            <a:noFill/>
-            <a:headEnd type="none" w="med" len="med"/>
-            <a:tailEnd type="none" w="med" len="med"/>
-          </a:ln>
-          <a:extLst/>
-        </p:spPr>
-        <p:style>
-          <a:lnRef idx="1">
-            <a:schemeClr val="accent1"/>
-          </a:lnRef>
-          <a:fillRef idx="3">
-            <a:schemeClr val="accent1"/>
-          </a:fillRef>
-          <a:effectRef idx="2">
-            <a:schemeClr val="accent1"/>
-          </a:effectRef>
-          <a:fontRef idx="minor">
-            <a:schemeClr val="lt1"/>
-          </a:fontRef>
-        </p:style>
-        <p:txBody>
-          <a:bodyPr lIns="0" tIns="0" rIns="0" bIns="0"/>
-          <a:lstStyle/>
-          <a:p>
-            <a:endParaRPr lang="en-US">
-              <a:solidFill>
-                <a:prstClr val="black"/>
-              </a:solidFill>
-              <a:latin typeface="Calibri"/>
-            </a:endParaRPr>
-          </a:p>
-        </p:txBody>
-      </p:sp>
-      <p:sp>
-        <p:nvSpPr>
-          <p:cNvPr id="27694" name="Rectangle 46"/>
-          <p:cNvSpPr>
-            <a:spLocks/>
-          </p:cNvSpPr>
-          <p:nvPr/>
-        </p:nvSpPr>
-        <p:spPr bwMode="auto">
-          <a:xfrm>
-            <a:off x="3786951" y="2480008"/>
-            <a:ext cx="1413945" cy="323161"/>
-          </a:xfrm>
-          <a:prstGeom prst="rect">
-            <a:avLst/>
-          </a:prstGeom>
-          <a:noFill/>
-          <a:ln>
-            <a:noFill/>
-          </a:ln>
-          <a:extLst>
-            <a:ext uri="{909E8E84-426E-40dd-AFC4-6F175D3DCCD1}">
-              <a14:hiddenFill xmlns:a14="http://schemas.microsoft.com/office/drawing/2010/main">
-                <a:solidFill>
-                  <a:srgbClr val="FFFFFF"/>
-                </a:solidFill>
-              </a14:hiddenFill>
-            </a:ext>
-            <a:ext uri="{91240B29-F687-4f45-9708-019B960494DF}">
-              <a14:hiddenLine xmlns:a14="http://schemas.microsoft.com/office/drawing/2010/main" w="12700" cap="rnd">
-                <a:solidFill>
-                  <a:schemeClr val="tx1"/>
-                </a:solidFill>
-                <a:round/>
-                <a:headEnd type="none" w="med" len="med"/>
-                <a:tailEnd type="none" w="med" len="med"/>
-              </a14:hiddenLine>
-            </a:ext>
-          </a:extLst>
-        </p:spPr>
-        <p:txBody>
-          <a:bodyPr wrap="none" lIns="38098" tIns="38098" rIns="38098" bIns="38098">
-            <a:spAutoFit/>
-          </a:bodyPr>
-          <a:lstStyle/>
-          <a:p>
-            <a:r>
-              <a:rPr lang="en-US" sz="1600" dirty="0" smtClean="0">
-                <a:solidFill>
-                  <a:schemeClr val="bg1"/>
-                </a:solidFill>
-                <a:latin typeface="Calibri" charset="0"/>
-                <a:cs typeface="Calibri" charset="0"/>
-                <a:sym typeface="Calibri" charset="0"/>
-              </a:rPr>
-              <a:t>Managed Cache</a:t>
-            </a:r>
-            <a:endParaRPr lang="en-US" sz="1600" dirty="0">
-              <a:solidFill>
-                <a:schemeClr val="bg1"/>
-              </a:solidFill>
-              <a:latin typeface="Calibri" charset="0"/>
-              <a:cs typeface="Calibri" charset="0"/>
-              <a:sym typeface="Calibri" charset="0"/>
-            </a:endParaRPr>
-          </a:p>
-        </p:txBody>
-      </p:sp>
-      <p:sp>
-        <p:nvSpPr>
-          <p:cNvPr id="27696" name="Rectangle 48"/>
-          <p:cNvSpPr>
-            <a:spLocks/>
-          </p:cNvSpPr>
-          <p:nvPr/>
-        </p:nvSpPr>
-        <p:spPr bwMode="auto">
-          <a:xfrm rot="-5400000">
-            <a:off x="5616778" y="3384800"/>
-            <a:ext cx="1244406" cy="292384"/>
-          </a:xfrm>
-          <a:prstGeom prst="rect">
-            <a:avLst/>
-          </a:prstGeom>
-          <a:solidFill>
-            <a:srgbClr val="7F7F7F"/>
-          </a:solidFill>
-          <a:ln>
-            <a:noFill/>
-          </a:ln>
-          <a:effectLst/>
-          <a:extLst/>
-        </p:spPr>
-        <p:txBody>
-          <a:bodyPr wrap="square" lIns="38098" tIns="38098" rIns="38098" bIns="38098">
-            <a:spAutoFit/>
-          </a:bodyPr>
-          <a:lstStyle/>
-          <a:p>
-            <a:pPr algn="ctr"/>
-            <a:r>
-              <a:rPr lang="en-US" sz="1400" dirty="0">
-                <a:solidFill>
-                  <a:srgbClr val="1E1C1C"/>
-                </a:solidFill>
-                <a:latin typeface="Calibri" charset="0"/>
-                <a:cs typeface="Calibri" charset="0"/>
-                <a:sym typeface="Calibri" charset="0"/>
-              </a:rPr>
-              <a:t>Disk Queue</a:t>
-            </a:r>
-          </a:p>
-        </p:txBody>
-      </p:sp>
-      <p:grpSp>
-        <p:nvGrpSpPr>
-          <p:cNvPr id="2" name="Group 1"/>
-          <p:cNvGrpSpPr/>
-          <p:nvPr/>
-        </p:nvGrpSpPr>
-        <p:grpSpPr>
-          <a:xfrm>
-            <a:off x="2926551" y="3328809"/>
-            <a:ext cx="2469365" cy="1124309"/>
-            <a:chOff x="2926549" y="4438410"/>
-            <a:chExt cx="2469365" cy="1499079"/>
-          </a:xfrm>
-          <a:solidFill>
-            <a:schemeClr val="accent1"/>
-          </a:solidFill>
-        </p:grpSpPr>
-        <p:sp>
-          <p:nvSpPr>
-            <p:cNvPr id="27704" name="AutoShape 56"/>
-            <p:cNvSpPr>
-              <a:spLocks/>
-            </p:cNvSpPr>
-            <p:nvPr/>
-          </p:nvSpPr>
-          <p:spPr bwMode="auto">
-            <a:xfrm>
-              <a:off x="2926549" y="4446348"/>
-              <a:ext cx="2469365" cy="1491141"/>
-            </a:xfrm>
-            <a:custGeom>
-              <a:avLst/>
-              <a:gdLst/>
-              <a:ahLst/>
-              <a:cxnLst/>
-              <a:rect l="0" t="0" r="r" b="b"/>
-              <a:pathLst>
-                <a:path w="21600" h="21600">
-                  <a:moveTo>
-                    <a:pt x="0" y="2160"/>
-                  </a:moveTo>
-                  <a:cubicBezTo>
-                    <a:pt x="0" y="967"/>
-                    <a:pt x="4835" y="0"/>
-                    <a:pt x="10800" y="0"/>
-                  </a:cubicBezTo>
-                  <a:cubicBezTo>
-                    <a:pt x="16765" y="0"/>
-                    <a:pt x="21600" y="967"/>
-                    <a:pt x="21600" y="2160"/>
-                  </a:cubicBezTo>
-                  <a:lnTo>
-                    <a:pt x="21600" y="19440"/>
-                  </a:lnTo>
-                  <a:cubicBezTo>
-                    <a:pt x="21600" y="20633"/>
-                    <a:pt x="16765" y="21600"/>
-                    <a:pt x="10800" y="21600"/>
-                  </a:cubicBezTo>
-                  <a:cubicBezTo>
-                    <a:pt x="4835" y="21600"/>
-                    <a:pt x="0" y="20633"/>
-                    <a:pt x="0" y="19440"/>
-                  </a:cubicBezTo>
-                  <a:close/>
-                  <a:moveTo>
-                    <a:pt x="0" y="2160"/>
-                  </a:moveTo>
-                </a:path>
-              </a:pathLst>
-            </a:custGeom>
-            <a:grpFill/>
-            <a:ln>
-              <a:noFill/>
-            </a:ln>
-            <a:effectLst>
-              <a:outerShdw blurRad="50800" dist="38100" dir="2700000" algn="tl" rotWithShape="0">
-                <a:schemeClr val="bg2">
-                  <a:alpha val="40000"/>
-                </a:schemeClr>
-              </a:outerShdw>
-            </a:effectLst>
-            <a:extLst/>
-          </p:spPr>
-          <p:txBody>
-            <a:bodyPr lIns="0" tIns="0" rIns="0" bIns="0"/>
-            <a:lstStyle/>
-            <a:p>
-              <a:endParaRPr lang="en-US">
-                <a:solidFill>
-                  <a:prstClr val="black"/>
-                </a:solidFill>
-                <a:latin typeface="Calibri"/>
-              </a:endParaRPr>
-            </a:p>
-          </p:txBody>
-        </p:sp>
-        <p:sp>
-          <p:nvSpPr>
-            <p:cNvPr id="27706" name="AutoShape 58"/>
-            <p:cNvSpPr>
-              <a:spLocks/>
-            </p:cNvSpPr>
-            <p:nvPr/>
-          </p:nvSpPr>
-          <p:spPr bwMode="auto">
-            <a:xfrm>
-              <a:off x="2926549" y="4438410"/>
-              <a:ext cx="2469365" cy="1491141"/>
-            </a:xfrm>
-            <a:custGeom>
-              <a:avLst/>
-              <a:gdLst/>
-              <a:ahLst/>
-              <a:cxnLst/>
-              <a:rect l="0" t="0" r="r" b="b"/>
-              <a:pathLst>
-                <a:path w="21600" h="21600">
-                  <a:moveTo>
-                    <a:pt x="21600" y="2160"/>
-                  </a:moveTo>
-                  <a:cubicBezTo>
-                    <a:pt x="21600" y="3353"/>
-                    <a:pt x="16765" y="4320"/>
-                    <a:pt x="10800" y="4320"/>
-                  </a:cubicBezTo>
-                  <a:cubicBezTo>
-                    <a:pt x="4835" y="4320"/>
-                    <a:pt x="0" y="3353"/>
-                    <a:pt x="0" y="2160"/>
-                  </a:cubicBezTo>
-                  <a:cubicBezTo>
-                    <a:pt x="0" y="967"/>
-                    <a:pt x="4835" y="0"/>
-                    <a:pt x="10800" y="0"/>
-                  </a:cubicBezTo>
-                  <a:cubicBezTo>
-                    <a:pt x="16765" y="0"/>
-                    <a:pt x="21600" y="967"/>
-                    <a:pt x="21600" y="2160"/>
-                  </a:cubicBezTo>
-                  <a:lnTo>
-                    <a:pt x="21600" y="19440"/>
-                  </a:lnTo>
-                  <a:cubicBezTo>
-                    <a:pt x="21600" y="20633"/>
-                    <a:pt x="16765" y="21600"/>
-                    <a:pt x="10800" y="21600"/>
-                  </a:cubicBezTo>
-                  <a:cubicBezTo>
-                    <a:pt x="4835" y="21600"/>
-                    <a:pt x="0" y="20633"/>
-                    <a:pt x="0" y="19440"/>
-                  </a:cubicBezTo>
-                  <a:lnTo>
-                    <a:pt x="0" y="2160"/>
-                  </a:lnTo>
-                </a:path>
-              </a:pathLst>
-            </a:custGeom>
-            <a:grpFill/>
-            <a:ln w="19050">
-              <a:solidFill>
-                <a:schemeClr val="accent1"/>
-              </a:solidFill>
-              <a:headEnd type="none" w="med" len="med"/>
-              <a:tailEnd type="none" w="med" len="med"/>
-            </a:ln>
-            <a:extLst/>
-          </p:spPr>
-          <p:style>
-            <a:lnRef idx="2">
-              <a:schemeClr val="accent1"/>
-            </a:lnRef>
-            <a:fillRef idx="0">
-              <a:schemeClr val="accent1"/>
-            </a:fillRef>
-            <a:effectRef idx="1">
-              <a:schemeClr val="accent1"/>
-            </a:effectRef>
-            <a:fontRef idx="minor">
-              <a:schemeClr val="tx1"/>
-            </a:fontRef>
-          </p:style>
-          <p:txBody>
-            <a:bodyPr lIns="0" tIns="0" rIns="0" bIns="0"/>
-            <a:lstStyle/>
-            <a:p>
-              <a:endParaRPr lang="en-US">
-                <a:solidFill>
-                  <a:prstClr val="black"/>
-                </a:solidFill>
-                <a:latin typeface="Calibri"/>
-              </a:endParaRPr>
-            </a:p>
-          </p:txBody>
-        </p:sp>
-        <p:sp>
-          <p:nvSpPr>
-            <p:cNvPr id="27707" name="Rectangle 59"/>
-            <p:cNvSpPr>
-              <a:spLocks/>
-            </p:cNvSpPr>
-            <p:nvPr/>
-          </p:nvSpPr>
-          <p:spPr bwMode="auto">
-            <a:xfrm>
-              <a:off x="3004804" y="4677133"/>
-              <a:ext cx="1199903" cy="369332"/>
-            </a:xfrm>
-            <a:prstGeom prst="rect">
-              <a:avLst/>
-            </a:prstGeom>
-            <a:grpFill/>
-            <a:ln>
-              <a:noFill/>
-            </a:ln>
-            <a:extLst>
-              <a:ext uri="{91240B29-F687-4f45-9708-019B960494DF}">
-                <a14:hiddenLine xmlns:a14="http://schemas.microsoft.com/office/drawing/2010/main" w="12700" cap="flat">
-                  <a:solidFill>
-                    <a:schemeClr val="tx1"/>
-                  </a:solidFill>
-                  <a:miter lim="800000"/>
-                  <a:headEnd type="none" w="med" len="med"/>
-                  <a:tailEnd type="none" w="med" len="med"/>
-                </a14:hiddenLine>
-              </a:ext>
-            </a:extLst>
-          </p:spPr>
-          <p:txBody>
-            <a:bodyPr wrap="square" lIns="0" tIns="0" rIns="0" bIns="0" anchor="ctr">
-              <a:spAutoFit/>
-            </a:bodyPr>
-            <a:lstStyle/>
-            <a:p>
-              <a:r>
-                <a:rPr lang="en-US" dirty="0">
-                  <a:solidFill>
-                    <a:srgbClr val="FFFFFF"/>
-                  </a:solidFill>
-                  <a:ea typeface="Lucida Grande" charset="0"/>
-                  <a:cs typeface="Lucida Grande" charset="0"/>
-                  <a:sym typeface="Lucida Grande" charset="0"/>
-                </a:rPr>
-                <a:t>Disk</a:t>
-              </a:r>
-            </a:p>
-          </p:txBody>
-        </p:sp>
-      </p:grpSp>
-      <p:sp>
-        <p:nvSpPr>
-          <p:cNvPr id="27713" name="Line 65"/>
-          <p:cNvSpPr>
-            <a:spLocks noChangeShapeType="1"/>
-          </p:cNvSpPr>
-          <p:nvPr/>
-        </p:nvSpPr>
-        <p:spPr bwMode="auto">
-          <a:xfrm rot="10800000">
-            <a:off x="5421298" y="4164271"/>
-            <a:ext cx="668276" cy="0"/>
-          </a:xfrm>
-          <a:prstGeom prst="line">
-            <a:avLst/>
-          </a:prstGeom>
-          <a:noFill/>
-          <a:ln w="28575" cap="flat">
-            <a:solidFill>
-              <a:srgbClr val="FF0000"/>
-            </a:solidFill>
-            <a:prstDash val="solid"/>
-            <a:round/>
-            <a:headEnd type="triangle" w="med" len="med"/>
-            <a:tailEnd type="triangle" w="med" len="med"/>
-          </a:ln>
-          <a:extLst>
-            <a:ext uri="{909E8E84-426E-40dd-AFC4-6F175D3DCCD1}">
-              <a14:hiddenFill xmlns:a14="http://schemas.microsoft.com/office/drawing/2010/main">
-                <a:solidFill>
-                  <a:srgbClr val="FFFFFF"/>
-                </a:solidFill>
-              </a14:hiddenFill>
-            </a:ext>
-          </a:extLst>
-        </p:spPr>
-        <p:txBody>
-          <a:bodyPr lIns="0" tIns="0" rIns="0" bIns="0"/>
-          <a:lstStyle/>
-          <a:p>
-            <a:endParaRPr lang="en-US">
-              <a:solidFill>
-                <a:prstClr val="black"/>
-              </a:solidFill>
-              <a:latin typeface="Calibri"/>
-            </a:endParaRPr>
-          </a:p>
-        </p:txBody>
-      </p:sp>
-      <p:sp>
-        <p:nvSpPr>
-          <p:cNvPr id="27714" name="Line 66"/>
-          <p:cNvSpPr>
-            <a:spLocks noChangeShapeType="1"/>
-          </p:cNvSpPr>
-          <p:nvPr/>
-        </p:nvSpPr>
-        <p:spPr bwMode="auto">
-          <a:xfrm rot="10800000" flipV="1">
-            <a:off x="5432410" y="2927219"/>
-            <a:ext cx="696420" cy="5627"/>
-          </a:xfrm>
-          <a:prstGeom prst="line">
-            <a:avLst/>
-          </a:prstGeom>
-          <a:noFill/>
-          <a:ln w="28575" cap="flat">
-            <a:solidFill>
-              <a:srgbClr val="FF0000"/>
-            </a:solidFill>
-            <a:prstDash val="solid"/>
-            <a:round/>
-            <a:headEnd type="triangle" w="med" len="med"/>
-            <a:tailEnd type="triangle" w="med" len="med"/>
-          </a:ln>
-          <a:extLst>
-            <a:ext uri="{909E8E84-426E-40dd-AFC4-6F175D3DCCD1}">
-              <a14:hiddenFill xmlns:a14="http://schemas.microsoft.com/office/drawing/2010/main">
-                <a:solidFill>
-                  <a:srgbClr val="FFFFFF"/>
-                </a:solidFill>
-              </a14:hiddenFill>
-            </a:ext>
-          </a:extLst>
-        </p:spPr>
-        <p:txBody>
-          <a:bodyPr lIns="0" tIns="0" rIns="0" bIns="0"/>
-          <a:lstStyle/>
-          <a:p>
-            <a:endParaRPr lang="en-US">
-              <a:solidFill>
-                <a:prstClr val="black"/>
-              </a:solidFill>
-              <a:latin typeface="Calibri"/>
-            </a:endParaRPr>
-          </a:p>
-        </p:txBody>
-      </p:sp>
-      <p:sp>
-        <p:nvSpPr>
-          <p:cNvPr id="67" name="Rectangle 48"/>
-          <p:cNvSpPr>
-            <a:spLocks/>
-          </p:cNvSpPr>
-          <p:nvPr/>
-        </p:nvSpPr>
-        <p:spPr bwMode="auto">
-          <a:xfrm>
-            <a:off x="2151478" y="2315714"/>
-            <a:ext cx="1049337" cy="507827"/>
-          </a:xfrm>
-          <a:prstGeom prst="rect">
-            <a:avLst/>
-          </a:prstGeom>
-          <a:solidFill>
-            <a:srgbClr val="7F7F7F"/>
-          </a:solidFill>
-          <a:ln>
-            <a:noFill/>
-          </a:ln>
-          <a:effectLst/>
-          <a:extLst/>
-        </p:spPr>
-        <p:txBody>
-          <a:bodyPr wrap="square" lIns="38098" tIns="38098" rIns="38098" bIns="38098">
-            <a:spAutoFit/>
-          </a:bodyPr>
-          <a:lstStyle/>
-          <a:p>
-            <a:pPr algn="ctr"/>
-            <a:r>
-              <a:rPr lang="en-US" sz="1400" dirty="0">
-                <a:solidFill>
-                  <a:srgbClr val="1E1C1C"/>
-                </a:solidFill>
-                <a:latin typeface="Calibri" charset="0"/>
-                <a:cs typeface="Calibri" charset="0"/>
-                <a:sym typeface="Calibri" charset="0"/>
-              </a:rPr>
-              <a:t>Replication Queue</a:t>
-            </a:r>
-          </a:p>
-        </p:txBody>
-      </p:sp>
-      <p:sp>
-        <p:nvSpPr>
-          <p:cNvPr id="68" name="Line 14"/>
-          <p:cNvSpPr>
-            <a:spLocks noChangeShapeType="1"/>
-          </p:cNvSpPr>
-          <p:nvPr/>
-        </p:nvSpPr>
-        <p:spPr bwMode="auto">
-          <a:xfrm rot="10800000">
-            <a:off x="738725" y="2556544"/>
-            <a:ext cx="1458566" cy="10215"/>
-          </a:xfrm>
-          <a:prstGeom prst="line">
-            <a:avLst/>
-          </a:prstGeom>
-          <a:noFill/>
-          <a:ln w="28575" cap="flat">
-            <a:solidFill>
-              <a:srgbClr val="FF0000"/>
-            </a:solidFill>
-            <a:prstDash val="solid"/>
-            <a:round/>
-            <a:headEnd type="oval" w="med" len="med"/>
-            <a:tailEnd type="arrow" w="sm" len="sm"/>
-          </a:ln>
-          <a:extLst>
-            <a:ext uri="{909E8E84-426E-40dd-AFC4-6F175D3DCCD1}">
-              <a14:hiddenFill xmlns:a14="http://schemas.microsoft.com/office/drawing/2010/main">
-                <a:solidFill>
-                  <a:srgbClr val="FFFFFF"/>
-                </a:solidFill>
-              </a14:hiddenFill>
-            </a:ext>
-          </a:extLst>
-        </p:spPr>
-        <p:txBody>
-          <a:bodyPr lIns="0" tIns="0" rIns="0" bIns="0"/>
-          <a:lstStyle/>
-          <a:p>
-            <a:endParaRPr lang="en-US">
-              <a:solidFill>
-                <a:prstClr val="black"/>
-              </a:solidFill>
-              <a:latin typeface="Calibri"/>
-            </a:endParaRPr>
-          </a:p>
-        </p:txBody>
-      </p:sp>
-      <p:sp>
-        <p:nvSpPr>
-          <p:cNvPr id="27662" name="Line 14"/>
-          <p:cNvSpPr>
-            <a:spLocks noChangeShapeType="1"/>
-          </p:cNvSpPr>
-          <p:nvPr/>
-        </p:nvSpPr>
-        <p:spPr bwMode="auto">
-          <a:xfrm rot="10800000">
-            <a:off x="3143922" y="2527510"/>
-            <a:ext cx="478509" cy="1"/>
-          </a:xfrm>
-          <a:prstGeom prst="line">
-            <a:avLst/>
-          </a:prstGeom>
-          <a:noFill/>
-          <a:ln w="28575" cap="flat">
-            <a:solidFill>
-              <a:srgbClr val="FF0000"/>
-            </a:solidFill>
-            <a:prstDash val="solid"/>
-            <a:round/>
-            <a:headEnd type="oval" w="med" len="med"/>
-            <a:tailEnd type="arrow" w="sm" len="sm"/>
-          </a:ln>
-          <a:extLst>
-            <a:ext uri="{909E8E84-426E-40dd-AFC4-6F175D3DCCD1}">
-              <a14:hiddenFill xmlns:a14="http://schemas.microsoft.com/office/drawing/2010/main">
-                <a:solidFill>
-                  <a:srgbClr val="FFFFFF"/>
-                </a:solidFill>
-              </a14:hiddenFill>
-            </a:ext>
-          </a:extLst>
-        </p:spPr>
-        <p:txBody>
-          <a:bodyPr lIns="0" tIns="0" rIns="0" bIns="0"/>
-          <a:lstStyle/>
-          <a:p>
-            <a:endParaRPr lang="en-US">
-              <a:solidFill>
-                <a:prstClr val="black"/>
-              </a:solidFill>
-              <a:latin typeface="Calibri"/>
-            </a:endParaRPr>
-          </a:p>
-        </p:txBody>
-      </p:sp>
-      <p:sp>
-        <p:nvSpPr>
-          <p:cNvPr id="69" name="Rectangle 46"/>
-          <p:cNvSpPr>
-            <a:spLocks/>
-          </p:cNvSpPr>
-          <p:nvPr/>
-        </p:nvSpPr>
-        <p:spPr bwMode="auto">
-          <a:xfrm>
-            <a:off x="2372401" y="1282572"/>
-            <a:ext cx="1103363" cy="323161"/>
-          </a:xfrm>
-          <a:prstGeom prst="rect">
-            <a:avLst/>
-          </a:prstGeom>
-          <a:noFill/>
-          <a:ln>
-            <a:noFill/>
-          </a:ln>
-          <a:extLst>
-            <a:ext uri="{909E8E84-426E-40dd-AFC4-6F175D3DCCD1}">
-              <a14:hiddenFill xmlns:a14="http://schemas.microsoft.com/office/drawing/2010/main">
-                <a:solidFill>
-                  <a:srgbClr val="FFFFFF"/>
-                </a:solidFill>
-              </a14:hiddenFill>
-            </a:ext>
-            <a:ext uri="{91240B29-F687-4f45-9708-019B960494DF}">
-              <a14:hiddenLine xmlns:a14="http://schemas.microsoft.com/office/drawing/2010/main" w="12700" cap="rnd">
-                <a:solidFill>
-                  <a:schemeClr val="tx1"/>
-                </a:solidFill>
-                <a:round/>
-                <a:headEnd type="none" w="med" len="med"/>
-                <a:tailEnd type="none" w="med" len="med"/>
-              </a14:hiddenLine>
-            </a:ext>
-          </a:extLst>
-        </p:spPr>
-        <p:txBody>
-          <a:bodyPr wrap="none" lIns="38098" tIns="38098" rIns="38098" bIns="38098">
-            <a:spAutoFit/>
-          </a:bodyPr>
-          <a:lstStyle/>
-          <a:p>
-            <a:r>
-              <a:rPr lang="en-US" sz="1600" dirty="0" smtClean="0">
-                <a:solidFill>
-                  <a:schemeClr val="tx1">
-                    <a:lumMod val="50000"/>
-                  </a:schemeClr>
-                </a:solidFill>
-                <a:latin typeface="Arial"/>
-                <a:cs typeface="Arial"/>
-                <a:sym typeface="Calibri" charset="0"/>
-              </a:rPr>
-              <a:t>App Server</a:t>
-            </a:r>
-            <a:endParaRPr lang="en-US" sz="1600" dirty="0">
-              <a:solidFill>
-                <a:schemeClr val="tx1">
-                  <a:lumMod val="50000"/>
-                </a:schemeClr>
-              </a:solidFill>
-              <a:latin typeface="Arial"/>
-              <a:cs typeface="Arial"/>
-              <a:sym typeface="Calibri" charset="0"/>
-            </a:endParaRPr>
-          </a:p>
-        </p:txBody>
-      </p:sp>
-      <p:sp>
-        <p:nvSpPr>
-          <p:cNvPr id="72" name="TextBox 71"/>
-          <p:cNvSpPr txBox="1"/>
-          <p:nvPr/>
-        </p:nvSpPr>
-        <p:spPr>
-          <a:xfrm>
-            <a:off x="1905000" y="1822080"/>
-            <a:ext cx="2431565" cy="338550"/>
-          </a:xfrm>
-          <a:prstGeom prst="rect">
-            <a:avLst/>
-          </a:prstGeom>
-          <a:noFill/>
-        </p:spPr>
-        <p:txBody>
-          <a:bodyPr wrap="none" lIns="91435" tIns="45718" rIns="91435" bIns="45718" rtlCol="0">
-            <a:spAutoFit/>
-          </a:bodyPr>
-          <a:lstStyle/>
-          <a:p>
-            <a:r>
-              <a:rPr lang="en-US" sz="1600" dirty="0" smtClean="0"/>
-              <a:t>Couchbase Server Node</a:t>
-            </a:r>
-            <a:endParaRPr lang="en-US" sz="1600" dirty="0"/>
-          </a:p>
-        </p:txBody>
-      </p:sp>
-      <p:grpSp>
-        <p:nvGrpSpPr>
-          <p:cNvPr id="48" name="Group 47"/>
-          <p:cNvGrpSpPr/>
-          <p:nvPr/>
-        </p:nvGrpSpPr>
-        <p:grpSpPr>
-          <a:xfrm>
-            <a:off x="4298042" y="2793512"/>
-            <a:ext cx="445679" cy="312785"/>
-            <a:chOff x="1390347" y="3931216"/>
-            <a:chExt cx="445679" cy="417047"/>
-          </a:xfrm>
-        </p:grpSpPr>
-        <p:grpSp>
-          <p:nvGrpSpPr>
-            <p:cNvPr id="49" name="Group 48"/>
-            <p:cNvGrpSpPr/>
-            <p:nvPr/>
-          </p:nvGrpSpPr>
-          <p:grpSpPr>
-            <a:xfrm rot="16200000">
-              <a:off x="1436276" y="3885289"/>
-              <a:ext cx="353823" cy="445677"/>
-              <a:chOff x="6103934" y="2111384"/>
-              <a:chExt cx="1363662" cy="1717674"/>
-            </a:xfrm>
-          </p:grpSpPr>
-          <p:sp>
-            <p:nvSpPr>
-              <p:cNvPr id="51" name="Freeform 13"/>
-              <p:cNvSpPr>
-                <a:spLocks/>
-              </p:cNvSpPr>
-              <p:nvPr/>
-            </p:nvSpPr>
-            <p:spPr bwMode="auto">
-              <a:xfrm>
-                <a:off x="6156325" y="2163763"/>
-                <a:ext cx="1270000" cy="1612900"/>
-              </a:xfrm>
-              <a:custGeom>
-                <a:avLst/>
-                <a:gdLst>
-                  <a:gd name="T0" fmla="*/ 800 w 800"/>
-                  <a:gd name="T1" fmla="*/ 1016 h 1016"/>
-                  <a:gd name="T2" fmla="*/ 0 w 800"/>
-                  <a:gd name="T3" fmla="*/ 1016 h 1016"/>
-                  <a:gd name="T4" fmla="*/ 0 w 800"/>
-                  <a:gd name="T5" fmla="*/ 0 h 1016"/>
-                  <a:gd name="T6" fmla="*/ 640 w 800"/>
-                  <a:gd name="T7" fmla="*/ 0 h 1016"/>
-                  <a:gd name="T8" fmla="*/ 800 w 800"/>
-                  <a:gd name="T9" fmla="*/ 156 h 1016"/>
-                  <a:gd name="T10" fmla="*/ 800 w 800"/>
-                  <a:gd name="T11" fmla="*/ 1016 h 1016"/>
-                </a:gdLst>
-                <a:ahLst/>
-                <a:cxnLst>
-                  <a:cxn ang="0">
-                    <a:pos x="T0" y="T1"/>
-                  </a:cxn>
-                  <a:cxn ang="0">
-                    <a:pos x="T2" y="T3"/>
-                  </a:cxn>
-                  <a:cxn ang="0">
-                    <a:pos x="T4" y="T5"/>
-                  </a:cxn>
-                  <a:cxn ang="0">
-                    <a:pos x="T6" y="T7"/>
-                  </a:cxn>
-                  <a:cxn ang="0">
-                    <a:pos x="T8" y="T9"/>
-                  </a:cxn>
-                  <a:cxn ang="0">
-                    <a:pos x="T10" y="T11"/>
-                  </a:cxn>
-                </a:cxnLst>
-                <a:rect l="0" t="0" r="r" b="b"/>
-                <a:pathLst>
-                  <a:path w="800" h="1016">
-                    <a:moveTo>
-                      <a:pt x="800" y="1016"/>
-                    </a:moveTo>
-                    <a:lnTo>
-                      <a:pt x="0" y="1016"/>
-                    </a:lnTo>
-                    <a:lnTo>
-                      <a:pt x="0" y="0"/>
-                    </a:lnTo>
-                    <a:lnTo>
-                      <a:pt x="640" y="0"/>
-                    </a:lnTo>
-                    <a:lnTo>
-                      <a:pt x="800" y="156"/>
-                    </a:lnTo>
-                    <a:lnTo>
-                      <a:pt x="800" y="1016"/>
-                    </a:lnTo>
-                    <a:close/>
-                  </a:path>
-                </a:pathLst>
-              </a:custGeom>
-              <a:solidFill>
-                <a:srgbClr val="FFFFFF"/>
-              </a:solidFill>
-              <a:ln w="9525">
-                <a:solidFill>
-                  <a:srgbClr val="000000"/>
-                </a:solidFill>
-                <a:round/>
-                <a:headEnd/>
-                <a:tailEnd/>
-              </a:ln>
-              <a:extLst/>
-            </p:spPr>
-            <p:txBody>
-              <a:bodyPr vert="horz" wrap="square" lIns="91440" tIns="45720" rIns="91440" bIns="45720" numCol="1" anchor="t" anchorCtr="0" compatLnSpc="1">
-                <a:prstTxWarp prst="textNoShape">
-                  <a:avLst/>
-                </a:prstTxWarp>
-              </a:bodyPr>
-              <a:lstStyle/>
-              <a:p>
-                <a:endParaRPr lang="en-US"/>
-              </a:p>
-            </p:txBody>
-          </p:sp>
-          <p:sp>
-            <p:nvSpPr>
-              <p:cNvPr id="52" name="Freeform 14"/>
-              <p:cNvSpPr>
-                <a:spLocks noEditPoints="1"/>
-              </p:cNvSpPr>
-              <p:nvPr/>
-            </p:nvSpPr>
-            <p:spPr bwMode="auto">
-              <a:xfrm>
-                <a:off x="6103934" y="2111384"/>
-                <a:ext cx="1363662" cy="1717674"/>
-              </a:xfrm>
-              <a:custGeom>
-                <a:avLst/>
-                <a:gdLst>
-                  <a:gd name="T0" fmla="*/ 284 w 364"/>
-                  <a:gd name="T1" fmla="*/ 0 h 458"/>
-                  <a:gd name="T2" fmla="*/ 0 w 364"/>
-                  <a:gd name="T3" fmla="*/ 0 h 458"/>
-                  <a:gd name="T4" fmla="*/ 0 w 364"/>
-                  <a:gd name="T5" fmla="*/ 444 h 458"/>
-                  <a:gd name="T6" fmla="*/ 14 w 364"/>
-                  <a:gd name="T7" fmla="*/ 458 h 458"/>
-                  <a:gd name="T8" fmla="*/ 349 w 364"/>
-                  <a:gd name="T9" fmla="*/ 458 h 458"/>
-                  <a:gd name="T10" fmla="*/ 364 w 364"/>
-                  <a:gd name="T11" fmla="*/ 444 h 458"/>
-                  <a:gd name="T12" fmla="*/ 364 w 364"/>
-                  <a:gd name="T13" fmla="*/ 78 h 458"/>
-                  <a:gd name="T14" fmla="*/ 284 w 364"/>
-                  <a:gd name="T15" fmla="*/ 0 h 458"/>
-                  <a:gd name="T16" fmla="*/ 349 w 364"/>
-                  <a:gd name="T17" fmla="*/ 444 h 458"/>
-                  <a:gd name="T18" fmla="*/ 14 w 364"/>
-                  <a:gd name="T19" fmla="*/ 444 h 458"/>
-                  <a:gd name="T20" fmla="*/ 14 w 364"/>
-                  <a:gd name="T21" fmla="*/ 14 h 458"/>
-                  <a:gd name="T22" fmla="*/ 276 w 364"/>
-                  <a:gd name="T23" fmla="*/ 14 h 458"/>
-                  <a:gd name="T24" fmla="*/ 276 w 364"/>
-                  <a:gd name="T25" fmla="*/ 85 h 458"/>
-                  <a:gd name="T26" fmla="*/ 349 w 364"/>
-                  <a:gd name="T27" fmla="*/ 85 h 458"/>
-                  <a:gd name="T28" fmla="*/ 349 w 364"/>
-                  <a:gd name="T29" fmla="*/ 444 h 458"/>
-                </a:gdLst>
-                <a:ahLst/>
-                <a:cxnLst>
-                  <a:cxn ang="0">
-                    <a:pos x="T0" y="T1"/>
-                  </a:cxn>
-                  <a:cxn ang="0">
-                    <a:pos x="T2" y="T3"/>
-                  </a:cxn>
-                  <a:cxn ang="0">
-                    <a:pos x="T4" y="T5"/>
-                  </a:cxn>
-                  <a:cxn ang="0">
-                    <a:pos x="T6" y="T7"/>
-                  </a:cxn>
-                  <a:cxn ang="0">
-                    <a:pos x="T8" y="T9"/>
-                  </a:cxn>
-                  <a:cxn ang="0">
-                    <a:pos x="T10" y="T11"/>
-                  </a:cxn>
-                  <a:cxn ang="0">
-                    <a:pos x="T12" y="T13"/>
-                  </a:cxn>
-                  <a:cxn ang="0">
-                    <a:pos x="T14" y="T15"/>
-                  </a:cxn>
-                  <a:cxn ang="0">
-                    <a:pos x="T16" y="T17"/>
-                  </a:cxn>
-                  <a:cxn ang="0">
-                    <a:pos x="T18" y="T19"/>
-                  </a:cxn>
-                  <a:cxn ang="0">
-                    <a:pos x="T20" y="T21"/>
-                  </a:cxn>
-                  <a:cxn ang="0">
-                    <a:pos x="T22" y="T23"/>
-                  </a:cxn>
-                  <a:cxn ang="0">
-                    <a:pos x="T24" y="T25"/>
-                  </a:cxn>
-                  <a:cxn ang="0">
-                    <a:pos x="T26" y="T27"/>
-                  </a:cxn>
-                  <a:cxn ang="0">
-                    <a:pos x="T28" y="T29"/>
-                  </a:cxn>
-                </a:cxnLst>
-                <a:rect l="0" t="0" r="r" b="b"/>
-                <a:pathLst>
-                  <a:path w="364" h="458">
-                    <a:moveTo>
-                      <a:pt x="284" y="0"/>
-                    </a:moveTo>
-                    <a:cubicBezTo>
-                      <a:pt x="0" y="0"/>
-                      <a:pt x="0" y="0"/>
-                      <a:pt x="0" y="0"/>
-                    </a:cubicBezTo>
-                    <a:cubicBezTo>
-                      <a:pt x="0" y="444"/>
-                      <a:pt x="0" y="444"/>
-                      <a:pt x="0" y="444"/>
-                    </a:cubicBezTo>
-                    <a:cubicBezTo>
-                      <a:pt x="0" y="452"/>
-                      <a:pt x="6" y="458"/>
-                      <a:pt x="14" y="458"/>
-                    </a:cubicBezTo>
-                    <a:cubicBezTo>
-                      <a:pt x="349" y="458"/>
-                      <a:pt x="349" y="458"/>
-                      <a:pt x="349" y="458"/>
-                    </a:cubicBezTo>
-                    <a:cubicBezTo>
-                      <a:pt x="357" y="458"/>
-                      <a:pt x="364" y="452"/>
-                      <a:pt x="364" y="444"/>
-                    </a:cubicBezTo>
-                    <a:cubicBezTo>
-                      <a:pt x="364" y="78"/>
-                      <a:pt x="364" y="78"/>
-                      <a:pt x="364" y="78"/>
-                    </a:cubicBezTo>
-                    <a:lnTo>
-                      <a:pt x="284" y="0"/>
-                    </a:lnTo>
-                    <a:close/>
-                    <a:moveTo>
-                      <a:pt x="349" y="444"/>
-                    </a:moveTo>
-                    <a:cubicBezTo>
-                      <a:pt x="14" y="444"/>
-                      <a:pt x="14" y="444"/>
-                      <a:pt x="14" y="444"/>
-                    </a:cubicBezTo>
-                    <a:cubicBezTo>
-                      <a:pt x="14" y="14"/>
-                      <a:pt x="14" y="14"/>
-                      <a:pt x="14" y="14"/>
-                    </a:cubicBezTo>
-                    <a:cubicBezTo>
-                      <a:pt x="276" y="14"/>
-                      <a:pt x="276" y="14"/>
-                      <a:pt x="276" y="14"/>
-                    </a:cubicBezTo>
-                    <a:cubicBezTo>
-                      <a:pt x="276" y="85"/>
-                      <a:pt x="276" y="85"/>
-                      <a:pt x="276" y="85"/>
-                    </a:cubicBezTo>
-                    <a:cubicBezTo>
-                      <a:pt x="349" y="85"/>
-                      <a:pt x="349" y="85"/>
-                      <a:pt x="349" y="85"/>
-                    </a:cubicBezTo>
-                    <a:lnTo>
-                      <a:pt x="349" y="444"/>
-                    </a:lnTo>
-                    <a:close/>
-                  </a:path>
-                </a:pathLst>
-              </a:custGeom>
-              <a:solidFill>
-                <a:schemeClr val="accent1"/>
-              </a:solidFill>
-              <a:ln>
-                <a:solidFill>
-                  <a:schemeClr val="accent3"/>
-                </a:solidFill>
-              </a:ln>
-            </p:spPr>
-            <p:txBody>
-              <a:bodyPr vert="horz" wrap="square" lIns="91440" tIns="45720" rIns="91440" bIns="45720" numCol="1" anchor="t" anchorCtr="0" compatLnSpc="1">
-                <a:prstTxWarp prst="textNoShape">
-                  <a:avLst/>
-                </a:prstTxWarp>
-              </a:bodyPr>
-              <a:lstStyle/>
-              <a:p>
-                <a:endParaRPr lang="en-US"/>
-              </a:p>
-            </p:txBody>
-          </p:sp>
-        </p:grpSp>
-        <p:sp>
-          <p:nvSpPr>
-            <p:cNvPr id="50" name="TextBox 49"/>
-            <p:cNvSpPr txBox="1"/>
-            <p:nvPr/>
-          </p:nvSpPr>
-          <p:spPr>
-            <a:xfrm>
-              <a:off x="1390347" y="3999449"/>
-              <a:ext cx="432084" cy="348814"/>
-            </a:xfrm>
-            <a:prstGeom prst="rect">
-              <a:avLst/>
-            </a:prstGeom>
-            <a:noFill/>
-            <a:ln>
-              <a:noFill/>
-            </a:ln>
-          </p:spPr>
-          <p:txBody>
-            <a:bodyPr wrap="square" lIns="0" rIns="0" rtlCol="0">
-              <a:spAutoFit/>
-            </a:bodyPr>
-            <a:lstStyle/>
-            <a:p>
-              <a:pPr algn="ctr"/>
-              <a:r>
-                <a:rPr lang="en-US" sz="1100" b="1" dirty="0">
-                  <a:solidFill>
-                    <a:srgbClr val="6B9B20"/>
-                  </a:solidFill>
-                </a:rPr>
-                <a:t>Doc 1</a:t>
-              </a:r>
-            </a:p>
-          </p:txBody>
-        </p:sp>
-      </p:grpSp>
-      <p:grpSp>
-        <p:nvGrpSpPr>
-          <p:cNvPr id="33" name="Group 32"/>
-          <p:cNvGrpSpPr/>
-          <p:nvPr/>
-        </p:nvGrpSpPr>
-        <p:grpSpPr>
-          <a:xfrm>
-            <a:off x="4309049" y="1139693"/>
-            <a:ext cx="445677" cy="312787"/>
-            <a:chOff x="1390346" y="3931213"/>
-            <a:chExt cx="445677" cy="417050"/>
-          </a:xfrm>
-        </p:grpSpPr>
-        <p:grpSp>
-          <p:nvGrpSpPr>
-            <p:cNvPr id="34" name="Group 33"/>
-            <p:cNvGrpSpPr/>
-            <p:nvPr/>
-          </p:nvGrpSpPr>
-          <p:grpSpPr>
-            <a:xfrm rot="16200000">
-              <a:off x="1436273" y="3885286"/>
-              <a:ext cx="353823" cy="445677"/>
-              <a:chOff x="6103938" y="2111375"/>
-              <a:chExt cx="1363662" cy="1717675"/>
-            </a:xfrm>
-          </p:grpSpPr>
-          <p:sp>
-            <p:nvSpPr>
-              <p:cNvPr id="36" name="Freeform 13"/>
-              <p:cNvSpPr>
-                <a:spLocks/>
-              </p:cNvSpPr>
-              <p:nvPr/>
-            </p:nvSpPr>
-            <p:spPr bwMode="auto">
-              <a:xfrm>
-                <a:off x="6156325" y="2163763"/>
-                <a:ext cx="1270000" cy="1612900"/>
-              </a:xfrm>
-              <a:custGeom>
-                <a:avLst/>
-                <a:gdLst>
-                  <a:gd name="T0" fmla="*/ 800 w 800"/>
-                  <a:gd name="T1" fmla="*/ 1016 h 1016"/>
-                  <a:gd name="T2" fmla="*/ 0 w 800"/>
-                  <a:gd name="T3" fmla="*/ 1016 h 1016"/>
-                  <a:gd name="T4" fmla="*/ 0 w 800"/>
-                  <a:gd name="T5" fmla="*/ 0 h 1016"/>
-                  <a:gd name="T6" fmla="*/ 640 w 800"/>
-                  <a:gd name="T7" fmla="*/ 0 h 1016"/>
-                  <a:gd name="T8" fmla="*/ 800 w 800"/>
-                  <a:gd name="T9" fmla="*/ 156 h 1016"/>
-                  <a:gd name="T10" fmla="*/ 800 w 800"/>
-                  <a:gd name="T11" fmla="*/ 1016 h 1016"/>
-                </a:gdLst>
-                <a:ahLst/>
-                <a:cxnLst>
-                  <a:cxn ang="0">
-                    <a:pos x="T0" y="T1"/>
-                  </a:cxn>
-                  <a:cxn ang="0">
-                    <a:pos x="T2" y="T3"/>
-                  </a:cxn>
-                  <a:cxn ang="0">
-                    <a:pos x="T4" y="T5"/>
-                  </a:cxn>
-                  <a:cxn ang="0">
-                    <a:pos x="T6" y="T7"/>
-                  </a:cxn>
-                  <a:cxn ang="0">
-                    <a:pos x="T8" y="T9"/>
-                  </a:cxn>
-                  <a:cxn ang="0">
-                    <a:pos x="T10" y="T11"/>
-                  </a:cxn>
-                </a:cxnLst>
-                <a:rect l="0" t="0" r="r" b="b"/>
-                <a:pathLst>
-                  <a:path w="800" h="1016">
-                    <a:moveTo>
-                      <a:pt x="800" y="1016"/>
-                    </a:moveTo>
-                    <a:lnTo>
-                      <a:pt x="0" y="1016"/>
-                    </a:lnTo>
-                    <a:lnTo>
-                      <a:pt x="0" y="0"/>
-                    </a:lnTo>
-                    <a:lnTo>
-                      <a:pt x="640" y="0"/>
-                    </a:lnTo>
-                    <a:lnTo>
-                      <a:pt x="800" y="156"/>
-                    </a:lnTo>
-                    <a:lnTo>
-                      <a:pt x="800" y="1016"/>
-                    </a:lnTo>
-                    <a:close/>
-                  </a:path>
-                </a:pathLst>
-              </a:custGeom>
-              <a:solidFill>
-                <a:srgbClr val="FFFFFF"/>
-              </a:solidFill>
-              <a:ln w="9525">
-                <a:solidFill>
-                  <a:srgbClr val="000000"/>
-                </a:solidFill>
-                <a:round/>
-                <a:headEnd/>
-                <a:tailEnd/>
-              </a:ln>
-              <a:extLst/>
-            </p:spPr>
-            <p:txBody>
-              <a:bodyPr vert="horz" wrap="square" lIns="91440" tIns="45720" rIns="91440" bIns="45720" numCol="1" anchor="t" anchorCtr="0" compatLnSpc="1">
-                <a:prstTxWarp prst="textNoShape">
-                  <a:avLst/>
-                </a:prstTxWarp>
-              </a:bodyPr>
-              <a:lstStyle/>
-              <a:p>
-                <a:endParaRPr lang="en-US"/>
-              </a:p>
-            </p:txBody>
-          </p:sp>
-          <p:sp>
-            <p:nvSpPr>
-              <p:cNvPr id="37" name="Freeform 14"/>
-              <p:cNvSpPr>
-                <a:spLocks noEditPoints="1"/>
-              </p:cNvSpPr>
-              <p:nvPr/>
-            </p:nvSpPr>
-            <p:spPr bwMode="auto">
-              <a:xfrm>
-                <a:off x="6103938" y="2111375"/>
-                <a:ext cx="1363662" cy="1717675"/>
-              </a:xfrm>
-              <a:custGeom>
-                <a:avLst/>
-                <a:gdLst>
-                  <a:gd name="T0" fmla="*/ 284 w 364"/>
-                  <a:gd name="T1" fmla="*/ 0 h 458"/>
-                  <a:gd name="T2" fmla="*/ 0 w 364"/>
-                  <a:gd name="T3" fmla="*/ 0 h 458"/>
-                  <a:gd name="T4" fmla="*/ 0 w 364"/>
-                  <a:gd name="T5" fmla="*/ 444 h 458"/>
-                  <a:gd name="T6" fmla="*/ 14 w 364"/>
-                  <a:gd name="T7" fmla="*/ 458 h 458"/>
-                  <a:gd name="T8" fmla="*/ 349 w 364"/>
-                  <a:gd name="T9" fmla="*/ 458 h 458"/>
-                  <a:gd name="T10" fmla="*/ 364 w 364"/>
-                  <a:gd name="T11" fmla="*/ 444 h 458"/>
-                  <a:gd name="T12" fmla="*/ 364 w 364"/>
-                  <a:gd name="T13" fmla="*/ 78 h 458"/>
-                  <a:gd name="T14" fmla="*/ 284 w 364"/>
-                  <a:gd name="T15" fmla="*/ 0 h 458"/>
-                  <a:gd name="T16" fmla="*/ 349 w 364"/>
-                  <a:gd name="T17" fmla="*/ 444 h 458"/>
-                  <a:gd name="T18" fmla="*/ 14 w 364"/>
-                  <a:gd name="T19" fmla="*/ 444 h 458"/>
-                  <a:gd name="T20" fmla="*/ 14 w 364"/>
-                  <a:gd name="T21" fmla="*/ 14 h 458"/>
-                  <a:gd name="T22" fmla="*/ 276 w 364"/>
-                  <a:gd name="T23" fmla="*/ 14 h 458"/>
-                  <a:gd name="T24" fmla="*/ 276 w 364"/>
-                  <a:gd name="T25" fmla="*/ 85 h 458"/>
-                  <a:gd name="T26" fmla="*/ 349 w 364"/>
-                  <a:gd name="T27" fmla="*/ 85 h 458"/>
-                  <a:gd name="T28" fmla="*/ 349 w 364"/>
-                  <a:gd name="T29" fmla="*/ 444 h 458"/>
-                </a:gdLst>
-                <a:ahLst/>
-                <a:cxnLst>
-                  <a:cxn ang="0">
-                    <a:pos x="T0" y="T1"/>
-                  </a:cxn>
-                  <a:cxn ang="0">
-                    <a:pos x="T2" y="T3"/>
-                  </a:cxn>
-                  <a:cxn ang="0">
-                    <a:pos x="T4" y="T5"/>
-                  </a:cxn>
-                  <a:cxn ang="0">
-                    <a:pos x="T6" y="T7"/>
-                  </a:cxn>
-                  <a:cxn ang="0">
-                    <a:pos x="T8" y="T9"/>
-                  </a:cxn>
-                  <a:cxn ang="0">
-                    <a:pos x="T10" y="T11"/>
-                  </a:cxn>
-                  <a:cxn ang="0">
-                    <a:pos x="T12" y="T13"/>
-                  </a:cxn>
-                  <a:cxn ang="0">
-                    <a:pos x="T14" y="T15"/>
-                  </a:cxn>
-                  <a:cxn ang="0">
-                    <a:pos x="T16" y="T17"/>
-                  </a:cxn>
-                  <a:cxn ang="0">
-                    <a:pos x="T18" y="T19"/>
-                  </a:cxn>
-                  <a:cxn ang="0">
-                    <a:pos x="T20" y="T21"/>
-                  </a:cxn>
-                  <a:cxn ang="0">
-                    <a:pos x="T22" y="T23"/>
-                  </a:cxn>
-                  <a:cxn ang="0">
-                    <a:pos x="T24" y="T25"/>
-                  </a:cxn>
-                  <a:cxn ang="0">
-                    <a:pos x="T26" y="T27"/>
-                  </a:cxn>
-                  <a:cxn ang="0">
-                    <a:pos x="T28" y="T29"/>
-                  </a:cxn>
-                </a:cxnLst>
-                <a:rect l="0" t="0" r="r" b="b"/>
-                <a:pathLst>
-                  <a:path w="364" h="458">
-                    <a:moveTo>
-                      <a:pt x="284" y="0"/>
-                    </a:moveTo>
-                    <a:cubicBezTo>
-                      <a:pt x="0" y="0"/>
-                      <a:pt x="0" y="0"/>
-                      <a:pt x="0" y="0"/>
-                    </a:cubicBezTo>
-                    <a:cubicBezTo>
-                      <a:pt x="0" y="444"/>
-                      <a:pt x="0" y="444"/>
-                      <a:pt x="0" y="444"/>
-                    </a:cubicBezTo>
-                    <a:cubicBezTo>
-                      <a:pt x="0" y="452"/>
-                      <a:pt x="6" y="458"/>
-                      <a:pt x="14" y="458"/>
-                    </a:cubicBezTo>
-                    <a:cubicBezTo>
-                      <a:pt x="349" y="458"/>
-                      <a:pt x="349" y="458"/>
-                      <a:pt x="349" y="458"/>
-                    </a:cubicBezTo>
-                    <a:cubicBezTo>
-                      <a:pt x="357" y="458"/>
-                      <a:pt x="364" y="452"/>
-                      <a:pt x="364" y="444"/>
-                    </a:cubicBezTo>
-                    <a:cubicBezTo>
-                      <a:pt x="364" y="78"/>
-                      <a:pt x="364" y="78"/>
-                      <a:pt x="364" y="78"/>
-                    </a:cubicBezTo>
-                    <a:lnTo>
-                      <a:pt x="284" y="0"/>
-                    </a:lnTo>
-                    <a:close/>
-                    <a:moveTo>
-                      <a:pt x="349" y="444"/>
-                    </a:moveTo>
-                    <a:cubicBezTo>
-                      <a:pt x="14" y="444"/>
-                      <a:pt x="14" y="444"/>
-                      <a:pt x="14" y="444"/>
-                    </a:cubicBezTo>
-                    <a:cubicBezTo>
-                      <a:pt x="14" y="14"/>
-                      <a:pt x="14" y="14"/>
-                      <a:pt x="14" y="14"/>
-                    </a:cubicBezTo>
-                    <a:cubicBezTo>
-                      <a:pt x="276" y="14"/>
-                      <a:pt x="276" y="14"/>
-                      <a:pt x="276" y="14"/>
-                    </a:cubicBezTo>
-                    <a:cubicBezTo>
-                      <a:pt x="276" y="85"/>
-                      <a:pt x="276" y="85"/>
-                      <a:pt x="276" y="85"/>
-                    </a:cubicBezTo>
-                    <a:cubicBezTo>
-                      <a:pt x="349" y="85"/>
-                      <a:pt x="349" y="85"/>
-                      <a:pt x="349" y="85"/>
-                    </a:cubicBezTo>
-                    <a:lnTo>
-                      <a:pt x="349" y="444"/>
-                    </a:lnTo>
-                    <a:close/>
-                  </a:path>
-                </a:pathLst>
-              </a:custGeom>
-              <a:solidFill>
-                <a:schemeClr val="accent1"/>
-              </a:solidFill>
-              <a:ln>
-                <a:solidFill>
-                  <a:srgbClr val="6B9B20"/>
-                </a:solidFill>
-              </a:ln>
-            </p:spPr>
-            <p:txBody>
-              <a:bodyPr vert="horz" wrap="square" lIns="91440" tIns="45720" rIns="91440" bIns="45720" numCol="1" anchor="t" anchorCtr="0" compatLnSpc="1">
-                <a:prstTxWarp prst="textNoShape">
-                  <a:avLst/>
-                </a:prstTxWarp>
-              </a:bodyPr>
-              <a:lstStyle/>
-              <a:p>
-                <a:endParaRPr lang="en-US"/>
-              </a:p>
-            </p:txBody>
-          </p:sp>
-        </p:grpSp>
-        <p:sp>
-          <p:nvSpPr>
-            <p:cNvPr id="35" name="TextBox 34"/>
-            <p:cNvSpPr txBox="1"/>
-            <p:nvPr/>
-          </p:nvSpPr>
-          <p:spPr>
-            <a:xfrm>
-              <a:off x="1390347" y="3999449"/>
-              <a:ext cx="432084" cy="348814"/>
-            </a:xfrm>
-            <a:prstGeom prst="rect">
-              <a:avLst/>
-            </a:prstGeom>
-            <a:noFill/>
-            <a:ln>
-              <a:noFill/>
-            </a:ln>
-          </p:spPr>
-          <p:txBody>
-            <a:bodyPr wrap="square" lIns="0" rIns="0" rtlCol="0">
-              <a:spAutoFit/>
-            </a:bodyPr>
-            <a:lstStyle/>
-            <a:p>
-              <a:pPr algn="ctr"/>
-              <a:r>
-                <a:rPr lang="en-US" sz="1100" b="1" dirty="0">
-                  <a:solidFill>
-                    <a:srgbClr val="6B9B20"/>
-                  </a:solidFill>
-                </a:rPr>
-                <a:t>Doc 1</a:t>
-              </a:r>
-            </a:p>
-          </p:txBody>
-        </p:sp>
-      </p:grpSp>
-      <p:sp>
-        <p:nvSpPr>
-          <p:cNvPr id="42" name="TextBox 41"/>
-          <p:cNvSpPr txBox="1"/>
-          <p:nvPr/>
-        </p:nvSpPr>
-        <p:spPr>
-          <a:xfrm>
-            <a:off x="838202" y="2269045"/>
-            <a:ext cx="1125794" cy="276995"/>
-          </a:xfrm>
-          <a:prstGeom prst="rect">
-            <a:avLst/>
-          </a:prstGeom>
-          <a:noFill/>
-          <a:ln>
-            <a:noFill/>
-          </a:ln>
-        </p:spPr>
-        <p:txBody>
-          <a:bodyPr wrap="none" lIns="91435" tIns="45718" rIns="91435" bIns="45718" rtlCol="0">
-            <a:spAutoFit/>
-          </a:bodyPr>
-          <a:lstStyle/>
-          <a:p>
-            <a:r>
-              <a:rPr lang="en-US" sz="1200" dirty="0"/>
-              <a:t>To other node</a:t>
-            </a:r>
-          </a:p>
-        </p:txBody>
-      </p:sp>
-      <p:sp>
-        <p:nvSpPr>
-          <p:cNvPr id="60" name="Rectangle 48"/>
-          <p:cNvSpPr>
-            <a:spLocks/>
-          </p:cNvSpPr>
-          <p:nvPr/>
-        </p:nvSpPr>
-        <p:spPr bwMode="auto">
-          <a:xfrm>
-            <a:off x="1971253" y="2864504"/>
-            <a:ext cx="1295400" cy="292376"/>
-          </a:xfrm>
-          <a:prstGeom prst="rect">
-            <a:avLst/>
-          </a:prstGeom>
-          <a:solidFill>
-            <a:srgbClr val="7F7F7F"/>
-          </a:solidFill>
-          <a:ln>
-            <a:noFill/>
-          </a:ln>
-          <a:effectLst/>
-          <a:extLst/>
-        </p:spPr>
-        <p:txBody>
-          <a:bodyPr lIns="38094" tIns="38094" rIns="38094" bIns="38094">
-            <a:spAutoFit/>
-          </a:bodyPr>
-          <a:lstStyle/>
-          <a:p>
-            <a:pPr defTabSz="914259">
-              <a:defRPr/>
-            </a:pPr>
-            <a:r>
-              <a:rPr lang="en-US" sz="1400" dirty="0">
-                <a:solidFill>
-                  <a:srgbClr val="1E1C1C"/>
-                </a:solidFill>
-                <a:latin typeface="Calibri" charset="0"/>
-                <a:cs typeface="Calibri" charset="0"/>
-                <a:sym typeface="Calibri" charset="0"/>
-              </a:rPr>
-              <a:t>View engine </a:t>
-            </a:r>
-          </a:p>
-        </p:txBody>
-      </p:sp>
-      <p:cxnSp>
-        <p:nvCxnSpPr>
-          <p:cNvPr id="61" name="Elbow Connector 60"/>
-          <p:cNvCxnSpPr>
-            <a:endCxn id="63" idx="3"/>
-          </p:cNvCxnSpPr>
-          <p:nvPr/>
-        </p:nvCxnSpPr>
-        <p:spPr>
-          <a:xfrm rot="16200000" flipH="1">
-            <a:off x="2439548" y="3357629"/>
-            <a:ext cx="1101340" cy="571728"/>
-          </a:xfrm>
-          <a:prstGeom prst="bentConnector3">
-            <a:avLst>
-              <a:gd name="adj1" fmla="val 115567"/>
-            </a:avLst>
-          </a:prstGeom>
-          <a:ln w="28575" cmpd="sng">
-            <a:solidFill>
-              <a:srgbClr val="FF0000"/>
-            </a:solidFill>
-            <a:prstDash val="solid"/>
-            <a:headEnd type="oval" w="med" len="med"/>
-            <a:tailEnd type="triangle"/>
-          </a:ln>
-        </p:spPr>
-        <p:style>
-          <a:lnRef idx="1">
-            <a:schemeClr val="accent1"/>
-          </a:lnRef>
-          <a:fillRef idx="0">
-            <a:schemeClr val="accent1"/>
-          </a:fillRef>
-          <a:effectRef idx="0">
-            <a:schemeClr val="accent1"/>
-          </a:effectRef>
-          <a:fontRef idx="minor">
-            <a:schemeClr val="tx1"/>
-          </a:fontRef>
-        </p:style>
-      </p:cxnSp>
-      <p:grpSp>
-        <p:nvGrpSpPr>
-          <p:cNvPr id="62" name="Group 61"/>
-          <p:cNvGrpSpPr>
-            <a:grpSpLocks/>
-          </p:cNvGrpSpPr>
-          <p:nvPr/>
-        </p:nvGrpSpPr>
-        <p:grpSpPr bwMode="auto">
-          <a:xfrm>
-            <a:off x="3008191" y="3857626"/>
-            <a:ext cx="535781" cy="336538"/>
-            <a:chOff x="1371600" y="3429000"/>
-            <a:chExt cx="762000" cy="609600"/>
-          </a:xfrm>
-        </p:grpSpPr>
-        <p:sp>
-          <p:nvSpPr>
-            <p:cNvPr id="63" name="Isosceles Triangle 62"/>
-            <p:cNvSpPr/>
-            <p:nvPr/>
-          </p:nvSpPr>
-          <p:spPr>
-            <a:xfrm>
-              <a:off x="1371600" y="3429000"/>
-              <a:ext cx="762000" cy="609600"/>
-            </a:xfrm>
-            <a:prstGeom prst="triangle">
-              <a:avLst/>
-            </a:prstGeom>
-            <a:solidFill>
-              <a:schemeClr val="bg1">
-                <a:lumMod val="65000"/>
-              </a:schemeClr>
-            </a:solidFill>
-            <a:ln>
-              <a:noFill/>
-            </a:ln>
-          </p:spPr>
-          <p:style>
-            <a:lnRef idx="1">
-              <a:schemeClr val="dk1"/>
-            </a:lnRef>
-            <a:fillRef idx="2">
-              <a:schemeClr val="dk1"/>
-            </a:fillRef>
-            <a:effectRef idx="1">
-              <a:schemeClr val="dk1"/>
-            </a:effectRef>
-            <a:fontRef idx="minor">
-              <a:schemeClr val="dk1"/>
-            </a:fontRef>
-          </p:style>
-          <p:txBody>
-            <a:bodyPr anchor="ctr"/>
-            <a:lstStyle/>
-            <a:p>
-              <a:pPr defTabSz="914259">
-                <a:defRPr/>
-              </a:pPr>
-              <a:endParaRPr lang="en-US" sz="1600" dirty="0">
-                <a:solidFill>
-                  <a:prstClr val="black"/>
-                </a:solidFill>
-                <a:latin typeface="Calibri"/>
-              </a:endParaRPr>
-            </a:p>
-          </p:txBody>
-        </p:sp>
-        <p:grpSp>
-          <p:nvGrpSpPr>
-            <p:cNvPr id="64" name="Group 268"/>
-            <p:cNvGrpSpPr>
-              <a:grpSpLocks/>
-            </p:cNvGrpSpPr>
-            <p:nvPr/>
-          </p:nvGrpSpPr>
-          <p:grpSpPr bwMode="auto">
-            <a:xfrm>
-              <a:off x="1552625" y="3601013"/>
-              <a:ext cx="413317" cy="373063"/>
-              <a:chOff x="1524000" y="1600200"/>
-              <a:chExt cx="1676400" cy="1219200"/>
-            </a:xfrm>
-          </p:grpSpPr>
-          <p:sp>
-            <p:nvSpPr>
-              <p:cNvPr id="65" name="Rounded Rectangle 64"/>
-              <p:cNvSpPr/>
-              <p:nvPr/>
-            </p:nvSpPr>
-            <p:spPr>
-              <a:xfrm>
-                <a:off x="2135486" y="1598052"/>
-                <a:ext cx="379894" cy="307258"/>
-              </a:xfrm>
-              <a:prstGeom prst="roundRect">
-                <a:avLst/>
-              </a:prstGeom>
-              <a:ln/>
-            </p:spPr>
-            <p:style>
-              <a:lnRef idx="1">
-                <a:schemeClr val="accent5"/>
-              </a:lnRef>
-              <a:fillRef idx="2">
-                <a:schemeClr val="accent5"/>
-              </a:fillRef>
-              <a:effectRef idx="1">
-                <a:schemeClr val="accent5"/>
-              </a:effectRef>
-              <a:fontRef idx="minor">
-                <a:schemeClr val="dk1"/>
-              </a:fontRef>
-            </p:style>
-            <p:txBody>
-              <a:bodyPr anchor="ctr"/>
-              <a:lstStyle/>
-              <a:p>
-                <a:pPr defTabSz="914259">
-                  <a:defRPr/>
-                </a:pPr>
-                <a:endParaRPr lang="en-US" sz="1600" dirty="0">
-                  <a:solidFill>
-                    <a:prstClr val="black"/>
-                  </a:solidFill>
-                  <a:latin typeface="Calibri"/>
-                </a:endParaRPr>
-              </a:p>
-            </p:txBody>
-          </p:sp>
-          <p:sp>
-            <p:nvSpPr>
-              <p:cNvPr id="66" name="Rounded Rectangle 65"/>
-              <p:cNvSpPr/>
-              <p:nvPr/>
-            </p:nvSpPr>
-            <p:spPr>
-              <a:xfrm>
-                <a:off x="1678330" y="2053984"/>
-                <a:ext cx="379890" cy="307258"/>
-              </a:xfrm>
-              <a:prstGeom prst="roundRect">
-                <a:avLst/>
-              </a:prstGeom>
-              <a:ln/>
-            </p:spPr>
-            <p:style>
-              <a:lnRef idx="1">
-                <a:schemeClr val="accent5"/>
-              </a:lnRef>
-              <a:fillRef idx="2">
-                <a:schemeClr val="accent5"/>
-              </a:fillRef>
-              <a:effectRef idx="1">
-                <a:schemeClr val="accent5"/>
-              </a:effectRef>
-              <a:fontRef idx="minor">
-                <a:schemeClr val="dk1"/>
-              </a:fontRef>
-            </p:style>
-            <p:txBody>
-              <a:bodyPr anchor="ctr"/>
-              <a:lstStyle/>
-              <a:p>
-                <a:pPr defTabSz="914259">
-                  <a:defRPr/>
-                </a:pPr>
-                <a:endParaRPr lang="en-US" sz="1600" dirty="0">
-                  <a:solidFill>
-                    <a:prstClr val="black"/>
-                  </a:solidFill>
-                  <a:latin typeface="Calibri"/>
-                </a:endParaRPr>
-              </a:p>
-            </p:txBody>
-          </p:sp>
-          <p:sp>
-            <p:nvSpPr>
-              <p:cNvPr id="70" name="Rounded Rectangle 69"/>
-              <p:cNvSpPr/>
-              <p:nvPr/>
-            </p:nvSpPr>
-            <p:spPr>
-              <a:xfrm>
-                <a:off x="2515380" y="2053984"/>
-                <a:ext cx="379890" cy="307258"/>
-              </a:xfrm>
-              <a:prstGeom prst="roundRect">
-                <a:avLst/>
-              </a:prstGeom>
-              <a:ln/>
-            </p:spPr>
-            <p:style>
-              <a:lnRef idx="1">
-                <a:schemeClr val="accent5"/>
-              </a:lnRef>
-              <a:fillRef idx="2">
-                <a:schemeClr val="accent5"/>
-              </a:fillRef>
-              <a:effectRef idx="1">
-                <a:schemeClr val="accent5"/>
-              </a:effectRef>
-              <a:fontRef idx="minor">
-                <a:schemeClr val="dk1"/>
-              </a:fontRef>
-            </p:style>
-            <p:txBody>
-              <a:bodyPr anchor="ctr"/>
-              <a:lstStyle/>
-              <a:p>
-                <a:pPr defTabSz="914259">
-                  <a:defRPr/>
-                </a:pPr>
-                <a:endParaRPr lang="en-US" sz="1600" dirty="0">
-                  <a:solidFill>
-                    <a:prstClr val="black"/>
-                  </a:solidFill>
-                  <a:latin typeface="Calibri"/>
-                </a:endParaRPr>
-              </a:p>
-            </p:txBody>
-          </p:sp>
-          <p:sp>
-            <p:nvSpPr>
-              <p:cNvPr id="71" name="Rounded Rectangle 70"/>
-              <p:cNvSpPr/>
-              <p:nvPr/>
-            </p:nvSpPr>
-            <p:spPr>
-              <a:xfrm>
-                <a:off x="2206315" y="2514870"/>
-                <a:ext cx="379890" cy="302304"/>
-              </a:xfrm>
-              <a:prstGeom prst="roundRect">
-                <a:avLst/>
-              </a:prstGeom>
-              <a:ln/>
-            </p:spPr>
-            <p:style>
-              <a:lnRef idx="1">
-                <a:schemeClr val="accent5"/>
-              </a:lnRef>
-              <a:fillRef idx="2">
-                <a:schemeClr val="accent5"/>
-              </a:fillRef>
-              <a:effectRef idx="1">
-                <a:schemeClr val="accent5"/>
-              </a:effectRef>
-              <a:fontRef idx="minor">
-                <a:schemeClr val="dk1"/>
-              </a:fontRef>
-            </p:style>
-            <p:txBody>
-              <a:bodyPr anchor="ctr"/>
-              <a:lstStyle/>
-              <a:p>
-                <a:pPr defTabSz="914259">
-                  <a:defRPr/>
-                </a:pPr>
-                <a:endParaRPr lang="en-US" sz="1600" dirty="0">
-                  <a:solidFill>
-                    <a:prstClr val="black"/>
-                  </a:solidFill>
-                  <a:latin typeface="Calibri"/>
-                </a:endParaRPr>
-              </a:p>
-            </p:txBody>
-          </p:sp>
-          <p:sp>
-            <p:nvSpPr>
-              <p:cNvPr id="73" name="Rounded Rectangle 72"/>
-              <p:cNvSpPr/>
-              <p:nvPr/>
-            </p:nvSpPr>
-            <p:spPr>
-              <a:xfrm>
-                <a:off x="2818003" y="2514870"/>
-                <a:ext cx="379894" cy="302304"/>
-              </a:xfrm>
-              <a:prstGeom prst="roundRect">
-                <a:avLst/>
-              </a:prstGeom>
-              <a:ln/>
-            </p:spPr>
-            <p:style>
-              <a:lnRef idx="1">
-                <a:schemeClr val="accent5"/>
-              </a:lnRef>
-              <a:fillRef idx="2">
-                <a:schemeClr val="accent5"/>
-              </a:fillRef>
-              <a:effectRef idx="1">
-                <a:schemeClr val="accent5"/>
-              </a:effectRef>
-              <a:fontRef idx="minor">
-                <a:schemeClr val="dk1"/>
-              </a:fontRef>
-            </p:style>
-            <p:txBody>
-              <a:bodyPr anchor="ctr"/>
-              <a:lstStyle/>
-              <a:p>
-                <a:pPr defTabSz="914259">
-                  <a:defRPr/>
-                </a:pPr>
-                <a:endParaRPr lang="en-US" sz="1600" dirty="0">
-                  <a:solidFill>
-                    <a:prstClr val="black"/>
-                  </a:solidFill>
-                  <a:latin typeface="Calibri"/>
-                </a:endParaRPr>
-              </a:p>
-            </p:txBody>
-          </p:sp>
-          <p:sp>
-            <p:nvSpPr>
-              <p:cNvPr id="74" name="Rounded Rectangle 73"/>
-              <p:cNvSpPr/>
-              <p:nvPr/>
-            </p:nvSpPr>
-            <p:spPr>
-              <a:xfrm>
-                <a:off x="1523797" y="2514870"/>
-                <a:ext cx="379890" cy="302304"/>
-              </a:xfrm>
-              <a:prstGeom prst="roundRect">
-                <a:avLst/>
-              </a:prstGeom>
-              <a:ln/>
-            </p:spPr>
-            <p:style>
-              <a:lnRef idx="1">
-                <a:schemeClr val="accent5"/>
-              </a:lnRef>
-              <a:fillRef idx="2">
-                <a:schemeClr val="accent5"/>
-              </a:fillRef>
-              <a:effectRef idx="1">
-                <a:schemeClr val="accent5"/>
-              </a:effectRef>
-              <a:fontRef idx="minor">
-                <a:schemeClr val="dk1"/>
-              </a:fontRef>
-            </p:style>
-            <p:txBody>
-              <a:bodyPr anchor="ctr"/>
-              <a:lstStyle/>
-              <a:p>
-                <a:pPr defTabSz="914259">
-                  <a:defRPr/>
-                </a:pPr>
-                <a:endParaRPr lang="en-US" sz="1600" dirty="0">
-                  <a:solidFill>
-                    <a:prstClr val="black"/>
-                  </a:solidFill>
-                  <a:latin typeface="Calibri"/>
-                </a:endParaRPr>
-              </a:p>
-            </p:txBody>
-          </p:sp>
-          <p:cxnSp>
-            <p:nvCxnSpPr>
-              <p:cNvPr id="75" name="Straight Connector 74"/>
-              <p:cNvCxnSpPr>
-                <a:stCxn id="65" idx="2"/>
-                <a:endCxn id="66" idx="0"/>
-              </p:cNvCxnSpPr>
-              <p:nvPr/>
-            </p:nvCxnSpPr>
-            <p:spPr>
-              <a:xfrm flipH="1">
-                <a:off x="1865054" y="1905311"/>
-                <a:ext cx="457160" cy="148673"/>
-              </a:xfrm>
-              <a:prstGeom prst="line">
-                <a:avLst/>
-              </a:prstGeom>
-              <a:ln w="38100">
-                <a:solidFill>
-                  <a:srgbClr val="7F7F7F"/>
-                </a:solidFill>
-                <a:prstDash val="solid"/>
-                <a:headEnd type="none" w="med" len="med"/>
-                <a:tailEnd type="none"/>
-              </a:ln>
-            </p:spPr>
-            <p:style>
-              <a:lnRef idx="1">
-                <a:schemeClr val="accent1"/>
-              </a:lnRef>
-              <a:fillRef idx="0">
-                <a:schemeClr val="accent1"/>
-              </a:fillRef>
-              <a:effectRef idx="0">
-                <a:schemeClr val="accent1"/>
-              </a:effectRef>
-              <a:fontRef idx="minor">
-                <a:schemeClr val="tx1"/>
-              </a:fontRef>
-            </p:style>
-          </p:cxnSp>
-          <p:cxnSp>
-            <p:nvCxnSpPr>
-              <p:cNvPr id="76" name="Straight Connector 75"/>
-              <p:cNvCxnSpPr>
-                <a:stCxn id="65" idx="2"/>
-                <a:endCxn id="70" idx="0"/>
-              </p:cNvCxnSpPr>
-              <p:nvPr/>
-            </p:nvCxnSpPr>
-            <p:spPr>
-              <a:xfrm>
-                <a:off x="2322214" y="1905311"/>
-                <a:ext cx="379890" cy="148673"/>
-              </a:xfrm>
-              <a:prstGeom prst="line">
-                <a:avLst/>
-              </a:prstGeom>
-              <a:ln w="38100">
-                <a:solidFill>
-                  <a:srgbClr val="7F7F7F"/>
-                </a:solidFill>
-                <a:prstDash val="solid"/>
-                <a:headEnd type="none" w="med" len="med"/>
-                <a:tailEnd type="none"/>
-              </a:ln>
-            </p:spPr>
-            <p:style>
-              <a:lnRef idx="1">
-                <a:schemeClr val="accent1"/>
-              </a:lnRef>
-              <a:fillRef idx="0">
-                <a:schemeClr val="accent1"/>
-              </a:fillRef>
-              <a:effectRef idx="0">
-                <a:schemeClr val="accent1"/>
-              </a:effectRef>
-              <a:fontRef idx="minor">
-                <a:schemeClr val="tx1"/>
-              </a:fontRef>
-            </p:style>
-          </p:cxnSp>
-          <p:cxnSp>
-            <p:nvCxnSpPr>
-              <p:cNvPr id="77" name="Straight Connector 76"/>
-              <p:cNvCxnSpPr>
-                <a:stCxn id="66" idx="2"/>
-                <a:endCxn id="74" idx="0"/>
-              </p:cNvCxnSpPr>
-              <p:nvPr/>
-            </p:nvCxnSpPr>
-            <p:spPr>
-              <a:xfrm flipH="1">
-                <a:off x="1716963" y="2361242"/>
-                <a:ext cx="148091" cy="153628"/>
-              </a:xfrm>
-              <a:prstGeom prst="line">
-                <a:avLst/>
-              </a:prstGeom>
-              <a:ln w="38100">
-                <a:solidFill>
-                  <a:srgbClr val="7F7F7F"/>
-                </a:solidFill>
-                <a:prstDash val="solid"/>
-                <a:headEnd type="none" w="med" len="med"/>
-                <a:tailEnd type="none"/>
-              </a:ln>
-            </p:spPr>
-            <p:style>
-              <a:lnRef idx="1">
-                <a:schemeClr val="accent1"/>
-              </a:lnRef>
-              <a:fillRef idx="0">
-                <a:schemeClr val="accent1"/>
-              </a:fillRef>
-              <a:effectRef idx="0">
-                <a:schemeClr val="accent1"/>
-              </a:effectRef>
-              <a:fontRef idx="minor">
-                <a:schemeClr val="tx1"/>
-              </a:fontRef>
-            </p:style>
-          </p:cxnSp>
-          <p:cxnSp>
-            <p:nvCxnSpPr>
-              <p:cNvPr id="78" name="Straight Connector 77"/>
-              <p:cNvCxnSpPr>
-                <a:stCxn id="70" idx="2"/>
-                <a:endCxn id="71" idx="0"/>
-              </p:cNvCxnSpPr>
-              <p:nvPr/>
-            </p:nvCxnSpPr>
-            <p:spPr>
-              <a:xfrm flipH="1">
-                <a:off x="2399480" y="2361242"/>
-                <a:ext cx="302624" cy="153628"/>
-              </a:xfrm>
-              <a:prstGeom prst="line">
-                <a:avLst/>
-              </a:prstGeom>
-              <a:ln w="38100">
-                <a:solidFill>
-                  <a:srgbClr val="7F7F7F"/>
-                </a:solidFill>
-                <a:prstDash val="solid"/>
-                <a:headEnd type="none" w="med" len="med"/>
-                <a:tailEnd type="none"/>
-              </a:ln>
-            </p:spPr>
-            <p:style>
-              <a:lnRef idx="1">
-                <a:schemeClr val="accent1"/>
-              </a:lnRef>
-              <a:fillRef idx="0">
-                <a:schemeClr val="accent1"/>
-              </a:fillRef>
-              <a:effectRef idx="0">
-                <a:schemeClr val="accent1"/>
-              </a:effectRef>
-              <a:fontRef idx="minor">
-                <a:schemeClr val="tx1"/>
-              </a:fontRef>
-            </p:style>
-          </p:cxnSp>
-          <p:cxnSp>
-            <p:nvCxnSpPr>
-              <p:cNvPr id="79" name="Straight Connector 78"/>
-              <p:cNvCxnSpPr>
-                <a:stCxn id="70" idx="2"/>
-                <a:endCxn id="73" idx="0"/>
-              </p:cNvCxnSpPr>
-              <p:nvPr/>
-            </p:nvCxnSpPr>
-            <p:spPr>
-              <a:xfrm>
-                <a:off x="2702104" y="2361242"/>
-                <a:ext cx="309065" cy="153628"/>
-              </a:xfrm>
-              <a:prstGeom prst="line">
-                <a:avLst/>
-              </a:prstGeom>
-              <a:ln w="38100">
-                <a:solidFill>
-                  <a:srgbClr val="7F7F7F"/>
-                </a:solidFill>
-                <a:prstDash val="solid"/>
-                <a:headEnd type="none" w="med" len="med"/>
-                <a:tailEnd type="none"/>
-              </a:ln>
-            </p:spPr>
-            <p:style>
-              <a:lnRef idx="1">
-                <a:schemeClr val="accent1"/>
-              </a:lnRef>
-              <a:fillRef idx="0">
-                <a:schemeClr val="accent1"/>
-              </a:fillRef>
-              <a:effectRef idx="0">
-                <a:schemeClr val="accent1"/>
-              </a:effectRef>
-              <a:fontRef idx="minor">
-                <a:schemeClr val="tx1"/>
-              </a:fontRef>
-            </p:style>
-          </p:cxnSp>
-        </p:grpSp>
-      </p:grpSp>
-      <p:sp>
-        <p:nvSpPr>
-          <p:cNvPr id="81" name="Line 14"/>
-          <p:cNvSpPr>
-            <a:spLocks noChangeShapeType="1"/>
-          </p:cNvSpPr>
-          <p:nvPr/>
-        </p:nvSpPr>
-        <p:spPr bwMode="auto">
-          <a:xfrm rot="10800000">
-            <a:off x="3143922" y="2990144"/>
-            <a:ext cx="478509" cy="1"/>
-          </a:xfrm>
-          <a:prstGeom prst="line">
-            <a:avLst/>
-          </a:prstGeom>
-          <a:noFill/>
-          <a:ln w="28575" cap="flat">
-            <a:solidFill>
-              <a:srgbClr val="FF0000"/>
-            </a:solidFill>
-            <a:prstDash val="solid"/>
-            <a:round/>
-            <a:headEnd type="oval" w="med" len="med"/>
-            <a:tailEnd type="arrow" w="sm" len="sm"/>
-          </a:ln>
-          <a:extLst>
-            <a:ext uri="{909E8E84-426E-40dd-AFC4-6F175D3DCCD1}">
-              <a14:hiddenFill xmlns:a14="http://schemas.microsoft.com/office/drawing/2010/main">
-                <a:solidFill>
-                  <a:srgbClr val="FFFFFF"/>
-                </a:solidFill>
-              </a14:hiddenFill>
-            </a:ext>
-          </a:extLst>
-        </p:spPr>
-        <p:txBody>
-          <a:bodyPr lIns="0" tIns="0" rIns="0" bIns="0"/>
-          <a:lstStyle/>
-          <a:p>
-            <a:endParaRPr lang="en-US">
-              <a:solidFill>
-                <a:prstClr val="black"/>
-              </a:solidFill>
-              <a:latin typeface="Calibri"/>
-            </a:endParaRPr>
-          </a:p>
-        </p:txBody>
-      </p:sp>
-      <p:grpSp>
-        <p:nvGrpSpPr>
-          <p:cNvPr id="101" name="Group 100"/>
-          <p:cNvGrpSpPr/>
-          <p:nvPr/>
-        </p:nvGrpSpPr>
-        <p:grpSpPr>
-          <a:xfrm>
-            <a:off x="4320497" y="2792469"/>
-            <a:ext cx="445679" cy="304046"/>
-            <a:chOff x="1390347" y="3931216"/>
-            <a:chExt cx="445679" cy="405395"/>
-          </a:xfrm>
-        </p:grpSpPr>
-        <p:grpSp>
-          <p:nvGrpSpPr>
-            <p:cNvPr id="102" name="Group 101"/>
-            <p:cNvGrpSpPr/>
-            <p:nvPr/>
-          </p:nvGrpSpPr>
-          <p:grpSpPr>
-            <a:xfrm rot="16200000">
-              <a:off x="1436276" y="3885289"/>
-              <a:ext cx="353823" cy="445677"/>
-              <a:chOff x="6103934" y="2111384"/>
-              <a:chExt cx="1363662" cy="1717674"/>
-            </a:xfrm>
-          </p:grpSpPr>
-          <p:sp>
-            <p:nvSpPr>
-              <p:cNvPr id="104" name="Freeform 13"/>
-              <p:cNvSpPr>
-                <a:spLocks/>
-              </p:cNvSpPr>
-              <p:nvPr/>
-            </p:nvSpPr>
-            <p:spPr bwMode="auto">
-              <a:xfrm>
-                <a:off x="6156325" y="2163763"/>
-                <a:ext cx="1270000" cy="1612900"/>
-              </a:xfrm>
-              <a:custGeom>
-                <a:avLst/>
-                <a:gdLst>
-                  <a:gd name="T0" fmla="*/ 800 w 800"/>
-                  <a:gd name="T1" fmla="*/ 1016 h 1016"/>
-                  <a:gd name="T2" fmla="*/ 0 w 800"/>
-                  <a:gd name="T3" fmla="*/ 1016 h 1016"/>
-                  <a:gd name="T4" fmla="*/ 0 w 800"/>
-                  <a:gd name="T5" fmla="*/ 0 h 1016"/>
-                  <a:gd name="T6" fmla="*/ 640 w 800"/>
-                  <a:gd name="T7" fmla="*/ 0 h 1016"/>
-                  <a:gd name="T8" fmla="*/ 800 w 800"/>
-                  <a:gd name="T9" fmla="*/ 156 h 1016"/>
-                  <a:gd name="T10" fmla="*/ 800 w 800"/>
-                  <a:gd name="T11" fmla="*/ 1016 h 1016"/>
-                </a:gdLst>
-                <a:ahLst/>
-                <a:cxnLst>
-                  <a:cxn ang="0">
-                    <a:pos x="T0" y="T1"/>
-                  </a:cxn>
-                  <a:cxn ang="0">
-                    <a:pos x="T2" y="T3"/>
-                  </a:cxn>
-                  <a:cxn ang="0">
-                    <a:pos x="T4" y="T5"/>
-                  </a:cxn>
-                  <a:cxn ang="0">
-                    <a:pos x="T6" y="T7"/>
-                  </a:cxn>
-                  <a:cxn ang="0">
-                    <a:pos x="T8" y="T9"/>
-                  </a:cxn>
-                  <a:cxn ang="0">
-                    <a:pos x="T10" y="T11"/>
-                  </a:cxn>
-                </a:cxnLst>
-                <a:rect l="0" t="0" r="r" b="b"/>
-                <a:pathLst>
-                  <a:path w="800" h="1016">
-                    <a:moveTo>
-                      <a:pt x="800" y="1016"/>
-                    </a:moveTo>
-                    <a:lnTo>
-                      <a:pt x="0" y="1016"/>
-                    </a:lnTo>
-                    <a:lnTo>
-                      <a:pt x="0" y="0"/>
-                    </a:lnTo>
-                    <a:lnTo>
-                      <a:pt x="640" y="0"/>
-                    </a:lnTo>
-                    <a:lnTo>
-                      <a:pt x="800" y="156"/>
-                    </a:lnTo>
-                    <a:lnTo>
-                      <a:pt x="800" y="1016"/>
-                    </a:lnTo>
-                    <a:close/>
-                  </a:path>
-                </a:pathLst>
-              </a:custGeom>
-              <a:solidFill>
-                <a:srgbClr val="FFFFFF"/>
-              </a:solidFill>
-              <a:ln w="9525">
-                <a:solidFill>
-                  <a:srgbClr val="000000"/>
-                </a:solidFill>
-                <a:round/>
-                <a:headEnd/>
-                <a:tailEnd/>
-              </a:ln>
-              <a:extLst/>
-            </p:spPr>
-            <p:txBody>
-              <a:bodyPr vert="horz" wrap="square" lIns="91440" tIns="45720" rIns="91440" bIns="45720" numCol="1" anchor="t" anchorCtr="0" compatLnSpc="1">
-                <a:prstTxWarp prst="textNoShape">
-                  <a:avLst/>
-                </a:prstTxWarp>
-              </a:bodyPr>
-              <a:lstStyle/>
-              <a:p>
-                <a:endParaRPr lang="en-US"/>
-              </a:p>
-            </p:txBody>
-          </p:sp>
-          <p:sp>
-            <p:nvSpPr>
-              <p:cNvPr id="105" name="Freeform 14"/>
-              <p:cNvSpPr>
-                <a:spLocks noEditPoints="1"/>
-              </p:cNvSpPr>
-              <p:nvPr/>
-            </p:nvSpPr>
-            <p:spPr bwMode="auto">
-              <a:xfrm>
-                <a:off x="6103934" y="2111384"/>
-                <a:ext cx="1363662" cy="1717674"/>
-              </a:xfrm>
-              <a:custGeom>
-                <a:avLst/>
-                <a:gdLst>
-                  <a:gd name="T0" fmla="*/ 284 w 364"/>
-                  <a:gd name="T1" fmla="*/ 0 h 458"/>
-                  <a:gd name="T2" fmla="*/ 0 w 364"/>
-                  <a:gd name="T3" fmla="*/ 0 h 458"/>
-                  <a:gd name="T4" fmla="*/ 0 w 364"/>
-                  <a:gd name="T5" fmla="*/ 444 h 458"/>
-                  <a:gd name="T6" fmla="*/ 14 w 364"/>
-                  <a:gd name="T7" fmla="*/ 458 h 458"/>
-                  <a:gd name="T8" fmla="*/ 349 w 364"/>
-                  <a:gd name="T9" fmla="*/ 458 h 458"/>
-                  <a:gd name="T10" fmla="*/ 364 w 364"/>
-                  <a:gd name="T11" fmla="*/ 444 h 458"/>
-                  <a:gd name="T12" fmla="*/ 364 w 364"/>
-                  <a:gd name="T13" fmla="*/ 78 h 458"/>
-                  <a:gd name="T14" fmla="*/ 284 w 364"/>
-                  <a:gd name="T15" fmla="*/ 0 h 458"/>
-                  <a:gd name="T16" fmla="*/ 349 w 364"/>
-                  <a:gd name="T17" fmla="*/ 444 h 458"/>
-                  <a:gd name="T18" fmla="*/ 14 w 364"/>
-                  <a:gd name="T19" fmla="*/ 444 h 458"/>
-                  <a:gd name="T20" fmla="*/ 14 w 364"/>
-                  <a:gd name="T21" fmla="*/ 14 h 458"/>
-                  <a:gd name="T22" fmla="*/ 276 w 364"/>
-                  <a:gd name="T23" fmla="*/ 14 h 458"/>
-                  <a:gd name="T24" fmla="*/ 276 w 364"/>
-                  <a:gd name="T25" fmla="*/ 85 h 458"/>
-                  <a:gd name="T26" fmla="*/ 349 w 364"/>
-                  <a:gd name="T27" fmla="*/ 85 h 458"/>
-                  <a:gd name="T28" fmla="*/ 349 w 364"/>
-                  <a:gd name="T29" fmla="*/ 444 h 458"/>
-                </a:gdLst>
-                <a:ahLst/>
-                <a:cxnLst>
-                  <a:cxn ang="0">
-                    <a:pos x="T0" y="T1"/>
-                  </a:cxn>
-                  <a:cxn ang="0">
-                    <a:pos x="T2" y="T3"/>
-                  </a:cxn>
-                  <a:cxn ang="0">
-                    <a:pos x="T4" y="T5"/>
-                  </a:cxn>
-                  <a:cxn ang="0">
-                    <a:pos x="T6" y="T7"/>
-                  </a:cxn>
-                  <a:cxn ang="0">
-                    <a:pos x="T8" y="T9"/>
-                  </a:cxn>
-                  <a:cxn ang="0">
-                    <a:pos x="T10" y="T11"/>
-                  </a:cxn>
-                  <a:cxn ang="0">
-                    <a:pos x="T12" y="T13"/>
-                  </a:cxn>
-                  <a:cxn ang="0">
-                    <a:pos x="T14" y="T15"/>
-                  </a:cxn>
-                  <a:cxn ang="0">
-                    <a:pos x="T16" y="T17"/>
-                  </a:cxn>
-                  <a:cxn ang="0">
-                    <a:pos x="T18" y="T19"/>
-                  </a:cxn>
-                  <a:cxn ang="0">
-                    <a:pos x="T20" y="T21"/>
-                  </a:cxn>
-                  <a:cxn ang="0">
-                    <a:pos x="T22" y="T23"/>
-                  </a:cxn>
-                  <a:cxn ang="0">
-                    <a:pos x="T24" y="T25"/>
-                  </a:cxn>
-                  <a:cxn ang="0">
-                    <a:pos x="T26" y="T27"/>
-                  </a:cxn>
-                  <a:cxn ang="0">
-                    <a:pos x="T28" y="T29"/>
-                  </a:cxn>
-                </a:cxnLst>
-                <a:rect l="0" t="0" r="r" b="b"/>
-                <a:pathLst>
-                  <a:path w="364" h="458">
-                    <a:moveTo>
-                      <a:pt x="284" y="0"/>
-                    </a:moveTo>
-                    <a:cubicBezTo>
-                      <a:pt x="0" y="0"/>
-                      <a:pt x="0" y="0"/>
-                      <a:pt x="0" y="0"/>
-                    </a:cubicBezTo>
-                    <a:cubicBezTo>
-                      <a:pt x="0" y="444"/>
-                      <a:pt x="0" y="444"/>
-                      <a:pt x="0" y="444"/>
-                    </a:cubicBezTo>
-                    <a:cubicBezTo>
-                      <a:pt x="0" y="452"/>
-                      <a:pt x="6" y="458"/>
-                      <a:pt x="14" y="458"/>
-                    </a:cubicBezTo>
-                    <a:cubicBezTo>
-                      <a:pt x="349" y="458"/>
-                      <a:pt x="349" y="458"/>
-                      <a:pt x="349" y="458"/>
-                    </a:cubicBezTo>
-                    <a:cubicBezTo>
-                      <a:pt x="357" y="458"/>
-                      <a:pt x="364" y="452"/>
-                      <a:pt x="364" y="444"/>
-                    </a:cubicBezTo>
-                    <a:cubicBezTo>
-                      <a:pt x="364" y="78"/>
-                      <a:pt x="364" y="78"/>
-                      <a:pt x="364" y="78"/>
-                    </a:cubicBezTo>
-                    <a:lnTo>
-                      <a:pt x="284" y="0"/>
-                    </a:lnTo>
-                    <a:close/>
-                    <a:moveTo>
-                      <a:pt x="349" y="444"/>
-                    </a:moveTo>
-                    <a:cubicBezTo>
-                      <a:pt x="14" y="444"/>
-                      <a:pt x="14" y="444"/>
-                      <a:pt x="14" y="444"/>
-                    </a:cubicBezTo>
-                    <a:cubicBezTo>
-                      <a:pt x="14" y="14"/>
-                      <a:pt x="14" y="14"/>
-                      <a:pt x="14" y="14"/>
-                    </a:cubicBezTo>
-                    <a:cubicBezTo>
-                      <a:pt x="276" y="14"/>
-                      <a:pt x="276" y="14"/>
-                      <a:pt x="276" y="14"/>
-                    </a:cubicBezTo>
-                    <a:cubicBezTo>
-                      <a:pt x="276" y="85"/>
-                      <a:pt x="276" y="85"/>
-                      <a:pt x="276" y="85"/>
-                    </a:cubicBezTo>
-                    <a:cubicBezTo>
-                      <a:pt x="349" y="85"/>
-                      <a:pt x="349" y="85"/>
-                      <a:pt x="349" y="85"/>
-                    </a:cubicBezTo>
-                    <a:lnTo>
-                      <a:pt x="349" y="444"/>
-                    </a:lnTo>
-                    <a:close/>
-                  </a:path>
-                </a:pathLst>
-              </a:custGeom>
-              <a:solidFill>
-                <a:schemeClr val="accent1"/>
-              </a:solidFill>
-              <a:ln>
-                <a:solidFill>
-                  <a:schemeClr val="accent3"/>
-                </a:solidFill>
-              </a:ln>
-            </p:spPr>
-            <p:txBody>
-              <a:bodyPr vert="horz" wrap="square" lIns="91440" tIns="45720" rIns="91440" bIns="45720" numCol="1" anchor="t" anchorCtr="0" compatLnSpc="1">
-                <a:prstTxWarp prst="textNoShape">
-                  <a:avLst/>
-                </a:prstTxWarp>
-              </a:bodyPr>
-              <a:lstStyle/>
-              <a:p>
-                <a:endParaRPr lang="en-US"/>
-              </a:p>
-            </p:txBody>
-          </p:sp>
-        </p:grpSp>
-        <p:sp>
-          <p:nvSpPr>
-            <p:cNvPr id="103" name="TextBox 102"/>
-            <p:cNvSpPr txBox="1"/>
-            <p:nvPr/>
-          </p:nvSpPr>
-          <p:spPr>
-            <a:xfrm>
-              <a:off x="1390347" y="3987797"/>
-              <a:ext cx="432084" cy="348814"/>
-            </a:xfrm>
-            <a:prstGeom prst="rect">
-              <a:avLst/>
-            </a:prstGeom>
-            <a:noFill/>
-            <a:ln>
-              <a:noFill/>
-            </a:ln>
-          </p:spPr>
-          <p:txBody>
-            <a:bodyPr wrap="square" lIns="0" rIns="0" rtlCol="0">
-              <a:spAutoFit/>
-            </a:bodyPr>
-            <a:lstStyle/>
-            <a:p>
-              <a:pPr algn="ctr"/>
-              <a:r>
-                <a:rPr lang="en-US" sz="1100" b="1" dirty="0" smtClean="0">
-                  <a:solidFill>
-                    <a:srgbClr val="6B9B20"/>
-                  </a:solidFill>
-                </a:rPr>
-                <a:t>Doc </a:t>
-              </a:r>
-              <a:r>
-                <a:rPr lang="en-US" sz="1100" b="1" dirty="0">
-                  <a:solidFill>
-                    <a:srgbClr val="6B9B20"/>
-                  </a:solidFill>
-                </a:rPr>
-                <a:t>1</a:t>
-              </a:r>
-            </a:p>
-          </p:txBody>
-        </p:sp>
-      </p:grpSp>
-      <p:grpSp>
-        <p:nvGrpSpPr>
-          <p:cNvPr id="43" name="Group 42"/>
-          <p:cNvGrpSpPr/>
-          <p:nvPr/>
-        </p:nvGrpSpPr>
-        <p:grpSpPr>
-          <a:xfrm>
-            <a:off x="4314954" y="2786852"/>
-            <a:ext cx="445677" cy="271230"/>
-            <a:chOff x="1390346" y="3931213"/>
-            <a:chExt cx="445677" cy="361641"/>
-          </a:xfrm>
-        </p:grpSpPr>
-        <p:grpSp>
-          <p:nvGrpSpPr>
-            <p:cNvPr id="44" name="Group 43"/>
-            <p:cNvGrpSpPr/>
-            <p:nvPr/>
-          </p:nvGrpSpPr>
-          <p:grpSpPr>
-            <a:xfrm rot="16200000">
-              <a:off x="1436273" y="3885286"/>
-              <a:ext cx="353823" cy="445677"/>
-              <a:chOff x="6103938" y="2111375"/>
-              <a:chExt cx="1363662" cy="1717675"/>
-            </a:xfrm>
-          </p:grpSpPr>
-          <p:sp>
-            <p:nvSpPr>
-              <p:cNvPr id="46" name="Freeform 13"/>
-              <p:cNvSpPr>
-                <a:spLocks/>
-              </p:cNvSpPr>
-              <p:nvPr/>
-            </p:nvSpPr>
-            <p:spPr bwMode="auto">
-              <a:xfrm>
-                <a:off x="6156325" y="2163763"/>
-                <a:ext cx="1270000" cy="1612900"/>
-              </a:xfrm>
-              <a:custGeom>
-                <a:avLst/>
-                <a:gdLst>
-                  <a:gd name="T0" fmla="*/ 800 w 800"/>
-                  <a:gd name="T1" fmla="*/ 1016 h 1016"/>
-                  <a:gd name="T2" fmla="*/ 0 w 800"/>
-                  <a:gd name="T3" fmla="*/ 1016 h 1016"/>
-                  <a:gd name="T4" fmla="*/ 0 w 800"/>
-                  <a:gd name="T5" fmla="*/ 0 h 1016"/>
-                  <a:gd name="T6" fmla="*/ 640 w 800"/>
-                  <a:gd name="T7" fmla="*/ 0 h 1016"/>
-                  <a:gd name="T8" fmla="*/ 800 w 800"/>
-                  <a:gd name="T9" fmla="*/ 156 h 1016"/>
-                  <a:gd name="T10" fmla="*/ 800 w 800"/>
-                  <a:gd name="T11" fmla="*/ 1016 h 1016"/>
-                </a:gdLst>
-                <a:ahLst/>
-                <a:cxnLst>
-                  <a:cxn ang="0">
-                    <a:pos x="T0" y="T1"/>
-                  </a:cxn>
-                  <a:cxn ang="0">
-                    <a:pos x="T2" y="T3"/>
-                  </a:cxn>
-                  <a:cxn ang="0">
-                    <a:pos x="T4" y="T5"/>
-                  </a:cxn>
-                  <a:cxn ang="0">
-                    <a:pos x="T6" y="T7"/>
-                  </a:cxn>
-                  <a:cxn ang="0">
-                    <a:pos x="T8" y="T9"/>
-                  </a:cxn>
-                  <a:cxn ang="0">
-                    <a:pos x="T10" y="T11"/>
-                  </a:cxn>
-                </a:cxnLst>
-                <a:rect l="0" t="0" r="r" b="b"/>
-                <a:pathLst>
-                  <a:path w="800" h="1016">
-                    <a:moveTo>
-                      <a:pt x="800" y="1016"/>
-                    </a:moveTo>
-                    <a:lnTo>
-                      <a:pt x="0" y="1016"/>
-                    </a:lnTo>
-                    <a:lnTo>
-                      <a:pt x="0" y="0"/>
-                    </a:lnTo>
-                    <a:lnTo>
-                      <a:pt x="640" y="0"/>
-                    </a:lnTo>
-                    <a:lnTo>
-                      <a:pt x="800" y="156"/>
-                    </a:lnTo>
-                    <a:lnTo>
-                      <a:pt x="800" y="1016"/>
-                    </a:lnTo>
-                    <a:close/>
-                  </a:path>
-                </a:pathLst>
-              </a:custGeom>
-              <a:solidFill>
-                <a:srgbClr val="FFFFFF"/>
-              </a:solidFill>
-              <a:ln w="9525">
-                <a:solidFill>
-                  <a:srgbClr val="000000"/>
-                </a:solidFill>
-                <a:round/>
-                <a:headEnd/>
-                <a:tailEnd/>
-              </a:ln>
-              <a:extLst/>
-            </p:spPr>
-            <p:txBody>
-              <a:bodyPr vert="horz" wrap="square" lIns="91440" tIns="45720" rIns="91440" bIns="45720" numCol="1" anchor="t" anchorCtr="0" compatLnSpc="1">
-                <a:prstTxWarp prst="textNoShape">
-                  <a:avLst/>
-                </a:prstTxWarp>
-              </a:bodyPr>
-              <a:lstStyle/>
-              <a:p>
-                <a:endParaRPr lang="en-US"/>
-              </a:p>
-            </p:txBody>
-          </p:sp>
-          <p:sp>
-            <p:nvSpPr>
-              <p:cNvPr id="47" name="Freeform 14"/>
-              <p:cNvSpPr>
-                <a:spLocks noEditPoints="1"/>
-              </p:cNvSpPr>
-              <p:nvPr/>
-            </p:nvSpPr>
-            <p:spPr bwMode="auto">
-              <a:xfrm>
-                <a:off x="6103938" y="2111375"/>
-                <a:ext cx="1363662" cy="1717675"/>
-              </a:xfrm>
-              <a:custGeom>
-                <a:avLst/>
-                <a:gdLst>
-                  <a:gd name="T0" fmla="*/ 284 w 364"/>
-                  <a:gd name="T1" fmla="*/ 0 h 458"/>
-                  <a:gd name="T2" fmla="*/ 0 w 364"/>
-                  <a:gd name="T3" fmla="*/ 0 h 458"/>
-                  <a:gd name="T4" fmla="*/ 0 w 364"/>
-                  <a:gd name="T5" fmla="*/ 444 h 458"/>
-                  <a:gd name="T6" fmla="*/ 14 w 364"/>
-                  <a:gd name="T7" fmla="*/ 458 h 458"/>
-                  <a:gd name="T8" fmla="*/ 349 w 364"/>
-                  <a:gd name="T9" fmla="*/ 458 h 458"/>
-                  <a:gd name="T10" fmla="*/ 364 w 364"/>
-                  <a:gd name="T11" fmla="*/ 444 h 458"/>
-                  <a:gd name="T12" fmla="*/ 364 w 364"/>
-                  <a:gd name="T13" fmla="*/ 78 h 458"/>
-                  <a:gd name="T14" fmla="*/ 284 w 364"/>
-                  <a:gd name="T15" fmla="*/ 0 h 458"/>
-                  <a:gd name="T16" fmla="*/ 349 w 364"/>
-                  <a:gd name="T17" fmla="*/ 444 h 458"/>
-                  <a:gd name="T18" fmla="*/ 14 w 364"/>
-                  <a:gd name="T19" fmla="*/ 444 h 458"/>
-                  <a:gd name="T20" fmla="*/ 14 w 364"/>
-                  <a:gd name="T21" fmla="*/ 14 h 458"/>
-                  <a:gd name="T22" fmla="*/ 276 w 364"/>
-                  <a:gd name="T23" fmla="*/ 14 h 458"/>
-                  <a:gd name="T24" fmla="*/ 276 w 364"/>
-                  <a:gd name="T25" fmla="*/ 85 h 458"/>
-                  <a:gd name="T26" fmla="*/ 349 w 364"/>
-                  <a:gd name="T27" fmla="*/ 85 h 458"/>
-                  <a:gd name="T28" fmla="*/ 349 w 364"/>
-                  <a:gd name="T29" fmla="*/ 444 h 458"/>
-                </a:gdLst>
-                <a:ahLst/>
-                <a:cxnLst>
-                  <a:cxn ang="0">
-                    <a:pos x="T0" y="T1"/>
-                  </a:cxn>
-                  <a:cxn ang="0">
-                    <a:pos x="T2" y="T3"/>
-                  </a:cxn>
-                  <a:cxn ang="0">
-                    <a:pos x="T4" y="T5"/>
-                  </a:cxn>
-                  <a:cxn ang="0">
-                    <a:pos x="T6" y="T7"/>
-                  </a:cxn>
-                  <a:cxn ang="0">
-                    <a:pos x="T8" y="T9"/>
-                  </a:cxn>
-                  <a:cxn ang="0">
-                    <a:pos x="T10" y="T11"/>
-                  </a:cxn>
-                  <a:cxn ang="0">
-                    <a:pos x="T12" y="T13"/>
-                  </a:cxn>
-                  <a:cxn ang="0">
-                    <a:pos x="T14" y="T15"/>
-                  </a:cxn>
-                  <a:cxn ang="0">
-                    <a:pos x="T16" y="T17"/>
-                  </a:cxn>
-                  <a:cxn ang="0">
-                    <a:pos x="T18" y="T19"/>
-                  </a:cxn>
-                  <a:cxn ang="0">
-                    <a:pos x="T20" y="T21"/>
-                  </a:cxn>
-                  <a:cxn ang="0">
-                    <a:pos x="T22" y="T23"/>
-                  </a:cxn>
-                  <a:cxn ang="0">
-                    <a:pos x="T24" y="T25"/>
-                  </a:cxn>
-                  <a:cxn ang="0">
-                    <a:pos x="T26" y="T27"/>
-                  </a:cxn>
-                  <a:cxn ang="0">
-                    <a:pos x="T28" y="T29"/>
-                  </a:cxn>
-                </a:cxnLst>
-                <a:rect l="0" t="0" r="r" b="b"/>
-                <a:pathLst>
-                  <a:path w="364" h="458">
-                    <a:moveTo>
-                      <a:pt x="284" y="0"/>
-                    </a:moveTo>
-                    <a:cubicBezTo>
-                      <a:pt x="0" y="0"/>
-                      <a:pt x="0" y="0"/>
-                      <a:pt x="0" y="0"/>
-                    </a:cubicBezTo>
-                    <a:cubicBezTo>
-                      <a:pt x="0" y="444"/>
-                      <a:pt x="0" y="444"/>
-                      <a:pt x="0" y="444"/>
-                    </a:cubicBezTo>
-                    <a:cubicBezTo>
-                      <a:pt x="0" y="452"/>
-                      <a:pt x="6" y="458"/>
-                      <a:pt x="14" y="458"/>
-                    </a:cubicBezTo>
-                    <a:cubicBezTo>
-                      <a:pt x="349" y="458"/>
-                      <a:pt x="349" y="458"/>
-                      <a:pt x="349" y="458"/>
-                    </a:cubicBezTo>
-                    <a:cubicBezTo>
-                      <a:pt x="357" y="458"/>
-                      <a:pt x="364" y="452"/>
-                      <a:pt x="364" y="444"/>
-                    </a:cubicBezTo>
-                    <a:cubicBezTo>
-                      <a:pt x="364" y="78"/>
-                      <a:pt x="364" y="78"/>
-                      <a:pt x="364" y="78"/>
-                    </a:cubicBezTo>
-                    <a:lnTo>
-                      <a:pt x="284" y="0"/>
-                    </a:lnTo>
-                    <a:close/>
-                    <a:moveTo>
-                      <a:pt x="349" y="444"/>
-                    </a:moveTo>
-                    <a:cubicBezTo>
-                      <a:pt x="14" y="444"/>
-                      <a:pt x="14" y="444"/>
-                      <a:pt x="14" y="444"/>
-                    </a:cubicBezTo>
-                    <a:cubicBezTo>
-                      <a:pt x="14" y="14"/>
-                      <a:pt x="14" y="14"/>
-                      <a:pt x="14" y="14"/>
-                    </a:cubicBezTo>
-                    <a:cubicBezTo>
-                      <a:pt x="276" y="14"/>
-                      <a:pt x="276" y="14"/>
-                      <a:pt x="276" y="14"/>
-                    </a:cubicBezTo>
-                    <a:cubicBezTo>
-                      <a:pt x="276" y="85"/>
-                      <a:pt x="276" y="85"/>
-                      <a:pt x="276" y="85"/>
-                    </a:cubicBezTo>
-                    <a:cubicBezTo>
-                      <a:pt x="349" y="85"/>
-                      <a:pt x="349" y="85"/>
-                      <a:pt x="349" y="85"/>
-                    </a:cubicBezTo>
-                    <a:lnTo>
-                      <a:pt x="349" y="444"/>
-                    </a:lnTo>
-                    <a:close/>
-                  </a:path>
-                </a:pathLst>
-              </a:custGeom>
-              <a:solidFill>
-                <a:schemeClr val="accent1"/>
-              </a:solidFill>
-              <a:ln>
-                <a:solidFill>
-                  <a:schemeClr val="accent3"/>
-                </a:solidFill>
-              </a:ln>
-            </p:spPr>
-            <p:txBody>
-              <a:bodyPr vert="horz" wrap="square" lIns="91440" tIns="45720" rIns="91440" bIns="45720" numCol="1" anchor="t" anchorCtr="0" compatLnSpc="1">
-                <a:prstTxWarp prst="textNoShape">
-                  <a:avLst/>
-                </a:prstTxWarp>
-              </a:bodyPr>
-              <a:lstStyle/>
-              <a:p>
-                <a:endParaRPr lang="en-US"/>
-              </a:p>
-            </p:txBody>
-          </p:sp>
-        </p:grpSp>
-        <p:sp>
-          <p:nvSpPr>
-            <p:cNvPr id="45" name="TextBox 44"/>
-            <p:cNvSpPr txBox="1"/>
-            <p:nvPr/>
-          </p:nvSpPr>
-          <p:spPr>
-            <a:xfrm>
-              <a:off x="1390347" y="3944040"/>
-              <a:ext cx="432084" cy="348814"/>
-            </a:xfrm>
-            <a:prstGeom prst="rect">
-              <a:avLst/>
-            </a:prstGeom>
-            <a:noFill/>
-            <a:ln>
-              <a:noFill/>
-            </a:ln>
-          </p:spPr>
-          <p:txBody>
-            <a:bodyPr wrap="square" lIns="0" rIns="0" rtlCol="0">
-              <a:spAutoFit/>
-            </a:bodyPr>
-            <a:lstStyle/>
-            <a:p>
-              <a:pPr algn="ctr"/>
-              <a:r>
-                <a:rPr lang="en-US" sz="1100" b="1" dirty="0">
-                  <a:solidFill>
-                    <a:srgbClr val="6B9B20"/>
-                  </a:solidFill>
-                </a:rPr>
-                <a:t>Doc 1</a:t>
-              </a:r>
-            </a:p>
-          </p:txBody>
-        </p:sp>
-      </p:grpSp>
-    </p:spTree>
-    <p:extLst>
-      <p:ext uri="{BB962C8B-B14F-4D97-AF65-F5344CB8AC3E}">
-        <p14:creationId xmlns:p14="http://schemas.microsoft.com/office/powerpoint/2010/main" val="262625734"/>
-      </p:ext>
-    </p:extLst>
-  </p:cSld>
-  <p:clrMapOvr>
-    <a:masterClrMapping/>
-  </p:clrMapOvr>
-  <mc:AlternateContent xmlns:mc="http://schemas.openxmlformats.org/markup-compatibility/2006" xmlns:p14="http://schemas.microsoft.com/office/powerpoint/2010/main">
-    <mc:Choice Requires="p14">
-      <p:transition spd="slow" p14:dur="2000"/>
-    </mc:Choice>
-    <mc:Fallback xmlns="">
-      <p:transition xmlns:p14="http://schemas.microsoft.com/office/powerpoint/2010/main" spd="slow"/>
-    </mc:Fallback>
-  </mc:AlternateContent>
-  <p:timing>
-    <p:tnLst>
-      <p:par>
-        <p:cTn xmlns:p14="http://schemas.microsoft.com/office/powerpoint/2010/main" id="1" dur="indefinite" restart="never" nodeType="tmRoot">
-          <p:childTnLst>
-            <p:seq concurrent="1" nextAc="seek">
-              <p:cTn id="2" dur="indefinite" nodeType="mainSeq">
-                <p:childTnLst>
-                  <p:par>
-                    <p:cTn id="3" fill="hold">
-                      <p:stCondLst>
-                        <p:cond delay="indefinite"/>
-                      </p:stCondLst>
-                      <p:childTnLst>
-                        <p:par>
-                          <p:cTn id="4" fill="hold">
-                            <p:stCondLst>
-                              <p:cond delay="0"/>
-                            </p:stCondLst>
-                            <p:childTnLst>
-                              <p:par>
-                                <p:cTn id="5" presetID="42" presetClass="path" presetSubtype="0" accel="50000" decel="50000" fill="hold" nodeType="clickEffect">
-                                  <p:stCondLst>
-                                    <p:cond delay="0"/>
-                                  </p:stCondLst>
-                                  <p:childTnLst>
-                                    <p:animMotion origin="layout" path="M 4.44444E-6 4.44444E-6 L 4.44444E-6 0.31805 " pathEditMode="relative" rAng="0" ptsTypes="AA">
-                                      <p:cBhvr>
-                                        <p:cTn id="6" dur="2000" fill="hold"/>
-                                        <p:tgtEl>
-                                          <p:spTgt spid="33"/>
-                                        </p:tgtEl>
-                                        <p:attrNameLst>
-                                          <p:attrName>ppt_x</p:attrName>
-                                          <p:attrName>ppt_y</p:attrName>
-                                        </p:attrNameLst>
-                                      </p:cBhvr>
-                                      <p:rCtr x="0" y="15903"/>
-                                    </p:animMotion>
-                                  </p:childTnLst>
-                                </p:cTn>
-                              </p:par>
-                            </p:childTnLst>
-                          </p:cTn>
-                        </p:par>
-                        <p:par>
-                          <p:cTn id="7" fill="hold">
-                            <p:stCondLst>
-                              <p:cond delay="2000"/>
-                            </p:stCondLst>
-                            <p:childTnLst>
-                              <p:par>
-                                <p:cTn id="8" presetID="1" presetClass="entr" presetSubtype="0" fill="hold" nodeType="afterEffect">
-                                  <p:stCondLst>
-                                    <p:cond delay="0"/>
-                                  </p:stCondLst>
-                                  <p:childTnLst>
-                                    <p:set>
-                                      <p:cBhvr>
-                                        <p:cTn id="9" dur="1" fill="hold">
-                                          <p:stCondLst>
-                                            <p:cond delay="0"/>
-                                          </p:stCondLst>
-                                        </p:cTn>
-                                        <p:tgtEl>
-                                          <p:spTgt spid="43"/>
-                                        </p:tgtEl>
-                                        <p:attrNameLst>
-                                          <p:attrName>style.visibility</p:attrName>
-                                        </p:attrNameLst>
-                                      </p:cBhvr>
-                                      <p:to>
-                                        <p:strVal val="visible"/>
-                                      </p:to>
-                                    </p:set>
-                                  </p:childTnLst>
-                                </p:cTn>
-                              </p:par>
-                              <p:par>
-                                <p:cTn id="10" presetID="1" presetClass="entr" presetSubtype="0" fill="hold" nodeType="withEffect">
-                                  <p:stCondLst>
-                                    <p:cond delay="0"/>
-                                  </p:stCondLst>
-                                  <p:childTnLst>
-                                    <p:set>
-                                      <p:cBhvr>
-                                        <p:cTn id="11" dur="1" fill="hold">
-                                          <p:stCondLst>
-                                            <p:cond delay="0"/>
-                                          </p:stCondLst>
-                                        </p:cTn>
-                                        <p:tgtEl>
-                                          <p:spTgt spid="48"/>
-                                        </p:tgtEl>
-                                        <p:attrNameLst>
-                                          <p:attrName>style.visibility</p:attrName>
-                                        </p:attrNameLst>
-                                      </p:cBhvr>
-                                      <p:to>
-                                        <p:strVal val="visible"/>
-                                      </p:to>
-                                    </p:set>
-                                  </p:childTnLst>
-                                </p:cTn>
-                              </p:par>
-                              <p:par>
-                                <p:cTn id="12" presetID="1" presetClass="entr" presetSubtype="0" fill="hold" nodeType="withEffect">
-                                  <p:stCondLst>
-                                    <p:cond delay="0"/>
-                                  </p:stCondLst>
-                                  <p:childTnLst>
-                                    <p:set>
-                                      <p:cBhvr>
-                                        <p:cTn id="13" dur="1" fill="hold">
-                                          <p:stCondLst>
-                                            <p:cond delay="0"/>
-                                          </p:stCondLst>
-                                        </p:cTn>
-                                        <p:tgtEl>
-                                          <p:spTgt spid="101"/>
-                                        </p:tgtEl>
-                                        <p:attrNameLst>
-                                          <p:attrName>style.visibility</p:attrName>
-                                        </p:attrNameLst>
-                                      </p:cBhvr>
-                                      <p:to>
-                                        <p:strVal val="visible"/>
-                                      </p:to>
-                                    </p:set>
-                                  </p:childTnLst>
-                                </p:cTn>
-                              </p:par>
-                            </p:childTnLst>
-                          </p:cTn>
-                        </p:par>
-                      </p:childTnLst>
-                    </p:cTn>
-                  </p:par>
-                  <p:par>
-                    <p:cTn id="14" fill="hold">
-                      <p:stCondLst>
-                        <p:cond delay="indefinite"/>
-                      </p:stCondLst>
-                      <p:childTnLst>
-                        <p:par>
-                          <p:cTn id="15" fill="hold">
-                            <p:stCondLst>
-                              <p:cond delay="0"/>
-                            </p:stCondLst>
-                            <p:childTnLst>
-                              <p:par>
-                                <p:cTn id="16" presetID="0" presetClass="path" presetSubtype="0" accel="50000" decel="50000" fill="hold" nodeType="clickEffect">
-                                  <p:stCondLst>
-                                    <p:cond delay="0"/>
-                                  </p:stCondLst>
-                                  <p:childTnLst>
-                                    <p:animMotion origin="layout" path="M -2.14794E-6 1.34059E-6 L -0.21809 0.01574 " pathEditMode="relative" rAng="0" ptsTypes="AA">
-                                      <p:cBhvr>
-                                        <p:cTn id="17" dur="2000" fill="hold"/>
-                                        <p:tgtEl>
-                                          <p:spTgt spid="101"/>
-                                        </p:tgtEl>
-                                        <p:attrNameLst>
-                                          <p:attrName>ppt_x</p:attrName>
-                                          <p:attrName>ppt_y</p:attrName>
-                                        </p:attrNameLst>
-                                      </p:cBhvr>
-                                      <p:rCtr x="-10905" y="787"/>
-                                    </p:animMotion>
-                                  </p:childTnLst>
-                                </p:cTn>
-                              </p:par>
-                              <p:par>
-                                <p:cTn id="18" presetID="42" presetClass="path" presetSubtype="0" accel="50000" decel="50000" fill="hold" nodeType="withEffect">
-                                  <p:stCondLst>
-                                    <p:cond delay="0"/>
-                                  </p:stCondLst>
-                                  <p:childTnLst>
-                                    <p:animMotion origin="layout" path="M 0.00035 -0.00023 L 0.18785 -0.00023 " pathEditMode="relative" rAng="0" ptsTypes="AA">
-                                      <p:cBhvr>
-                                        <p:cTn id="19" dur="2000" fill="hold"/>
-                                        <p:tgtEl>
-                                          <p:spTgt spid="48"/>
-                                        </p:tgtEl>
-                                        <p:attrNameLst>
-                                          <p:attrName>ppt_x</p:attrName>
-                                          <p:attrName>ppt_y</p:attrName>
-                                        </p:attrNameLst>
-                                      </p:cBhvr>
-                                      <p:rCtr x="9375" y="0"/>
-                                    </p:animMotion>
-                                  </p:childTnLst>
-                                </p:cTn>
-                              </p:par>
-                              <p:par>
-                                <p:cTn id="20" presetID="42" presetClass="path" presetSubtype="0" accel="50000" decel="50000" fill="hold" nodeType="withEffect">
-                                  <p:stCondLst>
-                                    <p:cond delay="0"/>
-                                  </p:stCondLst>
-                                  <p:childTnLst>
-                                    <p:animMotion origin="layout" path="M -2.14794E-6 1.34059E-6 L -0.14707 -0.07641 " pathEditMode="relative" rAng="0" ptsTypes="AA">
-                                      <p:cBhvr>
-                                        <p:cTn id="21" dur="2000" fill="hold"/>
-                                        <p:tgtEl>
-                                          <p:spTgt spid="43"/>
-                                        </p:tgtEl>
-                                        <p:attrNameLst>
-                                          <p:attrName>ppt_x</p:attrName>
-                                          <p:attrName>ppt_y</p:attrName>
-                                        </p:attrNameLst>
-                                      </p:cBhvr>
-                                      <p:rCtr x="-7362" y="-3820"/>
-                                    </p:animMotion>
-                                  </p:childTnLst>
-                                </p:cTn>
-                              </p:par>
-                            </p:childTnLst>
-                          </p:cTn>
-                        </p:par>
-                      </p:childTnLst>
-                    </p:cTn>
-                  </p:par>
-                  <p:par>
-                    <p:cTn id="22" fill="hold">
-                      <p:stCondLst>
-                        <p:cond delay="indefinite"/>
-                      </p:stCondLst>
-                      <p:childTnLst>
-                        <p:par>
-                          <p:cTn id="23" fill="hold">
-                            <p:stCondLst>
-                              <p:cond delay="0"/>
-                            </p:stCondLst>
-                            <p:childTnLst>
-                              <p:par>
-                                <p:cTn id="24" presetID="42" presetClass="path" presetSubtype="0" accel="50000" decel="50000" fill="hold" nodeType="clickEffect">
-                                  <p:stCondLst>
-                                    <p:cond delay="0"/>
-                                  </p:stCondLst>
-                                  <p:childTnLst>
-                                    <p:animMotion origin="layout" path="M -0.14705 -0.07639 L -0.52222 -0.07777 " pathEditMode="relative" rAng="0" ptsTypes="AA">
-                                      <p:cBhvr>
-                                        <p:cTn id="25" dur="1000" fill="hold"/>
-                                        <p:tgtEl>
-                                          <p:spTgt spid="43"/>
-                                        </p:tgtEl>
-                                        <p:attrNameLst>
-                                          <p:attrName>ppt_x</p:attrName>
-                                          <p:attrName>ppt_y</p:attrName>
-                                        </p:attrNameLst>
-                                      </p:cBhvr>
-                                      <p:rCtr x="-18767" y="-69"/>
-                                    </p:animMotion>
-                                  </p:childTnLst>
-                                </p:cTn>
-                              </p:par>
-                            </p:childTnLst>
-                          </p:cTn>
-                        </p:par>
-                      </p:childTnLst>
-                    </p:cTn>
-                  </p:par>
-                  <p:par>
-                    <p:cTn id="26" fill="hold">
-                      <p:stCondLst>
-                        <p:cond delay="indefinite"/>
-                      </p:stCondLst>
-                      <p:childTnLst>
-                        <p:par>
-                          <p:cTn id="27" fill="hold">
-                            <p:stCondLst>
-                              <p:cond delay="0"/>
-                            </p:stCondLst>
-                            <p:childTnLst>
-                              <p:par>
-                                <p:cTn id="28" presetID="42" presetClass="path" presetSubtype="0" accel="50000" decel="50000" fill="hold" nodeType="clickEffect">
-                                  <p:stCondLst>
-                                    <p:cond delay="0"/>
-                                  </p:stCondLst>
-                                  <p:childTnLst>
-                                    <p:animMotion origin="layout" path="M -0.21806 0.01574 L -0.21806 0.25509 " pathEditMode="relative" rAng="0" ptsTypes="AA">
-                                      <p:cBhvr>
-                                        <p:cTn id="29" dur="2000" fill="hold"/>
-                                        <p:tgtEl>
-                                          <p:spTgt spid="101"/>
-                                        </p:tgtEl>
-                                        <p:attrNameLst>
-                                          <p:attrName>ppt_x</p:attrName>
-                                          <p:attrName>ppt_y</p:attrName>
-                                        </p:attrNameLst>
-                                      </p:cBhvr>
-                                      <p:rCtr x="0" y="11968"/>
-                                    </p:animMotion>
-                                  </p:childTnLst>
-                                </p:cTn>
-                              </p:par>
-                              <p:par>
-                                <p:cTn id="30" presetID="42" presetClass="path" presetSubtype="0" accel="50000" decel="50000" fill="hold" nodeType="withEffect">
-                                  <p:stCondLst>
-                                    <p:cond delay="0"/>
-                                  </p:stCondLst>
-                                  <p:childTnLst>
-                                    <p:animMotion origin="layout" path="M 0.18785 -0.00023 L 0.18576 0.23889 " pathEditMode="relative" rAng="0" ptsTypes="AA">
-                                      <p:cBhvr>
-                                        <p:cTn id="31" dur="2000" fill="hold"/>
-                                        <p:tgtEl>
-                                          <p:spTgt spid="48"/>
-                                        </p:tgtEl>
-                                        <p:attrNameLst>
-                                          <p:attrName>ppt_x</p:attrName>
-                                          <p:attrName>ppt_y</p:attrName>
-                                        </p:attrNameLst>
-                                      </p:cBhvr>
-                                      <p:rCtr x="-104" y="11944"/>
-                                    </p:animMotion>
-                                  </p:childTnLst>
-                                </p:cTn>
-                              </p:par>
-                            </p:childTnLst>
-                          </p:cTn>
-                        </p:par>
-                        <p:par>
-                          <p:cTn id="32" fill="hold">
-                            <p:stCondLst>
-                              <p:cond delay="2000"/>
-                            </p:stCondLst>
-                            <p:childTnLst>
-                              <p:par>
-                                <p:cTn id="33" presetID="0" presetClass="path" presetSubtype="0" accel="50000" decel="50000" fill="hold" nodeType="afterEffect">
-                                  <p:stCondLst>
-                                    <p:cond delay="0"/>
-                                  </p:stCondLst>
-                                  <p:childTnLst>
-                                    <p:animMotion origin="layout" path="M -0.22087 0.26465 L -0.14065 0.26326 " pathEditMode="relative" rAng="0" ptsTypes="AA">
-                                      <p:cBhvr>
-                                        <p:cTn id="34" dur="2000" fill="hold"/>
-                                        <p:tgtEl>
-                                          <p:spTgt spid="101"/>
-                                        </p:tgtEl>
-                                        <p:attrNameLst>
-                                          <p:attrName>ppt_x</p:attrName>
-                                          <p:attrName>ppt_y</p:attrName>
-                                        </p:attrNameLst>
-                                      </p:cBhvr>
-                                      <p:rCtr x="4011" y="-69"/>
-                                    </p:animMotion>
-                                  </p:childTnLst>
-                                  <p:subTnLst>
-                                    <p:set>
-                                      <p:cBhvr override="childStyle">
-                                        <p:cTn dur="1" fill="hold" display="0" masterRel="nextClick" afterEffect="1"/>
-                                        <p:tgtEl>
-                                          <p:spTgt spid="101"/>
-                                        </p:tgtEl>
-                                        <p:attrNameLst>
-                                          <p:attrName>style.visibility</p:attrName>
-                                        </p:attrNameLst>
-                                      </p:cBhvr>
-                                      <p:to>
-                                        <p:strVal val="hidden"/>
-                                      </p:to>
-                                    </p:set>
-                                  </p:subTnLst>
-                                </p:cTn>
-                              </p:par>
-                              <p:par>
-                                <p:cTn id="35" presetID="42" presetClass="path" presetSubtype="0" accel="50000" decel="50000" fill="hold" nodeType="withEffect">
-                                  <p:stCondLst>
-                                    <p:cond delay="0"/>
-                                  </p:stCondLst>
-                                  <p:childTnLst>
-                                    <p:animMotion origin="layout" path="M 0.18802 0.24051 L 0.00434 0.24028 " pathEditMode="relative" rAng="0" ptsTypes="AA">
-                                      <p:cBhvr>
-                                        <p:cTn id="36" dur="2000" fill="hold"/>
-                                        <p:tgtEl>
-                                          <p:spTgt spid="48"/>
-                                        </p:tgtEl>
-                                        <p:attrNameLst>
-                                          <p:attrName>ppt_x</p:attrName>
-                                          <p:attrName>ppt_y</p:attrName>
-                                        </p:attrNameLst>
-                                      </p:cBhvr>
-                                      <p:rCtr x="-9184" y="-23"/>
-                                    </p:animMotion>
-                                  </p:childTnLst>
-                                </p:cTn>
-                              </p:par>
-                            </p:childTnLst>
-                          </p:cTn>
-                        </p:par>
-                        <p:par>
-                          <p:cTn id="37" fill="hold">
-                            <p:stCondLst>
-                              <p:cond delay="4000"/>
-                            </p:stCondLst>
-                            <p:childTnLst>
-                              <p:par>
-                                <p:cTn id="38" presetID="26" presetClass="emph" presetSubtype="0" fill="hold" nodeType="afterEffect">
-                                  <p:stCondLst>
-                                    <p:cond delay="0"/>
-                                  </p:stCondLst>
-                                  <p:childTnLst>
-                                    <p:animEffect transition="out" filter="fade">
-                                      <p:cBhvr>
-                                        <p:cTn id="39" dur="2000" tmFilter="0, 0; .2, .5; .8, .5; 1, 0"/>
-                                        <p:tgtEl>
-                                          <p:spTgt spid="62"/>
-                                        </p:tgtEl>
-                                      </p:cBhvr>
-                                    </p:animEffect>
-                                    <p:animScale>
-                                      <p:cBhvr>
-                                        <p:cTn id="40" dur="1000" autoRev="1" fill="hold"/>
-                                        <p:tgtEl>
-                                          <p:spTgt spid="62"/>
-                                        </p:tgtEl>
-                                      </p:cBhvr>
-                                      <p:by x="105000" y="105000"/>
-                                    </p:animScale>
-                                  </p:childTnLst>
-                                </p:cTn>
-                              </p:par>
-                            </p:childTnLst>
-                          </p:cTn>
-                        </p:par>
-                      </p:childTnLst>
-                    </p:cTn>
-                  </p:par>
-                </p:childTnLst>
-              </p:cTn>
-              <p:prevCondLst>
-                <p:cond evt="onPrev" delay="0">
-                  <p:tgtEl>
-                    <p:sldTgt/>
-                  </p:tgtEl>
-                </p:cond>
-              </p:prevCondLst>
-              <p:nextCondLst>
-                <p:cond evt="onNext" delay="0">
-                  <p:tgtEl>
-                    <p:sldTgt/>
-                  </p:tgtEl>
-                </p:cond>
-              </p:nextCondLst>
-            </p:seq>
-          </p:childTnLst>
-        </p:cTn>
       </p:par>
     </p:tnLst>
   </p:timing>

--- a/server/presentations/04_N1QL Details.pptx
+++ b/server/presentations/04_N1QL Details.pptx
@@ -5,39 +5,48 @@
     <p:sldMasterId id="2147483648" r:id="rId1"/>
   </p:sldMasterIdLst>
   <p:notesMasterIdLst>
-    <p:notesMasterId r:id="rId29"/>
+    <p:notesMasterId r:id="rId38"/>
   </p:notesMasterIdLst>
   <p:handoutMasterIdLst>
-    <p:handoutMasterId r:id="rId30"/>
+    <p:handoutMasterId r:id="rId39"/>
   </p:handoutMasterIdLst>
   <p:sldIdLst>
     <p:sldId id="256" r:id="rId2"/>
     <p:sldId id="283" r:id="rId3"/>
     <p:sldId id="293" r:id="rId4"/>
     <p:sldId id="295" r:id="rId5"/>
-    <p:sldId id="290" r:id="rId6"/>
-    <p:sldId id="291" r:id="rId7"/>
-    <p:sldId id="292" r:id="rId8"/>
-    <p:sldId id="285" r:id="rId9"/>
-    <p:sldId id="284" r:id="rId10"/>
-    <p:sldId id="288" r:id="rId11"/>
-    <p:sldId id="287" r:id="rId12"/>
-    <p:sldId id="286" r:id="rId13"/>
-    <p:sldId id="289" r:id="rId14"/>
-    <p:sldId id="294" r:id="rId15"/>
-    <p:sldId id="279" r:id="rId16"/>
-    <p:sldId id="280" r:id="rId17"/>
-    <p:sldId id="281" r:id="rId18"/>
-    <p:sldId id="264" r:id="rId19"/>
-    <p:sldId id="270" r:id="rId20"/>
-    <p:sldId id="276" r:id="rId21"/>
-    <p:sldId id="277" r:id="rId22"/>
-    <p:sldId id="272" r:id="rId23"/>
-    <p:sldId id="275" r:id="rId24"/>
-    <p:sldId id="273" r:id="rId25"/>
-    <p:sldId id="274" r:id="rId26"/>
-    <p:sldId id="267" r:id="rId27"/>
-    <p:sldId id="269" r:id="rId28"/>
+    <p:sldId id="298" r:id="rId6"/>
+    <p:sldId id="296" r:id="rId7"/>
+    <p:sldId id="297" r:id="rId8"/>
+    <p:sldId id="299" r:id="rId9"/>
+    <p:sldId id="300" r:id="rId10"/>
+    <p:sldId id="301" r:id="rId11"/>
+    <p:sldId id="302" r:id="rId12"/>
+    <p:sldId id="304" r:id="rId13"/>
+    <p:sldId id="303" r:id="rId14"/>
+    <p:sldId id="290" r:id="rId15"/>
+    <p:sldId id="291" r:id="rId16"/>
+    <p:sldId id="292" r:id="rId17"/>
+    <p:sldId id="285" r:id="rId18"/>
+    <p:sldId id="284" r:id="rId19"/>
+    <p:sldId id="288" r:id="rId20"/>
+    <p:sldId id="287" r:id="rId21"/>
+    <p:sldId id="286" r:id="rId22"/>
+    <p:sldId id="289" r:id="rId23"/>
+    <p:sldId id="294" r:id="rId24"/>
+    <p:sldId id="279" r:id="rId25"/>
+    <p:sldId id="280" r:id="rId26"/>
+    <p:sldId id="281" r:id="rId27"/>
+    <p:sldId id="264" r:id="rId28"/>
+    <p:sldId id="270" r:id="rId29"/>
+    <p:sldId id="276" r:id="rId30"/>
+    <p:sldId id="277" r:id="rId31"/>
+    <p:sldId id="272" r:id="rId32"/>
+    <p:sldId id="275" r:id="rId33"/>
+    <p:sldId id="273" r:id="rId34"/>
+    <p:sldId id="274" r:id="rId35"/>
+    <p:sldId id="267" r:id="rId36"/>
+    <p:sldId id="269" r:id="rId37"/>
   </p:sldIdLst>
   <p:sldSz cx="9144000" cy="5143500" type="screen16x9"/>
   <p:notesSz cx="6858000" cy="9144000"/>
@@ -595,11 +604,11 @@
           <c:showBubbleSize val="0"/>
         </c:dLbls>
         <c:gapWidth val="150"/>
-        <c:axId val="-2096436856"/>
-        <c:axId val="-2096433528"/>
+        <c:axId val="-2084026952"/>
+        <c:axId val="-2081221512"/>
       </c:barChart>
       <c:catAx>
-        <c:axId val="-2096436856"/>
+        <c:axId val="-2084026952"/>
         <c:scaling>
           <c:orientation val="minMax"/>
         </c:scaling>
@@ -625,7 +634,7 @@
             <a:endParaRPr lang="de-DE"/>
           </a:p>
         </c:txPr>
-        <c:crossAx val="-2096433528"/>
+        <c:crossAx val="-2081221512"/>
         <c:crosses val="autoZero"/>
         <c:auto val="1"/>
         <c:lblAlgn val="ctr"/>
@@ -633,7 +642,7 @@
         <c:noMultiLvlLbl val="0"/>
       </c:catAx>
       <c:valAx>
-        <c:axId val="-2096433528"/>
+        <c:axId val="-2081221512"/>
         <c:scaling>
           <c:orientation val="minMax"/>
         </c:scaling>
@@ -675,7 +684,7 @@
             <a:endParaRPr lang="de-DE"/>
           </a:p>
         </c:txPr>
-        <c:crossAx val="-2096436856"/>
+        <c:crossAx val="-2084026952"/>
         <c:crosses val="autoZero"/>
         <c:crossBetween val="between"/>
       </c:valAx>
@@ -917,11 +926,11 @@
           <c:showBubbleSize val="0"/>
         </c:dLbls>
         <c:gapWidth val="150"/>
-        <c:axId val="-2094070248"/>
-        <c:axId val="-2094066920"/>
+        <c:axId val="-2092527144"/>
+        <c:axId val="-2092523928"/>
       </c:barChart>
       <c:catAx>
-        <c:axId val="-2094070248"/>
+        <c:axId val="-2092527144"/>
         <c:scaling>
           <c:orientation val="minMax"/>
         </c:scaling>
@@ -947,7 +956,7 @@
             <a:endParaRPr lang="de-DE"/>
           </a:p>
         </c:txPr>
-        <c:crossAx val="-2094066920"/>
+        <c:crossAx val="-2092523928"/>
         <c:crosses val="autoZero"/>
         <c:auto val="1"/>
         <c:lblAlgn val="ctr"/>
@@ -955,7 +964,7 @@
         <c:noMultiLvlLbl val="0"/>
       </c:catAx>
       <c:valAx>
-        <c:axId val="-2094066920"/>
+        <c:axId val="-2092523928"/>
         <c:scaling>
           <c:orientation val="minMax"/>
         </c:scaling>
@@ -997,7 +1006,7 @@
             <a:endParaRPr lang="de-DE"/>
           </a:p>
         </c:txPr>
-        <c:crossAx val="-2094070248"/>
+        <c:crossAx val="-2092527144"/>
         <c:crosses val="autoZero"/>
         <c:crossBetween val="between"/>
       </c:valAx>
@@ -1247,11 +1256,11 @@
         </c:dLbls>
         <c:marker val="1"/>
         <c:smooth val="0"/>
-        <c:axId val="-2094025192"/>
-        <c:axId val="-2094668168"/>
+        <c:axId val="-2147303112"/>
+        <c:axId val="-2092769208"/>
       </c:lineChart>
       <c:catAx>
-        <c:axId val="-2094025192"/>
+        <c:axId val="-2147303112"/>
         <c:scaling>
           <c:orientation val="minMax"/>
         </c:scaling>
@@ -1277,7 +1286,7 @@
             <a:endParaRPr lang="de-DE"/>
           </a:p>
         </c:txPr>
-        <c:crossAx val="-2094668168"/>
+        <c:crossAx val="-2092769208"/>
         <c:crosses val="autoZero"/>
         <c:auto val="1"/>
         <c:lblAlgn val="ctr"/>
@@ -1285,7 +1294,7 @@
         <c:noMultiLvlLbl val="0"/>
       </c:catAx>
       <c:valAx>
-        <c:axId val="-2094668168"/>
+        <c:axId val="-2092769208"/>
         <c:scaling>
           <c:orientation val="minMax"/>
         </c:scaling>
@@ -1325,7 +1334,7 @@
             <a:endParaRPr lang="de-DE"/>
           </a:p>
         </c:txPr>
-        <c:crossAx val="-2094025192"/>
+        <c:crossAx val="-2147303112"/>
         <c:crosses val="autoZero"/>
         <c:crossBetween val="between"/>
       </c:valAx>
@@ -1447,7 +1456,7 @@
           <a:p>
             <a:fld id="{B5389E1E-C654-E943-9883-792E99AD7287}" type="datetimeFigureOut">
               <a:rPr lang="en-US" smtClean="0"/>
-              <a:t>22/05/15</a:t>
+              <a:t>25/05/15</a:t>
             </a:fld>
             <a:endParaRPr lang="en-US"/>
           </a:p>
@@ -1613,7 +1622,7 @@
           <a:p>
             <a:fld id="{9920D99B-2862-464A-984E-65BFC5FC0BBC}" type="datetimeFigureOut">
               <a:rPr lang="en-US" smtClean="0"/>
-              <a:t>22/05/15</a:t>
+              <a:t>25/05/15</a:t>
             </a:fld>
             <a:endParaRPr lang="en-US"/>
           </a:p>
@@ -2008,7 +2017,7 @@
                 <a:latin typeface="Calibri"/>
               </a:rPr>
               <a:pPr/>
-              <a:t>10</a:t>
+              <a:t>19</a:t>
             </a:fld>
             <a:endParaRPr lang="en-US">
               <a:solidFill>
@@ -2097,7 +2106,7 @@
           <a:p>
             <a:fld id="{615C908D-C35B-B346-A739-79C621D2BD36}" type="slidenum">
               <a:rPr lang="en-US" smtClean="0"/>
-              <a:t>11</a:t>
+              <a:t>20</a:t>
             </a:fld>
             <a:endParaRPr lang="en-US"/>
           </a:p>
@@ -4949,6 +4958,1272 @@
       </p:grpSpPr>
       <p:sp>
         <p:nvSpPr>
+          <p:cNvPr id="2" name="Title 1"/>
+          <p:cNvSpPr>
+            <a:spLocks noGrp="1"/>
+          </p:cNvSpPr>
+          <p:nvPr>
+            <p:ph type="ctrTitle"/>
+          </p:nvPr>
+        </p:nvSpPr>
+        <p:spPr/>
+        <p:txBody>
+          <a:bodyPr/>
+          <a:lstStyle/>
+          <a:p>
+            <a:r>
+              <a:rPr lang="en-US" dirty="0" smtClean="0"/>
+              <a:t>Advanced Queries</a:t>
+            </a:r>
+            <a:endParaRPr lang="en-US" dirty="0"/>
+          </a:p>
+        </p:txBody>
+      </p:sp>
+    </p:spTree>
+    <p:extLst>
+      <p:ext uri="{BB962C8B-B14F-4D97-AF65-F5344CB8AC3E}">
+        <p14:creationId xmlns:p14="http://schemas.microsoft.com/office/powerpoint/2010/main" val="3793485633"/>
+      </p:ext>
+    </p:extLst>
+  </p:cSld>
+  <p:clrMapOvr>
+    <a:masterClrMapping/>
+  </p:clrMapOvr>
+  <p:timing>
+    <p:tnLst>
+      <p:par>
+        <p:cTn xmlns:p14="http://schemas.microsoft.com/office/powerpoint/2010/main" id="1" dur="indefinite" restart="never" nodeType="tmRoot"/>
+      </p:par>
+    </p:tnLst>
+  </p:timing>
+</p:sld>
+</file>
+
+<file path=ppt/slides/slide11.xml><?xml version="1.0" encoding="utf-8"?>
+<p:sld xmlns:a="http://schemas.openxmlformats.org/drawingml/2006/main" xmlns:r="http://schemas.openxmlformats.org/officeDocument/2006/relationships" xmlns:p="http://schemas.openxmlformats.org/presentationml/2006/main">
+  <p:cSld>
+    <p:spTree>
+      <p:nvGrpSpPr>
+        <p:cNvPr id="1" name=""/>
+        <p:cNvGrpSpPr/>
+        <p:nvPr/>
+      </p:nvGrpSpPr>
+      <p:grpSpPr>
+        <a:xfrm>
+          <a:off x="0" y="0"/>
+          <a:ext cx="0" cy="0"/>
+          <a:chOff x="0" y="0"/>
+          <a:chExt cx="0" cy="0"/>
+        </a:xfrm>
+      </p:grpSpPr>
+      <p:sp>
+        <p:nvSpPr>
+          <p:cNvPr id="2" name="Title 1"/>
+          <p:cNvSpPr>
+            <a:spLocks noGrp="1"/>
+          </p:cNvSpPr>
+          <p:nvPr>
+            <p:ph type="title"/>
+          </p:nvPr>
+        </p:nvSpPr>
+        <p:spPr/>
+        <p:txBody>
+          <a:bodyPr/>
+          <a:lstStyle/>
+          <a:p>
+            <a:r>
+              <a:rPr lang="en-US" dirty="0" smtClean="0"/>
+              <a:t>Read Your Writes</a:t>
+            </a:r>
+            <a:endParaRPr lang="en-US" dirty="0"/>
+          </a:p>
+        </p:txBody>
+      </p:sp>
+      <p:sp>
+        <p:nvSpPr>
+          <p:cNvPr id="3" name="Content Placeholder 2"/>
+          <p:cNvSpPr>
+            <a:spLocks noGrp="1"/>
+          </p:cNvSpPr>
+          <p:nvPr>
+            <p:ph idx="1"/>
+          </p:nvPr>
+        </p:nvSpPr>
+        <p:spPr>
+          <a:xfrm>
+            <a:off x="457200" y="955193"/>
+            <a:ext cx="8007739" cy="3493655"/>
+          </a:xfrm>
+        </p:spPr>
+        <p:txBody>
+          <a:bodyPr/>
+          <a:lstStyle/>
+          <a:p>
+            <a:pPr>
+              <a:lnSpc>
+                <a:spcPct val="140000"/>
+              </a:lnSpc>
+            </a:pPr>
+            <a:endParaRPr lang="en-US" dirty="0" smtClean="0"/>
+          </a:p>
+        </p:txBody>
+      </p:sp>
+    </p:spTree>
+    <p:extLst>
+      <p:ext uri="{BB962C8B-B14F-4D97-AF65-F5344CB8AC3E}">
+        <p14:creationId xmlns:p14="http://schemas.microsoft.com/office/powerpoint/2010/main" val="3563268453"/>
+      </p:ext>
+    </p:extLst>
+  </p:cSld>
+  <p:clrMapOvr>
+    <a:masterClrMapping/>
+  </p:clrMapOvr>
+  <p:timing>
+    <p:tnLst>
+      <p:par>
+        <p:cTn xmlns:p14="http://schemas.microsoft.com/office/powerpoint/2010/main" id="1" dur="indefinite" restart="never" nodeType="tmRoot">
+          <p:childTnLst>
+            <p:seq concurrent="1" nextAc="seek">
+              <p:cTn id="2" dur="indefinite" nodeType="mainSeq">
+                <p:childTnLst>
+                  <p:par>
+                    <p:cTn id="3" fill="hold">
+                      <p:stCondLst>
+                        <p:cond delay="indefinite"/>
+                      </p:stCondLst>
+                      <p:childTnLst>
+                        <p:par>
+                          <p:cTn id="4" fill="hold">
+                            <p:stCondLst>
+                              <p:cond delay="0"/>
+                            </p:stCondLst>
+                            <p:childTnLst>
+                              <p:par>
+                                <p:cTn id="5" presetID="10" presetClass="entr" presetSubtype="0" fill="hold" grpId="0" nodeType="clickEffect" nodePh="1">
+                                  <p:stCondLst>
+                                    <p:cond delay="0"/>
+                                  </p:stCondLst>
+                                  <p:endCondLst>
+                                    <p:cond evt="begin" delay="0">
+                                      <p:tn val="5"/>
+                                    </p:cond>
+                                  </p:endCondLst>
+                                  <p:childTnLst>
+                                    <p:set>
+                                      <p:cBhvr>
+                                        <p:cTn id="6" dur="1" fill="hold">
+                                          <p:stCondLst>
+                                            <p:cond delay="0"/>
+                                          </p:stCondLst>
+                                        </p:cTn>
+                                        <p:tgtEl>
+                                          <p:spTgt spid="3">
+                                            <p:txEl>
+                                              <p:pRg st="0" end="0"/>
+                                            </p:txEl>
+                                          </p:spTgt>
+                                        </p:tgtEl>
+                                        <p:attrNameLst>
+                                          <p:attrName>style.visibility</p:attrName>
+                                        </p:attrNameLst>
+                                      </p:cBhvr>
+                                      <p:to>
+                                        <p:strVal val="visible"/>
+                                      </p:to>
+                                    </p:set>
+                                    <p:animEffect transition="in" filter="fade">
+                                      <p:cBhvr>
+                                        <p:cTn id="7" dur="500"/>
+                                        <p:tgtEl>
+                                          <p:spTgt spid="3">
+                                            <p:txEl>
+                                              <p:pRg st="0" end="0"/>
+                                            </p:txEl>
+                                          </p:spTgt>
+                                        </p:tgtEl>
+                                      </p:cBhvr>
+                                    </p:animEffect>
+                                  </p:childTnLst>
+                                </p:cTn>
+                              </p:par>
+                            </p:childTnLst>
+                          </p:cTn>
+                        </p:par>
+                      </p:childTnLst>
+                    </p:cTn>
+                  </p:par>
+                </p:childTnLst>
+              </p:cTn>
+              <p:prevCondLst>
+                <p:cond evt="onPrev" delay="0">
+                  <p:tgtEl>
+                    <p:sldTgt/>
+                  </p:tgtEl>
+                </p:cond>
+              </p:prevCondLst>
+              <p:nextCondLst>
+                <p:cond evt="onNext" delay="0">
+                  <p:tgtEl>
+                    <p:sldTgt/>
+                  </p:tgtEl>
+                </p:cond>
+              </p:nextCondLst>
+            </p:seq>
+          </p:childTnLst>
+        </p:cTn>
+      </p:par>
+    </p:tnLst>
+    <p:bldLst>
+      <p:bldP spid="3" grpId="0" build="p"/>
+    </p:bldLst>
+  </p:timing>
+</p:sld>
+</file>
+
+<file path=ppt/slides/slide12.xml><?xml version="1.0" encoding="utf-8"?>
+<p:sld xmlns:a="http://schemas.openxmlformats.org/drawingml/2006/main" xmlns:r="http://schemas.openxmlformats.org/officeDocument/2006/relationships" xmlns:p="http://schemas.openxmlformats.org/presentationml/2006/main">
+  <p:cSld>
+    <p:spTree>
+      <p:nvGrpSpPr>
+        <p:cNvPr id="1" name=""/>
+        <p:cNvGrpSpPr/>
+        <p:nvPr/>
+      </p:nvGrpSpPr>
+      <p:grpSpPr>
+        <a:xfrm>
+          <a:off x="0" y="0"/>
+          <a:ext cx="0" cy="0"/>
+          <a:chOff x="0" y="0"/>
+          <a:chExt cx="0" cy="0"/>
+        </a:xfrm>
+      </p:grpSpPr>
+      <p:sp>
+        <p:nvSpPr>
+          <p:cNvPr id="2" name="Title 1"/>
+          <p:cNvSpPr>
+            <a:spLocks noGrp="1"/>
+          </p:cNvSpPr>
+          <p:nvPr>
+            <p:ph type="title"/>
+          </p:nvPr>
+        </p:nvSpPr>
+        <p:spPr/>
+        <p:txBody>
+          <a:bodyPr/>
+          <a:lstStyle/>
+          <a:p>
+            <a:r>
+              <a:rPr lang="en-US" dirty="0" smtClean="0"/>
+              <a:t>Parameterized Queries</a:t>
+            </a:r>
+            <a:endParaRPr lang="en-US" dirty="0"/>
+          </a:p>
+        </p:txBody>
+      </p:sp>
+      <p:sp>
+        <p:nvSpPr>
+          <p:cNvPr id="3" name="Content Placeholder 2"/>
+          <p:cNvSpPr>
+            <a:spLocks noGrp="1"/>
+          </p:cNvSpPr>
+          <p:nvPr>
+            <p:ph idx="1"/>
+          </p:nvPr>
+        </p:nvSpPr>
+        <p:spPr>
+          <a:xfrm>
+            <a:off x="457200" y="955193"/>
+            <a:ext cx="8007739" cy="3493655"/>
+          </a:xfrm>
+        </p:spPr>
+        <p:txBody>
+          <a:bodyPr/>
+          <a:lstStyle/>
+          <a:p>
+            <a:pPr>
+              <a:lnSpc>
+                <a:spcPct val="140000"/>
+              </a:lnSpc>
+            </a:pPr>
+            <a:endParaRPr lang="en-US" dirty="0" smtClean="0"/>
+          </a:p>
+        </p:txBody>
+      </p:sp>
+    </p:spTree>
+    <p:extLst>
+      <p:ext uri="{BB962C8B-B14F-4D97-AF65-F5344CB8AC3E}">
+        <p14:creationId xmlns:p14="http://schemas.microsoft.com/office/powerpoint/2010/main" val="1090567114"/>
+      </p:ext>
+    </p:extLst>
+  </p:cSld>
+  <p:clrMapOvr>
+    <a:masterClrMapping/>
+  </p:clrMapOvr>
+  <p:timing>
+    <p:tnLst>
+      <p:par>
+        <p:cTn xmlns:p14="http://schemas.microsoft.com/office/powerpoint/2010/main" id="1" dur="indefinite" restart="never" nodeType="tmRoot">
+          <p:childTnLst>
+            <p:seq concurrent="1" nextAc="seek">
+              <p:cTn id="2" dur="indefinite" nodeType="mainSeq">
+                <p:childTnLst>
+                  <p:par>
+                    <p:cTn id="3" fill="hold">
+                      <p:stCondLst>
+                        <p:cond delay="indefinite"/>
+                      </p:stCondLst>
+                      <p:childTnLst>
+                        <p:par>
+                          <p:cTn id="4" fill="hold">
+                            <p:stCondLst>
+                              <p:cond delay="0"/>
+                            </p:stCondLst>
+                            <p:childTnLst>
+                              <p:par>
+                                <p:cTn id="5" presetID="10" presetClass="entr" presetSubtype="0" fill="hold" grpId="0" nodeType="clickEffect" nodePh="1">
+                                  <p:stCondLst>
+                                    <p:cond delay="0"/>
+                                  </p:stCondLst>
+                                  <p:endCondLst>
+                                    <p:cond evt="begin" delay="0">
+                                      <p:tn val="5"/>
+                                    </p:cond>
+                                  </p:endCondLst>
+                                  <p:childTnLst>
+                                    <p:set>
+                                      <p:cBhvr>
+                                        <p:cTn id="6" dur="1" fill="hold">
+                                          <p:stCondLst>
+                                            <p:cond delay="0"/>
+                                          </p:stCondLst>
+                                        </p:cTn>
+                                        <p:tgtEl>
+                                          <p:spTgt spid="3">
+                                            <p:txEl>
+                                              <p:pRg st="0" end="0"/>
+                                            </p:txEl>
+                                          </p:spTgt>
+                                        </p:tgtEl>
+                                        <p:attrNameLst>
+                                          <p:attrName>style.visibility</p:attrName>
+                                        </p:attrNameLst>
+                                      </p:cBhvr>
+                                      <p:to>
+                                        <p:strVal val="visible"/>
+                                      </p:to>
+                                    </p:set>
+                                    <p:animEffect transition="in" filter="fade">
+                                      <p:cBhvr>
+                                        <p:cTn id="7" dur="500"/>
+                                        <p:tgtEl>
+                                          <p:spTgt spid="3">
+                                            <p:txEl>
+                                              <p:pRg st="0" end="0"/>
+                                            </p:txEl>
+                                          </p:spTgt>
+                                        </p:tgtEl>
+                                      </p:cBhvr>
+                                    </p:animEffect>
+                                  </p:childTnLst>
+                                </p:cTn>
+                              </p:par>
+                            </p:childTnLst>
+                          </p:cTn>
+                        </p:par>
+                      </p:childTnLst>
+                    </p:cTn>
+                  </p:par>
+                </p:childTnLst>
+              </p:cTn>
+              <p:prevCondLst>
+                <p:cond evt="onPrev" delay="0">
+                  <p:tgtEl>
+                    <p:sldTgt/>
+                  </p:tgtEl>
+                </p:cond>
+              </p:prevCondLst>
+              <p:nextCondLst>
+                <p:cond evt="onNext" delay="0">
+                  <p:tgtEl>
+                    <p:sldTgt/>
+                  </p:tgtEl>
+                </p:cond>
+              </p:nextCondLst>
+            </p:seq>
+          </p:childTnLst>
+        </p:cTn>
+      </p:par>
+    </p:tnLst>
+    <p:bldLst>
+      <p:bldP spid="3" grpId="0" build="p"/>
+    </p:bldLst>
+  </p:timing>
+</p:sld>
+</file>
+
+<file path=ppt/slides/slide13.xml><?xml version="1.0" encoding="utf-8"?>
+<p:sld xmlns:a="http://schemas.openxmlformats.org/drawingml/2006/main" xmlns:r="http://schemas.openxmlformats.org/officeDocument/2006/relationships" xmlns:p="http://schemas.openxmlformats.org/presentationml/2006/main">
+  <p:cSld>
+    <p:spTree>
+      <p:nvGrpSpPr>
+        <p:cNvPr id="1" name=""/>
+        <p:cNvGrpSpPr/>
+        <p:nvPr/>
+      </p:nvGrpSpPr>
+      <p:grpSpPr>
+        <a:xfrm>
+          <a:off x="0" y="0"/>
+          <a:ext cx="0" cy="0"/>
+          <a:chOff x="0" y="0"/>
+          <a:chExt cx="0" cy="0"/>
+        </a:xfrm>
+      </p:grpSpPr>
+      <p:sp>
+        <p:nvSpPr>
+          <p:cNvPr id="2" name="Title 1"/>
+          <p:cNvSpPr>
+            <a:spLocks noGrp="1"/>
+          </p:cNvSpPr>
+          <p:nvPr>
+            <p:ph type="title"/>
+          </p:nvPr>
+        </p:nvSpPr>
+        <p:spPr/>
+        <p:txBody>
+          <a:bodyPr/>
+          <a:lstStyle/>
+          <a:p>
+            <a:r>
+              <a:rPr lang="en-US" dirty="0" smtClean="0"/>
+              <a:t>Prepared Queries</a:t>
+            </a:r>
+            <a:endParaRPr lang="en-US" dirty="0"/>
+          </a:p>
+        </p:txBody>
+      </p:sp>
+      <p:sp>
+        <p:nvSpPr>
+          <p:cNvPr id="3" name="Content Placeholder 2"/>
+          <p:cNvSpPr>
+            <a:spLocks noGrp="1"/>
+          </p:cNvSpPr>
+          <p:nvPr>
+            <p:ph idx="1"/>
+          </p:nvPr>
+        </p:nvSpPr>
+        <p:spPr>
+          <a:xfrm>
+            <a:off x="457200" y="955193"/>
+            <a:ext cx="8007739" cy="3493655"/>
+          </a:xfrm>
+        </p:spPr>
+        <p:txBody>
+          <a:bodyPr/>
+          <a:lstStyle/>
+          <a:p>
+            <a:pPr>
+              <a:lnSpc>
+                <a:spcPct val="140000"/>
+              </a:lnSpc>
+            </a:pPr>
+            <a:endParaRPr lang="en-US" dirty="0" smtClean="0"/>
+          </a:p>
+        </p:txBody>
+      </p:sp>
+    </p:spTree>
+    <p:extLst>
+      <p:ext uri="{BB962C8B-B14F-4D97-AF65-F5344CB8AC3E}">
+        <p14:creationId xmlns:p14="http://schemas.microsoft.com/office/powerpoint/2010/main" val="2046168622"/>
+      </p:ext>
+    </p:extLst>
+  </p:cSld>
+  <p:clrMapOvr>
+    <a:masterClrMapping/>
+  </p:clrMapOvr>
+  <p:timing>
+    <p:tnLst>
+      <p:par>
+        <p:cTn xmlns:p14="http://schemas.microsoft.com/office/powerpoint/2010/main" id="1" dur="indefinite" restart="never" nodeType="tmRoot">
+          <p:childTnLst>
+            <p:seq concurrent="1" nextAc="seek">
+              <p:cTn id="2" dur="indefinite" nodeType="mainSeq">
+                <p:childTnLst>
+                  <p:par>
+                    <p:cTn id="3" fill="hold">
+                      <p:stCondLst>
+                        <p:cond delay="indefinite"/>
+                      </p:stCondLst>
+                      <p:childTnLst>
+                        <p:par>
+                          <p:cTn id="4" fill="hold">
+                            <p:stCondLst>
+                              <p:cond delay="0"/>
+                            </p:stCondLst>
+                            <p:childTnLst>
+                              <p:par>
+                                <p:cTn id="5" presetID="10" presetClass="entr" presetSubtype="0" fill="hold" grpId="0" nodeType="clickEffect" nodePh="1">
+                                  <p:stCondLst>
+                                    <p:cond delay="0"/>
+                                  </p:stCondLst>
+                                  <p:endCondLst>
+                                    <p:cond evt="begin" delay="0">
+                                      <p:tn val="5"/>
+                                    </p:cond>
+                                  </p:endCondLst>
+                                  <p:childTnLst>
+                                    <p:set>
+                                      <p:cBhvr>
+                                        <p:cTn id="6" dur="1" fill="hold">
+                                          <p:stCondLst>
+                                            <p:cond delay="0"/>
+                                          </p:stCondLst>
+                                        </p:cTn>
+                                        <p:tgtEl>
+                                          <p:spTgt spid="3">
+                                            <p:txEl>
+                                              <p:pRg st="0" end="0"/>
+                                            </p:txEl>
+                                          </p:spTgt>
+                                        </p:tgtEl>
+                                        <p:attrNameLst>
+                                          <p:attrName>style.visibility</p:attrName>
+                                        </p:attrNameLst>
+                                      </p:cBhvr>
+                                      <p:to>
+                                        <p:strVal val="visible"/>
+                                      </p:to>
+                                    </p:set>
+                                    <p:animEffect transition="in" filter="fade">
+                                      <p:cBhvr>
+                                        <p:cTn id="7" dur="500"/>
+                                        <p:tgtEl>
+                                          <p:spTgt spid="3">
+                                            <p:txEl>
+                                              <p:pRg st="0" end="0"/>
+                                            </p:txEl>
+                                          </p:spTgt>
+                                        </p:tgtEl>
+                                      </p:cBhvr>
+                                    </p:animEffect>
+                                  </p:childTnLst>
+                                </p:cTn>
+                              </p:par>
+                            </p:childTnLst>
+                          </p:cTn>
+                        </p:par>
+                      </p:childTnLst>
+                    </p:cTn>
+                  </p:par>
+                </p:childTnLst>
+              </p:cTn>
+              <p:prevCondLst>
+                <p:cond evt="onPrev" delay="0">
+                  <p:tgtEl>
+                    <p:sldTgt/>
+                  </p:tgtEl>
+                </p:cond>
+              </p:prevCondLst>
+              <p:nextCondLst>
+                <p:cond evt="onNext" delay="0">
+                  <p:tgtEl>
+                    <p:sldTgt/>
+                  </p:tgtEl>
+                </p:cond>
+              </p:nextCondLst>
+            </p:seq>
+          </p:childTnLst>
+        </p:cTn>
+      </p:par>
+    </p:tnLst>
+    <p:bldLst>
+      <p:bldP spid="3" grpId="0" build="p"/>
+    </p:bldLst>
+  </p:timing>
+</p:sld>
+</file>
+
+<file path=ppt/slides/slide14.xml><?xml version="1.0" encoding="utf-8"?>
+<p:sld xmlns:a="http://schemas.openxmlformats.org/drawingml/2006/main" xmlns:r="http://schemas.openxmlformats.org/officeDocument/2006/relationships" xmlns:p="http://schemas.openxmlformats.org/presentationml/2006/main">
+  <p:cSld>
+    <p:spTree>
+      <p:nvGrpSpPr>
+        <p:cNvPr id="1" name=""/>
+        <p:cNvGrpSpPr/>
+        <p:nvPr/>
+      </p:nvGrpSpPr>
+      <p:grpSpPr>
+        <a:xfrm>
+          <a:off x="0" y="0"/>
+          <a:ext cx="0" cy="0"/>
+          <a:chOff x="0" y="0"/>
+          <a:chExt cx="0" cy="0"/>
+        </a:xfrm>
+      </p:grpSpPr>
+      <p:sp>
+        <p:nvSpPr>
+          <p:cNvPr id="2" name="Title 1"/>
+          <p:cNvSpPr>
+            <a:spLocks noGrp="1"/>
+          </p:cNvSpPr>
+          <p:nvPr>
+            <p:ph type="ctrTitle"/>
+          </p:nvPr>
+        </p:nvSpPr>
+        <p:spPr/>
+        <p:txBody>
+          <a:bodyPr/>
+          <a:lstStyle/>
+          <a:p>
+            <a:r>
+              <a:rPr lang="en-US" dirty="0" smtClean="0"/>
+              <a:t>Advanced Queries - Java</a:t>
+            </a:r>
+            <a:endParaRPr lang="en-US" dirty="0"/>
+          </a:p>
+        </p:txBody>
+      </p:sp>
+    </p:spTree>
+    <p:extLst>
+      <p:ext uri="{BB962C8B-B14F-4D97-AF65-F5344CB8AC3E}">
+        <p14:creationId xmlns:p14="http://schemas.microsoft.com/office/powerpoint/2010/main" val="3683186877"/>
+      </p:ext>
+    </p:extLst>
+  </p:cSld>
+  <p:clrMapOvr>
+    <a:masterClrMapping/>
+  </p:clrMapOvr>
+  <p:timing>
+    <p:tnLst>
+      <p:par>
+        <p:cTn xmlns:p14="http://schemas.microsoft.com/office/powerpoint/2010/main" id="1" dur="indefinite" restart="never" nodeType="tmRoot"/>
+      </p:par>
+    </p:tnLst>
+  </p:timing>
+</p:sld>
+</file>
+
+<file path=ppt/slides/slide15.xml><?xml version="1.0" encoding="utf-8"?>
+<p:sld xmlns:a="http://schemas.openxmlformats.org/drawingml/2006/main" xmlns:r="http://schemas.openxmlformats.org/officeDocument/2006/relationships" xmlns:p="http://schemas.openxmlformats.org/presentationml/2006/main">
+  <p:cSld>
+    <p:spTree>
+      <p:nvGrpSpPr>
+        <p:cNvPr id="1" name=""/>
+        <p:cNvGrpSpPr/>
+        <p:nvPr/>
+      </p:nvGrpSpPr>
+      <p:grpSpPr>
+        <a:xfrm>
+          <a:off x="0" y="0"/>
+          <a:ext cx="0" cy="0"/>
+          <a:chOff x="0" y="0"/>
+          <a:chExt cx="0" cy="0"/>
+        </a:xfrm>
+      </p:grpSpPr>
+      <p:sp>
+        <p:nvSpPr>
+          <p:cNvPr id="2" name="Title 1"/>
+          <p:cNvSpPr>
+            <a:spLocks noGrp="1"/>
+          </p:cNvSpPr>
+          <p:nvPr>
+            <p:ph type="ctrTitle"/>
+          </p:nvPr>
+        </p:nvSpPr>
+        <p:spPr/>
+        <p:txBody>
+          <a:bodyPr/>
+          <a:lstStyle/>
+          <a:p>
+            <a:r>
+              <a:rPr lang="en-US" dirty="0"/>
+              <a:t>Advanced Queries - </a:t>
+            </a:r>
+            <a:r>
+              <a:rPr lang="en-US" dirty="0" smtClean="0"/>
+              <a:t>.NET</a:t>
+            </a:r>
+            <a:endParaRPr lang="en-US" dirty="0"/>
+          </a:p>
+        </p:txBody>
+      </p:sp>
+    </p:spTree>
+    <p:extLst>
+      <p:ext uri="{BB962C8B-B14F-4D97-AF65-F5344CB8AC3E}">
+        <p14:creationId xmlns:p14="http://schemas.microsoft.com/office/powerpoint/2010/main" val="882545490"/>
+      </p:ext>
+    </p:extLst>
+  </p:cSld>
+  <p:clrMapOvr>
+    <a:masterClrMapping/>
+  </p:clrMapOvr>
+  <p:timing>
+    <p:tnLst>
+      <p:par>
+        <p:cTn xmlns:p14="http://schemas.microsoft.com/office/powerpoint/2010/main" id="1" dur="indefinite" restart="never" nodeType="tmRoot"/>
+      </p:par>
+    </p:tnLst>
+  </p:timing>
+</p:sld>
+</file>
+
+<file path=ppt/slides/slide16.xml><?xml version="1.0" encoding="utf-8"?>
+<p:sld xmlns:a="http://schemas.openxmlformats.org/drawingml/2006/main" xmlns:r="http://schemas.openxmlformats.org/officeDocument/2006/relationships" xmlns:p="http://schemas.openxmlformats.org/presentationml/2006/main">
+  <p:cSld>
+    <p:spTree>
+      <p:nvGrpSpPr>
+        <p:cNvPr id="1" name=""/>
+        <p:cNvGrpSpPr/>
+        <p:nvPr/>
+      </p:nvGrpSpPr>
+      <p:grpSpPr>
+        <a:xfrm>
+          <a:off x="0" y="0"/>
+          <a:ext cx="0" cy="0"/>
+          <a:chOff x="0" y="0"/>
+          <a:chExt cx="0" cy="0"/>
+        </a:xfrm>
+      </p:grpSpPr>
+      <p:sp>
+        <p:nvSpPr>
+          <p:cNvPr id="2" name="Title 1"/>
+          <p:cNvSpPr>
+            <a:spLocks noGrp="1"/>
+          </p:cNvSpPr>
+          <p:nvPr>
+            <p:ph type="ctrTitle"/>
+          </p:nvPr>
+        </p:nvSpPr>
+        <p:spPr/>
+        <p:txBody>
+          <a:bodyPr/>
+          <a:lstStyle/>
+          <a:p>
+            <a:r>
+              <a:rPr lang="en-US" dirty="0"/>
+              <a:t>Advanced Queries - </a:t>
+            </a:r>
+            <a:r>
+              <a:rPr lang="en-US" dirty="0" err="1" smtClean="0"/>
+              <a:t>NodeJS</a:t>
+            </a:r>
+            <a:endParaRPr lang="en-US" dirty="0"/>
+          </a:p>
+        </p:txBody>
+      </p:sp>
+    </p:spTree>
+    <p:extLst>
+      <p:ext uri="{BB962C8B-B14F-4D97-AF65-F5344CB8AC3E}">
+        <p14:creationId xmlns:p14="http://schemas.microsoft.com/office/powerpoint/2010/main" val="3686523847"/>
+      </p:ext>
+    </p:extLst>
+  </p:cSld>
+  <p:clrMapOvr>
+    <a:masterClrMapping/>
+  </p:clrMapOvr>
+  <p:timing>
+    <p:tnLst>
+      <p:par>
+        <p:cTn xmlns:p14="http://schemas.microsoft.com/office/powerpoint/2010/main" id="1" dur="indefinite" restart="never" nodeType="tmRoot"/>
+      </p:par>
+    </p:tnLst>
+  </p:timing>
+</p:sld>
+</file>
+
+<file path=ppt/slides/slide17.xml><?xml version="1.0" encoding="utf-8"?>
+<p:sld xmlns:a="http://schemas.openxmlformats.org/drawingml/2006/main" xmlns:r="http://schemas.openxmlformats.org/officeDocument/2006/relationships" xmlns:p="http://schemas.openxmlformats.org/presentationml/2006/main">
+  <p:cSld>
+    <p:spTree>
+      <p:nvGrpSpPr>
+        <p:cNvPr id="1" name=""/>
+        <p:cNvGrpSpPr/>
+        <p:nvPr/>
+      </p:nvGrpSpPr>
+      <p:grpSpPr>
+        <a:xfrm>
+          <a:off x="0" y="0"/>
+          <a:ext cx="0" cy="0"/>
+          <a:chOff x="0" y="0"/>
+          <a:chExt cx="0" cy="0"/>
+        </a:xfrm>
+      </p:grpSpPr>
+      <p:sp>
+        <p:nvSpPr>
+          <p:cNvPr id="2" name="Title 1"/>
+          <p:cNvSpPr>
+            <a:spLocks noGrp="1"/>
+          </p:cNvSpPr>
+          <p:nvPr>
+            <p:ph type="ctrTitle"/>
+          </p:nvPr>
+        </p:nvSpPr>
+        <p:spPr/>
+        <p:txBody>
+          <a:bodyPr/>
+          <a:lstStyle/>
+          <a:p>
+            <a:r>
+              <a:rPr lang="en-US" dirty="0" smtClean="0"/>
+              <a:t>View vs. Indexes</a:t>
+            </a:r>
+            <a:endParaRPr lang="en-US" dirty="0"/>
+          </a:p>
+        </p:txBody>
+      </p:sp>
+    </p:spTree>
+    <p:extLst>
+      <p:ext uri="{BB962C8B-B14F-4D97-AF65-F5344CB8AC3E}">
+        <p14:creationId xmlns:p14="http://schemas.microsoft.com/office/powerpoint/2010/main" val="1029701812"/>
+      </p:ext>
+    </p:extLst>
+  </p:cSld>
+  <p:clrMapOvr>
+    <a:masterClrMapping/>
+  </p:clrMapOvr>
+  <p:timing>
+    <p:tnLst>
+      <p:par>
+        <p:cTn xmlns:p14="http://schemas.microsoft.com/office/powerpoint/2010/main" id="1" dur="indefinite" restart="never" nodeType="tmRoot"/>
+      </p:par>
+    </p:tnLst>
+  </p:timing>
+</p:sld>
+</file>
+
+<file path=ppt/slides/slide18.xml><?xml version="1.0" encoding="utf-8"?>
+<p:sld xmlns:a="http://schemas.openxmlformats.org/drawingml/2006/main" xmlns:r="http://schemas.openxmlformats.org/officeDocument/2006/relationships" xmlns:p="http://schemas.openxmlformats.org/presentationml/2006/main">
+  <p:cSld>
+    <p:spTree>
+      <p:nvGrpSpPr>
+        <p:cNvPr id="1" name=""/>
+        <p:cNvGrpSpPr/>
+        <p:nvPr/>
+      </p:nvGrpSpPr>
+      <p:grpSpPr>
+        <a:xfrm>
+          <a:off x="0" y="0"/>
+          <a:ext cx="0" cy="0"/>
+          <a:chOff x="0" y="0"/>
+          <a:chExt cx="0" cy="0"/>
+        </a:xfrm>
+      </p:grpSpPr>
+      <p:sp>
+        <p:nvSpPr>
+          <p:cNvPr id="2" name="Title 1"/>
+          <p:cNvSpPr>
+            <a:spLocks noGrp="1"/>
+          </p:cNvSpPr>
+          <p:nvPr>
+            <p:ph type="title"/>
+          </p:nvPr>
+        </p:nvSpPr>
+        <p:spPr/>
+        <p:txBody>
+          <a:bodyPr/>
+          <a:lstStyle/>
+          <a:p>
+            <a:r>
+              <a:rPr lang="en-US" dirty="0" smtClean="0"/>
+              <a:t>Views vs. Indexes</a:t>
+            </a:r>
+            <a:endParaRPr lang="en-US" dirty="0"/>
+          </a:p>
+        </p:txBody>
+      </p:sp>
+      <p:sp>
+        <p:nvSpPr>
+          <p:cNvPr id="4" name="Content Placeholder 3"/>
+          <p:cNvSpPr>
+            <a:spLocks noGrp="1"/>
+          </p:cNvSpPr>
+          <p:nvPr>
+            <p:ph idx="1"/>
+          </p:nvPr>
+        </p:nvSpPr>
+        <p:spPr/>
+        <p:txBody>
+          <a:bodyPr/>
+          <a:lstStyle/>
+          <a:p>
+            <a:r>
+              <a:rPr lang="en-US" b="1" dirty="0" smtClean="0"/>
+              <a:t>Global Secondary Indexes vs. Views</a:t>
+            </a:r>
+          </a:p>
+          <a:p>
+            <a:pPr lvl="1"/>
+            <a:r>
+              <a:rPr lang="en-US" b="1" dirty="0" smtClean="0"/>
+              <a:t>GSI – Index Service</a:t>
+            </a:r>
+          </a:p>
+          <a:p>
+            <a:pPr marL="230188" lvl="1" indent="0">
+              <a:buNone/>
+            </a:pPr>
+            <a:r>
+              <a:rPr lang="en-US" dirty="0" smtClean="0"/>
+              <a:t>Global Secondary Indexes is a new indexing technology that allows independently partitioned and independently scalable indexes. </a:t>
+            </a:r>
+          </a:p>
+          <a:p>
+            <a:pPr lvl="1"/>
+            <a:endParaRPr lang="en-US" b="1" dirty="0" smtClean="0"/>
+          </a:p>
+          <a:p>
+            <a:pPr lvl="1"/>
+            <a:r>
+              <a:rPr lang="en-US" b="1" dirty="0" smtClean="0"/>
+              <a:t>Views – Data Service</a:t>
+            </a:r>
+          </a:p>
+          <a:p>
+            <a:pPr marL="230188" lvl="1" indent="0">
+              <a:buNone/>
+            </a:pPr>
+            <a:r>
+              <a:rPr lang="en-US" dirty="0" smtClean="0"/>
+              <a:t>Incremental Map/Reduce Views that provide full partition alignment and paired scalability with Data Service. </a:t>
+            </a:r>
+          </a:p>
+        </p:txBody>
+      </p:sp>
+      <p:sp>
+        <p:nvSpPr>
+          <p:cNvPr id="8" name="TextBox 7"/>
+          <p:cNvSpPr txBox="1"/>
+          <p:nvPr/>
+        </p:nvSpPr>
+        <p:spPr>
+          <a:xfrm>
+            <a:off x="7130590" y="4054833"/>
+            <a:ext cx="1186330" cy="369332"/>
+          </a:xfrm>
+          <a:prstGeom prst="rect">
+            <a:avLst/>
+          </a:prstGeom>
+          <a:noFill/>
+        </p:spPr>
+        <p:txBody>
+          <a:bodyPr wrap="none" rtlCol="0">
+            <a:spAutoFit/>
+          </a:bodyPr>
+          <a:lstStyle/>
+          <a:p>
+            <a:r>
+              <a:rPr lang="en-US" sz="1800" dirty="0" smtClean="0"/>
+              <a:t>Index Scan</a:t>
+            </a:r>
+            <a:endParaRPr lang="en-US" sz="1800" dirty="0"/>
+          </a:p>
+        </p:txBody>
+      </p:sp>
+      <p:pic>
+        <p:nvPicPr>
+          <p:cNvPr id="9" name="Picture 8"/>
+          <p:cNvPicPr>
+            <a:picLocks noChangeAspect="1"/>
+          </p:cNvPicPr>
+          <p:nvPr/>
+        </p:nvPicPr>
+        <p:blipFill>
+          <a:blip r:embed="rId2"/>
+          <a:stretch>
+            <a:fillRect/>
+          </a:stretch>
+        </p:blipFill>
+        <p:spPr>
+          <a:xfrm>
+            <a:off x="5726313" y="3431945"/>
+            <a:ext cx="3318322" cy="1711555"/>
+          </a:xfrm>
+          <a:prstGeom prst="rect">
+            <a:avLst/>
+          </a:prstGeom>
+        </p:spPr>
+      </p:pic>
+      <p:sp>
+        <p:nvSpPr>
+          <p:cNvPr id="11" name="Rectangle 10"/>
+          <p:cNvSpPr/>
+          <p:nvPr/>
+        </p:nvSpPr>
+        <p:spPr>
+          <a:xfrm flipH="1" flipV="1">
+            <a:off x="6802863" y="3812639"/>
+            <a:ext cx="1027580" cy="1213152"/>
+          </a:xfrm>
+          <a:prstGeom prst="rect">
+            <a:avLst/>
+          </a:prstGeom>
+          <a:solidFill>
+            <a:schemeClr val="accent1">
+              <a:alpha val="26000"/>
+            </a:schemeClr>
+          </a:solidFill>
+        </p:spPr>
+        <p:style>
+          <a:lnRef idx="1">
+            <a:schemeClr val="accent1"/>
+          </a:lnRef>
+          <a:fillRef idx="3">
+            <a:schemeClr val="accent1"/>
+          </a:fillRef>
+          <a:effectRef idx="2">
+            <a:schemeClr val="accent1"/>
+          </a:effectRef>
+          <a:fontRef idx="minor">
+            <a:schemeClr val="lt1"/>
+          </a:fontRef>
+        </p:style>
+        <p:txBody>
+          <a:bodyPr rtlCol="0" anchor="ctr"/>
+          <a:lstStyle/>
+          <a:p>
+            <a:endParaRPr lang="en-US" sz="2400" dirty="0"/>
+          </a:p>
+        </p:txBody>
+      </p:sp>
+      <p:sp>
+        <p:nvSpPr>
+          <p:cNvPr id="12" name="Rectangle 11"/>
+          <p:cNvSpPr/>
+          <p:nvPr/>
+        </p:nvSpPr>
+        <p:spPr>
+          <a:xfrm>
+            <a:off x="5726313" y="3812639"/>
+            <a:ext cx="1076550" cy="1208547"/>
+          </a:xfrm>
+          <a:prstGeom prst="rect">
+            <a:avLst/>
+          </a:prstGeom>
+          <a:solidFill>
+            <a:schemeClr val="accent5">
+              <a:alpha val="26000"/>
+            </a:schemeClr>
+          </a:solidFill>
+        </p:spPr>
+        <p:style>
+          <a:lnRef idx="1">
+            <a:schemeClr val="accent1"/>
+          </a:lnRef>
+          <a:fillRef idx="3">
+            <a:schemeClr val="accent1"/>
+          </a:fillRef>
+          <a:effectRef idx="2">
+            <a:schemeClr val="accent1"/>
+          </a:effectRef>
+          <a:fontRef idx="minor">
+            <a:schemeClr val="lt1"/>
+          </a:fontRef>
+        </p:style>
+        <p:txBody>
+          <a:bodyPr rtlCol="0" anchor="ctr"/>
+          <a:lstStyle/>
+          <a:p>
+            <a:endParaRPr lang="en-US" sz="2400" dirty="0"/>
+          </a:p>
+        </p:txBody>
+      </p:sp>
+      <p:cxnSp>
+        <p:nvCxnSpPr>
+          <p:cNvPr id="22" name="Elbow Connector 21"/>
+          <p:cNvCxnSpPr>
+            <a:endCxn id="12" idx="0"/>
+          </p:cNvCxnSpPr>
+          <p:nvPr/>
+        </p:nvCxnSpPr>
+        <p:spPr>
+          <a:xfrm>
+            <a:off x="4662883" y="3251962"/>
+            <a:ext cx="1601705" cy="560677"/>
+          </a:xfrm>
+          <a:prstGeom prst="bentConnector2">
+            <a:avLst/>
+          </a:prstGeom>
+          <a:ln w="12700" cmpd="sng">
+            <a:solidFill>
+              <a:srgbClr val="609E0E"/>
+            </a:solidFill>
+          </a:ln>
+          <a:effectLst/>
+        </p:spPr>
+        <p:style>
+          <a:lnRef idx="2">
+            <a:schemeClr val="accent1"/>
+          </a:lnRef>
+          <a:fillRef idx="0">
+            <a:schemeClr val="accent1"/>
+          </a:fillRef>
+          <a:effectRef idx="1">
+            <a:schemeClr val="accent1"/>
+          </a:effectRef>
+          <a:fontRef idx="minor">
+            <a:schemeClr val="tx1"/>
+          </a:fontRef>
+        </p:style>
+      </p:cxnSp>
+      <p:sp>
+        <p:nvSpPr>
+          <p:cNvPr id="23" name="Freeform 22"/>
+          <p:cNvSpPr/>
+          <p:nvPr/>
+        </p:nvSpPr>
+        <p:spPr>
+          <a:xfrm>
+            <a:off x="7280301" y="1939114"/>
+            <a:ext cx="1289321" cy="1880941"/>
+          </a:xfrm>
+          <a:custGeom>
+            <a:avLst/>
+            <a:gdLst>
+              <a:gd name="connsiteX0" fmla="*/ 145412 w 1289321"/>
+              <a:gd name="connsiteY0" fmla="*/ 9696 h 1880941"/>
+              <a:gd name="connsiteX1" fmla="*/ 1289321 w 1289321"/>
+              <a:gd name="connsiteY1" fmla="*/ 9696 h 1880941"/>
+              <a:gd name="connsiteX2" fmla="*/ 1260239 w 1289321"/>
+              <a:gd name="connsiteY2" fmla="*/ 1299206 h 1880941"/>
+              <a:gd name="connsiteX3" fmla="*/ 0 w 1289321"/>
+              <a:gd name="connsiteY3" fmla="*/ 1299206 h 1880941"/>
+              <a:gd name="connsiteX4" fmla="*/ 0 w 1289321"/>
+              <a:gd name="connsiteY4" fmla="*/ 1880941 h 1880941"/>
+              <a:gd name="connsiteX5" fmla="*/ 9694 w 1289321"/>
+              <a:gd name="connsiteY5" fmla="*/ 1289511 h 1880941"/>
+              <a:gd name="connsiteX6" fmla="*/ 1250544 w 1289321"/>
+              <a:gd name="connsiteY6" fmla="*/ 1289511 h 1880941"/>
+              <a:gd name="connsiteX7" fmla="*/ 1269933 w 1289321"/>
+              <a:gd name="connsiteY7" fmla="*/ 0 h 1880941"/>
+              <a:gd name="connsiteX8" fmla="*/ 145412 w 1289321"/>
+              <a:gd name="connsiteY8" fmla="*/ 9696 h 1880941"/>
+            </a:gdLst>
+            <a:ahLst/>
+            <a:cxnLst>
+              <a:cxn ang="0">
+                <a:pos x="connsiteX0" y="connsiteY0"/>
+              </a:cxn>
+              <a:cxn ang="0">
+                <a:pos x="connsiteX1" y="connsiteY1"/>
+              </a:cxn>
+              <a:cxn ang="0">
+                <a:pos x="connsiteX2" y="connsiteY2"/>
+              </a:cxn>
+              <a:cxn ang="0">
+                <a:pos x="connsiteX3" y="connsiteY3"/>
+              </a:cxn>
+              <a:cxn ang="0">
+                <a:pos x="connsiteX4" y="connsiteY4"/>
+              </a:cxn>
+              <a:cxn ang="0">
+                <a:pos x="connsiteX5" y="connsiteY5"/>
+              </a:cxn>
+              <a:cxn ang="0">
+                <a:pos x="connsiteX6" y="connsiteY6"/>
+              </a:cxn>
+              <a:cxn ang="0">
+                <a:pos x="connsiteX7" y="connsiteY7"/>
+              </a:cxn>
+              <a:cxn ang="0">
+                <a:pos x="connsiteX8" y="connsiteY8"/>
+              </a:cxn>
+            </a:cxnLst>
+            <a:rect l="l" t="t" r="r" b="b"/>
+            <a:pathLst>
+              <a:path w="1289321" h="1880941">
+                <a:moveTo>
+                  <a:pt x="145412" y="9696"/>
+                </a:moveTo>
+                <a:lnTo>
+                  <a:pt x="1289321" y="9696"/>
+                </a:lnTo>
+                <a:lnTo>
+                  <a:pt x="1260239" y="1299206"/>
+                </a:lnTo>
+                <a:lnTo>
+                  <a:pt x="0" y="1299206"/>
+                </a:lnTo>
+                <a:lnTo>
+                  <a:pt x="0" y="1880941"/>
+                </a:lnTo>
+                <a:lnTo>
+                  <a:pt x="9694" y="1289511"/>
+                </a:lnTo>
+                <a:lnTo>
+                  <a:pt x="1250544" y="1289511"/>
+                </a:lnTo>
+                <a:lnTo>
+                  <a:pt x="1269933" y="0"/>
+                </a:lnTo>
+                <a:lnTo>
+                  <a:pt x="145412" y="9696"/>
+                </a:lnTo>
+                <a:close/>
+              </a:path>
+            </a:pathLst>
+          </a:custGeom>
+        </p:spPr>
+        <p:style>
+          <a:lnRef idx="1">
+            <a:schemeClr val="accent1"/>
+          </a:lnRef>
+          <a:fillRef idx="3">
+            <a:schemeClr val="accent1"/>
+          </a:fillRef>
+          <a:effectRef idx="2">
+            <a:schemeClr val="accent1"/>
+          </a:effectRef>
+          <a:fontRef idx="minor">
+            <a:schemeClr val="lt1"/>
+          </a:fontRef>
+        </p:style>
+        <p:txBody>
+          <a:bodyPr rtlCol="0" anchor="ctr"/>
+          <a:lstStyle/>
+          <a:p>
+            <a:pPr algn="ctr"/>
+            <a:endParaRPr lang="en-US"/>
+          </a:p>
+        </p:txBody>
+      </p:sp>
+    </p:spTree>
+    <p:extLst>
+      <p:ext uri="{BB962C8B-B14F-4D97-AF65-F5344CB8AC3E}">
+        <p14:creationId xmlns:p14="http://schemas.microsoft.com/office/powerpoint/2010/main" val="2651426066"/>
+      </p:ext>
+    </p:extLst>
+  </p:cSld>
+  <p:clrMapOvr>
+    <a:masterClrMapping/>
+  </p:clrMapOvr>
+  <p:timing>
+    <p:tnLst>
+      <p:par>
+        <p:cTn xmlns:p14="http://schemas.microsoft.com/office/powerpoint/2010/main" id="1" dur="indefinite" restart="never" nodeType="tmRoot"/>
+      </p:par>
+    </p:tnLst>
+  </p:timing>
+</p:sld>
+</file>
+
+<file path=ppt/slides/slide19.xml><?xml version="1.0" encoding="utf-8"?>
+<p:sld xmlns:a="http://schemas.openxmlformats.org/drawingml/2006/main" xmlns:r="http://schemas.openxmlformats.org/officeDocument/2006/relationships" xmlns:p="http://schemas.openxmlformats.org/presentationml/2006/main">
+  <p:cSld>
+    <p:spTree>
+      <p:nvGrpSpPr>
+        <p:cNvPr id="1" name=""/>
+        <p:cNvGrpSpPr/>
+        <p:nvPr/>
+      </p:nvGrpSpPr>
+      <p:grpSpPr>
+        <a:xfrm>
+          <a:off x="0" y="0"/>
+          <a:ext cx="0" cy="0"/>
+          <a:chOff x="0" y="0"/>
+          <a:chExt cx="0" cy="0"/>
+        </a:xfrm>
+      </p:grpSpPr>
+      <p:sp>
+        <p:nvSpPr>
           <p:cNvPr id="27668" name="Oval 20"/>
           <p:cNvSpPr>
             <a:spLocks/>
@@ -5163,7 +6438,7 @@
             <a:fld id="{2066355A-084C-D24E-9AD2-7E4FC41EA627}" type="slidenum">
               <a:rPr lang="en-US" smtClean="0"/>
               <a:pPr/>
-              <a:t>10</a:t>
+              <a:t>19</a:t>
             </a:fld>
             <a:endParaRPr lang="en-US" dirty="0"/>
           </a:p>
@@ -8787,7 +10062,67 @@
 </p:sld>
 </file>
 
-<file path=ppt/slides/slide11.xml><?xml version="1.0" encoding="utf-8"?>
+<file path=ppt/slides/slide2.xml><?xml version="1.0" encoding="utf-8"?>
+<p:sld xmlns:a="http://schemas.openxmlformats.org/drawingml/2006/main" xmlns:r="http://schemas.openxmlformats.org/officeDocument/2006/relationships" xmlns:p="http://schemas.openxmlformats.org/presentationml/2006/main">
+  <p:cSld>
+    <p:spTree>
+      <p:nvGrpSpPr>
+        <p:cNvPr id="1" name=""/>
+        <p:cNvGrpSpPr/>
+        <p:nvPr/>
+      </p:nvGrpSpPr>
+      <p:grpSpPr>
+        <a:xfrm>
+          <a:off x="0" y="0"/>
+          <a:ext cx="0" cy="0"/>
+          <a:chOff x="0" y="0"/>
+          <a:chExt cx="0" cy="0"/>
+        </a:xfrm>
+      </p:grpSpPr>
+      <p:sp>
+        <p:nvSpPr>
+          <p:cNvPr id="2" name="Title 1"/>
+          <p:cNvSpPr>
+            <a:spLocks noGrp="1"/>
+          </p:cNvSpPr>
+          <p:nvPr>
+            <p:ph type="ctrTitle"/>
+          </p:nvPr>
+        </p:nvSpPr>
+        <p:spPr/>
+        <p:txBody>
+          <a:bodyPr/>
+          <a:lstStyle/>
+          <a:p>
+            <a:r>
+              <a:rPr lang="en-US" dirty="0" smtClean="0"/>
+              <a:t>Index Management</a:t>
+            </a:r>
+            <a:endParaRPr lang="en-US" dirty="0"/>
+          </a:p>
+        </p:txBody>
+      </p:sp>
+    </p:spTree>
+    <p:extLst>
+      <p:ext uri="{BB962C8B-B14F-4D97-AF65-F5344CB8AC3E}">
+        <p14:creationId xmlns:p14="http://schemas.microsoft.com/office/powerpoint/2010/main" val="735871736"/>
+      </p:ext>
+    </p:extLst>
+  </p:cSld>
+  <p:clrMapOvr>
+    <a:masterClrMapping/>
+  </p:clrMapOvr>
+  <p:timing>
+    <p:tnLst>
+      <p:par>
+        <p:cTn xmlns:p14="http://schemas.microsoft.com/office/powerpoint/2010/main" id="1" dur="indefinite" restart="never" nodeType="tmRoot"/>
+      </p:par>
+    </p:tnLst>
+  </p:timing>
+</p:sld>
+</file>
+
+<file path=ppt/slides/slide20.xml><?xml version="1.0" encoding="utf-8"?>
 <p:sld xmlns:a="http://schemas.openxmlformats.org/drawingml/2006/main" xmlns:r="http://schemas.openxmlformats.org/officeDocument/2006/relationships" xmlns:p="http://schemas.openxmlformats.org/presentationml/2006/main">
   <p:cSld>
     <p:spTree>
@@ -10714,7 +12049,7 @@
 </p:sld>
 </file>
 
-<file path=ppt/slides/slide12.xml><?xml version="1.0" encoding="utf-8"?>
+<file path=ppt/slides/slide21.xml><?xml version="1.0" encoding="utf-8"?>
 <p:sld xmlns:a="http://schemas.openxmlformats.org/drawingml/2006/main" xmlns:r="http://schemas.openxmlformats.org/officeDocument/2006/relationships" xmlns:p="http://schemas.openxmlformats.org/presentationml/2006/main">
   <p:cSld>
     <p:spTree>
@@ -11423,7 +12758,7 @@
 </p:sld>
 </file>
 
-<file path=ppt/slides/slide13.xml><?xml version="1.0" encoding="utf-8"?>
+<file path=ppt/slides/slide22.xml><?xml version="1.0" encoding="utf-8"?>
 <p:sld xmlns:a="http://schemas.openxmlformats.org/drawingml/2006/main" xmlns:r="http://schemas.openxmlformats.org/officeDocument/2006/relationships" xmlns:p="http://schemas.openxmlformats.org/presentationml/2006/main">
   <p:cSld>
     <p:spTree>
@@ -11502,7 +12837,7 @@
 </p:sld>
 </file>
 
-<file path=ppt/slides/slide14.xml><?xml version="1.0" encoding="utf-8"?>
+<file path=ppt/slides/slide23.xml><?xml version="1.0" encoding="utf-8"?>
 <p:sld xmlns:a="http://schemas.openxmlformats.org/drawingml/2006/main" xmlns:r="http://schemas.openxmlformats.org/officeDocument/2006/relationships" xmlns:p="http://schemas.openxmlformats.org/presentationml/2006/main">
   <p:cSld>
     <p:spTree>
@@ -11562,7 +12897,7 @@
 </p:sld>
 </file>
 
-<file path=ppt/slides/slide15.xml><?xml version="1.0" encoding="utf-8"?>
+<file path=ppt/slides/slide24.xml><?xml version="1.0" encoding="utf-8"?>
 <p:sld xmlns:a="http://schemas.openxmlformats.org/drawingml/2006/main" xmlns:r="http://schemas.openxmlformats.org/officeDocument/2006/relationships" xmlns:p="http://schemas.openxmlformats.org/presentationml/2006/main" show="0">
   <p:cSld>
     <p:spTree>
@@ -11681,7 +13016,7 @@
 </p:sld>
 </file>
 
-<file path=ppt/slides/slide16.xml><?xml version="1.0" encoding="utf-8"?>
+<file path=ppt/slides/slide25.xml><?xml version="1.0" encoding="utf-8"?>
 <p:sld xmlns:a="http://schemas.openxmlformats.org/drawingml/2006/main" xmlns:r="http://schemas.openxmlformats.org/officeDocument/2006/relationships" xmlns:p="http://schemas.openxmlformats.org/presentationml/2006/main" show="0">
   <p:cSld>
     <p:spTree>
@@ -11930,7 +13265,7 @@
 </p:sld>
 </file>
 
-<file path=ppt/slides/slide17.xml><?xml version="1.0" encoding="utf-8"?>
+<file path=ppt/slides/slide26.xml><?xml version="1.0" encoding="utf-8"?>
 <p:sld xmlns:a="http://schemas.openxmlformats.org/drawingml/2006/main" xmlns:r="http://schemas.openxmlformats.org/officeDocument/2006/relationships" xmlns:p="http://schemas.openxmlformats.org/presentationml/2006/main" show="0">
   <p:cSld>
     <p:spTree>
@@ -11998,7 +13333,7 @@
 </p:sld>
 </file>
 
-<file path=ppt/slides/slide18.xml><?xml version="1.0" encoding="utf-8"?>
+<file path=ppt/slides/slide27.xml><?xml version="1.0" encoding="utf-8"?>
 <p:sld xmlns:a="http://schemas.openxmlformats.org/drawingml/2006/main" xmlns:r="http://schemas.openxmlformats.org/officeDocument/2006/relationships" xmlns:p="http://schemas.openxmlformats.org/presentationml/2006/main" show="0">
   <p:cSld>
     <p:spTree>
@@ -12089,7 +13424,7 @@
 </p:sld>
 </file>
 
-<file path=ppt/slides/slide19.xml><?xml version="1.0" encoding="utf-8"?>
+<file path=ppt/slides/slide28.xml><?xml version="1.0" encoding="utf-8"?>
 <p:sld xmlns:a="http://schemas.openxmlformats.org/drawingml/2006/main" xmlns:r="http://schemas.openxmlformats.org/officeDocument/2006/relationships" xmlns:p="http://schemas.openxmlformats.org/presentationml/2006/main" show="0">
   <p:cSld>
     <p:spTree>
@@ -13711,67 +15046,7 @@
 </p:sld>
 </file>
 
-<file path=ppt/slides/slide2.xml><?xml version="1.0" encoding="utf-8"?>
-<p:sld xmlns:a="http://schemas.openxmlformats.org/drawingml/2006/main" xmlns:r="http://schemas.openxmlformats.org/officeDocument/2006/relationships" xmlns:p="http://schemas.openxmlformats.org/presentationml/2006/main">
-  <p:cSld>
-    <p:spTree>
-      <p:nvGrpSpPr>
-        <p:cNvPr id="1" name=""/>
-        <p:cNvGrpSpPr/>
-        <p:nvPr/>
-      </p:nvGrpSpPr>
-      <p:grpSpPr>
-        <a:xfrm>
-          <a:off x="0" y="0"/>
-          <a:ext cx="0" cy="0"/>
-          <a:chOff x="0" y="0"/>
-          <a:chExt cx="0" cy="0"/>
-        </a:xfrm>
-      </p:grpSpPr>
-      <p:sp>
-        <p:nvSpPr>
-          <p:cNvPr id="2" name="Title 1"/>
-          <p:cNvSpPr>
-            <a:spLocks noGrp="1"/>
-          </p:cNvSpPr>
-          <p:nvPr>
-            <p:ph type="ctrTitle"/>
-          </p:nvPr>
-        </p:nvSpPr>
-        <p:spPr/>
-        <p:txBody>
-          <a:bodyPr/>
-          <a:lstStyle/>
-          <a:p>
-            <a:r>
-              <a:rPr lang="en-US" dirty="0" smtClean="0"/>
-              <a:t>Index Management</a:t>
-            </a:r>
-            <a:endParaRPr lang="en-US" dirty="0"/>
-          </a:p>
-        </p:txBody>
-      </p:sp>
-    </p:spTree>
-    <p:extLst>
-      <p:ext uri="{BB962C8B-B14F-4D97-AF65-F5344CB8AC3E}">
-        <p14:creationId xmlns:p14="http://schemas.microsoft.com/office/powerpoint/2010/main" val="735871736"/>
-      </p:ext>
-    </p:extLst>
-  </p:cSld>
-  <p:clrMapOvr>
-    <a:masterClrMapping/>
-  </p:clrMapOvr>
-  <p:timing>
-    <p:tnLst>
-      <p:par>
-        <p:cTn xmlns:p14="http://schemas.microsoft.com/office/powerpoint/2010/main" id="1" dur="indefinite" restart="never" nodeType="tmRoot"/>
-      </p:par>
-    </p:tnLst>
-  </p:timing>
-</p:sld>
-</file>
-
-<file path=ppt/slides/slide20.xml><?xml version="1.0" encoding="utf-8"?>
+<file path=ppt/slides/slide29.xml><?xml version="1.0" encoding="utf-8"?>
 <p:sld xmlns:a="http://schemas.openxmlformats.org/drawingml/2006/main" xmlns:r="http://schemas.openxmlformats.org/officeDocument/2006/relationships" xmlns:p="http://schemas.openxmlformats.org/presentationml/2006/main" show="0">
   <p:cSld>
     <p:spTree>
@@ -14523,7 +15798,426 @@
 </p:sld>
 </file>
 
-<file path=ppt/slides/slide21.xml><?xml version="1.0" encoding="utf-8"?>
+<file path=ppt/slides/slide3.xml><?xml version="1.0" encoding="utf-8"?>
+<p:sld xmlns:a="http://schemas.openxmlformats.org/drawingml/2006/main" xmlns:r="http://schemas.openxmlformats.org/officeDocument/2006/relationships" xmlns:p="http://schemas.openxmlformats.org/presentationml/2006/main">
+  <p:cSld>
+    <p:spTree>
+      <p:nvGrpSpPr>
+        <p:cNvPr id="1" name=""/>
+        <p:cNvGrpSpPr/>
+        <p:nvPr/>
+      </p:nvGrpSpPr>
+      <p:grpSpPr>
+        <a:xfrm>
+          <a:off x="0" y="0"/>
+          <a:ext cx="0" cy="0"/>
+          <a:chOff x="0" y="0"/>
+          <a:chExt cx="0" cy="0"/>
+        </a:xfrm>
+      </p:grpSpPr>
+      <p:sp>
+        <p:nvSpPr>
+          <p:cNvPr id="2" name="Title 1"/>
+          <p:cNvSpPr>
+            <a:spLocks noGrp="1"/>
+          </p:cNvSpPr>
+          <p:nvPr>
+            <p:ph type="title"/>
+          </p:nvPr>
+        </p:nvSpPr>
+        <p:spPr/>
+        <p:txBody>
+          <a:bodyPr/>
+          <a:lstStyle/>
+          <a:p>
+            <a:r>
+              <a:rPr lang="en-US" dirty="0" smtClean="0"/>
+              <a:t>Secondary Indexes</a:t>
+            </a:r>
+            <a:endParaRPr lang="en-US" dirty="0"/>
+          </a:p>
+        </p:txBody>
+      </p:sp>
+      <p:sp>
+        <p:nvSpPr>
+          <p:cNvPr id="3" name="Content Placeholder 2"/>
+          <p:cNvSpPr>
+            <a:spLocks noGrp="1"/>
+          </p:cNvSpPr>
+          <p:nvPr>
+            <p:ph idx="1"/>
+          </p:nvPr>
+        </p:nvSpPr>
+        <p:spPr>
+          <a:xfrm>
+            <a:off x="457200" y="955193"/>
+            <a:ext cx="8007739" cy="3493655"/>
+          </a:xfrm>
+        </p:spPr>
+        <p:txBody>
+          <a:bodyPr/>
+          <a:lstStyle/>
+          <a:p>
+            <a:pPr>
+              <a:lnSpc>
+                <a:spcPct val="140000"/>
+              </a:lnSpc>
+            </a:pPr>
+            <a:r>
+              <a:rPr lang="en-US" dirty="0" smtClean="0"/>
+              <a:t>Are the backing data structure for N1QL</a:t>
+            </a:r>
+            <a:endParaRPr lang="en-US" dirty="0" smtClean="0"/>
+          </a:p>
+          <a:p>
+            <a:pPr>
+              <a:lnSpc>
+                <a:spcPct val="140000"/>
+              </a:lnSpc>
+            </a:pPr>
+            <a:r>
+              <a:rPr lang="en-US" dirty="0" smtClean="0"/>
+              <a:t>Optimize the data lookup path for the query </a:t>
+            </a:r>
+            <a:r>
+              <a:rPr lang="en-US" dirty="0" smtClean="0"/>
+              <a:t>engine (“avoiding the full table scan”)</a:t>
+            </a:r>
+            <a:endParaRPr lang="en-US" dirty="0" smtClean="0"/>
+          </a:p>
+          <a:p>
+            <a:pPr>
+              <a:lnSpc>
+                <a:spcPct val="140000"/>
+              </a:lnSpc>
+            </a:pPr>
+            <a:r>
+              <a:rPr lang="en-US" dirty="0" smtClean="0"/>
+              <a:t>Two types of indexes</a:t>
+            </a:r>
+          </a:p>
+          <a:p>
+            <a:pPr lvl="1">
+              <a:lnSpc>
+                <a:spcPct val="140000"/>
+              </a:lnSpc>
+            </a:pPr>
+            <a:r>
+              <a:rPr lang="en-US" dirty="0" smtClean="0"/>
+              <a:t>View indexes</a:t>
+            </a:r>
+          </a:p>
+          <a:p>
+            <a:pPr lvl="1">
+              <a:lnSpc>
+                <a:spcPct val="140000"/>
+              </a:lnSpc>
+            </a:pPr>
+            <a:r>
+              <a:rPr lang="en-US" dirty="0" smtClean="0"/>
+              <a:t>GSI indexes (new global secondary indexes)</a:t>
+            </a:r>
+          </a:p>
+        </p:txBody>
+      </p:sp>
+    </p:spTree>
+    <p:extLst>
+      <p:ext uri="{BB962C8B-B14F-4D97-AF65-F5344CB8AC3E}">
+        <p14:creationId xmlns:p14="http://schemas.microsoft.com/office/powerpoint/2010/main" val="230402553"/>
+      </p:ext>
+    </p:extLst>
+  </p:cSld>
+  <p:clrMapOvr>
+    <a:masterClrMapping/>
+  </p:clrMapOvr>
+  <p:timing>
+    <p:tnLst>
+      <p:par>
+        <p:cTn xmlns:p14="http://schemas.microsoft.com/office/powerpoint/2010/main" id="1" dur="indefinite" restart="never" nodeType="tmRoot">
+          <p:childTnLst>
+            <p:seq concurrent="1" nextAc="seek">
+              <p:cTn id="2" dur="indefinite" nodeType="mainSeq">
+                <p:childTnLst>
+                  <p:par>
+                    <p:cTn id="3" fill="hold">
+                      <p:stCondLst>
+                        <p:cond delay="indefinite"/>
+                      </p:stCondLst>
+                      <p:childTnLst>
+                        <p:par>
+                          <p:cTn id="4" fill="hold">
+                            <p:stCondLst>
+                              <p:cond delay="0"/>
+                            </p:stCondLst>
+                            <p:childTnLst>
+                              <p:par>
+                                <p:cTn id="5" presetID="10" presetClass="entr" presetSubtype="0" fill="hold" grpId="0" nodeType="clickEffect">
+                                  <p:stCondLst>
+                                    <p:cond delay="0"/>
+                                  </p:stCondLst>
+                                  <p:childTnLst>
+                                    <p:set>
+                                      <p:cBhvr>
+                                        <p:cTn id="6" dur="1" fill="hold">
+                                          <p:stCondLst>
+                                            <p:cond delay="0"/>
+                                          </p:stCondLst>
+                                        </p:cTn>
+                                        <p:tgtEl>
+                                          <p:spTgt spid="3">
+                                            <p:txEl>
+                                              <p:pRg st="0" end="0"/>
+                                            </p:txEl>
+                                          </p:spTgt>
+                                        </p:tgtEl>
+                                        <p:attrNameLst>
+                                          <p:attrName>style.visibility</p:attrName>
+                                        </p:attrNameLst>
+                                      </p:cBhvr>
+                                      <p:to>
+                                        <p:strVal val="visible"/>
+                                      </p:to>
+                                    </p:set>
+                                    <p:animEffect transition="in" filter="fade">
+                                      <p:cBhvr>
+                                        <p:cTn id="7" dur="500"/>
+                                        <p:tgtEl>
+                                          <p:spTgt spid="3">
+                                            <p:txEl>
+                                              <p:pRg st="0" end="0"/>
+                                            </p:txEl>
+                                          </p:spTgt>
+                                        </p:tgtEl>
+                                      </p:cBhvr>
+                                    </p:animEffect>
+                                  </p:childTnLst>
+                                </p:cTn>
+                              </p:par>
+                            </p:childTnLst>
+                          </p:cTn>
+                        </p:par>
+                      </p:childTnLst>
+                    </p:cTn>
+                  </p:par>
+                  <p:par>
+                    <p:cTn id="8" fill="hold">
+                      <p:stCondLst>
+                        <p:cond delay="indefinite"/>
+                      </p:stCondLst>
+                      <p:childTnLst>
+                        <p:par>
+                          <p:cTn id="9" fill="hold">
+                            <p:stCondLst>
+                              <p:cond delay="0"/>
+                            </p:stCondLst>
+                            <p:childTnLst>
+                              <p:par>
+                                <p:cTn id="10" presetID="10" presetClass="entr" presetSubtype="0" fill="hold" grpId="0" nodeType="clickEffect">
+                                  <p:stCondLst>
+                                    <p:cond delay="0"/>
+                                  </p:stCondLst>
+                                  <p:childTnLst>
+                                    <p:set>
+                                      <p:cBhvr>
+                                        <p:cTn id="11" dur="1" fill="hold">
+                                          <p:stCondLst>
+                                            <p:cond delay="0"/>
+                                          </p:stCondLst>
+                                        </p:cTn>
+                                        <p:tgtEl>
+                                          <p:spTgt spid="3">
+                                            <p:txEl>
+                                              <p:pRg st="1" end="1"/>
+                                            </p:txEl>
+                                          </p:spTgt>
+                                        </p:tgtEl>
+                                        <p:attrNameLst>
+                                          <p:attrName>style.visibility</p:attrName>
+                                        </p:attrNameLst>
+                                      </p:cBhvr>
+                                      <p:to>
+                                        <p:strVal val="visible"/>
+                                      </p:to>
+                                    </p:set>
+                                    <p:animEffect transition="in" filter="fade">
+                                      <p:cBhvr>
+                                        <p:cTn id="12" dur="500"/>
+                                        <p:tgtEl>
+                                          <p:spTgt spid="3">
+                                            <p:txEl>
+                                              <p:pRg st="1" end="1"/>
+                                            </p:txEl>
+                                          </p:spTgt>
+                                        </p:tgtEl>
+                                      </p:cBhvr>
+                                    </p:animEffect>
+                                  </p:childTnLst>
+                                </p:cTn>
+                              </p:par>
+                              <p:par>
+                                <p:cTn id="13" presetID="10" presetClass="entr" presetSubtype="0" fill="hold" grpId="0" nodeType="withEffect">
+                                  <p:stCondLst>
+                                    <p:cond delay="0"/>
+                                  </p:stCondLst>
+                                  <p:childTnLst>
+                                    <p:set>
+                                      <p:cBhvr>
+                                        <p:cTn id="14" dur="1" fill="hold">
+                                          <p:stCondLst>
+                                            <p:cond delay="0"/>
+                                          </p:stCondLst>
+                                        </p:cTn>
+                                        <p:tgtEl>
+                                          <p:spTgt spid="3">
+                                            <p:txEl>
+                                              <p:pRg st="2" end="2"/>
+                                            </p:txEl>
+                                          </p:spTgt>
+                                        </p:tgtEl>
+                                        <p:attrNameLst>
+                                          <p:attrName>style.visibility</p:attrName>
+                                        </p:attrNameLst>
+                                      </p:cBhvr>
+                                      <p:to>
+                                        <p:strVal val="visible"/>
+                                      </p:to>
+                                    </p:set>
+                                    <p:animEffect transition="in" filter="fade">
+                                      <p:cBhvr>
+                                        <p:cTn id="15" dur="500"/>
+                                        <p:tgtEl>
+                                          <p:spTgt spid="3">
+                                            <p:txEl>
+                                              <p:pRg st="2" end="2"/>
+                                            </p:txEl>
+                                          </p:spTgt>
+                                        </p:tgtEl>
+                                      </p:cBhvr>
+                                    </p:animEffect>
+                                  </p:childTnLst>
+                                </p:cTn>
+                              </p:par>
+                              <p:par>
+                                <p:cTn id="16" presetID="10" presetClass="entr" presetSubtype="0" fill="hold" grpId="0" nodeType="withEffect">
+                                  <p:stCondLst>
+                                    <p:cond delay="0"/>
+                                  </p:stCondLst>
+                                  <p:childTnLst>
+                                    <p:set>
+                                      <p:cBhvr>
+                                        <p:cTn id="17" dur="1" fill="hold">
+                                          <p:stCondLst>
+                                            <p:cond delay="0"/>
+                                          </p:stCondLst>
+                                        </p:cTn>
+                                        <p:tgtEl>
+                                          <p:spTgt spid="3">
+                                            <p:txEl>
+                                              <p:pRg st="3" end="3"/>
+                                            </p:txEl>
+                                          </p:spTgt>
+                                        </p:tgtEl>
+                                        <p:attrNameLst>
+                                          <p:attrName>style.visibility</p:attrName>
+                                        </p:attrNameLst>
+                                      </p:cBhvr>
+                                      <p:to>
+                                        <p:strVal val="visible"/>
+                                      </p:to>
+                                    </p:set>
+                                    <p:animEffect transition="in" filter="fade">
+                                      <p:cBhvr>
+                                        <p:cTn id="18" dur="500"/>
+                                        <p:tgtEl>
+                                          <p:spTgt spid="3">
+                                            <p:txEl>
+                                              <p:pRg st="3" end="3"/>
+                                            </p:txEl>
+                                          </p:spTgt>
+                                        </p:tgtEl>
+                                      </p:cBhvr>
+                                    </p:animEffect>
+                                  </p:childTnLst>
+                                </p:cTn>
+                              </p:par>
+                              <p:par>
+                                <p:cTn id="19" presetID="10" presetClass="entr" presetSubtype="0" fill="hold" grpId="0" nodeType="withEffect">
+                                  <p:stCondLst>
+                                    <p:cond delay="0"/>
+                                  </p:stCondLst>
+                                  <p:childTnLst>
+                                    <p:set>
+                                      <p:cBhvr>
+                                        <p:cTn id="20" dur="1" fill="hold">
+                                          <p:stCondLst>
+                                            <p:cond delay="0"/>
+                                          </p:stCondLst>
+                                        </p:cTn>
+                                        <p:tgtEl>
+                                          <p:spTgt spid="3">
+                                            <p:txEl>
+                                              <p:pRg st="4" end="4"/>
+                                            </p:txEl>
+                                          </p:spTgt>
+                                        </p:tgtEl>
+                                        <p:attrNameLst>
+                                          <p:attrName>style.visibility</p:attrName>
+                                        </p:attrNameLst>
+                                      </p:cBhvr>
+                                      <p:to>
+                                        <p:strVal val="visible"/>
+                                      </p:to>
+                                    </p:set>
+                                    <p:animEffect transition="in" filter="fade">
+                                      <p:cBhvr>
+                                        <p:cTn id="21" dur="500"/>
+                                        <p:tgtEl>
+                                          <p:spTgt spid="3">
+                                            <p:txEl>
+                                              <p:pRg st="4" end="4"/>
+                                            </p:txEl>
+                                          </p:spTgt>
+                                        </p:tgtEl>
+                                      </p:cBhvr>
+                                    </p:animEffect>
+                                  </p:childTnLst>
+                                </p:cTn>
+                              </p:par>
+                            </p:childTnLst>
+                          </p:cTn>
+                        </p:par>
+                      </p:childTnLst>
+                    </p:cTn>
+                  </p:par>
+                </p:childTnLst>
+              </p:cTn>
+              <p:prevCondLst>
+                <p:cond evt="onPrev" delay="0">
+                  <p:tgtEl>
+                    <p:sldTgt/>
+                  </p:tgtEl>
+                </p:cond>
+              </p:prevCondLst>
+              <p:nextCondLst>
+                <p:cond evt="onNext" delay="0">
+                  <p:tgtEl>
+                    <p:sldTgt/>
+                  </p:tgtEl>
+                </p:cond>
+              </p:nextCondLst>
+            </p:seq>
+          </p:childTnLst>
+        </p:cTn>
+      </p:par>
+    </p:tnLst>
+    <p:bldLst>
+      <p:bldP spid="3" grpId="0" build="p"/>
+    </p:bldLst>
+  </p:timing>
+</p:sld>
+</file>
+
+<file path=ppt/slides/slide30.xml><?xml version="1.0" encoding="utf-8"?>
 <p:sld xmlns:a="http://schemas.openxmlformats.org/drawingml/2006/main" xmlns:r="http://schemas.openxmlformats.org/officeDocument/2006/relationships" xmlns:p="http://schemas.openxmlformats.org/presentationml/2006/main" show="0">
   <p:cSld>
     <p:spTree>
@@ -15275,7 +16969,7 @@
 </p:sld>
 </file>
 
-<file path=ppt/slides/slide22.xml><?xml version="1.0" encoding="utf-8"?>
+<file path=ppt/slides/slide31.xml><?xml version="1.0" encoding="utf-8"?>
 <p:sld xmlns:a="http://schemas.openxmlformats.org/drawingml/2006/main" xmlns:r="http://schemas.openxmlformats.org/officeDocument/2006/relationships" xmlns:p="http://schemas.openxmlformats.org/presentationml/2006/main" show="0">
   <p:cSld>
     <p:spTree>
@@ -15441,7 +17135,7 @@
 </p:sld>
 </file>
 
-<file path=ppt/slides/slide23.xml><?xml version="1.0" encoding="utf-8"?>
+<file path=ppt/slides/slide32.xml><?xml version="1.0" encoding="utf-8"?>
 <p:sld xmlns:a="http://schemas.openxmlformats.org/drawingml/2006/main" xmlns:r="http://schemas.openxmlformats.org/officeDocument/2006/relationships" xmlns:p="http://schemas.openxmlformats.org/presentationml/2006/main" show="0">
   <p:cSld>
     <p:spTree>
@@ -15607,7 +17301,7 @@
 </p:sld>
 </file>
 
-<file path=ppt/slides/slide24.xml><?xml version="1.0" encoding="utf-8"?>
+<file path=ppt/slides/slide33.xml><?xml version="1.0" encoding="utf-8"?>
 <p:sld xmlns:a="http://schemas.openxmlformats.org/drawingml/2006/main" xmlns:r="http://schemas.openxmlformats.org/officeDocument/2006/relationships" xmlns:p="http://schemas.openxmlformats.org/presentationml/2006/main" show="0">
   <p:cSld>
     <p:spTree>
@@ -15773,7 +17467,7 @@
 </p:sld>
 </file>
 
-<file path=ppt/slides/slide25.xml><?xml version="1.0" encoding="utf-8"?>
+<file path=ppt/slides/slide34.xml><?xml version="1.0" encoding="utf-8"?>
 <p:sld xmlns:a="http://schemas.openxmlformats.org/drawingml/2006/main" xmlns:r="http://schemas.openxmlformats.org/officeDocument/2006/relationships" xmlns:p="http://schemas.openxmlformats.org/presentationml/2006/main" show="0">
   <p:cSld>
     <p:spTree>
@@ -16467,7 +18161,7 @@
 </p:sld>
 </file>
 
-<file path=ppt/slides/slide26.xml><?xml version="1.0" encoding="utf-8"?>
+<file path=ppt/slides/slide35.xml><?xml version="1.0" encoding="utf-8"?>
 <p:sld xmlns:a="http://schemas.openxmlformats.org/drawingml/2006/main" xmlns:r="http://schemas.openxmlformats.org/officeDocument/2006/relationships" xmlns:p="http://schemas.openxmlformats.org/presentationml/2006/main" show="0">
   <p:cSld>
     <p:spTree>
@@ -16535,7 +18229,7 @@
 </p:sld>
 </file>
 
-<file path=ppt/slides/slide27.xml><?xml version="1.0" encoding="utf-8"?>
+<file path=ppt/slides/slide36.xml><?xml version="1.0" encoding="utf-8"?>
 <p:sld xmlns:a="http://schemas.openxmlformats.org/drawingml/2006/main" xmlns:r="http://schemas.openxmlformats.org/officeDocument/2006/relationships" xmlns:p="http://schemas.openxmlformats.org/presentationml/2006/main" show="0">
   <p:cSld>
     <p:spTree>
@@ -16580,428 +18274,6 @@
 </p:sld>
 </file>
 
-<file path=ppt/slides/slide3.xml><?xml version="1.0" encoding="utf-8"?>
-<p:sld xmlns:a="http://schemas.openxmlformats.org/drawingml/2006/main" xmlns:r="http://schemas.openxmlformats.org/officeDocument/2006/relationships" xmlns:p="http://schemas.openxmlformats.org/presentationml/2006/main">
-  <p:cSld>
-    <p:spTree>
-      <p:nvGrpSpPr>
-        <p:cNvPr id="1" name=""/>
-        <p:cNvGrpSpPr/>
-        <p:nvPr/>
-      </p:nvGrpSpPr>
-      <p:grpSpPr>
-        <a:xfrm>
-          <a:off x="0" y="0"/>
-          <a:ext cx="0" cy="0"/>
-          <a:chOff x="0" y="0"/>
-          <a:chExt cx="0" cy="0"/>
-        </a:xfrm>
-      </p:grpSpPr>
-      <p:sp>
-        <p:nvSpPr>
-          <p:cNvPr id="2" name="Title 1"/>
-          <p:cNvSpPr>
-            <a:spLocks noGrp="1"/>
-          </p:cNvSpPr>
-          <p:nvPr>
-            <p:ph type="title"/>
-          </p:nvPr>
-        </p:nvSpPr>
-        <p:spPr/>
-        <p:txBody>
-          <a:bodyPr/>
-          <a:lstStyle/>
-          <a:p>
-            <a:r>
-              <a:rPr lang="en-US" dirty="0" smtClean="0"/>
-              <a:t>Indexes</a:t>
-            </a:r>
-            <a:endParaRPr lang="en-US" dirty="0"/>
-          </a:p>
-        </p:txBody>
-      </p:sp>
-      <p:sp>
-        <p:nvSpPr>
-          <p:cNvPr id="3" name="Content Placeholder 2"/>
-          <p:cNvSpPr>
-            <a:spLocks noGrp="1"/>
-          </p:cNvSpPr>
-          <p:nvPr>
-            <p:ph idx="1"/>
-          </p:nvPr>
-        </p:nvSpPr>
-        <p:spPr>
-          <a:xfrm>
-            <a:off x="457200" y="955193"/>
-            <a:ext cx="8007739" cy="3493655"/>
-          </a:xfrm>
-        </p:spPr>
-        <p:txBody>
-          <a:bodyPr/>
-          <a:lstStyle/>
-          <a:p>
-            <a:pPr>
-              <a:lnSpc>
-                <a:spcPct val="140000"/>
-              </a:lnSpc>
-            </a:pPr>
-            <a:r>
-              <a:rPr lang="en-US" dirty="0" smtClean="0"/>
-              <a:t>Provides the foundation for N1QL Queries</a:t>
-            </a:r>
-          </a:p>
-          <a:p>
-            <a:pPr>
-              <a:lnSpc>
-                <a:spcPct val="140000"/>
-              </a:lnSpc>
-            </a:pPr>
-            <a:r>
-              <a:rPr lang="en-US" dirty="0" smtClean="0"/>
-              <a:t>Optimize the data lookup path for the query engine</a:t>
-            </a:r>
-            <a:endParaRPr lang="en-US" dirty="0" smtClean="0"/>
-          </a:p>
-          <a:p>
-            <a:pPr>
-              <a:lnSpc>
-                <a:spcPct val="140000"/>
-              </a:lnSpc>
-            </a:pPr>
-            <a:r>
-              <a:rPr lang="en-US" dirty="0" smtClean="0"/>
-              <a:t>Two types of indexes</a:t>
-            </a:r>
-          </a:p>
-          <a:p>
-            <a:pPr lvl="1">
-              <a:lnSpc>
-                <a:spcPct val="140000"/>
-              </a:lnSpc>
-            </a:pPr>
-            <a:r>
-              <a:rPr lang="en-US" dirty="0" smtClean="0"/>
-              <a:t>View indexes</a:t>
-            </a:r>
-          </a:p>
-          <a:p>
-            <a:pPr lvl="1">
-              <a:lnSpc>
-                <a:spcPct val="140000"/>
-              </a:lnSpc>
-            </a:pPr>
-            <a:r>
-              <a:rPr lang="en-US" dirty="0" smtClean="0"/>
-              <a:t>GSI indexes (new </a:t>
-            </a:r>
-            <a:r>
-              <a:rPr lang="en-US" dirty="0" smtClean="0"/>
-              <a:t>global secondary </a:t>
-            </a:r>
-            <a:r>
-              <a:rPr lang="en-US" dirty="0" smtClean="0"/>
-              <a:t>indexes)</a:t>
-            </a:r>
-          </a:p>
-        </p:txBody>
-      </p:sp>
-    </p:spTree>
-    <p:extLst>
-      <p:ext uri="{BB962C8B-B14F-4D97-AF65-F5344CB8AC3E}">
-        <p14:creationId xmlns:p14="http://schemas.microsoft.com/office/powerpoint/2010/main" val="230402553"/>
-      </p:ext>
-    </p:extLst>
-  </p:cSld>
-  <p:clrMapOvr>
-    <a:masterClrMapping/>
-  </p:clrMapOvr>
-  <p:timing>
-    <p:tnLst>
-      <p:par>
-        <p:cTn xmlns:p14="http://schemas.microsoft.com/office/powerpoint/2010/main" id="1" dur="indefinite" restart="never" nodeType="tmRoot">
-          <p:childTnLst>
-            <p:seq concurrent="1" nextAc="seek">
-              <p:cTn id="2" dur="indefinite" nodeType="mainSeq">
-                <p:childTnLst>
-                  <p:par>
-                    <p:cTn id="3" fill="hold">
-                      <p:stCondLst>
-                        <p:cond delay="indefinite"/>
-                      </p:stCondLst>
-                      <p:childTnLst>
-                        <p:par>
-                          <p:cTn id="4" fill="hold">
-                            <p:stCondLst>
-                              <p:cond delay="0"/>
-                            </p:stCondLst>
-                            <p:childTnLst>
-                              <p:par>
-                                <p:cTn id="5" presetID="10" presetClass="entr" presetSubtype="0" fill="hold" grpId="0" nodeType="clickEffect">
-                                  <p:stCondLst>
-                                    <p:cond delay="0"/>
-                                  </p:stCondLst>
-                                  <p:childTnLst>
-                                    <p:set>
-                                      <p:cBhvr>
-                                        <p:cTn id="6" dur="1" fill="hold">
-                                          <p:stCondLst>
-                                            <p:cond delay="0"/>
-                                          </p:stCondLst>
-                                        </p:cTn>
-                                        <p:tgtEl>
-                                          <p:spTgt spid="3">
-                                            <p:txEl>
-                                              <p:pRg st="0" end="0"/>
-                                            </p:txEl>
-                                          </p:spTgt>
-                                        </p:tgtEl>
-                                        <p:attrNameLst>
-                                          <p:attrName>style.visibility</p:attrName>
-                                        </p:attrNameLst>
-                                      </p:cBhvr>
-                                      <p:to>
-                                        <p:strVal val="visible"/>
-                                      </p:to>
-                                    </p:set>
-                                    <p:animEffect transition="in" filter="fade">
-                                      <p:cBhvr>
-                                        <p:cTn id="7" dur="500"/>
-                                        <p:tgtEl>
-                                          <p:spTgt spid="3">
-                                            <p:txEl>
-                                              <p:pRg st="0" end="0"/>
-                                            </p:txEl>
-                                          </p:spTgt>
-                                        </p:tgtEl>
-                                      </p:cBhvr>
-                                    </p:animEffect>
-                                  </p:childTnLst>
-                                </p:cTn>
-                              </p:par>
-                            </p:childTnLst>
-                          </p:cTn>
-                        </p:par>
-                      </p:childTnLst>
-                    </p:cTn>
-                  </p:par>
-                  <p:par>
-                    <p:cTn id="8" fill="hold">
-                      <p:stCondLst>
-                        <p:cond delay="indefinite"/>
-                      </p:stCondLst>
-                      <p:childTnLst>
-                        <p:par>
-                          <p:cTn id="9" fill="hold">
-                            <p:stCondLst>
-                              <p:cond delay="0"/>
-                            </p:stCondLst>
-                            <p:childTnLst>
-                              <p:par>
-                                <p:cTn id="10" presetID="10" presetClass="entr" presetSubtype="0" fill="hold" grpId="0" nodeType="clickEffect">
-                                  <p:stCondLst>
-                                    <p:cond delay="0"/>
-                                  </p:stCondLst>
-                                  <p:childTnLst>
-                                    <p:set>
-                                      <p:cBhvr>
-                                        <p:cTn id="11" dur="1" fill="hold">
-                                          <p:stCondLst>
-                                            <p:cond delay="0"/>
-                                          </p:stCondLst>
-                                        </p:cTn>
-                                        <p:tgtEl>
-                                          <p:spTgt spid="3">
-                                            <p:txEl>
-                                              <p:pRg st="1" end="1"/>
-                                            </p:txEl>
-                                          </p:spTgt>
-                                        </p:tgtEl>
-                                        <p:attrNameLst>
-                                          <p:attrName>style.visibility</p:attrName>
-                                        </p:attrNameLst>
-                                      </p:cBhvr>
-                                      <p:to>
-                                        <p:strVal val="visible"/>
-                                      </p:to>
-                                    </p:set>
-                                    <p:animEffect transition="in" filter="fade">
-                                      <p:cBhvr>
-                                        <p:cTn id="12" dur="500"/>
-                                        <p:tgtEl>
-                                          <p:spTgt spid="3">
-                                            <p:txEl>
-                                              <p:pRg st="1" end="1"/>
-                                            </p:txEl>
-                                          </p:spTgt>
-                                        </p:tgtEl>
-                                      </p:cBhvr>
-                                    </p:animEffect>
-                                  </p:childTnLst>
-                                </p:cTn>
-                              </p:par>
-                              <p:par>
-                                <p:cTn id="13" presetID="10" presetClass="entr" presetSubtype="0" fill="hold" grpId="0" nodeType="withEffect">
-                                  <p:stCondLst>
-                                    <p:cond delay="0"/>
-                                  </p:stCondLst>
-                                  <p:childTnLst>
-                                    <p:set>
-                                      <p:cBhvr>
-                                        <p:cTn id="14" dur="1" fill="hold">
-                                          <p:stCondLst>
-                                            <p:cond delay="0"/>
-                                          </p:stCondLst>
-                                        </p:cTn>
-                                        <p:tgtEl>
-                                          <p:spTgt spid="3">
-                                            <p:txEl>
-                                              <p:pRg st="2" end="2"/>
-                                            </p:txEl>
-                                          </p:spTgt>
-                                        </p:tgtEl>
-                                        <p:attrNameLst>
-                                          <p:attrName>style.visibility</p:attrName>
-                                        </p:attrNameLst>
-                                      </p:cBhvr>
-                                      <p:to>
-                                        <p:strVal val="visible"/>
-                                      </p:to>
-                                    </p:set>
-                                    <p:animEffect transition="in" filter="fade">
-                                      <p:cBhvr>
-                                        <p:cTn id="15" dur="500"/>
-                                        <p:tgtEl>
-                                          <p:spTgt spid="3">
-                                            <p:txEl>
-                                              <p:pRg st="2" end="2"/>
-                                            </p:txEl>
-                                          </p:spTgt>
-                                        </p:tgtEl>
-                                      </p:cBhvr>
-                                    </p:animEffect>
-                                  </p:childTnLst>
-                                </p:cTn>
-                              </p:par>
-                              <p:par>
-                                <p:cTn id="16" presetID="10" presetClass="entr" presetSubtype="0" fill="hold" grpId="0" nodeType="withEffect">
-                                  <p:stCondLst>
-                                    <p:cond delay="0"/>
-                                  </p:stCondLst>
-                                  <p:childTnLst>
-                                    <p:set>
-                                      <p:cBhvr>
-                                        <p:cTn id="17" dur="1" fill="hold">
-                                          <p:stCondLst>
-                                            <p:cond delay="0"/>
-                                          </p:stCondLst>
-                                        </p:cTn>
-                                        <p:tgtEl>
-                                          <p:spTgt spid="3">
-                                            <p:txEl>
-                                              <p:pRg st="3" end="3"/>
-                                            </p:txEl>
-                                          </p:spTgt>
-                                        </p:tgtEl>
-                                        <p:attrNameLst>
-                                          <p:attrName>style.visibility</p:attrName>
-                                        </p:attrNameLst>
-                                      </p:cBhvr>
-                                      <p:to>
-                                        <p:strVal val="visible"/>
-                                      </p:to>
-                                    </p:set>
-                                    <p:animEffect transition="in" filter="fade">
-                                      <p:cBhvr>
-                                        <p:cTn id="18" dur="500"/>
-                                        <p:tgtEl>
-                                          <p:spTgt spid="3">
-                                            <p:txEl>
-                                              <p:pRg st="3" end="3"/>
-                                            </p:txEl>
-                                          </p:spTgt>
-                                        </p:tgtEl>
-                                      </p:cBhvr>
-                                    </p:animEffect>
-                                  </p:childTnLst>
-                                </p:cTn>
-                              </p:par>
-                              <p:par>
-                                <p:cTn id="19" presetID="10" presetClass="entr" presetSubtype="0" fill="hold" grpId="0" nodeType="withEffect">
-                                  <p:stCondLst>
-                                    <p:cond delay="0"/>
-                                  </p:stCondLst>
-                                  <p:childTnLst>
-                                    <p:set>
-                                      <p:cBhvr>
-                                        <p:cTn id="20" dur="1" fill="hold">
-                                          <p:stCondLst>
-                                            <p:cond delay="0"/>
-                                          </p:stCondLst>
-                                        </p:cTn>
-                                        <p:tgtEl>
-                                          <p:spTgt spid="3">
-                                            <p:txEl>
-                                              <p:pRg st="4" end="4"/>
-                                            </p:txEl>
-                                          </p:spTgt>
-                                        </p:tgtEl>
-                                        <p:attrNameLst>
-                                          <p:attrName>style.visibility</p:attrName>
-                                        </p:attrNameLst>
-                                      </p:cBhvr>
-                                      <p:to>
-                                        <p:strVal val="visible"/>
-                                      </p:to>
-                                    </p:set>
-                                    <p:animEffect transition="in" filter="fade">
-                                      <p:cBhvr>
-                                        <p:cTn id="21" dur="500"/>
-                                        <p:tgtEl>
-                                          <p:spTgt spid="3">
-                                            <p:txEl>
-                                              <p:pRg st="4" end="4"/>
-                                            </p:txEl>
-                                          </p:spTgt>
-                                        </p:tgtEl>
-                                      </p:cBhvr>
-                                    </p:animEffect>
-                                  </p:childTnLst>
-                                </p:cTn>
-                              </p:par>
-                            </p:childTnLst>
-                          </p:cTn>
-                        </p:par>
-                      </p:childTnLst>
-                    </p:cTn>
-                  </p:par>
-                </p:childTnLst>
-              </p:cTn>
-              <p:prevCondLst>
-                <p:cond evt="onPrev" delay="0">
-                  <p:tgtEl>
-                    <p:sldTgt/>
-                  </p:tgtEl>
-                </p:cond>
-              </p:prevCondLst>
-              <p:nextCondLst>
-                <p:cond evt="onNext" delay="0">
-                  <p:tgtEl>
-                    <p:sldTgt/>
-                  </p:tgtEl>
-                </p:cond>
-              </p:nextCondLst>
-            </p:seq>
-          </p:childTnLst>
-        </p:cTn>
-      </p:par>
-    </p:tnLst>
-    <p:bldLst>
-      <p:bldP spid="3" grpId="0" build="p"/>
-    </p:bldLst>
-  </p:timing>
-</p:sld>
-</file>
-
 <file path=ppt/slides/slide4.xml><?xml version="1.0" encoding="utf-8"?>
 <p:sld xmlns:a="http://schemas.openxmlformats.org/drawingml/2006/main" xmlns:r="http://schemas.openxmlformats.org/officeDocument/2006/relationships" xmlns:p="http://schemas.openxmlformats.org/presentationml/2006/main">
   <p:cSld>
@@ -17036,7 +18308,7 @@
           <a:p>
             <a:r>
               <a:rPr lang="en-US" dirty="0" smtClean="0"/>
-              <a:t>Indexes</a:t>
+              <a:t>Index Management</a:t>
             </a:r>
             <a:endParaRPr lang="en-US" dirty="0"/>
           </a:p>
@@ -17068,9 +18340,14 @@
               </a:lnSpc>
             </a:pPr>
             <a:r>
+              <a:rPr lang="en-US" dirty="0"/>
+              <a:t>Names are unique on a per-bucket </a:t>
+            </a:r>
+            <a:r>
               <a:rPr lang="en-US" dirty="0" smtClean="0"/>
-              <a:t>Can be created and dropped</a:t>
+              <a:t>basis</a:t>
             </a:r>
+            <a:endParaRPr lang="en-US" dirty="0" smtClean="0"/>
           </a:p>
           <a:p>
             <a:pPr>
@@ -17080,7 +18357,11 @@
             </a:pPr>
             <a:r>
               <a:rPr lang="en-US" dirty="0" smtClean="0"/>
-              <a:t>Names are unique on a per-bucket basis</a:t>
+              <a:t>Indexes can </a:t>
+            </a:r>
+            <a:r>
+              <a:rPr lang="en-US" dirty="0" smtClean="0"/>
+              <a:t>be created and dropped</a:t>
             </a:r>
           </a:p>
           <a:p>
@@ -17091,101 +18372,28 @@
             </a:pPr>
             <a:r>
               <a:rPr lang="en-US" dirty="0" smtClean="0"/>
-              <a:t>Special case: primary index</a:t>
-            </a:r>
-            <a:endParaRPr lang="en-US" dirty="0" smtClean="0"/>
-          </a:p>
-        </p:txBody>
-      </p:sp>
-      <p:sp>
-        <p:nvSpPr>
-          <p:cNvPr id="4" name="Textfeld 3"/>
-          <p:cNvSpPr txBox="1"/>
-          <p:nvPr/>
-        </p:nvSpPr>
-        <p:spPr>
-          <a:xfrm>
-            <a:off x="466344" y="3186288"/>
-            <a:ext cx="7755319" cy="1477328"/>
-          </a:xfrm>
-          <a:prstGeom prst="rect">
-            <a:avLst/>
-          </a:prstGeom>
-          <a:noFill/>
-        </p:spPr>
-        <p:txBody>
-          <a:bodyPr wrap="square" rtlCol="0">
-            <a:spAutoFit/>
-          </a:bodyPr>
-          <a:lstStyle/>
-          <a:p>
-            <a:r>
-              <a:rPr lang="de-DE" dirty="0" smtClean="0"/>
-              <a:t>CREATE PRIMARY INDEX ON &lt;</a:t>
+              <a:t>Special </a:t>
             </a:r>
             <a:r>
-              <a:rPr lang="de-DE" dirty="0" err="1" smtClean="0"/>
-              <a:t>bucket</a:t>
+              <a:rPr lang="en-US" dirty="0" smtClean="0"/>
+              <a:t>case: primary </a:t>
             </a:r>
             <a:r>
-              <a:rPr lang="de-DE" dirty="0" smtClean="0"/>
-              <a:t>&gt;</a:t>
+              <a:rPr lang="en-US" dirty="0" smtClean="0"/>
+              <a:t>index</a:t>
             </a:r>
-          </a:p>
-          <a:p>
-            <a:endParaRPr lang="de-DE" dirty="0"/>
-          </a:p>
-          <a:p>
+            <a:endParaRPr lang="en-US" dirty="0"/>
+          </a:p>
+          <a:p>
+            <a:pPr>
+              <a:lnSpc>
+                <a:spcPct val="140000"/>
+              </a:lnSpc>
+            </a:pPr>
             <a:r>
-              <a:rPr lang="de-DE" dirty="0" smtClean="0"/>
-              <a:t>CREATE INDEX &lt;index-name&gt; ON &lt;</a:t>
+              <a:rPr lang="en-US" dirty="0" smtClean="0"/>
+              <a:t>Management done through N1QL DDL Statements</a:t>
             </a:r>
-            <a:r>
-              <a:rPr lang="de-DE" dirty="0" err="1" smtClean="0"/>
-              <a:t>bucket</a:t>
-            </a:r>
-            <a:r>
-              <a:rPr lang="de-DE" dirty="0" smtClean="0"/>
-              <a:t>&gt; (</a:t>
-            </a:r>
-            <a:r>
-              <a:rPr lang="de-DE" dirty="0" err="1" smtClean="0"/>
-              <a:t>expressions</a:t>
-            </a:r>
-            <a:r>
-              <a:rPr lang="de-DE" dirty="0" smtClean="0"/>
-              <a:t>) [</a:t>
-            </a:r>
-            <a:r>
-              <a:rPr lang="de-DE" dirty="0" err="1" smtClean="0"/>
-              <a:t>where</a:t>
-            </a:r>
-            <a:r>
-              <a:rPr lang="de-DE" dirty="0" smtClean="0"/>
-              <a:t>] [</a:t>
-            </a:r>
-            <a:r>
-              <a:rPr lang="de-DE" dirty="0" err="1" smtClean="0"/>
-              <a:t>using</a:t>
-            </a:r>
-            <a:r>
-              <a:rPr lang="de-DE" dirty="0" smtClean="0"/>
-              <a:t>]</a:t>
-            </a:r>
-          </a:p>
-          <a:p>
-            <a:endParaRPr lang="de-DE" dirty="0"/>
-          </a:p>
-          <a:p>
-            <a:r>
-              <a:rPr lang="de-DE" dirty="0" smtClean="0"/>
-              <a:t>SELECT * FROM </a:t>
-            </a:r>
-            <a:r>
-              <a:rPr lang="de-DE" dirty="0" err="1" smtClean="0"/>
-              <a:t>system:indexes</a:t>
-            </a:r>
-            <a:endParaRPr lang="de-DE" dirty="0"/>
           </a:p>
         </p:txBody>
       </p:sp>
@@ -17390,6 +18598,67 @@
                       </p:childTnLst>
                     </p:cTn>
                   </p:par>
+                  <p:par>
+                    <p:cTn id="18" fill="hold">
+                      <p:stCondLst>
+                        <p:cond delay="indefinite"/>
+                      </p:stCondLst>
+                      <p:childTnLst>
+                        <p:par>
+                          <p:cTn id="19" fill="hold">
+                            <p:stCondLst>
+                              <p:cond delay="0"/>
+                            </p:stCondLst>
+                            <p:childTnLst>
+                              <p:par>
+                                <p:cTn id="20" presetID="10" presetClass="entr" presetSubtype="0" fill="hold" grpId="0" nodeType="clickEffect">
+                                  <p:stCondLst>
+                                    <p:cond delay="0"/>
+                                  </p:stCondLst>
+                                  <p:childTnLst>
+                                    <p:set>
+                                      <p:cBhvr>
+                                        <p:cTn id="21" dur="1" fill="hold">
+                                          <p:stCondLst>
+                                            <p:cond delay="0"/>
+                                          </p:stCondLst>
+                                        </p:cTn>
+                                        <p:tgtEl>
+                                          <p:spTgt spid="3">
+                                            <p:txEl>
+                                              <p:pRg st="3" end="3"/>
+                                            </p:txEl>
+                                          </p:spTgt>
+                                        </p:tgtEl>
+                                        <p:attrNameLst>
+                                          <p:attrName>style.visibility</p:attrName>
+                                        </p:attrNameLst>
+                                      </p:cBhvr>
+                                      <p:to>
+                                        <p:strVal val="visible"/>
+                                      </p:to>
+                                    </p:set>
+                                    <p:animEffect transition="in" filter="fade">
+                                      <p:cBhvr>
+                                        <p:cTn id="22" dur="500"/>
+                                        <p:tgtEl>
+                                          <p:spTgt spid="3">
+                                            <p:txEl>
+                                              <p:pRg st="3" end="3"/>
+                                            </p:txEl>
+                                          </p:spTgt>
+                                        </p:tgtEl>
+                                      </p:cBhvr>
+                                    </p:animEffect>
+                                  </p:childTnLst>
+                                </p:cTn>
+                              </p:par>
+                            </p:childTnLst>
+                          </p:cTn>
+                        </p:par>
+                      </p:childTnLst>
+                    </p:cTn>
+                  </p:par>
                 </p:childTnLst>
               </p:cTn>
               <p:prevCondLst>
@@ -17442,7 +18711,7 @@
             <a:spLocks noGrp="1"/>
           </p:cNvSpPr>
           <p:nvPr>
-            <p:ph type="ctrTitle"/>
+            <p:ph type="title"/>
           </p:nvPr>
         </p:nvSpPr>
         <p:spPr/>
@@ -17452,16 +18721,45 @@
           <a:p>
             <a:r>
               <a:rPr lang="en-US" dirty="0" smtClean="0"/>
-              <a:t>SDK Interaction - Java</a:t>
+              <a:t>Index Information</a:t>
             </a:r>
             <a:endParaRPr lang="en-US" dirty="0"/>
+          </a:p>
+        </p:txBody>
+      </p:sp>
+      <p:sp>
+        <p:nvSpPr>
+          <p:cNvPr id="3" name="Content Placeholder 2"/>
+          <p:cNvSpPr>
+            <a:spLocks noGrp="1"/>
+          </p:cNvSpPr>
+          <p:nvPr>
+            <p:ph idx="1"/>
+          </p:nvPr>
+        </p:nvSpPr>
+        <p:spPr>
+          <a:xfrm>
+            <a:off x="457200" y="955193"/>
+            <a:ext cx="8007739" cy="3493655"/>
+          </a:xfrm>
+        </p:spPr>
+        <p:txBody>
+          <a:bodyPr/>
+          <a:lstStyle/>
+          <a:p>
+            <a:pPr>
+              <a:lnSpc>
+                <a:spcPct val="140000"/>
+              </a:lnSpc>
+            </a:pPr>
+            <a:endParaRPr lang="en-US" dirty="0" smtClean="0"/>
           </a:p>
         </p:txBody>
       </p:sp>
     </p:spTree>
     <p:extLst>
       <p:ext uri="{BB962C8B-B14F-4D97-AF65-F5344CB8AC3E}">
-        <p14:creationId xmlns:p14="http://schemas.microsoft.com/office/powerpoint/2010/main" val="3683186877"/>
+        <p14:creationId xmlns:p14="http://schemas.microsoft.com/office/powerpoint/2010/main" val="1759778519"/>
       </p:ext>
     </p:extLst>
   </p:cSld>
@@ -17471,9 +18769,101 @@
   <p:timing>
     <p:tnLst>
       <p:par>
-        <p:cTn xmlns:p14="http://schemas.microsoft.com/office/powerpoint/2010/main" id="1" dur="indefinite" restart="never" nodeType="tmRoot"/>
+        <p:cTn xmlns:p14="http://schemas.microsoft.com/office/powerpoint/2010/main" id="1" dur="indefinite" restart="never" nodeType="tmRoot">
+          <p:childTnLst>
+            <p:seq concurrent="1" nextAc="seek">
+              <p:cTn id="2" dur="indefinite" nodeType="mainSeq">
+                <p:childTnLst>
+                  <p:par>
+                    <p:cTn id="3" fill="hold">
+                      <p:stCondLst>
+                        <p:cond delay="indefinite"/>
+                      </p:stCondLst>
+                      <p:childTnLst>
+                        <p:par>
+                          <p:cTn id="4" fill="hold">
+                            <p:stCondLst>
+                              <p:cond delay="0"/>
+                            </p:stCondLst>
+                            <p:childTnLst>
+                              <p:par>
+                                <p:cTn id="5" presetID="10" presetClass="entr" presetSubtype="0" fill="hold" grpId="0" nodeType="clickEffect" nodePh="1">
+                                  <p:stCondLst>
+                                    <p:cond delay="0"/>
+                                  </p:stCondLst>
+                                  <p:endCondLst>
+                                    <p:cond evt="begin" delay="0">
+                                      <p:tn val="5"/>
+                                    </p:cond>
+                                  </p:endCondLst>
+                                  <p:childTnLst>
+                                    <p:set>
+                                      <p:cBhvr>
+                                        <p:cTn id="6" dur="1" fill="hold">
+                                          <p:stCondLst>
+                                            <p:cond delay="0"/>
+                                          </p:stCondLst>
+                                        </p:cTn>
+                                        <p:tgtEl>
+                                          <p:spTgt spid="3">
+                                            <p:txEl>
+                                              <p:pRg st="0" end="0"/>
+                                            </p:txEl>
+                                          </p:spTgt>
+                                        </p:tgtEl>
+                                        <p:attrNameLst>
+                                          <p:attrName>style.visibility</p:attrName>
+                                        </p:attrNameLst>
+                                      </p:cBhvr>
+                                      <p:to>
+                                        <p:strVal val="visible"/>
+                                      </p:to>
+                                    </p:set>
+                                    <p:animEffect transition="in" filter="fade">
+                                      <p:cBhvr>
+                                        <p:cTn id="7" dur="500"/>
+                                        <p:tgtEl>
+                                          <p:spTgt spid="3">
+                                            <p:txEl>
+                                              <p:pRg st="0" end="0"/>
+                                            </p:txEl>
+                                          </p:spTgt>
+                                        </p:tgtEl>
+                                      </p:cBhvr>
+                                    </p:animEffect>
+                                  </p:childTnLst>
+                                </p:cTn>
+                              </p:par>
+                            </p:childTnLst>
+                          </p:cTn>
+                        </p:par>
+                      </p:childTnLst>
+                    </p:cTn>
+                  </p:par>
+                </p:childTnLst>
+              </p:cTn>
+              <p:prevCondLst>
+                <p:cond evt="onPrev" delay="0">
+                  <p:tgtEl>
+                    <p:sldTgt/>
+                  </p:tgtEl>
+                </p:cond>
+              </p:prevCondLst>
+              <p:nextCondLst>
+                <p:cond evt="onNext" delay="0">
+                  <p:tgtEl>
+                    <p:sldTgt/>
+                  </p:tgtEl>
+                </p:cond>
+              </p:nextCondLst>
+            </p:seq>
+          </p:childTnLst>
+        </p:cTn>
       </p:par>
     </p:tnLst>
+    <p:bldLst>
+      <p:bldP spid="3" grpId="0" build="p"/>
+    </p:bldLst>
   </p:timing>
 </p:sld>
 </file>
@@ -17502,7 +18892,7 @@
             <a:spLocks noGrp="1"/>
           </p:cNvSpPr>
           <p:nvPr>
-            <p:ph type="ctrTitle"/>
+            <p:ph type="title"/>
           </p:nvPr>
         </p:nvSpPr>
         <p:spPr/>
@@ -17512,16 +18902,45 @@
           <a:p>
             <a:r>
               <a:rPr lang="en-US" dirty="0" smtClean="0"/>
-              <a:t>SDK Interaction - .NET</a:t>
+              <a:t>Index Creation</a:t>
             </a:r>
             <a:endParaRPr lang="en-US" dirty="0"/>
+          </a:p>
+        </p:txBody>
+      </p:sp>
+      <p:sp>
+        <p:nvSpPr>
+          <p:cNvPr id="3" name="Content Placeholder 2"/>
+          <p:cNvSpPr>
+            <a:spLocks noGrp="1"/>
+          </p:cNvSpPr>
+          <p:nvPr>
+            <p:ph idx="1"/>
+          </p:nvPr>
+        </p:nvSpPr>
+        <p:spPr>
+          <a:xfrm>
+            <a:off x="457200" y="955193"/>
+            <a:ext cx="8007739" cy="3493655"/>
+          </a:xfrm>
+        </p:spPr>
+        <p:txBody>
+          <a:bodyPr/>
+          <a:lstStyle/>
+          <a:p>
+            <a:pPr>
+              <a:lnSpc>
+                <a:spcPct val="140000"/>
+              </a:lnSpc>
+            </a:pPr>
+            <a:endParaRPr lang="en-US" dirty="0" smtClean="0"/>
           </a:p>
         </p:txBody>
       </p:sp>
     </p:spTree>
     <p:extLst>
       <p:ext uri="{BB962C8B-B14F-4D97-AF65-F5344CB8AC3E}">
-        <p14:creationId xmlns:p14="http://schemas.microsoft.com/office/powerpoint/2010/main" val="882545490"/>
+        <p14:creationId xmlns:p14="http://schemas.microsoft.com/office/powerpoint/2010/main" val="632303638"/>
       </p:ext>
     </p:extLst>
   </p:cSld>
@@ -17531,9 +18950,101 @@
   <p:timing>
     <p:tnLst>
       <p:par>
-        <p:cTn xmlns:p14="http://schemas.microsoft.com/office/powerpoint/2010/main" id="1" dur="indefinite" restart="never" nodeType="tmRoot"/>
+        <p:cTn xmlns:p14="http://schemas.microsoft.com/office/powerpoint/2010/main" id="1" dur="indefinite" restart="never" nodeType="tmRoot">
+          <p:childTnLst>
+            <p:seq concurrent="1" nextAc="seek">
+              <p:cTn id="2" dur="indefinite" nodeType="mainSeq">
+                <p:childTnLst>
+                  <p:par>
+                    <p:cTn id="3" fill="hold">
+                      <p:stCondLst>
+                        <p:cond delay="indefinite"/>
+                      </p:stCondLst>
+                      <p:childTnLst>
+                        <p:par>
+                          <p:cTn id="4" fill="hold">
+                            <p:stCondLst>
+                              <p:cond delay="0"/>
+                            </p:stCondLst>
+                            <p:childTnLst>
+                              <p:par>
+                                <p:cTn id="5" presetID="10" presetClass="entr" presetSubtype="0" fill="hold" grpId="0" nodeType="clickEffect" nodePh="1">
+                                  <p:stCondLst>
+                                    <p:cond delay="0"/>
+                                  </p:stCondLst>
+                                  <p:endCondLst>
+                                    <p:cond evt="begin" delay="0">
+                                      <p:tn val="5"/>
+                                    </p:cond>
+                                  </p:endCondLst>
+                                  <p:childTnLst>
+                                    <p:set>
+                                      <p:cBhvr>
+                                        <p:cTn id="6" dur="1" fill="hold">
+                                          <p:stCondLst>
+                                            <p:cond delay="0"/>
+                                          </p:stCondLst>
+                                        </p:cTn>
+                                        <p:tgtEl>
+                                          <p:spTgt spid="3">
+                                            <p:txEl>
+                                              <p:pRg st="0" end="0"/>
+                                            </p:txEl>
+                                          </p:spTgt>
+                                        </p:tgtEl>
+                                        <p:attrNameLst>
+                                          <p:attrName>style.visibility</p:attrName>
+                                        </p:attrNameLst>
+                                      </p:cBhvr>
+                                      <p:to>
+                                        <p:strVal val="visible"/>
+                                      </p:to>
+                                    </p:set>
+                                    <p:animEffect transition="in" filter="fade">
+                                      <p:cBhvr>
+                                        <p:cTn id="7" dur="500"/>
+                                        <p:tgtEl>
+                                          <p:spTgt spid="3">
+                                            <p:txEl>
+                                              <p:pRg st="0" end="0"/>
+                                            </p:txEl>
+                                          </p:spTgt>
+                                        </p:tgtEl>
+                                      </p:cBhvr>
+                                    </p:animEffect>
+                                  </p:childTnLst>
+                                </p:cTn>
+                              </p:par>
+                            </p:childTnLst>
+                          </p:cTn>
+                        </p:par>
+                      </p:childTnLst>
+                    </p:cTn>
+                  </p:par>
+                </p:childTnLst>
+              </p:cTn>
+              <p:prevCondLst>
+                <p:cond evt="onPrev" delay="0">
+                  <p:tgtEl>
+                    <p:sldTgt/>
+                  </p:tgtEl>
+                </p:cond>
+              </p:prevCondLst>
+              <p:nextCondLst>
+                <p:cond evt="onNext" delay="0">
+                  <p:tgtEl>
+                    <p:sldTgt/>
+                  </p:tgtEl>
+                </p:cond>
+              </p:nextCondLst>
+            </p:seq>
+          </p:childTnLst>
+        </p:cTn>
       </p:par>
     </p:tnLst>
+    <p:bldLst>
+      <p:bldP spid="3" grpId="0" build="p"/>
+    </p:bldLst>
   </p:timing>
 </p:sld>
 </file>
@@ -17562,7 +19073,7 @@
             <a:spLocks noGrp="1"/>
           </p:cNvSpPr>
           <p:nvPr>
-            <p:ph type="ctrTitle"/>
+            <p:ph type="title"/>
           </p:nvPr>
         </p:nvSpPr>
         <p:spPr/>
@@ -17572,20 +19083,45 @@
           <a:p>
             <a:r>
               <a:rPr lang="en-US" dirty="0" smtClean="0"/>
-              <a:t>SDK Interaction - </a:t>
-            </a:r>
-            <a:r>
-              <a:rPr lang="en-US" dirty="0" err="1" smtClean="0"/>
-              <a:t>NodeJS</a:t>
+              <a:t>Index Removal</a:t>
             </a:r>
             <a:endParaRPr lang="en-US" dirty="0"/>
+          </a:p>
+        </p:txBody>
+      </p:sp>
+      <p:sp>
+        <p:nvSpPr>
+          <p:cNvPr id="3" name="Content Placeholder 2"/>
+          <p:cNvSpPr>
+            <a:spLocks noGrp="1"/>
+          </p:cNvSpPr>
+          <p:nvPr>
+            <p:ph idx="1"/>
+          </p:nvPr>
+        </p:nvSpPr>
+        <p:spPr>
+          <a:xfrm>
+            <a:off x="457200" y="955193"/>
+            <a:ext cx="8007739" cy="3493655"/>
+          </a:xfrm>
+        </p:spPr>
+        <p:txBody>
+          <a:bodyPr/>
+          <a:lstStyle/>
+          <a:p>
+            <a:pPr>
+              <a:lnSpc>
+                <a:spcPct val="140000"/>
+              </a:lnSpc>
+            </a:pPr>
+            <a:endParaRPr lang="en-US" dirty="0" smtClean="0"/>
           </a:p>
         </p:txBody>
       </p:sp>
     </p:spTree>
     <p:extLst>
       <p:ext uri="{BB962C8B-B14F-4D97-AF65-F5344CB8AC3E}">
-        <p14:creationId xmlns:p14="http://schemas.microsoft.com/office/powerpoint/2010/main" val="3686523847"/>
+        <p14:creationId xmlns:p14="http://schemas.microsoft.com/office/powerpoint/2010/main" val="1530284123"/>
       </p:ext>
     </p:extLst>
   </p:cSld>
@@ -17595,9 +19131,101 @@
   <p:timing>
     <p:tnLst>
       <p:par>
-        <p:cTn xmlns:p14="http://schemas.microsoft.com/office/powerpoint/2010/main" id="1" dur="indefinite" restart="never" nodeType="tmRoot"/>
+        <p:cTn xmlns:p14="http://schemas.microsoft.com/office/powerpoint/2010/main" id="1" dur="indefinite" restart="never" nodeType="tmRoot">
+          <p:childTnLst>
+            <p:seq concurrent="1" nextAc="seek">
+              <p:cTn id="2" dur="indefinite" nodeType="mainSeq">
+                <p:childTnLst>
+                  <p:par>
+                    <p:cTn id="3" fill="hold">
+                      <p:stCondLst>
+                        <p:cond delay="indefinite"/>
+                      </p:stCondLst>
+                      <p:childTnLst>
+                        <p:par>
+                          <p:cTn id="4" fill="hold">
+                            <p:stCondLst>
+                              <p:cond delay="0"/>
+                            </p:stCondLst>
+                            <p:childTnLst>
+                              <p:par>
+                                <p:cTn id="5" presetID="10" presetClass="entr" presetSubtype="0" fill="hold" grpId="0" nodeType="clickEffect" nodePh="1">
+                                  <p:stCondLst>
+                                    <p:cond delay="0"/>
+                                  </p:stCondLst>
+                                  <p:endCondLst>
+                                    <p:cond evt="begin" delay="0">
+                                      <p:tn val="5"/>
+                                    </p:cond>
+                                  </p:endCondLst>
+                                  <p:childTnLst>
+                                    <p:set>
+                                      <p:cBhvr>
+                                        <p:cTn id="6" dur="1" fill="hold">
+                                          <p:stCondLst>
+                                            <p:cond delay="0"/>
+                                          </p:stCondLst>
+                                        </p:cTn>
+                                        <p:tgtEl>
+                                          <p:spTgt spid="3">
+                                            <p:txEl>
+                                              <p:pRg st="0" end="0"/>
+                                            </p:txEl>
+                                          </p:spTgt>
+                                        </p:tgtEl>
+                                        <p:attrNameLst>
+                                          <p:attrName>style.visibility</p:attrName>
+                                        </p:attrNameLst>
+                                      </p:cBhvr>
+                                      <p:to>
+                                        <p:strVal val="visible"/>
+                                      </p:to>
+                                    </p:set>
+                                    <p:animEffect transition="in" filter="fade">
+                                      <p:cBhvr>
+                                        <p:cTn id="7" dur="500"/>
+                                        <p:tgtEl>
+                                          <p:spTgt spid="3">
+                                            <p:txEl>
+                                              <p:pRg st="0" end="0"/>
+                                            </p:txEl>
+                                          </p:spTgt>
+                                        </p:tgtEl>
+                                      </p:cBhvr>
+                                    </p:animEffect>
+                                  </p:childTnLst>
+                                </p:cTn>
+                              </p:par>
+                            </p:childTnLst>
+                          </p:cTn>
+                        </p:par>
+                      </p:childTnLst>
+                    </p:cTn>
+                  </p:par>
+                </p:childTnLst>
+              </p:cTn>
+              <p:prevCondLst>
+                <p:cond evt="onPrev" delay="0">
+                  <p:tgtEl>
+                    <p:sldTgt/>
+                  </p:tgtEl>
+                </p:cond>
+              </p:prevCondLst>
+              <p:nextCondLst>
+                <p:cond evt="onNext" delay="0">
+                  <p:tgtEl>
+                    <p:sldTgt/>
+                  </p:tgtEl>
+                </p:cond>
+              </p:nextCondLst>
+            </p:seq>
+          </p:childTnLst>
+        </p:cTn>
       </p:par>
     </p:tnLst>
+    <p:bldLst>
+      <p:bldP spid="3" grpId="0" build="p"/>
+    </p:bldLst>
   </p:timing>
 </p:sld>
 </file>
@@ -17626,7 +19254,7 @@
             <a:spLocks noGrp="1"/>
           </p:cNvSpPr>
           <p:nvPr>
-            <p:ph type="ctrTitle"/>
+            <p:ph type="title"/>
           </p:nvPr>
         </p:nvSpPr>
         <p:spPr/>
@@ -17636,16 +19264,45 @@
           <a:p>
             <a:r>
               <a:rPr lang="en-US" dirty="0" smtClean="0"/>
-              <a:t>View vs. Indexes</a:t>
+              <a:t>Explain</a:t>
             </a:r>
             <a:endParaRPr lang="en-US" dirty="0"/>
+          </a:p>
+        </p:txBody>
+      </p:sp>
+      <p:sp>
+        <p:nvSpPr>
+          <p:cNvPr id="3" name="Content Placeholder 2"/>
+          <p:cNvSpPr>
+            <a:spLocks noGrp="1"/>
+          </p:cNvSpPr>
+          <p:nvPr>
+            <p:ph idx="1"/>
+          </p:nvPr>
+        </p:nvSpPr>
+        <p:spPr>
+          <a:xfrm>
+            <a:off x="457200" y="955193"/>
+            <a:ext cx="8007739" cy="3493655"/>
+          </a:xfrm>
+        </p:spPr>
+        <p:txBody>
+          <a:bodyPr/>
+          <a:lstStyle/>
+          <a:p>
+            <a:pPr>
+              <a:lnSpc>
+                <a:spcPct val="140000"/>
+              </a:lnSpc>
+            </a:pPr>
+            <a:endParaRPr lang="en-US" dirty="0" smtClean="0"/>
           </a:p>
         </p:txBody>
       </p:sp>
     </p:spTree>
     <p:extLst>
       <p:ext uri="{BB962C8B-B14F-4D97-AF65-F5344CB8AC3E}">
-        <p14:creationId xmlns:p14="http://schemas.microsoft.com/office/powerpoint/2010/main" val="1029701812"/>
+        <p14:creationId xmlns:p14="http://schemas.microsoft.com/office/powerpoint/2010/main" val="3354008405"/>
       </p:ext>
     </p:extLst>
   </p:cSld>
@@ -17655,9 +19312,101 @@
   <p:timing>
     <p:tnLst>
       <p:par>
-        <p:cTn xmlns:p14="http://schemas.microsoft.com/office/powerpoint/2010/main" id="1" dur="indefinite" restart="never" nodeType="tmRoot"/>
+        <p:cTn xmlns:p14="http://schemas.microsoft.com/office/powerpoint/2010/main" id="1" dur="indefinite" restart="never" nodeType="tmRoot">
+          <p:childTnLst>
+            <p:seq concurrent="1" nextAc="seek">
+              <p:cTn id="2" dur="indefinite" nodeType="mainSeq">
+                <p:childTnLst>
+                  <p:par>
+                    <p:cTn id="3" fill="hold">
+                      <p:stCondLst>
+                        <p:cond delay="indefinite"/>
+                      </p:stCondLst>
+                      <p:childTnLst>
+                        <p:par>
+                          <p:cTn id="4" fill="hold">
+                            <p:stCondLst>
+                              <p:cond delay="0"/>
+                            </p:stCondLst>
+                            <p:childTnLst>
+                              <p:par>
+                                <p:cTn id="5" presetID="10" presetClass="entr" presetSubtype="0" fill="hold" grpId="0" nodeType="clickEffect" nodePh="1">
+                                  <p:stCondLst>
+                                    <p:cond delay="0"/>
+                                  </p:stCondLst>
+                                  <p:endCondLst>
+                                    <p:cond evt="begin" delay="0">
+                                      <p:tn val="5"/>
+                                    </p:cond>
+                                  </p:endCondLst>
+                                  <p:childTnLst>
+                                    <p:set>
+                                      <p:cBhvr>
+                                        <p:cTn id="6" dur="1" fill="hold">
+                                          <p:stCondLst>
+                                            <p:cond delay="0"/>
+                                          </p:stCondLst>
+                                        </p:cTn>
+                                        <p:tgtEl>
+                                          <p:spTgt spid="3">
+                                            <p:txEl>
+                                              <p:pRg st="0" end="0"/>
+                                            </p:txEl>
+                                          </p:spTgt>
+                                        </p:tgtEl>
+                                        <p:attrNameLst>
+                                          <p:attrName>style.visibility</p:attrName>
+                                        </p:attrNameLst>
+                                      </p:cBhvr>
+                                      <p:to>
+                                        <p:strVal val="visible"/>
+                                      </p:to>
+                                    </p:set>
+                                    <p:animEffect transition="in" filter="fade">
+                                      <p:cBhvr>
+                                        <p:cTn id="7" dur="500"/>
+                                        <p:tgtEl>
+                                          <p:spTgt spid="3">
+                                            <p:txEl>
+                                              <p:pRg st="0" end="0"/>
+                                            </p:txEl>
+                                          </p:spTgt>
+                                        </p:tgtEl>
+                                      </p:cBhvr>
+                                    </p:animEffect>
+                                  </p:childTnLst>
+                                </p:cTn>
+                              </p:par>
+                            </p:childTnLst>
+                          </p:cTn>
+                        </p:par>
+                      </p:childTnLst>
+                    </p:cTn>
+                  </p:par>
+                </p:childTnLst>
+              </p:cTn>
+              <p:prevCondLst>
+                <p:cond evt="onPrev" delay="0">
+                  <p:tgtEl>
+                    <p:sldTgt/>
+                  </p:tgtEl>
+                </p:cond>
+              </p:prevCondLst>
+              <p:nextCondLst>
+                <p:cond evt="onNext" delay="0">
+                  <p:tgtEl>
+                    <p:sldTgt/>
+                  </p:tgtEl>
+                </p:cond>
+              </p:nextCondLst>
+            </p:seq>
+          </p:childTnLst>
+        </p:cTn>
       </p:par>
     </p:tnLst>
+    <p:bldLst>
+      <p:bldP spid="3" grpId="0" build="p"/>
+    </p:bldLst>
   </p:timing>
 </p:sld>
 </file>
@@ -17696,7 +19445,7 @@
           <a:p>
             <a:r>
               <a:rPr lang="en-US" dirty="0" smtClean="0"/>
-              <a:t>Views vs. Indexes</a:t>
+              <a:t>Hints</a:t>
             </a:r>
             <a:endParaRPr lang="en-US" dirty="0"/>
           </a:p>
@@ -17704,7 +19453,7 @@
       </p:sp>
       <p:sp>
         <p:nvSpPr>
-          <p:cNvPr id="4" name="Content Placeholder 3"/>
+          <p:cNvPr id="3" name="Content Placeholder 2"/>
           <p:cNvSpPr>
             <a:spLocks noGrp="1"/>
           </p:cNvSpPr>
@@ -17712,355 +19461,29 @@
             <p:ph idx="1"/>
           </p:nvPr>
         </p:nvSpPr>
-        <p:spPr/>
+        <p:spPr>
+          <a:xfrm>
+            <a:off x="457200" y="955193"/>
+            <a:ext cx="8007739" cy="3493655"/>
+          </a:xfrm>
+        </p:spPr>
         <p:txBody>
           <a:bodyPr/>
           <a:lstStyle/>
           <a:p>
-            <a:r>
-              <a:rPr lang="en-US" b="1" dirty="0" smtClean="0"/>
-              <a:t>Global Secondary Indexes vs. Views</a:t>
-            </a:r>
-          </a:p>
-          <a:p>
-            <a:pPr lvl="1"/>
-            <a:r>
-              <a:rPr lang="en-US" b="1" dirty="0" smtClean="0"/>
-              <a:t>GSI – Index Service</a:t>
-            </a:r>
-          </a:p>
-          <a:p>
-            <a:pPr marL="230188" lvl="1" indent="0">
-              <a:buNone/>
+            <a:pPr>
+              <a:lnSpc>
+                <a:spcPct val="140000"/>
+              </a:lnSpc>
             </a:pPr>
-            <a:r>
-              <a:rPr lang="en-US" dirty="0" smtClean="0"/>
-              <a:t>Global Secondary Indexes is a new indexing technology that allows independently partitioned and independently scalable indexes. </a:t>
-            </a:r>
-          </a:p>
-          <a:p>
-            <a:pPr lvl="1"/>
-            <a:endParaRPr lang="en-US" b="1" dirty="0" smtClean="0"/>
-          </a:p>
-          <a:p>
-            <a:pPr lvl="1"/>
-            <a:r>
-              <a:rPr lang="en-US" b="1" dirty="0" smtClean="0"/>
-              <a:t>Views – Data Service</a:t>
-            </a:r>
-          </a:p>
-          <a:p>
-            <a:pPr marL="230188" lvl="1" indent="0">
-              <a:buNone/>
-            </a:pPr>
-            <a:r>
-              <a:rPr lang="en-US" dirty="0" smtClean="0"/>
-              <a:t>Incremental Map/Reduce Views that provide full partition alignment and paired scalability with Data Service. </a:t>
-            </a:r>
-          </a:p>
-        </p:txBody>
-      </p:sp>
-      <p:sp>
-        <p:nvSpPr>
-          <p:cNvPr id="8" name="TextBox 7"/>
-          <p:cNvSpPr txBox="1"/>
-          <p:nvPr/>
-        </p:nvSpPr>
-        <p:spPr>
-          <a:xfrm>
-            <a:off x="7130590" y="4054833"/>
-            <a:ext cx="1186330" cy="369332"/>
-          </a:xfrm>
-          <a:prstGeom prst="rect">
-            <a:avLst/>
-          </a:prstGeom>
-          <a:noFill/>
-        </p:spPr>
-        <p:txBody>
-          <a:bodyPr wrap="none" rtlCol="0">
-            <a:spAutoFit/>
-          </a:bodyPr>
-          <a:lstStyle/>
-          <a:p>
-            <a:r>
-              <a:rPr lang="en-US" sz="1800" dirty="0" smtClean="0"/>
-              <a:t>Index Scan</a:t>
-            </a:r>
-            <a:endParaRPr lang="en-US" sz="1800" dirty="0"/>
-          </a:p>
-        </p:txBody>
-      </p:sp>
-      <p:pic>
-        <p:nvPicPr>
-          <p:cNvPr id="9" name="Picture 8"/>
-          <p:cNvPicPr>
-            <a:picLocks noChangeAspect="1"/>
-          </p:cNvPicPr>
-          <p:nvPr/>
-        </p:nvPicPr>
-        <p:blipFill>
-          <a:blip r:embed="rId2"/>
-          <a:stretch>
-            <a:fillRect/>
-          </a:stretch>
-        </p:blipFill>
-        <p:spPr>
-          <a:xfrm>
-            <a:off x="5726313" y="3431945"/>
-            <a:ext cx="3318322" cy="1711555"/>
-          </a:xfrm>
-          <a:prstGeom prst="rect">
-            <a:avLst/>
-          </a:prstGeom>
-        </p:spPr>
-      </p:pic>
-      <p:sp>
-        <p:nvSpPr>
-          <p:cNvPr id="11" name="Rectangle 10"/>
-          <p:cNvSpPr/>
-          <p:nvPr/>
-        </p:nvSpPr>
-        <p:spPr>
-          <a:xfrm flipH="1" flipV="1">
-            <a:off x="6802863" y="3812639"/>
-            <a:ext cx="1027580" cy="1213152"/>
-          </a:xfrm>
-          <a:prstGeom prst="rect">
-            <a:avLst/>
-          </a:prstGeom>
-          <a:solidFill>
-            <a:schemeClr val="accent1">
-              <a:alpha val="26000"/>
-            </a:schemeClr>
-          </a:solidFill>
-        </p:spPr>
-        <p:style>
-          <a:lnRef idx="1">
-            <a:schemeClr val="accent1"/>
-          </a:lnRef>
-          <a:fillRef idx="3">
-            <a:schemeClr val="accent1"/>
-          </a:fillRef>
-          <a:effectRef idx="2">
-            <a:schemeClr val="accent1"/>
-          </a:effectRef>
-          <a:fontRef idx="minor">
-            <a:schemeClr val="lt1"/>
-          </a:fontRef>
-        </p:style>
-        <p:txBody>
-          <a:bodyPr rtlCol="0" anchor="ctr"/>
-          <a:lstStyle/>
-          <a:p>
-            <a:endParaRPr lang="en-US" sz="2400" dirty="0"/>
-          </a:p>
-        </p:txBody>
-      </p:sp>
-      <p:sp>
-        <p:nvSpPr>
-          <p:cNvPr id="12" name="Rectangle 11"/>
-          <p:cNvSpPr/>
-          <p:nvPr/>
-        </p:nvSpPr>
-        <p:spPr>
-          <a:xfrm>
-            <a:off x="5726313" y="3812639"/>
-            <a:ext cx="1076550" cy="1208547"/>
-          </a:xfrm>
-          <a:prstGeom prst="rect">
-            <a:avLst/>
-          </a:prstGeom>
-          <a:solidFill>
-            <a:schemeClr val="accent5">
-              <a:alpha val="26000"/>
-            </a:schemeClr>
-          </a:solidFill>
-        </p:spPr>
-        <p:style>
-          <a:lnRef idx="1">
-            <a:schemeClr val="accent1"/>
-          </a:lnRef>
-          <a:fillRef idx="3">
-            <a:schemeClr val="accent1"/>
-          </a:fillRef>
-          <a:effectRef idx="2">
-            <a:schemeClr val="accent1"/>
-          </a:effectRef>
-          <a:fontRef idx="minor">
-            <a:schemeClr val="lt1"/>
-          </a:fontRef>
-        </p:style>
-        <p:txBody>
-          <a:bodyPr rtlCol="0" anchor="ctr"/>
-          <a:lstStyle/>
-          <a:p>
-            <a:endParaRPr lang="en-US" sz="2400" dirty="0"/>
-          </a:p>
-        </p:txBody>
-      </p:sp>
-      <p:cxnSp>
-        <p:nvCxnSpPr>
-          <p:cNvPr id="22" name="Elbow Connector 21"/>
-          <p:cNvCxnSpPr>
-            <a:endCxn id="12" idx="0"/>
-          </p:cNvCxnSpPr>
-          <p:nvPr/>
-        </p:nvCxnSpPr>
-        <p:spPr>
-          <a:xfrm>
-            <a:off x="4662883" y="3251962"/>
-            <a:ext cx="1601705" cy="560677"/>
-          </a:xfrm>
-          <a:prstGeom prst="bentConnector2">
-            <a:avLst/>
-          </a:prstGeom>
-          <a:ln w="12700" cmpd="sng">
-            <a:solidFill>
-              <a:srgbClr val="609E0E"/>
-            </a:solidFill>
-          </a:ln>
-          <a:effectLst/>
-        </p:spPr>
-        <p:style>
-          <a:lnRef idx="2">
-            <a:schemeClr val="accent1"/>
-          </a:lnRef>
-          <a:fillRef idx="0">
-            <a:schemeClr val="accent1"/>
-          </a:fillRef>
-          <a:effectRef idx="1">
-            <a:schemeClr val="accent1"/>
-          </a:effectRef>
-          <a:fontRef idx="minor">
-            <a:schemeClr val="tx1"/>
-          </a:fontRef>
-        </p:style>
-      </p:cxnSp>
-      <p:sp>
-        <p:nvSpPr>
-          <p:cNvPr id="23" name="Freeform 22"/>
-          <p:cNvSpPr/>
-          <p:nvPr/>
-        </p:nvSpPr>
-        <p:spPr>
-          <a:xfrm>
-            <a:off x="7280301" y="1939114"/>
-            <a:ext cx="1289321" cy="1880941"/>
-          </a:xfrm>
-          <a:custGeom>
-            <a:avLst/>
-            <a:gdLst>
-              <a:gd name="connsiteX0" fmla="*/ 145412 w 1289321"/>
-              <a:gd name="connsiteY0" fmla="*/ 9696 h 1880941"/>
-              <a:gd name="connsiteX1" fmla="*/ 1289321 w 1289321"/>
-              <a:gd name="connsiteY1" fmla="*/ 9696 h 1880941"/>
-              <a:gd name="connsiteX2" fmla="*/ 1260239 w 1289321"/>
-              <a:gd name="connsiteY2" fmla="*/ 1299206 h 1880941"/>
-              <a:gd name="connsiteX3" fmla="*/ 0 w 1289321"/>
-              <a:gd name="connsiteY3" fmla="*/ 1299206 h 1880941"/>
-              <a:gd name="connsiteX4" fmla="*/ 0 w 1289321"/>
-              <a:gd name="connsiteY4" fmla="*/ 1880941 h 1880941"/>
-              <a:gd name="connsiteX5" fmla="*/ 9694 w 1289321"/>
-              <a:gd name="connsiteY5" fmla="*/ 1289511 h 1880941"/>
-              <a:gd name="connsiteX6" fmla="*/ 1250544 w 1289321"/>
-              <a:gd name="connsiteY6" fmla="*/ 1289511 h 1880941"/>
-              <a:gd name="connsiteX7" fmla="*/ 1269933 w 1289321"/>
-              <a:gd name="connsiteY7" fmla="*/ 0 h 1880941"/>
-              <a:gd name="connsiteX8" fmla="*/ 145412 w 1289321"/>
-              <a:gd name="connsiteY8" fmla="*/ 9696 h 1880941"/>
-            </a:gdLst>
-            <a:ahLst/>
-            <a:cxnLst>
-              <a:cxn ang="0">
-                <a:pos x="connsiteX0" y="connsiteY0"/>
-              </a:cxn>
-              <a:cxn ang="0">
-                <a:pos x="connsiteX1" y="connsiteY1"/>
-              </a:cxn>
-              <a:cxn ang="0">
-                <a:pos x="connsiteX2" y="connsiteY2"/>
-              </a:cxn>
-              <a:cxn ang="0">
-                <a:pos x="connsiteX3" y="connsiteY3"/>
-              </a:cxn>
-              <a:cxn ang="0">
-                <a:pos x="connsiteX4" y="connsiteY4"/>
-              </a:cxn>
-              <a:cxn ang="0">
-                <a:pos x="connsiteX5" y="connsiteY5"/>
-              </a:cxn>
-              <a:cxn ang="0">
-                <a:pos x="connsiteX6" y="connsiteY6"/>
-              </a:cxn>
-              <a:cxn ang="0">
-                <a:pos x="connsiteX7" y="connsiteY7"/>
-              </a:cxn>
-              <a:cxn ang="0">
-                <a:pos x="connsiteX8" y="connsiteY8"/>
-              </a:cxn>
-            </a:cxnLst>
-            <a:rect l="l" t="t" r="r" b="b"/>
-            <a:pathLst>
-              <a:path w="1289321" h="1880941">
-                <a:moveTo>
-                  <a:pt x="145412" y="9696"/>
-                </a:moveTo>
-                <a:lnTo>
-                  <a:pt x="1289321" y="9696"/>
-                </a:lnTo>
-                <a:lnTo>
-                  <a:pt x="1260239" y="1299206"/>
-                </a:lnTo>
-                <a:lnTo>
-                  <a:pt x="0" y="1299206"/>
-                </a:lnTo>
-                <a:lnTo>
-                  <a:pt x="0" y="1880941"/>
-                </a:lnTo>
-                <a:lnTo>
-                  <a:pt x="9694" y="1289511"/>
-                </a:lnTo>
-                <a:lnTo>
-                  <a:pt x="1250544" y="1289511"/>
-                </a:lnTo>
-                <a:lnTo>
-                  <a:pt x="1269933" y="0"/>
-                </a:lnTo>
-                <a:lnTo>
-                  <a:pt x="145412" y="9696"/>
-                </a:lnTo>
-                <a:close/>
-              </a:path>
-            </a:pathLst>
-          </a:custGeom>
-        </p:spPr>
-        <p:style>
-          <a:lnRef idx="1">
-            <a:schemeClr val="accent1"/>
-          </a:lnRef>
-          <a:fillRef idx="3">
-            <a:schemeClr val="accent1"/>
-          </a:fillRef>
-          <a:effectRef idx="2">
-            <a:schemeClr val="accent1"/>
-          </a:effectRef>
-          <a:fontRef idx="minor">
-            <a:schemeClr val="lt1"/>
-          </a:fontRef>
-        </p:style>
-        <p:txBody>
-          <a:bodyPr rtlCol="0" anchor="ctr"/>
-          <a:lstStyle/>
-          <a:p>
-            <a:pPr algn="ctr"/>
-            <a:endParaRPr lang="en-US"/>
+            <a:endParaRPr lang="en-US" dirty="0" smtClean="0"/>
           </a:p>
         </p:txBody>
       </p:sp>
     </p:spTree>
     <p:extLst>
       <p:ext uri="{BB962C8B-B14F-4D97-AF65-F5344CB8AC3E}">
-        <p14:creationId xmlns:p14="http://schemas.microsoft.com/office/powerpoint/2010/main" val="2651426066"/>
+        <p14:creationId xmlns:p14="http://schemas.microsoft.com/office/powerpoint/2010/main" val="2195002502"/>
       </p:ext>
     </p:extLst>
   </p:cSld>
@@ -18070,9 +19493,101 @@
   <p:timing>
     <p:tnLst>
       <p:par>
-        <p:cTn xmlns:p14="http://schemas.microsoft.com/office/powerpoint/2010/main" id="1" dur="indefinite" restart="never" nodeType="tmRoot"/>
+        <p:cTn xmlns:p14="http://schemas.microsoft.com/office/powerpoint/2010/main" id="1" dur="indefinite" restart="never" nodeType="tmRoot">
+          <p:childTnLst>
+            <p:seq concurrent="1" nextAc="seek">
+              <p:cTn id="2" dur="indefinite" nodeType="mainSeq">
+                <p:childTnLst>
+                  <p:par>
+                    <p:cTn id="3" fill="hold">
+                      <p:stCondLst>
+                        <p:cond delay="indefinite"/>
+                      </p:stCondLst>
+                      <p:childTnLst>
+                        <p:par>
+                          <p:cTn id="4" fill="hold">
+                            <p:stCondLst>
+                              <p:cond delay="0"/>
+                            </p:stCondLst>
+                            <p:childTnLst>
+                              <p:par>
+                                <p:cTn id="5" presetID="10" presetClass="entr" presetSubtype="0" fill="hold" grpId="0" nodeType="clickEffect" nodePh="1">
+                                  <p:stCondLst>
+                                    <p:cond delay="0"/>
+                                  </p:stCondLst>
+                                  <p:endCondLst>
+                                    <p:cond evt="begin" delay="0">
+                                      <p:tn val="5"/>
+                                    </p:cond>
+                                  </p:endCondLst>
+                                  <p:childTnLst>
+                                    <p:set>
+                                      <p:cBhvr>
+                                        <p:cTn id="6" dur="1" fill="hold">
+                                          <p:stCondLst>
+                                            <p:cond delay="0"/>
+                                          </p:stCondLst>
+                                        </p:cTn>
+                                        <p:tgtEl>
+                                          <p:spTgt spid="3">
+                                            <p:txEl>
+                                              <p:pRg st="0" end="0"/>
+                                            </p:txEl>
+                                          </p:spTgt>
+                                        </p:tgtEl>
+                                        <p:attrNameLst>
+                                          <p:attrName>style.visibility</p:attrName>
+                                        </p:attrNameLst>
+                                      </p:cBhvr>
+                                      <p:to>
+                                        <p:strVal val="visible"/>
+                                      </p:to>
+                                    </p:set>
+                                    <p:animEffect transition="in" filter="fade">
+                                      <p:cBhvr>
+                                        <p:cTn id="7" dur="500"/>
+                                        <p:tgtEl>
+                                          <p:spTgt spid="3">
+                                            <p:txEl>
+                                              <p:pRg st="0" end="0"/>
+                                            </p:txEl>
+                                          </p:spTgt>
+                                        </p:tgtEl>
+                                      </p:cBhvr>
+                                    </p:animEffect>
+                                  </p:childTnLst>
+                                </p:cTn>
+                              </p:par>
+                            </p:childTnLst>
+                          </p:cTn>
+                        </p:par>
+                      </p:childTnLst>
+                    </p:cTn>
+                  </p:par>
+                </p:childTnLst>
+              </p:cTn>
+              <p:prevCondLst>
+                <p:cond evt="onPrev" delay="0">
+                  <p:tgtEl>
+                    <p:sldTgt/>
+                  </p:tgtEl>
+                </p:cond>
+              </p:prevCondLst>
+              <p:nextCondLst>
+                <p:cond evt="onNext" delay="0">
+                  <p:tgtEl>
+                    <p:sldTgt/>
+                  </p:tgtEl>
+                </p:cond>
+              </p:nextCondLst>
+            </p:seq>
+          </p:childTnLst>
+        </p:cTn>
       </p:par>
     </p:tnLst>
+    <p:bldLst>
+      <p:bldP spid="3" grpId="0" build="p"/>
+    </p:bldLst>
   </p:timing>
 </p:sld>
 </file>
